--- a/patterns/transaction-read.pptx
+++ b/patterns/transaction-read.pptx
@@ -19508,9 +19508,9 @@
         <p:grpSpPr>
           <a:xfrm>
             <a:off x="2223624" y="1886091"/>
-            <a:ext cx="8540981" cy="4274855"/>
+            <a:ext cx="8540981" cy="3866124"/>
             <a:chOff x="3193443" y="1788676"/>
-            <a:chExt cx="8540981" cy="4274855"/>
+            <a:chExt cx="8540981" cy="3866124"/>
           </a:xfrm>
         </p:grpSpPr>
         <p:sp>
@@ -19975,8 +19975,8 @@
           </p:nvSpPr>
           <p:spPr>
             <a:xfrm>
-              <a:off x="6201822" y="4286232"/>
-              <a:ext cx="2427922" cy="1777299"/>
+              <a:off x="5682812" y="4537863"/>
+              <a:ext cx="3454797" cy="1116937"/>
             </a:xfrm>
             <a:prstGeom prst="rect">
               <a:avLst/>
@@ -20051,7 +20051,47 @@
                   <a:latin typeface="DengXian" panose="02010600030101010101" pitchFamily="2" charset="-122"/>
                   <a:ea typeface="DengXian" panose="02010600030101010101" pitchFamily="2" charset="-122"/>
                 </a:rPr>
-                <a:t>edge1</a:t>
+                <a:t>edge2</a:t>
+              </a:r>
+              <a:r>
+                <a:rPr kumimoji="1" lang="en-US" altLang="zh-CN" sz="1200" dirty="0">
+                  <a:solidFill>
+                    <a:sysClr val="windowText" lastClr="000000"/>
+                  </a:solidFill>
+                  <a:latin typeface="DengXian" panose="02010600030101010101" pitchFamily="2" charset="-122"/>
+                  <a:ea typeface="DengXian" panose="02010600030101010101" pitchFamily="2" charset="-122"/>
+                </a:rPr>
+                <a:t>.amount),</a:t>
+              </a:r>
+              <a:r>
+                <a:rPr kumimoji="1" lang="zh-CN" altLang="en-US" sz="1200" dirty="0">
+                  <a:solidFill>
+                    <a:sysClr val="windowText" lastClr="000000"/>
+                  </a:solidFill>
+                  <a:latin typeface="DengXian" panose="02010600030101010101" pitchFamily="2" charset="-122"/>
+                  <a:ea typeface="DengXian" panose="02010600030101010101" pitchFamily="2" charset="-122"/>
+                </a:rPr>
+                <a:t> </a:t>
+              </a:r>
+              <a:r>
+                <a:rPr kumimoji="1" lang="en-US" altLang="zh-CN" sz="1200" dirty="0">
+                  <a:solidFill>
+                    <a:sysClr val="windowText" lastClr="000000"/>
+                  </a:solidFill>
+                  <a:latin typeface="DengXian" panose="02010600030101010101" pitchFamily="2" charset="-122"/>
+                  <a:ea typeface="DengXian" panose="02010600030101010101" pitchFamily="2" charset="-122"/>
+                </a:rPr>
+                <a:t>MAX(</a:t>
+              </a:r>
+              <a:r>
+                <a:rPr kumimoji="1" lang="en-US" altLang="zh-CN" sz="1200" b="1" i="1" dirty="0">
+                  <a:solidFill>
+                    <a:sysClr val="windowText" lastClr="000000"/>
+                  </a:solidFill>
+                  <a:latin typeface="DengXian" panose="02010600030101010101" pitchFamily="2" charset="-122"/>
+                  <a:ea typeface="DengXian" panose="02010600030101010101" pitchFamily="2" charset="-122"/>
+                </a:rPr>
+                <a:t>edge2</a:t>
               </a:r>
               <a:r>
                 <a:rPr kumimoji="1" lang="en-US" altLang="zh-CN" sz="1200" dirty="0">
@@ -20073,6 +20113,46 @@
                   <a:latin typeface="DengXian" panose="02010600030101010101" pitchFamily="2" charset="-122"/>
                   <a:ea typeface="DengXian" panose="02010600030101010101" pitchFamily="2" charset="-122"/>
                 </a:rPr>
+                <a:t>SUM(</a:t>
+              </a:r>
+              <a:r>
+                <a:rPr kumimoji="1" lang="en-US" altLang="zh-CN" sz="1200" b="1" i="1" dirty="0">
+                  <a:solidFill>
+                    <a:sysClr val="windowText" lastClr="000000"/>
+                  </a:solidFill>
+                  <a:latin typeface="DengXian" panose="02010600030101010101" pitchFamily="2" charset="-122"/>
+                  <a:ea typeface="DengXian" panose="02010600030101010101" pitchFamily="2" charset="-122"/>
+                </a:rPr>
+                <a:t>edge3</a:t>
+              </a:r>
+              <a:r>
+                <a:rPr kumimoji="1" lang="en-US" altLang="zh-CN" sz="1200" dirty="0">
+                  <a:solidFill>
+                    <a:sysClr val="windowText" lastClr="000000"/>
+                  </a:solidFill>
+                  <a:latin typeface="DengXian" panose="02010600030101010101" pitchFamily="2" charset="-122"/>
+                  <a:ea typeface="DengXian" panose="02010600030101010101" pitchFamily="2" charset="-122"/>
+                </a:rPr>
+                <a:t>.amount),</a:t>
+              </a:r>
+              <a:r>
+                <a:rPr kumimoji="1" lang="zh-CN" altLang="en-US" sz="1200" dirty="0">
+                  <a:solidFill>
+                    <a:sysClr val="windowText" lastClr="000000"/>
+                  </a:solidFill>
+                  <a:latin typeface="DengXian" panose="02010600030101010101" pitchFamily="2" charset="-122"/>
+                  <a:ea typeface="DengXian" panose="02010600030101010101" pitchFamily="2" charset="-122"/>
+                </a:rPr>
+                <a:t> </a:t>
+              </a:r>
+              <a:r>
+                <a:rPr kumimoji="1" lang="en-US" altLang="zh-CN" sz="1200" dirty="0">
+                  <a:solidFill>
+                    <a:sysClr val="windowText" lastClr="000000"/>
+                  </a:solidFill>
+                  <a:latin typeface="DengXian" panose="02010600030101010101" pitchFamily="2" charset="-122"/>
+                  <a:ea typeface="DengXian" panose="02010600030101010101" pitchFamily="2" charset="-122"/>
+                </a:rPr>
                 <a:t>MAX(</a:t>
               </a:r>
               <a:r>
@@ -20083,7 +20163,7 @@
                   <a:latin typeface="DengXian" panose="02010600030101010101" pitchFamily="2" charset="-122"/>
                   <a:ea typeface="DengXian" panose="02010600030101010101" pitchFamily="2" charset="-122"/>
                 </a:rPr>
-                <a:t>edge1</a:t>
+                <a:t>edge3</a:t>
               </a:r>
               <a:r>
                 <a:rPr kumimoji="1" lang="en-US" altLang="zh-CN" sz="1200" dirty="0">
@@ -20098,144 +20178,25 @@
             </a:p>
             <a:p>
               <a:r>
-                <a:rPr kumimoji="1" lang="en-US" altLang="zh-CN" sz="1200" dirty="0">
-                  <a:solidFill>
-                    <a:sysClr val="windowText" lastClr="000000"/>
-                  </a:solidFill>
-                  <a:latin typeface="DengXian" panose="02010600030101010101" pitchFamily="2" charset="-122"/>
-                  <a:ea typeface="DengXian" panose="02010600030101010101" pitchFamily="2" charset="-122"/>
-                </a:rPr>
-                <a:t>SUM(</a:t>
-              </a:r>
-              <a:r>
-                <a:rPr kumimoji="1" lang="en-US" altLang="zh-CN" sz="1200" b="1" i="1" dirty="0">
-                  <a:solidFill>
-                    <a:sysClr val="windowText" lastClr="000000"/>
-                  </a:solidFill>
-                  <a:latin typeface="DengXian" panose="02010600030101010101" pitchFamily="2" charset="-122"/>
-                  <a:ea typeface="DengXian" panose="02010600030101010101" pitchFamily="2" charset="-122"/>
-                </a:rPr>
-                <a:t>edge2</a:t>
-              </a:r>
-              <a:r>
-                <a:rPr kumimoji="1" lang="en-US" altLang="zh-CN" sz="1200" dirty="0">
-                  <a:solidFill>
-                    <a:sysClr val="windowText" lastClr="000000"/>
-                  </a:solidFill>
-                  <a:latin typeface="DengXian" panose="02010600030101010101" pitchFamily="2" charset="-122"/>
-                  <a:ea typeface="DengXian" panose="02010600030101010101" pitchFamily="2" charset="-122"/>
-                </a:rPr>
-                <a:t>.amount)</a:t>
-              </a:r>
+                <a:rPr kumimoji="1" lang="en-US" altLang="zh-CN" sz="1200" b="1" dirty="0" err="1">
+                  <a:solidFill>
+                    <a:sysClr val="windowText" lastClr="000000"/>
+                  </a:solidFill>
+                  <a:latin typeface="DengXian" panose="02010600030101010101" pitchFamily="2" charset="-122"/>
+                  <a:ea typeface="DengXian" panose="02010600030101010101" pitchFamily="2" charset="-122"/>
+                </a:rPr>
+                <a:t>GroupBy</a:t>
+              </a:r>
+              <a:endParaRPr kumimoji="1" lang="en-US" altLang="zh-CN" sz="1200" b="1" dirty="0">
+                <a:solidFill>
+                  <a:sysClr val="windowText" lastClr="000000"/>
+                </a:solidFill>
+                <a:latin typeface="DengXian" panose="02010600030101010101" pitchFamily="2" charset="-122"/>
+                <a:ea typeface="DengXian" panose="02010600030101010101" pitchFamily="2" charset="-122"/>
+              </a:endParaRPr>
             </a:p>
             <a:p>
               <a:r>
-                <a:rPr kumimoji="1" lang="en-US" altLang="zh-CN" sz="1200" dirty="0">
-                  <a:solidFill>
-                    <a:sysClr val="windowText" lastClr="000000"/>
-                  </a:solidFill>
-                  <a:latin typeface="DengXian" panose="02010600030101010101" pitchFamily="2" charset="-122"/>
-                  <a:ea typeface="DengXian" panose="02010600030101010101" pitchFamily="2" charset="-122"/>
-                </a:rPr>
-                <a:t>MAX(</a:t>
-              </a:r>
-              <a:r>
-                <a:rPr kumimoji="1" lang="en-US" altLang="zh-CN" sz="1200" b="1" i="1" dirty="0">
-                  <a:solidFill>
-                    <a:sysClr val="windowText" lastClr="000000"/>
-                  </a:solidFill>
-                  <a:latin typeface="DengXian" panose="02010600030101010101" pitchFamily="2" charset="-122"/>
-                  <a:ea typeface="DengXian" panose="02010600030101010101" pitchFamily="2" charset="-122"/>
-                </a:rPr>
-                <a:t>edge2</a:t>
-              </a:r>
-              <a:r>
-                <a:rPr kumimoji="1" lang="en-US" altLang="zh-CN" sz="1200" dirty="0">
-                  <a:solidFill>
-                    <a:sysClr val="windowText" lastClr="000000"/>
-                  </a:solidFill>
-                  <a:latin typeface="DengXian" panose="02010600030101010101" pitchFamily="2" charset="-122"/>
-                  <a:ea typeface="DengXian" panose="02010600030101010101" pitchFamily="2" charset="-122"/>
-                </a:rPr>
-                <a:t>.amount)</a:t>
-              </a:r>
-            </a:p>
-            <a:p>
-              <a:r>
-                <a:rPr kumimoji="1" lang="en-US" altLang="zh-CN" sz="1200" dirty="0">
-                  <a:solidFill>
-                    <a:sysClr val="windowText" lastClr="000000"/>
-                  </a:solidFill>
-                  <a:latin typeface="DengXian" panose="02010600030101010101" pitchFamily="2" charset="-122"/>
-                  <a:ea typeface="DengXian" panose="02010600030101010101" pitchFamily="2" charset="-122"/>
-                </a:rPr>
-                <a:t>SUM(</a:t>
-              </a:r>
-              <a:r>
-                <a:rPr kumimoji="1" lang="en-US" altLang="zh-CN" sz="1200" b="1" i="1" dirty="0">
-                  <a:solidFill>
-                    <a:sysClr val="windowText" lastClr="000000"/>
-                  </a:solidFill>
-                  <a:latin typeface="DengXian" panose="02010600030101010101" pitchFamily="2" charset="-122"/>
-                  <a:ea typeface="DengXian" panose="02010600030101010101" pitchFamily="2" charset="-122"/>
-                </a:rPr>
-                <a:t>edge3</a:t>
-              </a:r>
-              <a:r>
-                <a:rPr kumimoji="1" lang="en-US" altLang="zh-CN" sz="1200" dirty="0">
-                  <a:solidFill>
-                    <a:sysClr val="windowText" lastClr="000000"/>
-                  </a:solidFill>
-                  <a:latin typeface="DengXian" panose="02010600030101010101" pitchFamily="2" charset="-122"/>
-                  <a:ea typeface="DengXian" panose="02010600030101010101" pitchFamily="2" charset="-122"/>
-                </a:rPr>
-                <a:t>.amount)</a:t>
-              </a:r>
-            </a:p>
-            <a:p>
-              <a:r>
-                <a:rPr kumimoji="1" lang="en-US" altLang="zh-CN" sz="1200" dirty="0">
-                  <a:solidFill>
-                    <a:sysClr val="windowText" lastClr="000000"/>
-                  </a:solidFill>
-                  <a:latin typeface="DengXian" panose="02010600030101010101" pitchFamily="2" charset="-122"/>
-                  <a:ea typeface="DengXian" panose="02010600030101010101" pitchFamily="2" charset="-122"/>
-                </a:rPr>
-                <a:t>MAX(</a:t>
-              </a:r>
-              <a:r>
-                <a:rPr kumimoji="1" lang="en-US" altLang="zh-CN" sz="1200" b="1" i="1" dirty="0">
-                  <a:solidFill>
-                    <a:sysClr val="windowText" lastClr="000000"/>
-                  </a:solidFill>
-                  <a:latin typeface="DengXian" panose="02010600030101010101" pitchFamily="2" charset="-122"/>
-                  <a:ea typeface="DengXian" panose="02010600030101010101" pitchFamily="2" charset="-122"/>
-                </a:rPr>
-                <a:t>edge3</a:t>
-              </a:r>
-              <a:r>
-                <a:rPr kumimoji="1" lang="en-US" altLang="zh-CN" sz="1200" dirty="0">
-                  <a:solidFill>
-                    <a:sysClr val="windowText" lastClr="000000"/>
-                  </a:solidFill>
-                  <a:latin typeface="DengXian" panose="02010600030101010101" pitchFamily="2" charset="-122"/>
-                  <a:ea typeface="DengXian" panose="02010600030101010101" pitchFamily="2" charset="-122"/>
-                </a:rPr>
-                <a:t>.amount)</a:t>
-              </a:r>
-            </a:p>
-            <a:p>
-              <a:r>
-                <a:rPr kumimoji="1" lang="en-US" altLang="zh-CN" sz="1200" dirty="0">
-                  <a:solidFill>
-                    <a:sysClr val="windowText" lastClr="000000"/>
-                  </a:solidFill>
-                  <a:latin typeface="DengXian" panose="02010600030101010101" pitchFamily="2" charset="-122"/>
-                  <a:ea typeface="DengXian" panose="02010600030101010101" pitchFamily="2" charset="-122"/>
-                </a:rPr>
-                <a:t>COUNT(DISTINCT </a:t>
-              </a:r>
-              <a:r>
                 <a:rPr kumimoji="1" lang="en-US" altLang="zh-CN" sz="1200" b="1" i="1" dirty="0" err="1">
                   <a:solidFill>
                     <a:sysClr val="windowText" lastClr="000000"/>
@@ -20243,18 +20204,15 @@
                   <a:latin typeface="DengXian" panose="02010600030101010101" pitchFamily="2" charset="-122"/>
                   <a:ea typeface="DengXian" panose="02010600030101010101" pitchFamily="2" charset="-122"/>
                 </a:rPr>
-                <a:t>otherAccounts</a:t>
-              </a:r>
-              <a:r>
-                <a:rPr kumimoji="1" lang="en-US" altLang="zh-CN" sz="1200" dirty="0">
-                  <a:solidFill>
-                    <a:sysClr val="windowText" lastClr="000000"/>
-                  </a:solidFill>
-                  <a:latin typeface="DengXian" panose="02010600030101010101" pitchFamily="2" charset="-122"/>
-                  <a:ea typeface="DengXian" panose="02010600030101010101" pitchFamily="2" charset="-122"/>
-                </a:rPr>
-                <a:t>)</a:t>
-              </a:r>
+                <a:t>otherAccounts.id</a:t>
+              </a:r>
+              <a:endParaRPr kumimoji="1" lang="en-US" altLang="zh-CN" sz="1200" b="1" i="1" dirty="0">
+                <a:solidFill>
+                  <a:sysClr val="windowText" lastClr="000000"/>
+                </a:solidFill>
+                <a:latin typeface="DengXian" panose="02010600030101010101" pitchFamily="2" charset="-122"/>
+                <a:ea typeface="DengXian" panose="02010600030101010101" pitchFamily="2" charset="-122"/>
+              </a:endParaRPr>
             </a:p>
           </p:txBody>
         </p:sp>

--- a/patterns/transaction-read.pptx
+++ b/patterns/transaction-read.pptx
@@ -5,7 +5,7 @@
     <p:sldMasterId id="2147483648" r:id="rId1"/>
   </p:sldMasterIdLst>
   <p:notesMasterIdLst>
-    <p:notesMasterId r:id="rId23"/>
+    <p:notesMasterId r:id="rId22"/>
   </p:notesMasterIdLst>
   <p:sldIdLst>
     <p:sldId id="374" r:id="rId2"/>
@@ -14,21 +14,20 @@
     <p:sldId id="388" r:id="rId5"/>
     <p:sldId id="389" r:id="rId6"/>
     <p:sldId id="390" r:id="rId7"/>
-    <p:sldId id="391" r:id="rId8"/>
-    <p:sldId id="392" r:id="rId9"/>
-    <p:sldId id="393" r:id="rId10"/>
-    <p:sldId id="396" r:id="rId11"/>
-    <p:sldId id="395" r:id="rId12"/>
-    <p:sldId id="397" r:id="rId13"/>
-    <p:sldId id="399" r:id="rId14"/>
-    <p:sldId id="401" r:id="rId15"/>
-    <p:sldId id="373" r:id="rId16"/>
-    <p:sldId id="385" r:id="rId17"/>
-    <p:sldId id="372" r:id="rId18"/>
-    <p:sldId id="398" r:id="rId19"/>
-    <p:sldId id="414" r:id="rId20"/>
-    <p:sldId id="363" r:id="rId21"/>
-    <p:sldId id="402" r:id="rId22"/>
+    <p:sldId id="392" r:id="rId8"/>
+    <p:sldId id="393" r:id="rId9"/>
+    <p:sldId id="396" r:id="rId10"/>
+    <p:sldId id="395" r:id="rId11"/>
+    <p:sldId id="397" r:id="rId12"/>
+    <p:sldId id="399" r:id="rId13"/>
+    <p:sldId id="401" r:id="rId14"/>
+    <p:sldId id="373" r:id="rId15"/>
+    <p:sldId id="385" r:id="rId16"/>
+    <p:sldId id="372" r:id="rId17"/>
+    <p:sldId id="398" r:id="rId18"/>
+    <p:sldId id="414" r:id="rId19"/>
+    <p:sldId id="363" r:id="rId20"/>
+    <p:sldId id="402" r:id="rId21"/>
   </p:sldIdLst>
   <p:sldSz cx="12192000" cy="6858000"/>
   <p:notesSz cx="6858000" cy="9144000"/>
@@ -138,7 +137,6 @@
             <p14:sldId id="388"/>
             <p14:sldId id="389"/>
             <p14:sldId id="390"/>
-            <p14:sldId id="391"/>
             <p14:sldId id="392"/>
             <p14:sldId id="393"/>
             <p14:sldId id="396"/>
@@ -3714,959 +3712,6 @@
       </p:grpSpPr>
       <p:grpSp>
         <p:nvGrpSpPr>
-          <p:cNvPr id="23" name="Group 22">
-            <a:extLst>
-              <a:ext uri="{FF2B5EF4-FFF2-40B4-BE49-F238E27FC236}">
-                <a16:creationId xmlns:a16="http://schemas.microsoft.com/office/drawing/2014/main" id="{E5C1717B-54DC-7B43-A483-6AD73A76FA75}"/>
-              </a:ext>
-            </a:extLst>
-          </p:cNvPr>
-          <p:cNvGrpSpPr/>
-          <p:nvPr/>
-        </p:nvGrpSpPr>
-        <p:grpSpPr>
-          <a:xfrm>
-            <a:off x="3040563" y="2074350"/>
-            <a:ext cx="4831843" cy="3078930"/>
-            <a:chOff x="3040563" y="2074350"/>
-            <a:chExt cx="4831843" cy="3078930"/>
-          </a:xfrm>
-        </p:grpSpPr>
-        <p:sp>
-          <p:nvSpPr>
-            <p:cNvPr id="25" name="矩形 9">
-              <a:extLst>
-                <a:ext uri="{FF2B5EF4-FFF2-40B4-BE49-F238E27FC236}">
-                  <a16:creationId xmlns:a16="http://schemas.microsoft.com/office/drawing/2014/main" id="{C7460A87-30CF-D546-B75B-5F5DBC80EC77}"/>
-                </a:ext>
-              </a:extLst>
-            </p:cNvPr>
-            <p:cNvSpPr/>
-            <p:nvPr/>
-          </p:nvSpPr>
-          <p:spPr>
-            <a:xfrm>
-              <a:off x="5727700" y="3310218"/>
-              <a:ext cx="1300238" cy="505147"/>
-            </a:xfrm>
-            <a:prstGeom prst="rect">
-              <a:avLst/>
-            </a:prstGeom>
-            <a:solidFill>
-              <a:schemeClr val="accent5">
-                <a:lumMod val="60000"/>
-                <a:lumOff val="40000"/>
-              </a:schemeClr>
-            </a:solidFill>
-            <a:ln w="28575">
-              <a:solidFill>
-                <a:schemeClr val="tx1"/>
-              </a:solidFill>
-            </a:ln>
-          </p:spPr>
-          <p:style>
-            <a:lnRef idx="2">
-              <a:schemeClr val="accent2">
-                <a:shade val="50000"/>
-              </a:schemeClr>
-            </a:lnRef>
-            <a:fillRef idx="1">
-              <a:schemeClr val="accent2"/>
-            </a:fillRef>
-            <a:effectRef idx="0">
-              <a:schemeClr val="accent2"/>
-            </a:effectRef>
-            <a:fontRef idx="minor">
-              <a:schemeClr val="lt1"/>
-            </a:fontRef>
-          </p:style>
-          <p:txBody>
-            <a:bodyPr rtlCol="0" anchor="ctr"/>
-            <a:lstStyle/>
-            <a:p>
-              <a:pPr algn="ctr"/>
-              <a:r>
-                <a:rPr kumimoji="1" lang="en-US" altLang="zh-CN" sz="1200" b="1" i="1" dirty="0">
-                  <a:solidFill>
-                    <a:sysClr val="windowText" lastClr="000000"/>
-                  </a:solidFill>
-                </a:rPr>
-                <a:t>mid</a:t>
-              </a:r>
-              <a:r>
-                <a:rPr kumimoji="1" lang="zh-CN" altLang="en-US" sz="1200" dirty="0">
-                  <a:solidFill>
-                    <a:sysClr val="windowText" lastClr="000000"/>
-                  </a:solidFill>
-                </a:rPr>
-                <a:t> </a:t>
-              </a:r>
-              <a:r>
-                <a:rPr kumimoji="1" lang="en-US" altLang="zh-CN" sz="1200" dirty="0">
-                  <a:solidFill>
-                    <a:sysClr val="windowText" lastClr="000000"/>
-                  </a:solidFill>
-                </a:rPr>
-                <a:t>:</a:t>
-              </a:r>
-              <a:r>
-                <a:rPr kumimoji="1" lang="zh-CN" altLang="en-US" sz="1200" dirty="0">
-                  <a:solidFill>
-                    <a:sysClr val="windowText" lastClr="000000"/>
-                  </a:solidFill>
-                </a:rPr>
-                <a:t> </a:t>
-              </a:r>
-              <a:r>
-                <a:rPr kumimoji="1" lang="en-US" altLang="zh-CN" sz="1200" dirty="0">
-                  <a:solidFill>
-                    <a:sysClr val="windowText" lastClr="000000"/>
-                  </a:solidFill>
-                </a:rPr>
-                <a:t>Account</a:t>
-              </a:r>
-              <a:endParaRPr kumimoji="1" lang="zh-CN" altLang="en-US" sz="1200" dirty="0">
-                <a:solidFill>
-                  <a:sysClr val="windowText" lastClr="000000"/>
-                </a:solidFill>
-              </a:endParaRPr>
-            </a:p>
-          </p:txBody>
-        </p:sp>
-        <p:sp>
-          <p:nvSpPr>
-            <p:cNvPr id="36" name="矩形 13">
-              <a:extLst>
-                <a:ext uri="{FF2B5EF4-FFF2-40B4-BE49-F238E27FC236}">
-                  <a16:creationId xmlns:a16="http://schemas.microsoft.com/office/drawing/2014/main" id="{E9E1A31E-B043-E941-9922-30C0644863FD}"/>
-                </a:ext>
-              </a:extLst>
-            </p:cNvPr>
-            <p:cNvSpPr/>
-            <p:nvPr/>
-          </p:nvSpPr>
-          <p:spPr>
-            <a:xfrm>
-              <a:off x="5541644" y="2074350"/>
-              <a:ext cx="2309557" cy="3078930"/>
-            </a:xfrm>
-            <a:prstGeom prst="rect">
-              <a:avLst/>
-            </a:prstGeom>
-            <a:noFill/>
-            <a:ln w="28575">
-              <a:solidFill>
-                <a:schemeClr val="tx1"/>
-              </a:solidFill>
-              <a:prstDash val="dash"/>
-            </a:ln>
-          </p:spPr>
-          <p:style>
-            <a:lnRef idx="2">
-              <a:schemeClr val="accent2">
-                <a:shade val="50000"/>
-              </a:schemeClr>
-            </a:lnRef>
-            <a:fillRef idx="1">
-              <a:schemeClr val="accent2"/>
-            </a:fillRef>
-            <a:effectRef idx="0">
-              <a:schemeClr val="accent2"/>
-            </a:effectRef>
-            <a:fontRef idx="minor">
-              <a:schemeClr val="lt1"/>
-            </a:fontRef>
-          </p:style>
-          <p:txBody>
-            <a:bodyPr rtlCol="0" anchor="t"/>
-            <a:lstStyle/>
-            <a:p>
-              <a:pPr algn="r"/>
-              <a:r>
-                <a:rPr kumimoji="1" lang="en-US" altLang="zh-CN" sz="1200" b="1" dirty="0">
-                  <a:solidFill>
-                    <a:schemeClr val="tx1"/>
-                  </a:solidFill>
-                  <a:latin typeface="DengXian" panose="02010600030101010101" pitchFamily="2" charset="-122"/>
-                  <a:ea typeface="DengXian" panose="02010600030101010101" pitchFamily="2" charset="-122"/>
-                </a:rPr>
-                <a:t>RESULT</a:t>
-              </a:r>
-              <a:r>
-                <a:rPr kumimoji="1" lang="zh-CN" altLang="en-US" sz="1200" b="1" dirty="0">
-                  <a:solidFill>
-                    <a:schemeClr val="tx1"/>
-                  </a:solidFill>
-                  <a:latin typeface="DengXian" panose="02010600030101010101" pitchFamily="2" charset="-122"/>
-                  <a:ea typeface="DengXian" panose="02010600030101010101" pitchFamily="2" charset="-122"/>
-                </a:rPr>
-                <a:t> </a:t>
-              </a:r>
-              <a:r>
-                <a:rPr kumimoji="1" lang="en-US" altLang="zh-CN" sz="1200" b="1" dirty="0">
-                  <a:solidFill>
-                    <a:schemeClr val="tx1"/>
-                  </a:solidFill>
-                  <a:latin typeface="DengXian" panose="02010600030101010101" pitchFamily="2" charset="-122"/>
-                  <a:ea typeface="DengXian" panose="02010600030101010101" pitchFamily="2" charset="-122"/>
-                </a:rPr>
-                <a:t>path</a:t>
-              </a:r>
-              <a:endParaRPr kumimoji="1" lang="en-US" altLang="zh-CN" sz="1200" dirty="0">
-                <a:solidFill>
-                  <a:schemeClr val="tx1"/>
-                </a:solidFill>
-                <a:latin typeface="DengXian" panose="02010600030101010101" pitchFamily="2" charset="-122"/>
-                <a:ea typeface="DengXian" panose="02010600030101010101" pitchFamily="2" charset="-122"/>
-              </a:endParaRPr>
-            </a:p>
-          </p:txBody>
-        </p:sp>
-        <p:sp>
-          <p:nvSpPr>
-            <p:cNvPr id="48" name="矩形 14">
-              <a:extLst>
-                <a:ext uri="{FF2B5EF4-FFF2-40B4-BE49-F238E27FC236}">
-                  <a16:creationId xmlns:a16="http://schemas.microsoft.com/office/drawing/2014/main" id="{57CB4C56-C6D1-3646-BE42-AE944291077A}"/>
-                </a:ext>
-              </a:extLst>
-            </p:cNvPr>
-            <p:cNvSpPr/>
-            <p:nvPr/>
-          </p:nvSpPr>
-          <p:spPr>
-            <a:xfrm>
-              <a:off x="5712796" y="2371062"/>
-              <a:ext cx="1315142" cy="505147"/>
-            </a:xfrm>
-            <a:prstGeom prst="rect">
-              <a:avLst/>
-            </a:prstGeom>
-            <a:solidFill>
-              <a:schemeClr val="accent5">
-                <a:lumMod val="60000"/>
-                <a:lumOff val="40000"/>
-              </a:schemeClr>
-            </a:solidFill>
-            <a:ln w="28575">
-              <a:solidFill>
-                <a:schemeClr val="tx1"/>
-              </a:solidFill>
-            </a:ln>
-          </p:spPr>
-          <p:style>
-            <a:lnRef idx="2">
-              <a:schemeClr val="accent2">
-                <a:shade val="50000"/>
-              </a:schemeClr>
-            </a:lnRef>
-            <a:fillRef idx="1">
-              <a:schemeClr val="accent2"/>
-            </a:fillRef>
-            <a:effectRef idx="0">
-              <a:schemeClr val="accent2"/>
-            </a:effectRef>
-            <a:fontRef idx="minor">
-              <a:schemeClr val="lt1"/>
-            </a:fontRef>
-          </p:style>
-          <p:txBody>
-            <a:bodyPr rtlCol="0" anchor="ctr"/>
-            <a:lstStyle/>
-            <a:p>
-              <a:pPr algn="ctr"/>
-              <a:r>
-                <a:rPr kumimoji="1" lang="en-US" altLang="zh-CN" sz="1200" b="1" dirty="0">
-                  <a:solidFill>
-                    <a:sysClr val="windowText" lastClr="000000"/>
-                  </a:solidFill>
-                </a:rPr>
-                <a:t>up</a:t>
-              </a:r>
-              <a:r>
-                <a:rPr kumimoji="1" lang="zh-CN" altLang="en-US" sz="1200" dirty="0">
-                  <a:solidFill>
-                    <a:sysClr val="windowText" lastClr="000000"/>
-                  </a:solidFill>
-                </a:rPr>
-                <a:t> </a:t>
-              </a:r>
-              <a:r>
-                <a:rPr kumimoji="1" lang="en-US" altLang="zh-CN" sz="1200" dirty="0">
-                  <a:solidFill>
-                    <a:sysClr val="windowText" lastClr="000000"/>
-                  </a:solidFill>
-                </a:rPr>
-                <a:t>:</a:t>
-              </a:r>
-              <a:r>
-                <a:rPr kumimoji="1" lang="zh-CN" altLang="en-US" sz="1200" dirty="0">
-                  <a:solidFill>
-                    <a:sysClr val="windowText" lastClr="000000"/>
-                  </a:solidFill>
-                </a:rPr>
-                <a:t> </a:t>
-              </a:r>
-              <a:r>
-                <a:rPr kumimoji="1" lang="en-US" altLang="zh-CN" sz="1200" dirty="0">
-                  <a:solidFill>
-                    <a:sysClr val="windowText" lastClr="000000"/>
-                  </a:solidFill>
-                </a:rPr>
-                <a:t>Account</a:t>
-              </a:r>
-              <a:endParaRPr kumimoji="1" lang="zh-CN" altLang="en-US" sz="1200" dirty="0">
-                <a:solidFill>
-                  <a:sysClr val="windowText" lastClr="000000"/>
-                </a:solidFill>
-              </a:endParaRPr>
-            </a:p>
-          </p:txBody>
-        </p:sp>
-        <p:sp>
-          <p:nvSpPr>
-            <p:cNvPr id="51" name="矩形 14">
-              <a:extLst>
-                <a:ext uri="{FF2B5EF4-FFF2-40B4-BE49-F238E27FC236}">
-                  <a16:creationId xmlns:a16="http://schemas.microsoft.com/office/drawing/2014/main" id="{AD0D5B56-53EA-1E48-9FEF-7631D3E97D26}"/>
-                </a:ext>
-              </a:extLst>
-            </p:cNvPr>
-            <p:cNvSpPr/>
-            <p:nvPr/>
-          </p:nvSpPr>
-          <p:spPr>
-            <a:xfrm>
-              <a:off x="5712796" y="4547111"/>
-              <a:ext cx="1335704" cy="505147"/>
-            </a:xfrm>
-            <a:prstGeom prst="rect">
-              <a:avLst/>
-            </a:prstGeom>
-            <a:solidFill>
-              <a:schemeClr val="accent5">
-                <a:lumMod val="60000"/>
-                <a:lumOff val="40000"/>
-              </a:schemeClr>
-            </a:solidFill>
-            <a:ln w="28575">
-              <a:solidFill>
-                <a:schemeClr val="tx1"/>
-              </a:solidFill>
-            </a:ln>
-          </p:spPr>
-          <p:style>
-            <a:lnRef idx="2">
-              <a:schemeClr val="accent2">
-                <a:shade val="50000"/>
-              </a:schemeClr>
-            </a:lnRef>
-            <a:fillRef idx="1">
-              <a:schemeClr val="accent2"/>
-            </a:fillRef>
-            <a:effectRef idx="0">
-              <a:schemeClr val="accent2"/>
-            </a:effectRef>
-            <a:fontRef idx="minor">
-              <a:schemeClr val="lt1"/>
-            </a:fontRef>
-          </p:style>
-          <p:txBody>
-            <a:bodyPr rtlCol="0" anchor="ctr"/>
-            <a:lstStyle/>
-            <a:p>
-              <a:pPr algn="ctr"/>
-              <a:r>
-                <a:rPr kumimoji="1" lang="en-US" altLang="zh-CN" sz="1200" b="1" dirty="0">
-                  <a:solidFill>
-                    <a:sysClr val="windowText" lastClr="000000"/>
-                  </a:solidFill>
-                </a:rPr>
-                <a:t>down</a:t>
-              </a:r>
-              <a:r>
-                <a:rPr kumimoji="1" lang="zh-CN" altLang="en-US" sz="1200" dirty="0">
-                  <a:solidFill>
-                    <a:sysClr val="windowText" lastClr="000000"/>
-                  </a:solidFill>
-                </a:rPr>
-                <a:t> </a:t>
-              </a:r>
-              <a:r>
-                <a:rPr kumimoji="1" lang="en-US" altLang="zh-CN" sz="1200" dirty="0">
-                  <a:solidFill>
-                    <a:sysClr val="windowText" lastClr="000000"/>
-                  </a:solidFill>
-                </a:rPr>
-                <a:t>:</a:t>
-              </a:r>
-              <a:r>
-                <a:rPr kumimoji="1" lang="zh-CN" altLang="en-US" sz="1200" dirty="0">
-                  <a:solidFill>
-                    <a:sysClr val="windowText" lastClr="000000"/>
-                  </a:solidFill>
-                </a:rPr>
-                <a:t> </a:t>
-              </a:r>
-              <a:r>
-                <a:rPr kumimoji="1" lang="en-US" altLang="zh-CN" sz="1200" dirty="0">
-                  <a:solidFill>
-                    <a:sysClr val="windowText" lastClr="000000"/>
-                  </a:solidFill>
-                </a:rPr>
-                <a:t>Account</a:t>
-              </a:r>
-              <a:endParaRPr kumimoji="1" lang="zh-CN" altLang="en-US" sz="1200" dirty="0">
-                <a:solidFill>
-                  <a:sysClr val="windowText" lastClr="000000"/>
-                </a:solidFill>
-              </a:endParaRPr>
-            </a:p>
-          </p:txBody>
-        </p:sp>
-        <p:cxnSp>
-          <p:nvCxnSpPr>
-            <p:cNvPr id="54" name="直线箭头连接符 11" descr="jytjh">
-              <a:extLst>
-                <a:ext uri="{FF2B5EF4-FFF2-40B4-BE49-F238E27FC236}">
-                  <a16:creationId xmlns:a16="http://schemas.microsoft.com/office/drawing/2014/main" id="{E54B3B7F-1A07-E946-9A57-A174B5BF79CC}"/>
-                </a:ext>
-              </a:extLst>
-            </p:cNvPr>
-            <p:cNvCxnSpPr>
-              <a:cxnSpLocks/>
-              <a:stCxn id="48" idx="2"/>
-              <a:endCxn id="25" idx="0"/>
-            </p:cNvCxnSpPr>
-            <p:nvPr/>
-          </p:nvCxnSpPr>
-          <p:spPr>
-            <a:xfrm>
-              <a:off x="6370367" y="2876209"/>
-              <a:ext cx="7452" cy="434009"/>
-            </a:xfrm>
-            <a:prstGeom prst="straightConnector1">
-              <a:avLst/>
-            </a:prstGeom>
-            <a:ln w="28575">
-              <a:solidFill>
-                <a:schemeClr val="tx1"/>
-              </a:solidFill>
-              <a:headEnd type="none" w="lg" len="med"/>
-              <a:tailEnd type="arrow" w="lg" len="med"/>
-            </a:ln>
-          </p:spPr>
-          <p:style>
-            <a:lnRef idx="1">
-              <a:schemeClr val="accent1"/>
-            </a:lnRef>
-            <a:fillRef idx="0">
-              <a:schemeClr val="accent1"/>
-            </a:fillRef>
-            <a:effectRef idx="0">
-              <a:schemeClr val="accent1"/>
-            </a:effectRef>
-            <a:fontRef idx="minor">
-              <a:schemeClr val="tx1"/>
-            </a:fontRef>
-          </p:style>
-        </p:cxnSp>
-        <p:cxnSp>
-          <p:nvCxnSpPr>
-            <p:cNvPr id="59" name="直线箭头连接符 11" descr="jytjh">
-              <a:extLst>
-                <a:ext uri="{FF2B5EF4-FFF2-40B4-BE49-F238E27FC236}">
-                  <a16:creationId xmlns:a16="http://schemas.microsoft.com/office/drawing/2014/main" id="{3CF4B058-DA70-914B-B43D-426BA2A65CD0}"/>
-                </a:ext>
-              </a:extLst>
-            </p:cNvPr>
-            <p:cNvCxnSpPr>
-              <a:cxnSpLocks/>
-              <a:stCxn id="25" idx="2"/>
-              <a:endCxn id="51" idx="0"/>
-            </p:cNvCxnSpPr>
-            <p:nvPr/>
-          </p:nvCxnSpPr>
-          <p:spPr>
-            <a:xfrm>
-              <a:off x="6377819" y="3815365"/>
-              <a:ext cx="2829" cy="731746"/>
-            </a:xfrm>
-            <a:prstGeom prst="straightConnector1">
-              <a:avLst/>
-            </a:prstGeom>
-            <a:ln w="28575">
-              <a:solidFill>
-                <a:schemeClr val="tx1"/>
-              </a:solidFill>
-              <a:headEnd type="none" w="lg" len="med"/>
-              <a:tailEnd type="arrow" w="lg" len="med"/>
-            </a:ln>
-          </p:spPr>
-          <p:style>
-            <a:lnRef idx="1">
-              <a:schemeClr val="accent1"/>
-            </a:lnRef>
-            <a:fillRef idx="0">
-              <a:schemeClr val="accent1"/>
-            </a:fillRef>
-            <a:effectRef idx="0">
-              <a:schemeClr val="accent1"/>
-            </a:effectRef>
-            <a:fontRef idx="minor">
-              <a:schemeClr val="tx1"/>
-            </a:fontRef>
-          </p:style>
-        </p:cxnSp>
-        <p:sp>
-          <p:nvSpPr>
-            <p:cNvPr id="28" name="矩形 13">
-              <a:extLst>
-                <a:ext uri="{FF2B5EF4-FFF2-40B4-BE49-F238E27FC236}">
-                  <a16:creationId xmlns:a16="http://schemas.microsoft.com/office/drawing/2014/main" id="{1E3659B7-2F02-C149-A6C5-A0559EDC088A}"/>
-                </a:ext>
-              </a:extLst>
-            </p:cNvPr>
-            <p:cNvSpPr/>
-            <p:nvPr/>
-          </p:nvSpPr>
-          <p:spPr>
-            <a:xfrm>
-              <a:off x="3040563" y="3305316"/>
-              <a:ext cx="1300238" cy="478223"/>
-            </a:xfrm>
-            <a:prstGeom prst="rect">
-              <a:avLst/>
-            </a:prstGeom>
-            <a:solidFill>
-              <a:schemeClr val="accent6">
-                <a:lumMod val="60000"/>
-                <a:lumOff val="40000"/>
-              </a:schemeClr>
-            </a:solidFill>
-            <a:ln w="28575">
-              <a:solidFill>
-                <a:schemeClr val="tx1"/>
-              </a:solidFill>
-            </a:ln>
-          </p:spPr>
-          <p:style>
-            <a:lnRef idx="2">
-              <a:schemeClr val="accent2">
-                <a:shade val="50000"/>
-              </a:schemeClr>
-            </a:lnRef>
-            <a:fillRef idx="1">
-              <a:schemeClr val="accent2"/>
-            </a:fillRef>
-            <a:effectRef idx="0">
-              <a:schemeClr val="accent2"/>
-            </a:effectRef>
-            <a:fontRef idx="minor">
-              <a:schemeClr val="lt1"/>
-            </a:fontRef>
-          </p:style>
-          <p:txBody>
-            <a:bodyPr rtlCol="0" anchor="ctr"/>
-            <a:lstStyle/>
-            <a:p>
-              <a:pPr algn="ctr"/>
-              <a:r>
-                <a:rPr kumimoji="1" lang="en-US" altLang="zh-CN" sz="1200" b="1" i="1" dirty="0">
-                  <a:solidFill>
-                    <a:sysClr val="windowText" lastClr="000000"/>
-                  </a:solidFill>
-                </a:rPr>
-                <a:t>loan</a:t>
-              </a:r>
-              <a:r>
-                <a:rPr kumimoji="1" lang="zh-CN" altLang="en-US" sz="1200" dirty="0">
-                  <a:solidFill>
-                    <a:sysClr val="windowText" lastClr="000000"/>
-                  </a:solidFill>
-                </a:rPr>
-                <a:t> </a:t>
-              </a:r>
-              <a:r>
-                <a:rPr kumimoji="1" lang="en-US" altLang="zh-CN" sz="1200" dirty="0">
-                  <a:solidFill>
-                    <a:sysClr val="windowText" lastClr="000000"/>
-                  </a:solidFill>
-                </a:rPr>
-                <a:t>:</a:t>
-              </a:r>
-              <a:r>
-                <a:rPr kumimoji="1" lang="zh-CN" altLang="en-US" sz="1200" dirty="0">
-                  <a:solidFill>
-                    <a:sysClr val="windowText" lastClr="000000"/>
-                  </a:solidFill>
-                </a:rPr>
-                <a:t> </a:t>
-              </a:r>
-              <a:r>
-                <a:rPr kumimoji="1" lang="en-US" altLang="zh-CN" sz="1200" dirty="0">
-                  <a:solidFill>
-                    <a:sysClr val="windowText" lastClr="000000"/>
-                  </a:solidFill>
-                </a:rPr>
-                <a:t>Loan</a:t>
-              </a:r>
-              <a:endParaRPr kumimoji="1" lang="zh-CN" altLang="en-US" sz="1200" dirty="0">
-                <a:solidFill>
-                  <a:sysClr val="windowText" lastClr="000000"/>
-                </a:solidFill>
-              </a:endParaRPr>
-            </a:p>
-          </p:txBody>
-        </p:sp>
-        <p:cxnSp>
-          <p:nvCxnSpPr>
-            <p:cNvPr id="30" name="直线箭头连接符 11" descr="jytjh">
-              <a:extLst>
-                <a:ext uri="{FF2B5EF4-FFF2-40B4-BE49-F238E27FC236}">
-                  <a16:creationId xmlns:a16="http://schemas.microsoft.com/office/drawing/2014/main" id="{39C4E16D-14E1-A843-9194-FA4B45B19AAA}"/>
-                </a:ext>
-              </a:extLst>
-            </p:cNvPr>
-            <p:cNvCxnSpPr>
-              <a:cxnSpLocks/>
-              <a:stCxn id="28" idx="3"/>
-              <a:endCxn id="25" idx="1"/>
-            </p:cNvCxnSpPr>
-            <p:nvPr/>
-          </p:nvCxnSpPr>
-          <p:spPr>
-            <a:xfrm>
-              <a:off x="4340801" y="3544428"/>
-              <a:ext cx="1386899" cy="18364"/>
-            </a:xfrm>
-            <a:prstGeom prst="straightConnector1">
-              <a:avLst/>
-            </a:prstGeom>
-            <a:ln w="28575">
-              <a:solidFill>
-                <a:schemeClr val="tx1"/>
-              </a:solidFill>
-              <a:headEnd type="none" w="lg" len="med"/>
-              <a:tailEnd type="arrow" w="lg" len="med"/>
-            </a:ln>
-          </p:spPr>
-          <p:style>
-            <a:lnRef idx="1">
-              <a:schemeClr val="accent1"/>
-            </a:lnRef>
-            <a:fillRef idx="0">
-              <a:schemeClr val="accent1"/>
-            </a:fillRef>
-            <a:effectRef idx="0">
-              <a:schemeClr val="accent1"/>
-            </a:effectRef>
-            <a:fontRef idx="minor">
-              <a:schemeClr val="tx1"/>
-            </a:fontRef>
-          </p:style>
-        </p:cxnSp>
-        <p:sp>
-          <p:nvSpPr>
-            <p:cNvPr id="44" name="文本框 12">
-              <a:extLst>
-                <a:ext uri="{FF2B5EF4-FFF2-40B4-BE49-F238E27FC236}">
-                  <a16:creationId xmlns:a16="http://schemas.microsoft.com/office/drawing/2014/main" id="{F124BC1A-12AA-5244-A9C6-A8780C090A54}"/>
-                </a:ext>
-              </a:extLst>
-            </p:cNvPr>
-            <p:cNvSpPr txBox="1"/>
-            <p:nvPr/>
-          </p:nvSpPr>
-          <p:spPr>
-            <a:xfrm>
-              <a:off x="4355703" y="3214426"/>
-              <a:ext cx="1357093" cy="307777"/>
-            </a:xfrm>
-            <a:prstGeom prst="rect">
-              <a:avLst/>
-            </a:prstGeom>
-            <a:noFill/>
-          </p:spPr>
-          <p:txBody>
-            <a:bodyPr wrap="square" rtlCol="0">
-              <a:spAutoFit/>
-            </a:bodyPr>
-            <a:lstStyle/>
-            <a:p>
-              <a:pPr algn="ctr"/>
-              <a:r>
-                <a:rPr kumimoji="1" lang="en-US" altLang="zh-CN" sz="1400" b="1" i="1" dirty="0">
-                  <a:latin typeface="DengXian" panose="02010600030101010101" pitchFamily="2" charset="-122"/>
-                  <a:ea typeface="DengXian" panose="02010600030101010101" pitchFamily="2" charset="-122"/>
-                </a:rPr>
-                <a:t>edge2:</a:t>
-              </a:r>
-              <a:r>
-                <a:rPr kumimoji="1" lang="zh-CN" altLang="en-US" sz="1400" b="1" i="1" dirty="0">
-                  <a:latin typeface="DengXian" panose="02010600030101010101" pitchFamily="2" charset="-122"/>
-                  <a:ea typeface="DengXian" panose="02010600030101010101" pitchFamily="2" charset="-122"/>
-                </a:rPr>
-                <a:t> </a:t>
-              </a:r>
-              <a:r>
-                <a:rPr kumimoji="1" lang="en-US" altLang="zh-CN" sz="1400" i="1" dirty="0">
-                  <a:latin typeface="DengXian" panose="02010600030101010101" pitchFamily="2" charset="-122"/>
-                  <a:ea typeface="DengXian" panose="02010600030101010101" pitchFamily="2" charset="-122"/>
-                </a:rPr>
-                <a:t>deposit</a:t>
-              </a:r>
-              <a:endParaRPr kumimoji="1" lang="en-US" altLang="zh-CN" sz="1400" dirty="0">
-                <a:latin typeface="DengXian" panose="02010600030101010101" pitchFamily="2" charset="-122"/>
-                <a:ea typeface="DengXian" panose="02010600030101010101" pitchFamily="2" charset="-122"/>
-              </a:endParaRPr>
-            </a:p>
-          </p:txBody>
-        </p:sp>
-        <p:cxnSp>
-          <p:nvCxnSpPr>
-            <p:cNvPr id="6" name="Elbow Connector 5">
-              <a:extLst>
-                <a:ext uri="{FF2B5EF4-FFF2-40B4-BE49-F238E27FC236}">
-                  <a16:creationId xmlns:a16="http://schemas.microsoft.com/office/drawing/2014/main" id="{92C70FC3-B073-A247-8F2E-C40A88067225}"/>
-                </a:ext>
-              </a:extLst>
-            </p:cNvPr>
-            <p:cNvCxnSpPr>
-              <a:cxnSpLocks/>
-              <a:stCxn id="25" idx="2"/>
-              <a:endCxn id="28" idx="2"/>
-            </p:cNvCxnSpPr>
-            <p:nvPr/>
-          </p:nvCxnSpPr>
-          <p:spPr>
-            <a:xfrm rot="5400000" flipH="1">
-              <a:off x="5018338" y="2455884"/>
-              <a:ext cx="31826" cy="2687137"/>
-            </a:xfrm>
-            <a:prstGeom prst="bentConnector3">
-              <a:avLst>
-                <a:gd name="adj1" fmla="val -718281"/>
-              </a:avLst>
-            </a:prstGeom>
-            <a:ln w="28575">
-              <a:solidFill>
-                <a:schemeClr val="tx1"/>
-              </a:solidFill>
-              <a:tailEnd type="triangle"/>
-            </a:ln>
-          </p:spPr>
-          <p:style>
-            <a:lnRef idx="1">
-              <a:schemeClr val="accent1"/>
-            </a:lnRef>
-            <a:fillRef idx="0">
-              <a:schemeClr val="accent1"/>
-            </a:fillRef>
-            <a:effectRef idx="0">
-              <a:schemeClr val="accent1"/>
-            </a:effectRef>
-            <a:fontRef idx="minor">
-              <a:schemeClr val="tx1"/>
-            </a:fontRef>
-          </p:style>
-        </p:cxnSp>
-        <p:sp>
-          <p:nvSpPr>
-            <p:cNvPr id="46" name="文本框 12">
-              <a:extLst>
-                <a:ext uri="{FF2B5EF4-FFF2-40B4-BE49-F238E27FC236}">
-                  <a16:creationId xmlns:a16="http://schemas.microsoft.com/office/drawing/2014/main" id="{D3269A23-EFD9-8D42-8CEA-47700EF9F2D8}"/>
-                </a:ext>
-              </a:extLst>
-            </p:cNvPr>
-            <p:cNvSpPr txBox="1"/>
-            <p:nvPr/>
-          </p:nvSpPr>
-          <p:spPr>
-            <a:xfrm>
-              <a:off x="6349391" y="2927008"/>
-              <a:ext cx="1523015" cy="307777"/>
-            </a:xfrm>
-            <a:prstGeom prst="rect">
-              <a:avLst/>
-            </a:prstGeom>
-            <a:noFill/>
-          </p:spPr>
-          <p:txBody>
-            <a:bodyPr wrap="square" rtlCol="0">
-              <a:spAutoFit/>
-            </a:bodyPr>
-            <a:lstStyle/>
-            <a:p>
-              <a:pPr algn="ctr"/>
-              <a:r>
-                <a:rPr kumimoji="1" lang="en-US" altLang="zh-CN" sz="1400" b="1" i="1" dirty="0">
-                  <a:latin typeface="DengXian" panose="02010600030101010101" pitchFamily="2" charset="-122"/>
-                  <a:ea typeface="DengXian" panose="02010600030101010101" pitchFamily="2" charset="-122"/>
-                </a:rPr>
-                <a:t>edge3:</a:t>
-              </a:r>
-              <a:r>
-                <a:rPr kumimoji="1" lang="zh-CN" altLang="en-US" sz="1400" b="1" i="1" dirty="0">
-                  <a:latin typeface="DengXian" panose="02010600030101010101" pitchFamily="2" charset="-122"/>
-                  <a:ea typeface="DengXian" panose="02010600030101010101" pitchFamily="2" charset="-122"/>
-                </a:rPr>
-                <a:t> </a:t>
-              </a:r>
-              <a:r>
-                <a:rPr kumimoji="1" lang="en-US" altLang="zh-CN" sz="1400" dirty="0">
-                  <a:latin typeface="DengXian" panose="02010600030101010101" pitchFamily="2" charset="-122"/>
-                  <a:ea typeface="DengXian" panose="02010600030101010101" pitchFamily="2" charset="-122"/>
-                </a:rPr>
-                <a:t>transfer</a:t>
-              </a:r>
-            </a:p>
-          </p:txBody>
-        </p:sp>
-        <p:sp>
-          <p:nvSpPr>
-            <p:cNvPr id="70" name="文本框 12">
-              <a:extLst>
-                <a:ext uri="{FF2B5EF4-FFF2-40B4-BE49-F238E27FC236}">
-                  <a16:creationId xmlns:a16="http://schemas.microsoft.com/office/drawing/2014/main" id="{AB36CA97-DDE3-8743-9AAC-17DE50C42ED3}"/>
-                </a:ext>
-              </a:extLst>
-            </p:cNvPr>
-            <p:cNvSpPr txBox="1"/>
-            <p:nvPr/>
-          </p:nvSpPr>
-          <p:spPr>
-            <a:xfrm>
-              <a:off x="4327965" y="3661476"/>
-              <a:ext cx="1357093" cy="307777"/>
-            </a:xfrm>
-            <a:prstGeom prst="rect">
-              <a:avLst/>
-            </a:prstGeom>
-            <a:noFill/>
-          </p:spPr>
-          <p:txBody>
-            <a:bodyPr wrap="square" rtlCol="0">
-              <a:spAutoFit/>
-            </a:bodyPr>
-            <a:lstStyle/>
-            <a:p>
-              <a:pPr algn="ctr"/>
-              <a:r>
-                <a:rPr kumimoji="1" lang="en-US" altLang="zh-CN" sz="1400" b="1" i="1" dirty="0">
-                  <a:latin typeface="DengXian" panose="02010600030101010101" pitchFamily="2" charset="-122"/>
-                  <a:ea typeface="DengXian" panose="02010600030101010101" pitchFamily="2" charset="-122"/>
-                </a:rPr>
-                <a:t>edge1:</a:t>
-              </a:r>
-              <a:r>
-                <a:rPr kumimoji="1" lang="zh-CN" altLang="en-US" sz="1400" b="1" i="1" dirty="0">
-                  <a:latin typeface="DengXian" panose="02010600030101010101" pitchFamily="2" charset="-122"/>
-                  <a:ea typeface="DengXian" panose="02010600030101010101" pitchFamily="2" charset="-122"/>
-                </a:rPr>
-                <a:t> </a:t>
-              </a:r>
-              <a:r>
-                <a:rPr kumimoji="1" lang="en-US" altLang="zh-CN" sz="1400" i="1" dirty="0">
-                  <a:latin typeface="DengXian" panose="02010600030101010101" pitchFamily="2" charset="-122"/>
-                  <a:ea typeface="DengXian" panose="02010600030101010101" pitchFamily="2" charset="-122"/>
-                </a:rPr>
-                <a:t>repay</a:t>
-              </a:r>
-              <a:endParaRPr kumimoji="1" lang="en-US" altLang="zh-CN" sz="1400" dirty="0">
-                <a:latin typeface="DengXian" panose="02010600030101010101" pitchFamily="2" charset="-122"/>
-                <a:ea typeface="DengXian" panose="02010600030101010101" pitchFamily="2" charset="-122"/>
-              </a:endParaRPr>
-            </a:p>
-          </p:txBody>
-        </p:sp>
-        <p:sp>
-          <p:nvSpPr>
-            <p:cNvPr id="71" name="文本框 12">
-              <a:extLst>
-                <a:ext uri="{FF2B5EF4-FFF2-40B4-BE49-F238E27FC236}">
-                  <a16:creationId xmlns:a16="http://schemas.microsoft.com/office/drawing/2014/main" id="{56BBE84B-A991-B44B-B117-7D2F7F671A37}"/>
-                </a:ext>
-              </a:extLst>
-            </p:cNvPr>
-            <p:cNvSpPr txBox="1"/>
-            <p:nvPr/>
-          </p:nvSpPr>
-          <p:spPr>
-            <a:xfrm>
-              <a:off x="6349390" y="3991638"/>
-              <a:ext cx="1523015" cy="307777"/>
-            </a:xfrm>
-            <a:prstGeom prst="rect">
-              <a:avLst/>
-            </a:prstGeom>
-            <a:noFill/>
-          </p:spPr>
-          <p:txBody>
-            <a:bodyPr wrap="square" rtlCol="0">
-              <a:spAutoFit/>
-            </a:bodyPr>
-            <a:lstStyle/>
-            <a:p>
-              <a:pPr algn="ctr"/>
-              <a:r>
-                <a:rPr kumimoji="1" lang="en-US" altLang="zh-CN" sz="1400" b="1" i="1" dirty="0">
-                  <a:latin typeface="DengXian" panose="02010600030101010101" pitchFamily="2" charset="-122"/>
-                  <a:ea typeface="DengXian" panose="02010600030101010101" pitchFamily="2" charset="-122"/>
-                </a:rPr>
-                <a:t>edge4:</a:t>
-              </a:r>
-              <a:r>
-                <a:rPr kumimoji="1" lang="zh-CN" altLang="en-US" sz="1400" b="1" i="1" dirty="0">
-                  <a:latin typeface="DengXian" panose="02010600030101010101" pitchFamily="2" charset="-122"/>
-                  <a:ea typeface="DengXian" panose="02010600030101010101" pitchFamily="2" charset="-122"/>
-                </a:rPr>
-                <a:t> </a:t>
-              </a:r>
-              <a:r>
-                <a:rPr kumimoji="1" lang="en-US" altLang="zh-CN" sz="1400" dirty="0">
-                  <a:latin typeface="DengXian" panose="02010600030101010101" pitchFamily="2" charset="-122"/>
-                  <a:ea typeface="DengXian" panose="02010600030101010101" pitchFamily="2" charset="-122"/>
-                </a:rPr>
-                <a:t>transfer</a:t>
-              </a:r>
-            </a:p>
-          </p:txBody>
-        </p:sp>
-      </p:grpSp>
-    </p:spTree>
-    <p:extLst>
-      <p:ext uri="{BB962C8B-B14F-4D97-AF65-F5344CB8AC3E}">
-        <p14:creationId xmlns:p14="http://schemas.microsoft.com/office/powerpoint/2010/main" val="2301216252"/>
-      </p:ext>
-    </p:extLst>
-  </p:cSld>
-  <p:clrMapOvr>
-    <a:masterClrMapping/>
-  </p:clrMapOvr>
-</p:sld>
-</file>
-
-<file path=ppt/slides/slide11.xml><?xml version="1.0" encoding="utf-8"?>
-<p:sld xmlns:a="http://schemas.openxmlformats.org/drawingml/2006/main" xmlns:r="http://schemas.openxmlformats.org/officeDocument/2006/relationships" xmlns:p="http://schemas.openxmlformats.org/presentationml/2006/main">
-  <p:cSld>
-    <p:spTree>
-      <p:nvGrpSpPr>
-        <p:cNvPr id="1" name=""/>
-        <p:cNvGrpSpPr/>
-        <p:nvPr/>
-      </p:nvGrpSpPr>
-      <p:grpSpPr>
-        <a:xfrm>
-          <a:off x="0" y="0"/>
-          <a:ext cx="0" cy="0"/>
-          <a:chOff x="0" y="0"/>
-          <a:chExt cx="0" cy="0"/>
-        </a:xfrm>
-      </p:grpSpPr>
-      <p:grpSp>
-        <p:nvGrpSpPr>
           <p:cNvPr id="21" name="Group 20">
             <a:extLst>
               <a:ext uri="{FF2B5EF4-FFF2-40B4-BE49-F238E27FC236}">
@@ -6773,7 +5818,7 @@
 </p:sld>
 </file>
 
-<file path=ppt/slides/slide12.xml><?xml version="1.0" encoding="utf-8"?>
+<file path=ppt/slides/slide11.xml><?xml version="1.0" encoding="utf-8"?>
 <p:sld xmlns:a="http://schemas.openxmlformats.org/drawingml/2006/main" xmlns:r="http://schemas.openxmlformats.org/officeDocument/2006/relationships" xmlns:p="http://schemas.openxmlformats.org/presentationml/2006/main">
   <p:cSld>
     <p:spTree>
@@ -8502,7 +7547,7 @@
 </p:sld>
 </file>
 
-<file path=ppt/slides/slide13.xml><?xml version="1.0" encoding="utf-8"?>
+<file path=ppt/slides/slide12.xml><?xml version="1.0" encoding="utf-8"?>
 <p:sld xmlns:a="http://schemas.openxmlformats.org/drawingml/2006/main" xmlns:r="http://schemas.openxmlformats.org/officeDocument/2006/relationships" xmlns:p="http://schemas.openxmlformats.org/presentationml/2006/main">
   <p:cSld>
     <p:spTree>
@@ -10319,7 +9364,7 @@
 </p:sld>
 </file>
 
-<file path=ppt/slides/slide14.xml><?xml version="1.0" encoding="utf-8"?>
+<file path=ppt/slides/slide13.xml><?xml version="1.0" encoding="utf-8"?>
 <p:sld xmlns:a="http://schemas.openxmlformats.org/drawingml/2006/main" xmlns:r="http://schemas.openxmlformats.org/officeDocument/2006/relationships" xmlns:p="http://schemas.openxmlformats.org/presentationml/2006/main">
   <p:cSld>
     <p:spTree>
@@ -11287,7 +10332,7 @@
 </p:sld>
 </file>
 
-<file path=ppt/slides/slide15.xml><?xml version="1.0" encoding="utf-8"?>
+<file path=ppt/slides/slide14.xml><?xml version="1.0" encoding="utf-8"?>
 <p:sld xmlns:a="http://schemas.openxmlformats.org/drawingml/2006/main" xmlns:r="http://schemas.openxmlformats.org/officeDocument/2006/relationships" xmlns:p="http://schemas.openxmlformats.org/presentationml/2006/main">
   <p:cSld>
     <p:spTree>
@@ -12521,7 +11566,7 @@
 </p:sld>
 </file>
 
-<file path=ppt/slides/slide16.xml><?xml version="1.0" encoding="utf-8"?>
+<file path=ppt/slides/slide15.xml><?xml version="1.0" encoding="utf-8"?>
 <p:sld xmlns:a="http://schemas.openxmlformats.org/drawingml/2006/main" xmlns:r="http://schemas.openxmlformats.org/officeDocument/2006/relationships" xmlns:p="http://schemas.openxmlformats.org/presentationml/2006/main">
   <p:cSld>
     <p:spTree>
@@ -12864,7 +11909,7 @@
 </p:sld>
 </file>
 
-<file path=ppt/slides/slide17.xml><?xml version="1.0" encoding="utf-8"?>
+<file path=ppt/slides/slide16.xml><?xml version="1.0" encoding="utf-8"?>
 <p:sld xmlns:a="http://schemas.openxmlformats.org/drawingml/2006/main" xmlns:r="http://schemas.openxmlformats.org/officeDocument/2006/relationships" xmlns:p="http://schemas.openxmlformats.org/presentationml/2006/main">
   <p:cSld>
     <p:spTree>
@@ -14026,7 +13071,7 @@
 </p:sld>
 </file>
 
-<file path=ppt/slides/slide18.xml><?xml version="1.0" encoding="utf-8"?>
+<file path=ppt/slides/slide17.xml><?xml version="1.0" encoding="utf-8"?>
 <p:sld xmlns:a="http://schemas.openxmlformats.org/drawingml/2006/main" xmlns:r="http://schemas.openxmlformats.org/officeDocument/2006/relationships" xmlns:p="http://schemas.openxmlformats.org/presentationml/2006/main">
   <p:cSld>
     <p:spTree>
@@ -15527,7 +14572,7 @@
 </p:sld>
 </file>
 
-<file path=ppt/slides/slide19.xml><?xml version="1.0" encoding="utf-8"?>
+<file path=ppt/slides/slide18.xml><?xml version="1.0" encoding="utf-8"?>
 <p:sld xmlns:a="http://schemas.openxmlformats.org/drawingml/2006/main" xmlns:r="http://schemas.openxmlformats.org/officeDocument/2006/relationships" xmlns:p="http://schemas.openxmlformats.org/presentationml/2006/main">
   <p:cSld>
     <p:spTree>
@@ -16319,6 +15364,801 @@
 </p:sld>
 </file>
 
+<file path=ppt/slides/slide19.xml><?xml version="1.0" encoding="utf-8"?>
+<p:sld xmlns:a="http://schemas.openxmlformats.org/drawingml/2006/main" xmlns:r="http://schemas.openxmlformats.org/officeDocument/2006/relationships" xmlns:p="http://schemas.openxmlformats.org/presentationml/2006/main">
+  <p:cSld>
+    <p:spTree>
+      <p:nvGrpSpPr>
+        <p:cNvPr id="1" name=""/>
+        <p:cNvGrpSpPr/>
+        <p:nvPr/>
+      </p:nvGrpSpPr>
+      <p:grpSpPr>
+        <a:xfrm>
+          <a:off x="0" y="0"/>
+          <a:ext cx="0" cy="0"/>
+          <a:chOff x="0" y="0"/>
+          <a:chExt cx="0" cy="0"/>
+        </a:xfrm>
+      </p:grpSpPr>
+      <p:grpSp>
+        <p:nvGrpSpPr>
+          <p:cNvPr id="3" name="Group 2">
+            <a:extLst>
+              <a:ext uri="{FF2B5EF4-FFF2-40B4-BE49-F238E27FC236}">
+                <a16:creationId xmlns:a16="http://schemas.microsoft.com/office/drawing/2014/main" id="{089C2ECB-53D9-2F48-9BB2-6ADA361A2203}"/>
+              </a:ext>
+            </a:extLst>
+          </p:cNvPr>
+          <p:cNvGrpSpPr/>
+          <p:nvPr/>
+        </p:nvGrpSpPr>
+        <p:grpSpPr>
+          <a:xfrm>
+            <a:off x="2342858" y="3754369"/>
+            <a:ext cx="7784718" cy="1615611"/>
+            <a:chOff x="2342858" y="3754369"/>
+            <a:chExt cx="7784718" cy="1615611"/>
+          </a:xfrm>
+        </p:grpSpPr>
+        <p:sp>
+          <p:nvSpPr>
+            <p:cNvPr id="20" name="矩形 19">
+              <a:extLst>
+                <a:ext uri="{FF2B5EF4-FFF2-40B4-BE49-F238E27FC236}">
+                  <a16:creationId xmlns:a16="http://schemas.microsoft.com/office/drawing/2014/main" id="{0C915F3B-E930-0B40-A0AE-69E339687501}"/>
+                </a:ext>
+              </a:extLst>
+            </p:cNvPr>
+            <p:cNvSpPr/>
+            <p:nvPr/>
+          </p:nvSpPr>
+          <p:spPr>
+            <a:xfrm>
+              <a:off x="2342858" y="3754369"/>
+              <a:ext cx="2116478" cy="505147"/>
+            </a:xfrm>
+            <a:prstGeom prst="rect">
+              <a:avLst/>
+            </a:prstGeom>
+            <a:solidFill>
+              <a:schemeClr val="accent5">
+                <a:lumMod val="60000"/>
+                <a:lumOff val="40000"/>
+              </a:schemeClr>
+            </a:solidFill>
+            <a:ln w="28575">
+              <a:solidFill>
+                <a:schemeClr val="tx1"/>
+              </a:solidFill>
+            </a:ln>
+          </p:spPr>
+          <p:style>
+            <a:lnRef idx="2">
+              <a:schemeClr val="accent2">
+                <a:shade val="50000"/>
+              </a:schemeClr>
+            </a:lnRef>
+            <a:fillRef idx="1">
+              <a:schemeClr val="accent2"/>
+            </a:fillRef>
+            <a:effectRef idx="0">
+              <a:schemeClr val="accent2"/>
+            </a:effectRef>
+            <a:fontRef idx="minor">
+              <a:schemeClr val="lt1"/>
+            </a:fontRef>
+          </p:style>
+          <p:txBody>
+            <a:bodyPr rtlCol="0" anchor="ctr"/>
+            <a:lstStyle/>
+            <a:p>
+              <a:r>
+                <a:rPr kumimoji="1" lang="en-US" altLang="zh-CN" sz="1200" b="1" i="1" dirty="0">
+                  <a:solidFill>
+                    <a:sysClr val="windowText" lastClr="000000"/>
+                  </a:solidFill>
+                </a:rPr>
+                <a:t>account</a:t>
+              </a:r>
+              <a:r>
+                <a:rPr kumimoji="1" lang="zh-CN" altLang="en-US" sz="1200" dirty="0">
+                  <a:solidFill>
+                    <a:sysClr val="windowText" lastClr="000000"/>
+                  </a:solidFill>
+                </a:rPr>
+                <a:t> </a:t>
+              </a:r>
+              <a:r>
+                <a:rPr kumimoji="1" lang="en-US" altLang="zh-CN" sz="1200" dirty="0">
+                  <a:solidFill>
+                    <a:sysClr val="windowText" lastClr="000000"/>
+                  </a:solidFill>
+                </a:rPr>
+                <a:t>:</a:t>
+              </a:r>
+              <a:r>
+                <a:rPr kumimoji="1" lang="zh-CN" altLang="en-US" sz="1200" dirty="0">
+                  <a:solidFill>
+                    <a:sysClr val="windowText" lastClr="000000"/>
+                  </a:solidFill>
+                </a:rPr>
+                <a:t> </a:t>
+              </a:r>
+              <a:r>
+                <a:rPr kumimoji="1" lang="en-US" altLang="zh-CN" sz="1200" dirty="0">
+                  <a:solidFill>
+                    <a:sysClr val="windowText" lastClr="000000"/>
+                  </a:solidFill>
+                </a:rPr>
+                <a:t>Account</a:t>
+              </a:r>
+              <a:endParaRPr kumimoji="1" lang="zh-CN" altLang="en-US" sz="1200" dirty="0">
+                <a:solidFill>
+                  <a:sysClr val="windowText" lastClr="000000"/>
+                </a:solidFill>
+              </a:endParaRPr>
+            </a:p>
+          </p:txBody>
+        </p:sp>
+        <p:sp>
+          <p:nvSpPr>
+            <p:cNvPr id="21" name="矩形 20">
+              <a:extLst>
+                <a:ext uri="{FF2B5EF4-FFF2-40B4-BE49-F238E27FC236}">
+                  <a16:creationId xmlns:a16="http://schemas.microsoft.com/office/drawing/2014/main" id="{7536988B-14DC-CD41-9463-D64C929D92D6}"/>
+                </a:ext>
+              </a:extLst>
+            </p:cNvPr>
+            <p:cNvSpPr/>
+            <p:nvPr/>
+          </p:nvSpPr>
+          <p:spPr>
+            <a:xfrm>
+              <a:off x="2342858" y="4259516"/>
+              <a:ext cx="2116477" cy="505147"/>
+            </a:xfrm>
+            <a:prstGeom prst="rect">
+              <a:avLst/>
+            </a:prstGeom>
+            <a:noFill/>
+            <a:ln w="28575">
+              <a:solidFill>
+                <a:schemeClr val="tx1"/>
+              </a:solidFill>
+            </a:ln>
+          </p:spPr>
+          <p:style>
+            <a:lnRef idx="2">
+              <a:schemeClr val="accent2">
+                <a:shade val="50000"/>
+              </a:schemeClr>
+            </a:lnRef>
+            <a:fillRef idx="1">
+              <a:schemeClr val="accent2"/>
+            </a:fillRef>
+            <a:effectRef idx="0">
+              <a:schemeClr val="accent2"/>
+            </a:effectRef>
+            <a:fontRef idx="minor">
+              <a:schemeClr val="lt1"/>
+            </a:fontRef>
+          </p:style>
+          <p:txBody>
+            <a:bodyPr rtlCol="0" anchor="ctr"/>
+            <a:lstStyle/>
+            <a:p>
+              <a:r>
+                <a:rPr kumimoji="1" lang="en-US" altLang="zh-CN" sz="1200" b="1" i="1" dirty="0" err="1">
+                  <a:solidFill>
+                    <a:sysClr val="windowText" lastClr="000000"/>
+                  </a:solidFill>
+                  <a:latin typeface="DengXian" panose="02010600030101010101" pitchFamily="2" charset="-122"/>
+                  <a:ea typeface="DengXian" panose="02010600030101010101" pitchFamily="2" charset="-122"/>
+                </a:rPr>
+                <a:t>account</a:t>
+              </a:r>
+              <a:r>
+                <a:rPr kumimoji="1" lang="en-US" altLang="zh-CN" sz="1200" dirty="0" err="1">
+                  <a:solidFill>
+                    <a:sysClr val="windowText" lastClr="000000"/>
+                  </a:solidFill>
+                  <a:latin typeface="DengXian" panose="02010600030101010101" pitchFamily="2" charset="-122"/>
+                  <a:ea typeface="DengXian" panose="02010600030101010101" pitchFamily="2" charset="-122"/>
+                </a:rPr>
+                <a:t>.id</a:t>
+              </a:r>
+              <a:r>
+                <a:rPr kumimoji="1" lang="zh-CN" altLang="en-US" sz="1200" dirty="0">
+                  <a:solidFill>
+                    <a:sysClr val="windowText" lastClr="000000"/>
+                  </a:solidFill>
+                  <a:latin typeface="DengXian" panose="02010600030101010101" pitchFamily="2" charset="-122"/>
+                  <a:ea typeface="DengXian" panose="02010600030101010101" pitchFamily="2" charset="-122"/>
+                </a:rPr>
+                <a:t> </a:t>
+              </a:r>
+              <a:r>
+                <a:rPr kumimoji="1" lang="en-US" altLang="zh-CN" sz="1200" dirty="0">
+                  <a:solidFill>
+                    <a:sysClr val="windowText" lastClr="000000"/>
+                  </a:solidFill>
+                  <a:latin typeface="DengXian" panose="02010600030101010101" pitchFamily="2" charset="-122"/>
+                  <a:ea typeface="DengXian" panose="02010600030101010101" pitchFamily="2" charset="-122"/>
+                </a:rPr>
+                <a:t>=</a:t>
+              </a:r>
+              <a:r>
+                <a:rPr kumimoji="1" lang="zh-CN" altLang="en-US" sz="1200" dirty="0">
+                  <a:solidFill>
+                    <a:sysClr val="windowText" lastClr="000000"/>
+                  </a:solidFill>
+                  <a:latin typeface="DengXian" panose="02010600030101010101" pitchFamily="2" charset="-122"/>
+                  <a:ea typeface="DengXian" panose="02010600030101010101" pitchFamily="2" charset="-122"/>
+                </a:rPr>
+                <a:t> </a:t>
+              </a:r>
+              <a:r>
+                <a:rPr kumimoji="1" lang="en-US" altLang="zh-CN" sz="1200" dirty="0">
+                  <a:solidFill>
+                    <a:sysClr val="windowText" lastClr="000000"/>
+                  </a:solidFill>
+                  <a:latin typeface="DengXian" panose="02010600030101010101" pitchFamily="2" charset="-122"/>
+                  <a:ea typeface="DengXian" panose="02010600030101010101" pitchFamily="2" charset="-122"/>
+                </a:rPr>
+                <a:t>${id}</a:t>
+              </a:r>
+              <a:endParaRPr kumimoji="1" lang="zh-CN" altLang="en-US" sz="1200" dirty="0">
+                <a:solidFill>
+                  <a:sysClr val="windowText" lastClr="000000"/>
+                </a:solidFill>
+                <a:latin typeface="DengXian" panose="02010600030101010101" pitchFamily="2" charset="-122"/>
+                <a:ea typeface="DengXian" panose="02010600030101010101" pitchFamily="2" charset="-122"/>
+              </a:endParaRPr>
+            </a:p>
+          </p:txBody>
+        </p:sp>
+        <p:cxnSp>
+          <p:nvCxnSpPr>
+            <p:cNvPr id="22" name="直线箭头连接符 21" descr="jytjh">
+              <a:extLst>
+                <a:ext uri="{FF2B5EF4-FFF2-40B4-BE49-F238E27FC236}">
+                  <a16:creationId xmlns:a16="http://schemas.microsoft.com/office/drawing/2014/main" id="{2023CF6A-799A-2A48-A3F4-50CAB03D0B62}"/>
+                </a:ext>
+              </a:extLst>
+            </p:cNvPr>
+            <p:cNvCxnSpPr>
+              <a:cxnSpLocks/>
+            </p:cNvCxnSpPr>
+            <p:nvPr/>
+          </p:nvCxnSpPr>
+          <p:spPr>
+            <a:xfrm>
+              <a:off x="4459335" y="4259516"/>
+              <a:ext cx="3247173" cy="0"/>
+            </a:xfrm>
+            <a:prstGeom prst="straightConnector1">
+              <a:avLst/>
+            </a:prstGeom>
+            <a:ln w="28575">
+              <a:solidFill>
+                <a:schemeClr val="tx1"/>
+              </a:solidFill>
+              <a:headEnd type="arrow" w="lg" len="med"/>
+              <a:tailEnd type="none"/>
+            </a:ln>
+          </p:spPr>
+          <p:style>
+            <a:lnRef idx="1">
+              <a:schemeClr val="accent1"/>
+            </a:lnRef>
+            <a:fillRef idx="0">
+              <a:schemeClr val="accent1"/>
+            </a:fillRef>
+            <a:effectRef idx="0">
+              <a:schemeClr val="accent1"/>
+            </a:effectRef>
+            <a:fontRef idx="minor">
+              <a:schemeClr val="tx1"/>
+            </a:fontRef>
+          </p:style>
+        </p:cxnSp>
+        <p:sp>
+          <p:nvSpPr>
+            <p:cNvPr id="23" name="文本框 22">
+              <a:extLst>
+                <a:ext uri="{FF2B5EF4-FFF2-40B4-BE49-F238E27FC236}">
+                  <a16:creationId xmlns:a16="http://schemas.microsoft.com/office/drawing/2014/main" id="{D4093ED8-7C31-DE43-BD8E-CEB078F284D0}"/>
+                </a:ext>
+              </a:extLst>
+            </p:cNvPr>
+            <p:cNvSpPr txBox="1"/>
+            <p:nvPr/>
+          </p:nvSpPr>
+          <p:spPr>
+            <a:xfrm>
+              <a:off x="4761828" y="3927313"/>
+              <a:ext cx="2682214" cy="830997"/>
+            </a:xfrm>
+            <a:prstGeom prst="rect">
+              <a:avLst/>
+            </a:prstGeom>
+            <a:noFill/>
+          </p:spPr>
+          <p:txBody>
+            <a:bodyPr wrap="square" rtlCol="0">
+              <a:spAutoFit/>
+            </a:bodyPr>
+            <a:lstStyle/>
+            <a:p>
+              <a:r>
+                <a:rPr kumimoji="1" lang="en-US" altLang="zh-CN" sz="1200" b="1" i="1" dirty="0">
+                  <a:latin typeface="DengXian" panose="02010600030101010101" pitchFamily="2" charset="-122"/>
+                  <a:ea typeface="DengXian" panose="02010600030101010101" pitchFamily="2" charset="-122"/>
+                </a:rPr>
+                <a:t>edge</a:t>
+              </a:r>
+              <a:r>
+                <a:rPr kumimoji="1" lang="zh-CN" altLang="en-US" sz="1200" dirty="0">
+                  <a:latin typeface="DengXian" panose="02010600030101010101" pitchFamily="2" charset="-122"/>
+                  <a:ea typeface="DengXian" panose="02010600030101010101" pitchFamily="2" charset="-122"/>
+                </a:rPr>
+                <a:t> </a:t>
+              </a:r>
+              <a:r>
+                <a:rPr kumimoji="1" lang="en-US" altLang="zh-CN" sz="1200" dirty="0">
+                  <a:latin typeface="DengXian" panose="02010600030101010101" pitchFamily="2" charset="-122"/>
+                  <a:ea typeface="DengXian" panose="02010600030101010101" pitchFamily="2" charset="-122"/>
+                </a:rPr>
+                <a:t>:</a:t>
+              </a:r>
+              <a:r>
+                <a:rPr kumimoji="1" lang="zh-CN" altLang="en-US" sz="1200" dirty="0">
+                  <a:latin typeface="DengXian" panose="02010600030101010101" pitchFamily="2" charset="-122"/>
+                  <a:ea typeface="DengXian" panose="02010600030101010101" pitchFamily="2" charset="-122"/>
+                </a:rPr>
+                <a:t> </a:t>
+              </a:r>
+              <a:r>
+                <a:rPr kumimoji="1" lang="en-US" altLang="zh-CN" sz="1200" dirty="0">
+                  <a:latin typeface="DengXian" panose="02010600030101010101" pitchFamily="2" charset="-122"/>
+                  <a:ea typeface="DengXian" panose="02010600030101010101" pitchFamily="2" charset="-122"/>
+                </a:rPr>
+                <a:t>transfer</a:t>
+              </a:r>
+            </a:p>
+            <a:p>
+              <a:endParaRPr kumimoji="1" lang="en-US" altLang="zh-CN" sz="1200" dirty="0">
+                <a:latin typeface="DengXian" panose="02010600030101010101" pitchFamily="2" charset="-122"/>
+                <a:ea typeface="DengXian" panose="02010600030101010101" pitchFamily="2" charset="-122"/>
+              </a:endParaRPr>
+            </a:p>
+            <a:p>
+              <a:r>
+                <a:rPr kumimoji="1" lang="en-US" altLang="zh-CN" sz="1200" b="1" i="1" dirty="0" err="1">
+                  <a:latin typeface="DengXian" panose="02010600030101010101" pitchFamily="2" charset="-122"/>
+                  <a:ea typeface="DengXian" panose="02010600030101010101" pitchFamily="2" charset="-122"/>
+                </a:rPr>
+                <a:t>edge</a:t>
+              </a:r>
+              <a:r>
+                <a:rPr kumimoji="1" lang="en-US" altLang="zh-CN" sz="1200" dirty="0" err="1">
+                  <a:latin typeface="DengXian" panose="02010600030101010101" pitchFamily="2" charset="-122"/>
+                  <a:ea typeface="DengXian" panose="02010600030101010101" pitchFamily="2" charset="-122"/>
+                </a:rPr>
+                <a:t>.timestamp</a:t>
+              </a:r>
+              <a:r>
+                <a:rPr kumimoji="1" lang="zh-CN" altLang="en-US" sz="1200" dirty="0">
+                  <a:latin typeface="DengXian" panose="02010600030101010101" pitchFamily="2" charset="-122"/>
+                  <a:ea typeface="DengXian" panose="02010600030101010101" pitchFamily="2" charset="-122"/>
+                </a:rPr>
+                <a:t> </a:t>
+              </a:r>
+              <a:r>
+                <a:rPr kumimoji="1" lang="en-US" altLang="zh-CN" sz="1200" dirty="0">
+                  <a:latin typeface="DengXian" panose="02010600030101010101" pitchFamily="2" charset="-122"/>
+                  <a:ea typeface="DengXian" panose="02010600030101010101" pitchFamily="2" charset="-122"/>
+                </a:rPr>
+                <a:t>&gt;</a:t>
+              </a:r>
+              <a:r>
+                <a:rPr kumimoji="1" lang="zh-CN" altLang="en-US" sz="1200" dirty="0">
+                  <a:latin typeface="DengXian" panose="02010600030101010101" pitchFamily="2" charset="-122"/>
+                  <a:ea typeface="DengXian" panose="02010600030101010101" pitchFamily="2" charset="-122"/>
+                </a:rPr>
+                <a:t> </a:t>
+              </a:r>
+              <a:r>
+                <a:rPr kumimoji="1" lang="en-US" altLang="zh-CN" sz="1200" dirty="0">
+                  <a:latin typeface="DengXian" panose="02010600030101010101" pitchFamily="2" charset="-122"/>
+                  <a:ea typeface="DengXian" panose="02010600030101010101" pitchFamily="2" charset="-122"/>
+                </a:rPr>
+                <a:t>${</a:t>
+              </a:r>
+              <a:r>
+                <a:rPr kumimoji="1" lang="en-US" altLang="zh-CN" sz="1200" dirty="0" err="1">
+                  <a:latin typeface="DengXian" panose="02010600030101010101" pitchFamily="2" charset="-122"/>
+                  <a:ea typeface="DengXian" panose="02010600030101010101" pitchFamily="2" charset="-122"/>
+                </a:rPr>
+                <a:t>start_time</a:t>
+              </a:r>
+              <a:r>
+                <a:rPr kumimoji="1" lang="en-US" altLang="zh-CN" sz="1200" dirty="0">
+                  <a:latin typeface="DengXian" panose="02010600030101010101" pitchFamily="2" charset="-122"/>
+                  <a:ea typeface="DengXian" panose="02010600030101010101" pitchFamily="2" charset="-122"/>
+                </a:rPr>
+                <a:t>}</a:t>
+              </a:r>
+            </a:p>
+            <a:p>
+              <a:r>
+                <a:rPr kumimoji="1" lang="en-US" altLang="zh-CN" sz="1200" b="1" i="1" dirty="0" err="1">
+                  <a:latin typeface="DengXian" panose="02010600030101010101" pitchFamily="2" charset="-122"/>
+                  <a:ea typeface="DengXian" panose="02010600030101010101" pitchFamily="2" charset="-122"/>
+                </a:rPr>
+                <a:t>edge</a:t>
+              </a:r>
+              <a:r>
+                <a:rPr kumimoji="1" lang="en-US" altLang="zh-CN" sz="1200" dirty="0" err="1">
+                  <a:latin typeface="DengXian" panose="02010600030101010101" pitchFamily="2" charset="-122"/>
+                  <a:ea typeface="DengXian" panose="02010600030101010101" pitchFamily="2" charset="-122"/>
+                </a:rPr>
+                <a:t>.timestamp</a:t>
+              </a:r>
+              <a:r>
+                <a:rPr kumimoji="1" lang="zh-CN" altLang="en-US" sz="1200" dirty="0">
+                  <a:latin typeface="DengXian" panose="02010600030101010101" pitchFamily="2" charset="-122"/>
+                  <a:ea typeface="DengXian" panose="02010600030101010101" pitchFamily="2" charset="-122"/>
+                </a:rPr>
+                <a:t> </a:t>
+              </a:r>
+              <a:r>
+                <a:rPr kumimoji="1" lang="en-US" altLang="zh-CN" sz="1200" dirty="0">
+                  <a:latin typeface="DengXian" panose="02010600030101010101" pitchFamily="2" charset="-122"/>
+                  <a:ea typeface="DengXian" panose="02010600030101010101" pitchFamily="2" charset="-122"/>
+                </a:rPr>
+                <a:t>&lt;</a:t>
+              </a:r>
+              <a:r>
+                <a:rPr kumimoji="1" lang="zh-CN" altLang="en-US" sz="1200" dirty="0">
+                  <a:latin typeface="DengXian" panose="02010600030101010101" pitchFamily="2" charset="-122"/>
+                  <a:ea typeface="DengXian" panose="02010600030101010101" pitchFamily="2" charset="-122"/>
+                </a:rPr>
+                <a:t> </a:t>
+              </a:r>
+              <a:r>
+                <a:rPr kumimoji="1" lang="en-US" altLang="zh-CN" sz="1200" dirty="0">
+                  <a:latin typeface="DengXian" panose="02010600030101010101" pitchFamily="2" charset="-122"/>
+                  <a:ea typeface="DengXian" panose="02010600030101010101" pitchFamily="2" charset="-122"/>
+                </a:rPr>
+                <a:t>${</a:t>
+              </a:r>
+              <a:r>
+                <a:rPr kumimoji="1" lang="en-US" altLang="zh-CN" sz="1200" dirty="0" err="1">
+                  <a:latin typeface="DengXian" panose="02010600030101010101" pitchFamily="2" charset="-122"/>
+                  <a:ea typeface="DengXian" panose="02010600030101010101" pitchFamily="2" charset="-122"/>
+                </a:rPr>
+                <a:t>end_time</a:t>
+              </a:r>
+              <a:r>
+                <a:rPr kumimoji="1" lang="en-US" altLang="zh-CN" sz="1200" dirty="0">
+                  <a:latin typeface="DengXian" panose="02010600030101010101" pitchFamily="2" charset="-122"/>
+                  <a:ea typeface="DengXian" panose="02010600030101010101" pitchFamily="2" charset="-122"/>
+                </a:rPr>
+                <a:t>}</a:t>
+              </a:r>
+            </a:p>
+          </p:txBody>
+        </p:sp>
+        <p:sp>
+          <p:nvSpPr>
+            <p:cNvPr id="24" name="矩形 23">
+              <a:extLst>
+                <a:ext uri="{FF2B5EF4-FFF2-40B4-BE49-F238E27FC236}">
+                  <a16:creationId xmlns:a16="http://schemas.microsoft.com/office/drawing/2014/main" id="{7634BE04-E974-9E45-ADCA-9C9EFAA10558}"/>
+                </a:ext>
+              </a:extLst>
+            </p:cNvPr>
+            <p:cNvSpPr/>
+            <p:nvPr/>
+          </p:nvSpPr>
+          <p:spPr>
+            <a:xfrm>
+              <a:off x="7706507" y="4259201"/>
+              <a:ext cx="2421069" cy="1110779"/>
+            </a:xfrm>
+            <a:prstGeom prst="rect">
+              <a:avLst/>
+            </a:prstGeom>
+            <a:solidFill>
+              <a:schemeClr val="accent4">
+                <a:lumMod val="60000"/>
+                <a:lumOff val="40000"/>
+              </a:schemeClr>
+            </a:solidFill>
+            <a:ln w="28575">
+              <a:solidFill>
+                <a:schemeClr val="tx1"/>
+              </a:solidFill>
+              <a:prstDash val="dash"/>
+            </a:ln>
+          </p:spPr>
+          <p:style>
+            <a:lnRef idx="2">
+              <a:schemeClr val="accent2">
+                <a:shade val="50000"/>
+              </a:schemeClr>
+            </a:lnRef>
+            <a:fillRef idx="1">
+              <a:schemeClr val="accent2"/>
+            </a:fillRef>
+            <a:effectRef idx="0">
+              <a:schemeClr val="accent2"/>
+            </a:effectRef>
+            <a:fontRef idx="minor">
+              <a:schemeClr val="lt1"/>
+            </a:fontRef>
+          </p:style>
+          <p:txBody>
+            <a:bodyPr rtlCol="0" anchor="ctr"/>
+            <a:lstStyle/>
+            <a:p>
+              <a:r>
+                <a:rPr kumimoji="1" lang="en-US" altLang="zh-CN" sz="1200" b="1" dirty="0">
+                  <a:solidFill>
+                    <a:sysClr val="windowText" lastClr="000000"/>
+                  </a:solidFill>
+                  <a:latin typeface="DengXian" panose="02010600030101010101" pitchFamily="2" charset="-122"/>
+                  <a:ea typeface="DengXian" panose="02010600030101010101" pitchFamily="2" charset="-122"/>
+                </a:rPr>
+                <a:t>RESULT</a:t>
+              </a:r>
+              <a:endParaRPr kumimoji="1" lang="en-US" altLang="zh-CN" sz="1200" dirty="0">
+                <a:solidFill>
+                  <a:sysClr val="windowText" lastClr="000000"/>
+                </a:solidFill>
+                <a:latin typeface="DengXian" panose="02010600030101010101" pitchFamily="2" charset="-122"/>
+                <a:ea typeface="DengXian" panose="02010600030101010101" pitchFamily="2" charset="-122"/>
+              </a:endParaRPr>
+            </a:p>
+            <a:p>
+              <a:r>
+                <a:rPr kumimoji="1" lang="en-US" altLang="zh-CN" sz="1200" dirty="0">
+                  <a:solidFill>
+                    <a:sysClr val="windowText" lastClr="000000"/>
+                  </a:solidFill>
+                  <a:latin typeface="DengXian" panose="02010600030101010101" pitchFamily="2" charset="-122"/>
+                  <a:ea typeface="DengXian" panose="02010600030101010101" pitchFamily="2" charset="-122"/>
+                </a:rPr>
+                <a:t>SUM(</a:t>
+              </a:r>
+              <a:r>
+                <a:rPr kumimoji="1" lang="en-US" altLang="zh-CN" sz="1200" b="1" i="1" dirty="0" err="1">
+                  <a:solidFill>
+                    <a:sysClr val="windowText" lastClr="000000"/>
+                  </a:solidFill>
+                  <a:latin typeface="DengXian" panose="02010600030101010101" pitchFamily="2" charset="-122"/>
+                  <a:ea typeface="DengXian" panose="02010600030101010101" pitchFamily="2" charset="-122"/>
+                </a:rPr>
+                <a:t>edge</a:t>
+              </a:r>
+              <a:r>
+                <a:rPr kumimoji="1" lang="en-US" altLang="zh-CN" sz="1200" dirty="0" err="1">
+                  <a:solidFill>
+                    <a:sysClr val="windowText" lastClr="000000"/>
+                  </a:solidFill>
+                  <a:latin typeface="DengXian" panose="02010600030101010101" pitchFamily="2" charset="-122"/>
+                  <a:ea typeface="DengXian" panose="02010600030101010101" pitchFamily="2" charset="-122"/>
+                </a:rPr>
+                <a:t>.amount</a:t>
+              </a:r>
+              <a:r>
+                <a:rPr kumimoji="1" lang="en-US" altLang="zh-CN" sz="1200" dirty="0">
+                  <a:solidFill>
+                    <a:sysClr val="windowText" lastClr="000000"/>
+                  </a:solidFill>
+                  <a:latin typeface="DengXian" panose="02010600030101010101" pitchFamily="2" charset="-122"/>
+                  <a:ea typeface="DengXian" panose="02010600030101010101" pitchFamily="2" charset="-122"/>
+                </a:rPr>
+                <a:t>)</a:t>
+              </a:r>
+            </a:p>
+            <a:p>
+              <a:r>
+                <a:rPr kumimoji="1" lang="en-US" altLang="zh-CN" sz="1200" dirty="0">
+                  <a:solidFill>
+                    <a:sysClr val="windowText" lastClr="000000"/>
+                  </a:solidFill>
+                  <a:latin typeface="DengXian" panose="02010600030101010101" pitchFamily="2" charset="-122"/>
+                  <a:ea typeface="DengXian" panose="02010600030101010101" pitchFamily="2" charset="-122"/>
+                </a:rPr>
+                <a:t>COUNT(</a:t>
+              </a:r>
+              <a:r>
+                <a:rPr kumimoji="1" lang="en-US" altLang="zh-CN" sz="1200" b="1" i="1" dirty="0">
+                  <a:solidFill>
+                    <a:sysClr val="windowText" lastClr="000000"/>
+                  </a:solidFill>
+                  <a:latin typeface="DengXian" panose="02010600030101010101" pitchFamily="2" charset="-122"/>
+                  <a:ea typeface="DengXian" panose="02010600030101010101" pitchFamily="2" charset="-122"/>
+                </a:rPr>
+                <a:t>edge</a:t>
+              </a:r>
+              <a:r>
+                <a:rPr kumimoji="1" lang="en-US" altLang="zh-CN" sz="1200" dirty="0">
+                  <a:solidFill>
+                    <a:sysClr val="windowText" lastClr="000000"/>
+                  </a:solidFill>
+                  <a:latin typeface="DengXian" panose="02010600030101010101" pitchFamily="2" charset="-122"/>
+                  <a:ea typeface="DengXian" panose="02010600030101010101" pitchFamily="2" charset="-122"/>
+                </a:rPr>
+                <a:t>)</a:t>
+              </a:r>
+            </a:p>
+            <a:p>
+              <a:r>
+                <a:rPr kumimoji="1" lang="en-US" altLang="zh-CN" sz="1200" dirty="0">
+                  <a:solidFill>
+                    <a:sysClr val="windowText" lastClr="000000"/>
+                  </a:solidFill>
+                  <a:latin typeface="DengXian" panose="02010600030101010101" pitchFamily="2" charset="-122"/>
+                  <a:ea typeface="DengXian" panose="02010600030101010101" pitchFamily="2" charset="-122"/>
+                </a:rPr>
+                <a:t>COUNT(DISTINCT</a:t>
+              </a:r>
+              <a:r>
+                <a:rPr kumimoji="1" lang="zh-CN" altLang="en-US" sz="1200" dirty="0">
+                  <a:solidFill>
+                    <a:sysClr val="windowText" lastClr="000000"/>
+                  </a:solidFill>
+                  <a:latin typeface="DengXian" panose="02010600030101010101" pitchFamily="2" charset="-122"/>
+                  <a:ea typeface="DengXian" panose="02010600030101010101" pitchFamily="2" charset="-122"/>
+                </a:rPr>
+                <a:t> </a:t>
+              </a:r>
+              <a:r>
+                <a:rPr kumimoji="1" lang="en-US" altLang="zh-CN" sz="1200" b="1" i="1" dirty="0" err="1">
+                  <a:solidFill>
+                    <a:sysClr val="windowText" lastClr="000000"/>
+                  </a:solidFill>
+                </a:rPr>
+                <a:t>otherAccounts</a:t>
+              </a:r>
+              <a:r>
+                <a:rPr kumimoji="1" lang="en-US" altLang="zh-CN" sz="1200" dirty="0">
+                  <a:solidFill>
+                    <a:sysClr val="windowText" lastClr="000000"/>
+                  </a:solidFill>
+                  <a:latin typeface="DengXian" panose="02010600030101010101" pitchFamily="2" charset="-122"/>
+                  <a:ea typeface="DengXian" panose="02010600030101010101" pitchFamily="2" charset="-122"/>
+                </a:rPr>
+                <a:t>)</a:t>
+              </a:r>
+              <a:endParaRPr kumimoji="1" lang="zh-CN" altLang="en-US" sz="1200" dirty="0">
+                <a:solidFill>
+                  <a:sysClr val="windowText" lastClr="000000"/>
+                </a:solidFill>
+                <a:latin typeface="DengXian" panose="02010600030101010101" pitchFamily="2" charset="-122"/>
+                <a:ea typeface="DengXian" panose="02010600030101010101" pitchFamily="2" charset="-122"/>
+              </a:endParaRPr>
+            </a:p>
+          </p:txBody>
+        </p:sp>
+        <p:sp>
+          <p:nvSpPr>
+            <p:cNvPr id="25" name="矩形 24">
+              <a:extLst>
+                <a:ext uri="{FF2B5EF4-FFF2-40B4-BE49-F238E27FC236}">
+                  <a16:creationId xmlns:a16="http://schemas.microsoft.com/office/drawing/2014/main" id="{8629DE7A-A10D-D447-8FB7-B33599368FD4}"/>
+                </a:ext>
+              </a:extLst>
+            </p:cNvPr>
+            <p:cNvSpPr/>
+            <p:nvPr/>
+          </p:nvSpPr>
+          <p:spPr>
+            <a:xfrm>
+              <a:off x="7706508" y="3757561"/>
+              <a:ext cx="2421068" cy="505147"/>
+            </a:xfrm>
+            <a:prstGeom prst="rect">
+              <a:avLst/>
+            </a:prstGeom>
+            <a:solidFill>
+              <a:schemeClr val="accent6">
+                <a:lumMod val="60000"/>
+                <a:lumOff val="40000"/>
+              </a:schemeClr>
+            </a:solidFill>
+            <a:ln w="28575">
+              <a:solidFill>
+                <a:schemeClr val="tx1"/>
+              </a:solidFill>
+            </a:ln>
+          </p:spPr>
+          <p:style>
+            <a:lnRef idx="2">
+              <a:schemeClr val="accent2">
+                <a:shade val="50000"/>
+              </a:schemeClr>
+            </a:lnRef>
+            <a:fillRef idx="1">
+              <a:schemeClr val="accent2"/>
+            </a:fillRef>
+            <a:effectRef idx="0">
+              <a:schemeClr val="accent2"/>
+            </a:effectRef>
+            <a:fontRef idx="minor">
+              <a:schemeClr val="lt1"/>
+            </a:fontRef>
+          </p:style>
+          <p:txBody>
+            <a:bodyPr rtlCol="0" anchor="ctr"/>
+            <a:lstStyle/>
+            <a:p>
+              <a:r>
+                <a:rPr kumimoji="1" lang="en-US" altLang="zh-CN" sz="1200" b="1" i="1" dirty="0" err="1">
+                  <a:solidFill>
+                    <a:sysClr val="windowText" lastClr="000000"/>
+                  </a:solidFill>
+                </a:rPr>
+                <a:t>otherAccount</a:t>
+              </a:r>
+              <a:r>
+                <a:rPr kumimoji="1" lang="zh-CN" altLang="en-US" sz="1200" dirty="0">
+                  <a:solidFill>
+                    <a:sysClr val="windowText" lastClr="000000"/>
+                  </a:solidFill>
+                </a:rPr>
+                <a:t> </a:t>
+              </a:r>
+              <a:r>
+                <a:rPr kumimoji="1" lang="en-US" altLang="zh-CN" sz="1200" dirty="0">
+                  <a:solidFill>
+                    <a:sysClr val="windowText" lastClr="000000"/>
+                  </a:solidFill>
+                </a:rPr>
+                <a:t>:</a:t>
+              </a:r>
+              <a:r>
+                <a:rPr kumimoji="1" lang="zh-CN" altLang="en-US" sz="1200" dirty="0">
+                  <a:solidFill>
+                    <a:sysClr val="windowText" lastClr="000000"/>
+                  </a:solidFill>
+                </a:rPr>
+                <a:t> </a:t>
+              </a:r>
+              <a:r>
+                <a:rPr kumimoji="1" lang="en-US" altLang="zh-CN" sz="1200" dirty="0">
+                  <a:solidFill>
+                    <a:sysClr val="windowText" lastClr="000000"/>
+                  </a:solidFill>
+                </a:rPr>
+                <a:t>Account</a:t>
+              </a:r>
+              <a:endParaRPr kumimoji="1" lang="zh-CN" altLang="en-US" sz="1200" dirty="0">
+                <a:solidFill>
+                  <a:sysClr val="windowText" lastClr="000000"/>
+                </a:solidFill>
+              </a:endParaRPr>
+            </a:p>
+          </p:txBody>
+        </p:sp>
+      </p:grpSp>
+    </p:spTree>
+    <p:extLst>
+      <p:ext uri="{BB962C8B-B14F-4D97-AF65-F5344CB8AC3E}">
+        <p14:creationId xmlns:p14="http://schemas.microsoft.com/office/powerpoint/2010/main" val="4122975086"/>
+      </p:ext>
+    </p:extLst>
+  </p:cSld>
+  <p:clrMapOvr>
+    <a:masterClrMapping/>
+  </p:clrMapOvr>
+</p:sld>
+</file>
+
 <file path=ppt/slides/slide2.xml><?xml version="1.0" encoding="utf-8"?>
 <p:sld xmlns:a="http://schemas.openxmlformats.org/drawingml/2006/main" xmlns:r="http://schemas.openxmlformats.org/officeDocument/2006/relationships" xmlns:p="http://schemas.openxmlformats.org/presentationml/2006/main">
   <p:cSld>
@@ -17712,801 +17552,6 @@
 </file>
 
 <file path=ppt/slides/slide20.xml><?xml version="1.0" encoding="utf-8"?>
-<p:sld xmlns:a="http://schemas.openxmlformats.org/drawingml/2006/main" xmlns:r="http://schemas.openxmlformats.org/officeDocument/2006/relationships" xmlns:p="http://schemas.openxmlformats.org/presentationml/2006/main">
-  <p:cSld>
-    <p:spTree>
-      <p:nvGrpSpPr>
-        <p:cNvPr id="1" name=""/>
-        <p:cNvGrpSpPr/>
-        <p:nvPr/>
-      </p:nvGrpSpPr>
-      <p:grpSpPr>
-        <a:xfrm>
-          <a:off x="0" y="0"/>
-          <a:ext cx="0" cy="0"/>
-          <a:chOff x="0" y="0"/>
-          <a:chExt cx="0" cy="0"/>
-        </a:xfrm>
-      </p:grpSpPr>
-      <p:grpSp>
-        <p:nvGrpSpPr>
-          <p:cNvPr id="3" name="Group 2">
-            <a:extLst>
-              <a:ext uri="{FF2B5EF4-FFF2-40B4-BE49-F238E27FC236}">
-                <a16:creationId xmlns:a16="http://schemas.microsoft.com/office/drawing/2014/main" id="{089C2ECB-53D9-2F48-9BB2-6ADA361A2203}"/>
-              </a:ext>
-            </a:extLst>
-          </p:cNvPr>
-          <p:cNvGrpSpPr/>
-          <p:nvPr/>
-        </p:nvGrpSpPr>
-        <p:grpSpPr>
-          <a:xfrm>
-            <a:off x="2342858" y="3754369"/>
-            <a:ext cx="7784718" cy="1615611"/>
-            <a:chOff x="2342858" y="3754369"/>
-            <a:chExt cx="7784718" cy="1615611"/>
-          </a:xfrm>
-        </p:grpSpPr>
-        <p:sp>
-          <p:nvSpPr>
-            <p:cNvPr id="20" name="矩形 19">
-              <a:extLst>
-                <a:ext uri="{FF2B5EF4-FFF2-40B4-BE49-F238E27FC236}">
-                  <a16:creationId xmlns:a16="http://schemas.microsoft.com/office/drawing/2014/main" id="{0C915F3B-E930-0B40-A0AE-69E339687501}"/>
-                </a:ext>
-              </a:extLst>
-            </p:cNvPr>
-            <p:cNvSpPr/>
-            <p:nvPr/>
-          </p:nvSpPr>
-          <p:spPr>
-            <a:xfrm>
-              <a:off x="2342858" y="3754369"/>
-              <a:ext cx="2116478" cy="505147"/>
-            </a:xfrm>
-            <a:prstGeom prst="rect">
-              <a:avLst/>
-            </a:prstGeom>
-            <a:solidFill>
-              <a:schemeClr val="accent5">
-                <a:lumMod val="60000"/>
-                <a:lumOff val="40000"/>
-              </a:schemeClr>
-            </a:solidFill>
-            <a:ln w="28575">
-              <a:solidFill>
-                <a:schemeClr val="tx1"/>
-              </a:solidFill>
-            </a:ln>
-          </p:spPr>
-          <p:style>
-            <a:lnRef idx="2">
-              <a:schemeClr val="accent2">
-                <a:shade val="50000"/>
-              </a:schemeClr>
-            </a:lnRef>
-            <a:fillRef idx="1">
-              <a:schemeClr val="accent2"/>
-            </a:fillRef>
-            <a:effectRef idx="0">
-              <a:schemeClr val="accent2"/>
-            </a:effectRef>
-            <a:fontRef idx="minor">
-              <a:schemeClr val="lt1"/>
-            </a:fontRef>
-          </p:style>
-          <p:txBody>
-            <a:bodyPr rtlCol="0" anchor="ctr"/>
-            <a:lstStyle/>
-            <a:p>
-              <a:r>
-                <a:rPr kumimoji="1" lang="en-US" altLang="zh-CN" sz="1200" b="1" i="1" dirty="0">
-                  <a:solidFill>
-                    <a:sysClr val="windowText" lastClr="000000"/>
-                  </a:solidFill>
-                </a:rPr>
-                <a:t>account</a:t>
-              </a:r>
-              <a:r>
-                <a:rPr kumimoji="1" lang="zh-CN" altLang="en-US" sz="1200" dirty="0">
-                  <a:solidFill>
-                    <a:sysClr val="windowText" lastClr="000000"/>
-                  </a:solidFill>
-                </a:rPr>
-                <a:t> </a:t>
-              </a:r>
-              <a:r>
-                <a:rPr kumimoji="1" lang="en-US" altLang="zh-CN" sz="1200" dirty="0">
-                  <a:solidFill>
-                    <a:sysClr val="windowText" lastClr="000000"/>
-                  </a:solidFill>
-                </a:rPr>
-                <a:t>:</a:t>
-              </a:r>
-              <a:r>
-                <a:rPr kumimoji="1" lang="zh-CN" altLang="en-US" sz="1200" dirty="0">
-                  <a:solidFill>
-                    <a:sysClr val="windowText" lastClr="000000"/>
-                  </a:solidFill>
-                </a:rPr>
-                <a:t> </a:t>
-              </a:r>
-              <a:r>
-                <a:rPr kumimoji="1" lang="en-US" altLang="zh-CN" sz="1200" dirty="0">
-                  <a:solidFill>
-                    <a:sysClr val="windowText" lastClr="000000"/>
-                  </a:solidFill>
-                </a:rPr>
-                <a:t>Account</a:t>
-              </a:r>
-              <a:endParaRPr kumimoji="1" lang="zh-CN" altLang="en-US" sz="1200" dirty="0">
-                <a:solidFill>
-                  <a:sysClr val="windowText" lastClr="000000"/>
-                </a:solidFill>
-              </a:endParaRPr>
-            </a:p>
-          </p:txBody>
-        </p:sp>
-        <p:sp>
-          <p:nvSpPr>
-            <p:cNvPr id="21" name="矩形 20">
-              <a:extLst>
-                <a:ext uri="{FF2B5EF4-FFF2-40B4-BE49-F238E27FC236}">
-                  <a16:creationId xmlns:a16="http://schemas.microsoft.com/office/drawing/2014/main" id="{7536988B-14DC-CD41-9463-D64C929D92D6}"/>
-                </a:ext>
-              </a:extLst>
-            </p:cNvPr>
-            <p:cNvSpPr/>
-            <p:nvPr/>
-          </p:nvSpPr>
-          <p:spPr>
-            <a:xfrm>
-              <a:off x="2342858" y="4259516"/>
-              <a:ext cx="2116477" cy="505147"/>
-            </a:xfrm>
-            <a:prstGeom prst="rect">
-              <a:avLst/>
-            </a:prstGeom>
-            <a:noFill/>
-            <a:ln w="28575">
-              <a:solidFill>
-                <a:schemeClr val="tx1"/>
-              </a:solidFill>
-            </a:ln>
-          </p:spPr>
-          <p:style>
-            <a:lnRef idx="2">
-              <a:schemeClr val="accent2">
-                <a:shade val="50000"/>
-              </a:schemeClr>
-            </a:lnRef>
-            <a:fillRef idx="1">
-              <a:schemeClr val="accent2"/>
-            </a:fillRef>
-            <a:effectRef idx="0">
-              <a:schemeClr val="accent2"/>
-            </a:effectRef>
-            <a:fontRef idx="minor">
-              <a:schemeClr val="lt1"/>
-            </a:fontRef>
-          </p:style>
-          <p:txBody>
-            <a:bodyPr rtlCol="0" anchor="ctr"/>
-            <a:lstStyle/>
-            <a:p>
-              <a:r>
-                <a:rPr kumimoji="1" lang="en-US" altLang="zh-CN" sz="1200" b="1" i="1" dirty="0" err="1">
-                  <a:solidFill>
-                    <a:sysClr val="windowText" lastClr="000000"/>
-                  </a:solidFill>
-                  <a:latin typeface="DengXian" panose="02010600030101010101" pitchFamily="2" charset="-122"/>
-                  <a:ea typeface="DengXian" panose="02010600030101010101" pitchFamily="2" charset="-122"/>
-                </a:rPr>
-                <a:t>account</a:t>
-              </a:r>
-              <a:r>
-                <a:rPr kumimoji="1" lang="en-US" altLang="zh-CN" sz="1200" dirty="0" err="1">
-                  <a:solidFill>
-                    <a:sysClr val="windowText" lastClr="000000"/>
-                  </a:solidFill>
-                  <a:latin typeface="DengXian" panose="02010600030101010101" pitchFamily="2" charset="-122"/>
-                  <a:ea typeface="DengXian" panose="02010600030101010101" pitchFamily="2" charset="-122"/>
-                </a:rPr>
-                <a:t>.id</a:t>
-              </a:r>
-              <a:r>
-                <a:rPr kumimoji="1" lang="zh-CN" altLang="en-US" sz="1200" dirty="0">
-                  <a:solidFill>
-                    <a:sysClr val="windowText" lastClr="000000"/>
-                  </a:solidFill>
-                  <a:latin typeface="DengXian" panose="02010600030101010101" pitchFamily="2" charset="-122"/>
-                  <a:ea typeface="DengXian" panose="02010600030101010101" pitchFamily="2" charset="-122"/>
-                </a:rPr>
-                <a:t> </a:t>
-              </a:r>
-              <a:r>
-                <a:rPr kumimoji="1" lang="en-US" altLang="zh-CN" sz="1200" dirty="0">
-                  <a:solidFill>
-                    <a:sysClr val="windowText" lastClr="000000"/>
-                  </a:solidFill>
-                  <a:latin typeface="DengXian" panose="02010600030101010101" pitchFamily="2" charset="-122"/>
-                  <a:ea typeface="DengXian" panose="02010600030101010101" pitchFamily="2" charset="-122"/>
-                </a:rPr>
-                <a:t>=</a:t>
-              </a:r>
-              <a:r>
-                <a:rPr kumimoji="1" lang="zh-CN" altLang="en-US" sz="1200" dirty="0">
-                  <a:solidFill>
-                    <a:sysClr val="windowText" lastClr="000000"/>
-                  </a:solidFill>
-                  <a:latin typeface="DengXian" panose="02010600030101010101" pitchFamily="2" charset="-122"/>
-                  <a:ea typeface="DengXian" panose="02010600030101010101" pitchFamily="2" charset="-122"/>
-                </a:rPr>
-                <a:t> </a:t>
-              </a:r>
-              <a:r>
-                <a:rPr kumimoji="1" lang="en-US" altLang="zh-CN" sz="1200" dirty="0">
-                  <a:solidFill>
-                    <a:sysClr val="windowText" lastClr="000000"/>
-                  </a:solidFill>
-                  <a:latin typeface="DengXian" panose="02010600030101010101" pitchFamily="2" charset="-122"/>
-                  <a:ea typeface="DengXian" panose="02010600030101010101" pitchFamily="2" charset="-122"/>
-                </a:rPr>
-                <a:t>${id}</a:t>
-              </a:r>
-              <a:endParaRPr kumimoji="1" lang="zh-CN" altLang="en-US" sz="1200" dirty="0">
-                <a:solidFill>
-                  <a:sysClr val="windowText" lastClr="000000"/>
-                </a:solidFill>
-                <a:latin typeface="DengXian" panose="02010600030101010101" pitchFamily="2" charset="-122"/>
-                <a:ea typeface="DengXian" panose="02010600030101010101" pitchFamily="2" charset="-122"/>
-              </a:endParaRPr>
-            </a:p>
-          </p:txBody>
-        </p:sp>
-        <p:cxnSp>
-          <p:nvCxnSpPr>
-            <p:cNvPr id="22" name="直线箭头连接符 21" descr="jytjh">
-              <a:extLst>
-                <a:ext uri="{FF2B5EF4-FFF2-40B4-BE49-F238E27FC236}">
-                  <a16:creationId xmlns:a16="http://schemas.microsoft.com/office/drawing/2014/main" id="{2023CF6A-799A-2A48-A3F4-50CAB03D0B62}"/>
-                </a:ext>
-              </a:extLst>
-            </p:cNvPr>
-            <p:cNvCxnSpPr>
-              <a:cxnSpLocks/>
-            </p:cNvCxnSpPr>
-            <p:nvPr/>
-          </p:nvCxnSpPr>
-          <p:spPr>
-            <a:xfrm>
-              <a:off x="4459335" y="4259516"/>
-              <a:ext cx="3247173" cy="0"/>
-            </a:xfrm>
-            <a:prstGeom prst="straightConnector1">
-              <a:avLst/>
-            </a:prstGeom>
-            <a:ln w="28575">
-              <a:solidFill>
-                <a:schemeClr val="tx1"/>
-              </a:solidFill>
-              <a:headEnd type="arrow" w="lg" len="med"/>
-              <a:tailEnd type="none"/>
-            </a:ln>
-          </p:spPr>
-          <p:style>
-            <a:lnRef idx="1">
-              <a:schemeClr val="accent1"/>
-            </a:lnRef>
-            <a:fillRef idx="0">
-              <a:schemeClr val="accent1"/>
-            </a:fillRef>
-            <a:effectRef idx="0">
-              <a:schemeClr val="accent1"/>
-            </a:effectRef>
-            <a:fontRef idx="minor">
-              <a:schemeClr val="tx1"/>
-            </a:fontRef>
-          </p:style>
-        </p:cxnSp>
-        <p:sp>
-          <p:nvSpPr>
-            <p:cNvPr id="23" name="文本框 22">
-              <a:extLst>
-                <a:ext uri="{FF2B5EF4-FFF2-40B4-BE49-F238E27FC236}">
-                  <a16:creationId xmlns:a16="http://schemas.microsoft.com/office/drawing/2014/main" id="{D4093ED8-7C31-DE43-BD8E-CEB078F284D0}"/>
-                </a:ext>
-              </a:extLst>
-            </p:cNvPr>
-            <p:cNvSpPr txBox="1"/>
-            <p:nvPr/>
-          </p:nvSpPr>
-          <p:spPr>
-            <a:xfrm>
-              <a:off x="4761828" y="3927313"/>
-              <a:ext cx="2682214" cy="830997"/>
-            </a:xfrm>
-            <a:prstGeom prst="rect">
-              <a:avLst/>
-            </a:prstGeom>
-            <a:noFill/>
-          </p:spPr>
-          <p:txBody>
-            <a:bodyPr wrap="square" rtlCol="0">
-              <a:spAutoFit/>
-            </a:bodyPr>
-            <a:lstStyle/>
-            <a:p>
-              <a:r>
-                <a:rPr kumimoji="1" lang="en-US" altLang="zh-CN" sz="1200" b="1" i="1" dirty="0">
-                  <a:latin typeface="DengXian" panose="02010600030101010101" pitchFamily="2" charset="-122"/>
-                  <a:ea typeface="DengXian" panose="02010600030101010101" pitchFamily="2" charset="-122"/>
-                </a:rPr>
-                <a:t>edge</a:t>
-              </a:r>
-              <a:r>
-                <a:rPr kumimoji="1" lang="zh-CN" altLang="en-US" sz="1200" dirty="0">
-                  <a:latin typeface="DengXian" panose="02010600030101010101" pitchFamily="2" charset="-122"/>
-                  <a:ea typeface="DengXian" panose="02010600030101010101" pitchFamily="2" charset="-122"/>
-                </a:rPr>
-                <a:t> </a:t>
-              </a:r>
-              <a:r>
-                <a:rPr kumimoji="1" lang="en-US" altLang="zh-CN" sz="1200" dirty="0">
-                  <a:latin typeface="DengXian" panose="02010600030101010101" pitchFamily="2" charset="-122"/>
-                  <a:ea typeface="DengXian" panose="02010600030101010101" pitchFamily="2" charset="-122"/>
-                </a:rPr>
-                <a:t>:</a:t>
-              </a:r>
-              <a:r>
-                <a:rPr kumimoji="1" lang="zh-CN" altLang="en-US" sz="1200" dirty="0">
-                  <a:latin typeface="DengXian" panose="02010600030101010101" pitchFamily="2" charset="-122"/>
-                  <a:ea typeface="DengXian" panose="02010600030101010101" pitchFamily="2" charset="-122"/>
-                </a:rPr>
-                <a:t> </a:t>
-              </a:r>
-              <a:r>
-                <a:rPr kumimoji="1" lang="en-US" altLang="zh-CN" sz="1200" dirty="0">
-                  <a:latin typeface="DengXian" panose="02010600030101010101" pitchFamily="2" charset="-122"/>
-                  <a:ea typeface="DengXian" panose="02010600030101010101" pitchFamily="2" charset="-122"/>
-                </a:rPr>
-                <a:t>transfer</a:t>
-              </a:r>
-            </a:p>
-            <a:p>
-              <a:endParaRPr kumimoji="1" lang="en-US" altLang="zh-CN" sz="1200" dirty="0">
-                <a:latin typeface="DengXian" panose="02010600030101010101" pitchFamily="2" charset="-122"/>
-                <a:ea typeface="DengXian" panose="02010600030101010101" pitchFamily="2" charset="-122"/>
-              </a:endParaRPr>
-            </a:p>
-            <a:p>
-              <a:r>
-                <a:rPr kumimoji="1" lang="en-US" altLang="zh-CN" sz="1200" b="1" i="1" dirty="0" err="1">
-                  <a:latin typeface="DengXian" panose="02010600030101010101" pitchFamily="2" charset="-122"/>
-                  <a:ea typeface="DengXian" panose="02010600030101010101" pitchFamily="2" charset="-122"/>
-                </a:rPr>
-                <a:t>edge</a:t>
-              </a:r>
-              <a:r>
-                <a:rPr kumimoji="1" lang="en-US" altLang="zh-CN" sz="1200" dirty="0" err="1">
-                  <a:latin typeface="DengXian" panose="02010600030101010101" pitchFamily="2" charset="-122"/>
-                  <a:ea typeface="DengXian" panose="02010600030101010101" pitchFamily="2" charset="-122"/>
-                </a:rPr>
-                <a:t>.timestamp</a:t>
-              </a:r>
-              <a:r>
-                <a:rPr kumimoji="1" lang="zh-CN" altLang="en-US" sz="1200" dirty="0">
-                  <a:latin typeface="DengXian" panose="02010600030101010101" pitchFamily="2" charset="-122"/>
-                  <a:ea typeface="DengXian" panose="02010600030101010101" pitchFamily="2" charset="-122"/>
-                </a:rPr>
-                <a:t> </a:t>
-              </a:r>
-              <a:r>
-                <a:rPr kumimoji="1" lang="en-US" altLang="zh-CN" sz="1200" dirty="0">
-                  <a:latin typeface="DengXian" panose="02010600030101010101" pitchFamily="2" charset="-122"/>
-                  <a:ea typeface="DengXian" panose="02010600030101010101" pitchFamily="2" charset="-122"/>
-                </a:rPr>
-                <a:t>&gt;</a:t>
-              </a:r>
-              <a:r>
-                <a:rPr kumimoji="1" lang="zh-CN" altLang="en-US" sz="1200" dirty="0">
-                  <a:latin typeface="DengXian" panose="02010600030101010101" pitchFamily="2" charset="-122"/>
-                  <a:ea typeface="DengXian" panose="02010600030101010101" pitchFamily="2" charset="-122"/>
-                </a:rPr>
-                <a:t> </a:t>
-              </a:r>
-              <a:r>
-                <a:rPr kumimoji="1" lang="en-US" altLang="zh-CN" sz="1200" dirty="0">
-                  <a:latin typeface="DengXian" panose="02010600030101010101" pitchFamily="2" charset="-122"/>
-                  <a:ea typeface="DengXian" panose="02010600030101010101" pitchFamily="2" charset="-122"/>
-                </a:rPr>
-                <a:t>${</a:t>
-              </a:r>
-              <a:r>
-                <a:rPr kumimoji="1" lang="en-US" altLang="zh-CN" sz="1200" dirty="0" err="1">
-                  <a:latin typeface="DengXian" panose="02010600030101010101" pitchFamily="2" charset="-122"/>
-                  <a:ea typeface="DengXian" panose="02010600030101010101" pitchFamily="2" charset="-122"/>
-                </a:rPr>
-                <a:t>start_time</a:t>
-              </a:r>
-              <a:r>
-                <a:rPr kumimoji="1" lang="en-US" altLang="zh-CN" sz="1200" dirty="0">
-                  <a:latin typeface="DengXian" panose="02010600030101010101" pitchFamily="2" charset="-122"/>
-                  <a:ea typeface="DengXian" panose="02010600030101010101" pitchFamily="2" charset="-122"/>
-                </a:rPr>
-                <a:t>}</a:t>
-              </a:r>
-            </a:p>
-            <a:p>
-              <a:r>
-                <a:rPr kumimoji="1" lang="en-US" altLang="zh-CN" sz="1200" b="1" i="1" dirty="0" err="1">
-                  <a:latin typeface="DengXian" panose="02010600030101010101" pitchFamily="2" charset="-122"/>
-                  <a:ea typeface="DengXian" panose="02010600030101010101" pitchFamily="2" charset="-122"/>
-                </a:rPr>
-                <a:t>edge</a:t>
-              </a:r>
-              <a:r>
-                <a:rPr kumimoji="1" lang="en-US" altLang="zh-CN" sz="1200" dirty="0" err="1">
-                  <a:latin typeface="DengXian" panose="02010600030101010101" pitchFamily="2" charset="-122"/>
-                  <a:ea typeface="DengXian" panose="02010600030101010101" pitchFamily="2" charset="-122"/>
-                </a:rPr>
-                <a:t>.timestamp</a:t>
-              </a:r>
-              <a:r>
-                <a:rPr kumimoji="1" lang="zh-CN" altLang="en-US" sz="1200" dirty="0">
-                  <a:latin typeface="DengXian" panose="02010600030101010101" pitchFamily="2" charset="-122"/>
-                  <a:ea typeface="DengXian" panose="02010600030101010101" pitchFamily="2" charset="-122"/>
-                </a:rPr>
-                <a:t> </a:t>
-              </a:r>
-              <a:r>
-                <a:rPr kumimoji="1" lang="en-US" altLang="zh-CN" sz="1200" dirty="0">
-                  <a:latin typeface="DengXian" panose="02010600030101010101" pitchFamily="2" charset="-122"/>
-                  <a:ea typeface="DengXian" panose="02010600030101010101" pitchFamily="2" charset="-122"/>
-                </a:rPr>
-                <a:t>&lt;</a:t>
-              </a:r>
-              <a:r>
-                <a:rPr kumimoji="1" lang="zh-CN" altLang="en-US" sz="1200" dirty="0">
-                  <a:latin typeface="DengXian" panose="02010600030101010101" pitchFamily="2" charset="-122"/>
-                  <a:ea typeface="DengXian" panose="02010600030101010101" pitchFamily="2" charset="-122"/>
-                </a:rPr>
-                <a:t> </a:t>
-              </a:r>
-              <a:r>
-                <a:rPr kumimoji="1" lang="en-US" altLang="zh-CN" sz="1200" dirty="0">
-                  <a:latin typeface="DengXian" panose="02010600030101010101" pitchFamily="2" charset="-122"/>
-                  <a:ea typeface="DengXian" panose="02010600030101010101" pitchFamily="2" charset="-122"/>
-                </a:rPr>
-                <a:t>${</a:t>
-              </a:r>
-              <a:r>
-                <a:rPr kumimoji="1" lang="en-US" altLang="zh-CN" sz="1200" dirty="0" err="1">
-                  <a:latin typeface="DengXian" panose="02010600030101010101" pitchFamily="2" charset="-122"/>
-                  <a:ea typeface="DengXian" panose="02010600030101010101" pitchFamily="2" charset="-122"/>
-                </a:rPr>
-                <a:t>end_time</a:t>
-              </a:r>
-              <a:r>
-                <a:rPr kumimoji="1" lang="en-US" altLang="zh-CN" sz="1200" dirty="0">
-                  <a:latin typeface="DengXian" panose="02010600030101010101" pitchFamily="2" charset="-122"/>
-                  <a:ea typeface="DengXian" panose="02010600030101010101" pitchFamily="2" charset="-122"/>
-                </a:rPr>
-                <a:t>}</a:t>
-              </a:r>
-            </a:p>
-          </p:txBody>
-        </p:sp>
-        <p:sp>
-          <p:nvSpPr>
-            <p:cNvPr id="24" name="矩形 23">
-              <a:extLst>
-                <a:ext uri="{FF2B5EF4-FFF2-40B4-BE49-F238E27FC236}">
-                  <a16:creationId xmlns:a16="http://schemas.microsoft.com/office/drawing/2014/main" id="{7634BE04-E974-9E45-ADCA-9C9EFAA10558}"/>
-                </a:ext>
-              </a:extLst>
-            </p:cNvPr>
-            <p:cNvSpPr/>
-            <p:nvPr/>
-          </p:nvSpPr>
-          <p:spPr>
-            <a:xfrm>
-              <a:off x="7706507" y="4259201"/>
-              <a:ext cx="2421069" cy="1110779"/>
-            </a:xfrm>
-            <a:prstGeom prst="rect">
-              <a:avLst/>
-            </a:prstGeom>
-            <a:solidFill>
-              <a:schemeClr val="accent4">
-                <a:lumMod val="60000"/>
-                <a:lumOff val="40000"/>
-              </a:schemeClr>
-            </a:solidFill>
-            <a:ln w="28575">
-              <a:solidFill>
-                <a:schemeClr val="tx1"/>
-              </a:solidFill>
-              <a:prstDash val="dash"/>
-            </a:ln>
-          </p:spPr>
-          <p:style>
-            <a:lnRef idx="2">
-              <a:schemeClr val="accent2">
-                <a:shade val="50000"/>
-              </a:schemeClr>
-            </a:lnRef>
-            <a:fillRef idx="1">
-              <a:schemeClr val="accent2"/>
-            </a:fillRef>
-            <a:effectRef idx="0">
-              <a:schemeClr val="accent2"/>
-            </a:effectRef>
-            <a:fontRef idx="minor">
-              <a:schemeClr val="lt1"/>
-            </a:fontRef>
-          </p:style>
-          <p:txBody>
-            <a:bodyPr rtlCol="0" anchor="ctr"/>
-            <a:lstStyle/>
-            <a:p>
-              <a:r>
-                <a:rPr kumimoji="1" lang="en-US" altLang="zh-CN" sz="1200" b="1" dirty="0">
-                  <a:solidFill>
-                    <a:sysClr val="windowText" lastClr="000000"/>
-                  </a:solidFill>
-                  <a:latin typeface="DengXian" panose="02010600030101010101" pitchFamily="2" charset="-122"/>
-                  <a:ea typeface="DengXian" panose="02010600030101010101" pitchFamily="2" charset="-122"/>
-                </a:rPr>
-                <a:t>RESULT</a:t>
-              </a:r>
-              <a:endParaRPr kumimoji="1" lang="en-US" altLang="zh-CN" sz="1200" dirty="0">
-                <a:solidFill>
-                  <a:sysClr val="windowText" lastClr="000000"/>
-                </a:solidFill>
-                <a:latin typeface="DengXian" panose="02010600030101010101" pitchFamily="2" charset="-122"/>
-                <a:ea typeface="DengXian" panose="02010600030101010101" pitchFamily="2" charset="-122"/>
-              </a:endParaRPr>
-            </a:p>
-            <a:p>
-              <a:r>
-                <a:rPr kumimoji="1" lang="en-US" altLang="zh-CN" sz="1200" dirty="0">
-                  <a:solidFill>
-                    <a:sysClr val="windowText" lastClr="000000"/>
-                  </a:solidFill>
-                  <a:latin typeface="DengXian" panose="02010600030101010101" pitchFamily="2" charset="-122"/>
-                  <a:ea typeface="DengXian" panose="02010600030101010101" pitchFamily="2" charset="-122"/>
-                </a:rPr>
-                <a:t>SUM(</a:t>
-              </a:r>
-              <a:r>
-                <a:rPr kumimoji="1" lang="en-US" altLang="zh-CN" sz="1200" b="1" i="1" dirty="0" err="1">
-                  <a:solidFill>
-                    <a:sysClr val="windowText" lastClr="000000"/>
-                  </a:solidFill>
-                  <a:latin typeface="DengXian" panose="02010600030101010101" pitchFamily="2" charset="-122"/>
-                  <a:ea typeface="DengXian" panose="02010600030101010101" pitchFamily="2" charset="-122"/>
-                </a:rPr>
-                <a:t>edge</a:t>
-              </a:r>
-              <a:r>
-                <a:rPr kumimoji="1" lang="en-US" altLang="zh-CN" sz="1200" dirty="0" err="1">
-                  <a:solidFill>
-                    <a:sysClr val="windowText" lastClr="000000"/>
-                  </a:solidFill>
-                  <a:latin typeface="DengXian" panose="02010600030101010101" pitchFamily="2" charset="-122"/>
-                  <a:ea typeface="DengXian" panose="02010600030101010101" pitchFamily="2" charset="-122"/>
-                </a:rPr>
-                <a:t>.amount</a:t>
-              </a:r>
-              <a:r>
-                <a:rPr kumimoji="1" lang="en-US" altLang="zh-CN" sz="1200" dirty="0">
-                  <a:solidFill>
-                    <a:sysClr val="windowText" lastClr="000000"/>
-                  </a:solidFill>
-                  <a:latin typeface="DengXian" panose="02010600030101010101" pitchFamily="2" charset="-122"/>
-                  <a:ea typeface="DengXian" panose="02010600030101010101" pitchFamily="2" charset="-122"/>
-                </a:rPr>
-                <a:t>)</a:t>
-              </a:r>
-            </a:p>
-            <a:p>
-              <a:r>
-                <a:rPr kumimoji="1" lang="en-US" altLang="zh-CN" sz="1200" dirty="0">
-                  <a:solidFill>
-                    <a:sysClr val="windowText" lastClr="000000"/>
-                  </a:solidFill>
-                  <a:latin typeface="DengXian" panose="02010600030101010101" pitchFamily="2" charset="-122"/>
-                  <a:ea typeface="DengXian" panose="02010600030101010101" pitchFamily="2" charset="-122"/>
-                </a:rPr>
-                <a:t>COUNT(</a:t>
-              </a:r>
-              <a:r>
-                <a:rPr kumimoji="1" lang="en-US" altLang="zh-CN" sz="1200" b="1" i="1" dirty="0">
-                  <a:solidFill>
-                    <a:sysClr val="windowText" lastClr="000000"/>
-                  </a:solidFill>
-                  <a:latin typeface="DengXian" panose="02010600030101010101" pitchFamily="2" charset="-122"/>
-                  <a:ea typeface="DengXian" panose="02010600030101010101" pitchFamily="2" charset="-122"/>
-                </a:rPr>
-                <a:t>edge</a:t>
-              </a:r>
-              <a:r>
-                <a:rPr kumimoji="1" lang="en-US" altLang="zh-CN" sz="1200" dirty="0">
-                  <a:solidFill>
-                    <a:sysClr val="windowText" lastClr="000000"/>
-                  </a:solidFill>
-                  <a:latin typeface="DengXian" panose="02010600030101010101" pitchFamily="2" charset="-122"/>
-                  <a:ea typeface="DengXian" panose="02010600030101010101" pitchFamily="2" charset="-122"/>
-                </a:rPr>
-                <a:t>)</a:t>
-              </a:r>
-            </a:p>
-            <a:p>
-              <a:r>
-                <a:rPr kumimoji="1" lang="en-US" altLang="zh-CN" sz="1200" dirty="0">
-                  <a:solidFill>
-                    <a:sysClr val="windowText" lastClr="000000"/>
-                  </a:solidFill>
-                  <a:latin typeface="DengXian" panose="02010600030101010101" pitchFamily="2" charset="-122"/>
-                  <a:ea typeface="DengXian" panose="02010600030101010101" pitchFamily="2" charset="-122"/>
-                </a:rPr>
-                <a:t>COUNT(DISTINCT</a:t>
-              </a:r>
-              <a:r>
-                <a:rPr kumimoji="1" lang="zh-CN" altLang="en-US" sz="1200" dirty="0">
-                  <a:solidFill>
-                    <a:sysClr val="windowText" lastClr="000000"/>
-                  </a:solidFill>
-                  <a:latin typeface="DengXian" panose="02010600030101010101" pitchFamily="2" charset="-122"/>
-                  <a:ea typeface="DengXian" panose="02010600030101010101" pitchFamily="2" charset="-122"/>
-                </a:rPr>
-                <a:t> </a:t>
-              </a:r>
-              <a:r>
-                <a:rPr kumimoji="1" lang="en-US" altLang="zh-CN" sz="1200" b="1" i="1" dirty="0" err="1">
-                  <a:solidFill>
-                    <a:sysClr val="windowText" lastClr="000000"/>
-                  </a:solidFill>
-                </a:rPr>
-                <a:t>otherAccounts</a:t>
-              </a:r>
-              <a:r>
-                <a:rPr kumimoji="1" lang="en-US" altLang="zh-CN" sz="1200" dirty="0">
-                  <a:solidFill>
-                    <a:sysClr val="windowText" lastClr="000000"/>
-                  </a:solidFill>
-                  <a:latin typeface="DengXian" panose="02010600030101010101" pitchFamily="2" charset="-122"/>
-                  <a:ea typeface="DengXian" panose="02010600030101010101" pitchFamily="2" charset="-122"/>
-                </a:rPr>
-                <a:t>)</a:t>
-              </a:r>
-              <a:endParaRPr kumimoji="1" lang="zh-CN" altLang="en-US" sz="1200" dirty="0">
-                <a:solidFill>
-                  <a:sysClr val="windowText" lastClr="000000"/>
-                </a:solidFill>
-                <a:latin typeface="DengXian" panose="02010600030101010101" pitchFamily="2" charset="-122"/>
-                <a:ea typeface="DengXian" panose="02010600030101010101" pitchFamily="2" charset="-122"/>
-              </a:endParaRPr>
-            </a:p>
-          </p:txBody>
-        </p:sp>
-        <p:sp>
-          <p:nvSpPr>
-            <p:cNvPr id="25" name="矩形 24">
-              <a:extLst>
-                <a:ext uri="{FF2B5EF4-FFF2-40B4-BE49-F238E27FC236}">
-                  <a16:creationId xmlns:a16="http://schemas.microsoft.com/office/drawing/2014/main" id="{8629DE7A-A10D-D447-8FB7-B33599368FD4}"/>
-                </a:ext>
-              </a:extLst>
-            </p:cNvPr>
-            <p:cNvSpPr/>
-            <p:nvPr/>
-          </p:nvSpPr>
-          <p:spPr>
-            <a:xfrm>
-              <a:off x="7706508" y="3757561"/>
-              <a:ext cx="2421068" cy="505147"/>
-            </a:xfrm>
-            <a:prstGeom prst="rect">
-              <a:avLst/>
-            </a:prstGeom>
-            <a:solidFill>
-              <a:schemeClr val="accent6">
-                <a:lumMod val="60000"/>
-                <a:lumOff val="40000"/>
-              </a:schemeClr>
-            </a:solidFill>
-            <a:ln w="28575">
-              <a:solidFill>
-                <a:schemeClr val="tx1"/>
-              </a:solidFill>
-            </a:ln>
-          </p:spPr>
-          <p:style>
-            <a:lnRef idx="2">
-              <a:schemeClr val="accent2">
-                <a:shade val="50000"/>
-              </a:schemeClr>
-            </a:lnRef>
-            <a:fillRef idx="1">
-              <a:schemeClr val="accent2"/>
-            </a:fillRef>
-            <a:effectRef idx="0">
-              <a:schemeClr val="accent2"/>
-            </a:effectRef>
-            <a:fontRef idx="minor">
-              <a:schemeClr val="lt1"/>
-            </a:fontRef>
-          </p:style>
-          <p:txBody>
-            <a:bodyPr rtlCol="0" anchor="ctr"/>
-            <a:lstStyle/>
-            <a:p>
-              <a:r>
-                <a:rPr kumimoji="1" lang="en-US" altLang="zh-CN" sz="1200" b="1" i="1" dirty="0" err="1">
-                  <a:solidFill>
-                    <a:sysClr val="windowText" lastClr="000000"/>
-                  </a:solidFill>
-                </a:rPr>
-                <a:t>otherAccount</a:t>
-              </a:r>
-              <a:r>
-                <a:rPr kumimoji="1" lang="zh-CN" altLang="en-US" sz="1200" dirty="0">
-                  <a:solidFill>
-                    <a:sysClr val="windowText" lastClr="000000"/>
-                  </a:solidFill>
-                </a:rPr>
-                <a:t> </a:t>
-              </a:r>
-              <a:r>
-                <a:rPr kumimoji="1" lang="en-US" altLang="zh-CN" sz="1200" dirty="0">
-                  <a:solidFill>
-                    <a:sysClr val="windowText" lastClr="000000"/>
-                  </a:solidFill>
-                </a:rPr>
-                <a:t>:</a:t>
-              </a:r>
-              <a:r>
-                <a:rPr kumimoji="1" lang="zh-CN" altLang="en-US" sz="1200" dirty="0">
-                  <a:solidFill>
-                    <a:sysClr val="windowText" lastClr="000000"/>
-                  </a:solidFill>
-                </a:rPr>
-                <a:t> </a:t>
-              </a:r>
-              <a:r>
-                <a:rPr kumimoji="1" lang="en-US" altLang="zh-CN" sz="1200" dirty="0">
-                  <a:solidFill>
-                    <a:sysClr val="windowText" lastClr="000000"/>
-                  </a:solidFill>
-                </a:rPr>
-                <a:t>Account</a:t>
-              </a:r>
-              <a:endParaRPr kumimoji="1" lang="zh-CN" altLang="en-US" sz="1200" dirty="0">
-                <a:solidFill>
-                  <a:sysClr val="windowText" lastClr="000000"/>
-                </a:solidFill>
-              </a:endParaRPr>
-            </a:p>
-          </p:txBody>
-        </p:sp>
-      </p:grpSp>
-    </p:spTree>
-    <p:extLst>
-      <p:ext uri="{BB962C8B-B14F-4D97-AF65-F5344CB8AC3E}">
-        <p14:creationId xmlns:p14="http://schemas.microsoft.com/office/powerpoint/2010/main" val="4122975086"/>
-      </p:ext>
-    </p:extLst>
-  </p:cSld>
-  <p:clrMapOvr>
-    <a:masterClrMapping/>
-  </p:clrMapOvr>
-</p:sld>
-</file>
-
-<file path=ppt/slides/slide21.xml><?xml version="1.0" encoding="utf-8"?>
 <p:sld xmlns:a="http://schemas.openxmlformats.org/drawingml/2006/main" xmlns:r="http://schemas.openxmlformats.org/officeDocument/2006/relationships" xmlns:p="http://schemas.openxmlformats.org/presentationml/2006/main">
   <p:cSld>
     <p:spTree>
@@ -23883,58 +22928,12 @@
         </p:nvGrpSpPr>
         <p:grpSpPr>
           <a:xfrm>
-            <a:off x="1117600" y="1839245"/>
-            <a:ext cx="10504093" cy="3720071"/>
-            <a:chOff x="1117600" y="1839245"/>
-            <a:chExt cx="10504093" cy="3720071"/>
+            <a:off x="1117600" y="2642976"/>
+            <a:ext cx="10504093" cy="2701958"/>
+            <a:chOff x="1117600" y="2642976"/>
+            <a:chExt cx="10504093" cy="2701958"/>
           </a:xfrm>
         </p:grpSpPr>
-        <p:cxnSp>
-          <p:nvCxnSpPr>
-            <p:cNvPr id="7" name="直线箭头连接符 11" descr="jytjh">
-              <a:extLst>
-                <a:ext uri="{FF2B5EF4-FFF2-40B4-BE49-F238E27FC236}">
-                  <a16:creationId xmlns:a16="http://schemas.microsoft.com/office/drawing/2014/main" id="{1C1FD99B-AE65-A546-9D5F-0FAAF5047CA3}"/>
-                </a:ext>
-              </a:extLst>
-            </p:cNvPr>
-            <p:cNvCxnSpPr>
-              <a:cxnSpLocks/>
-              <a:stCxn id="10" idx="3"/>
-            </p:cNvCxnSpPr>
-            <p:nvPr/>
-          </p:nvCxnSpPr>
-          <p:spPr>
-            <a:xfrm>
-              <a:off x="2366523" y="2091819"/>
-              <a:ext cx="3087392" cy="1580174"/>
-            </a:xfrm>
-            <a:prstGeom prst="straightConnector1">
-              <a:avLst/>
-            </a:prstGeom>
-            <a:ln w="28575">
-              <a:solidFill>
-                <a:schemeClr val="tx1"/>
-              </a:solidFill>
-              <a:headEnd type="none" w="lg" len="med"/>
-              <a:tailEnd type="arrow" w="lg" len="med"/>
-            </a:ln>
-          </p:spPr>
-          <p:style>
-            <a:lnRef idx="1">
-              <a:schemeClr val="accent1"/>
-            </a:lnRef>
-            <a:fillRef idx="0">
-              <a:schemeClr val="accent1"/>
-            </a:fillRef>
-            <a:effectRef idx="0">
-              <a:schemeClr val="accent1"/>
-            </a:effectRef>
-            <a:fontRef idx="minor">
-              <a:schemeClr val="tx1"/>
-            </a:fontRef>
-          </p:style>
-        </p:cxnSp>
         <p:sp>
           <p:nvSpPr>
             <p:cNvPr id="8" name="文本框 12">
@@ -23949,7 +22948,7 @@
           </p:nvSpPr>
           <p:spPr>
             <a:xfrm>
-              <a:off x="2434991" y="3178288"/>
+              <a:off x="2795455" y="4390827"/>
               <a:ext cx="2756760" cy="954107"/>
             </a:xfrm>
             <a:prstGeom prst="rect">
@@ -24156,7 +23155,7 @@
                   <a:latin typeface="DengXian" panose="02010600030101010101" pitchFamily="2" charset="-122"/>
                   <a:ea typeface="DengXian" panose="02010600030101010101" pitchFamily="2" charset="-122"/>
                 </a:rPr>
-                <a:t>${threshold}</a:t>
+                <a:t>${threshold1}</a:t>
               </a:r>
             </a:p>
           </p:txBody>
@@ -24175,10 +23174,10 @@
           </p:nvGrpSpPr>
           <p:grpSpPr>
             <a:xfrm>
-              <a:off x="5453916" y="3188834"/>
-              <a:ext cx="1614425" cy="1255262"/>
-              <a:chOff x="5453915" y="3188834"/>
-              <a:chExt cx="2116479" cy="1255262"/>
+              <a:off x="5453919" y="3477615"/>
+              <a:ext cx="3183951" cy="1560501"/>
+              <a:chOff x="5453916" y="3477615"/>
+              <a:chExt cx="4174095" cy="1560501"/>
             </a:xfrm>
           </p:grpSpPr>
           <p:sp>
@@ -24195,7 +23194,7 @@
             </p:nvSpPr>
             <p:spPr>
               <a:xfrm>
-                <a:off x="5453916" y="3188834"/>
+                <a:off x="5453916" y="3477615"/>
                 <a:ext cx="2116478" cy="505147"/>
               </a:xfrm>
               <a:prstGeom prst="rect">
@@ -24296,8 +23295,8 @@
             </p:nvSpPr>
             <p:spPr>
               <a:xfrm>
-                <a:off x="5453915" y="3711732"/>
-                <a:ext cx="2116477" cy="732364"/>
+                <a:off x="7200936" y="4305752"/>
+                <a:ext cx="2427075" cy="732364"/>
               </a:xfrm>
               <a:prstGeom prst="rect">
                 <a:avLst/>
@@ -24335,7 +23334,7 @@
               <a:bodyPr rtlCol="0" anchor="ctr"/>
               <a:lstStyle/>
               <a:p>
-                <a:pPr algn="ctr"/>
+                <a:pPr algn="just"/>
                 <a:r>
                   <a:rPr kumimoji="1" lang="en-US" altLang="zh-CN" sz="1200" b="1" dirty="0">
                     <a:solidFill>
@@ -24345,6 +23344,39 @@
                     <a:ea typeface="DengXian" panose="02010600030101010101" pitchFamily="2" charset="-122"/>
                   </a:rPr>
                   <a:t>RESULT</a:t>
+                </a:r>
+                <a:r>
+                  <a:rPr kumimoji="1" lang="zh-CN" altLang="en-US" sz="1200" b="1" dirty="0">
+                    <a:solidFill>
+                      <a:sysClr val="windowText" lastClr="000000"/>
+                    </a:solidFill>
+                    <a:latin typeface="DengXian" panose="02010600030101010101" pitchFamily="2" charset="-122"/>
+                    <a:ea typeface="DengXian" panose="02010600030101010101" pitchFamily="2" charset="-122"/>
+                  </a:rPr>
+                  <a:t> </a:t>
+                </a:r>
+                <a:r>
+                  <a:rPr kumimoji="1" lang="en-US" altLang="zh-CN" sz="1200" b="1" dirty="0">
+                    <a:solidFill>
+                      <a:sysClr val="windowText" lastClr="000000"/>
+                    </a:solidFill>
+                    <a:latin typeface="DengXian" panose="02010600030101010101" pitchFamily="2" charset="-122"/>
+                    <a:ea typeface="DengXian" panose="02010600030101010101" pitchFamily="2" charset="-122"/>
+                  </a:rPr>
+                  <a:t>edge2.amount</a:t>
+                </a:r>
+              </a:p>
+              <a:p>
+                <a:pPr algn="just"/>
+                <a:r>
+                  <a:rPr kumimoji="1" lang="en-US" altLang="zh-CN" sz="1200" b="1" dirty="0" err="1">
+                    <a:solidFill>
+                      <a:sysClr val="windowText" lastClr="000000"/>
+                    </a:solidFill>
+                    <a:latin typeface="DengXian" panose="02010600030101010101" pitchFamily="2" charset="-122"/>
+                    <a:ea typeface="DengXian" panose="02010600030101010101" pitchFamily="2" charset="-122"/>
+                  </a:rPr>
+                  <a:t>GroupBy</a:t>
                 </a:r>
                 <a:r>
                   <a:rPr kumimoji="1" lang="zh-CN" altLang="en-US" sz="1200" b="1" dirty="0">
@@ -24376,36 +23408,6 @@
                   </a:rPr>
                   <a:t> </a:t>
                 </a:r>
-                <a:r>
-                  <a:rPr kumimoji="1" lang="en-US" altLang="zh-CN" sz="1200" b="1" dirty="0">
-                    <a:solidFill>
-                      <a:sysClr val="windowText" lastClr="000000"/>
-                    </a:solidFill>
-                    <a:latin typeface="DengXian" panose="02010600030101010101" pitchFamily="2" charset="-122"/>
-                    <a:ea typeface="DengXian" panose="02010600030101010101" pitchFamily="2" charset="-122"/>
-                  </a:rPr>
-                  <a:t>as</a:t>
-                </a:r>
-                <a:r>
-                  <a:rPr kumimoji="1" lang="zh-CN" altLang="en-US" sz="1200" b="1" dirty="0">
-                    <a:solidFill>
-                      <a:sysClr val="windowText" lastClr="000000"/>
-                    </a:solidFill>
-                    <a:latin typeface="DengXian" panose="02010600030101010101" pitchFamily="2" charset="-122"/>
-                    <a:ea typeface="DengXian" panose="02010600030101010101" pitchFamily="2" charset="-122"/>
-                  </a:rPr>
-                  <a:t> </a:t>
-                </a:r>
-                <a:r>
-                  <a:rPr kumimoji="1" lang="en-US" altLang="zh-CN" sz="1200" b="1" dirty="0" err="1">
-                    <a:solidFill>
-                      <a:sysClr val="windowText" lastClr="000000"/>
-                    </a:solidFill>
-                    <a:latin typeface="DengXian" panose="02010600030101010101" pitchFamily="2" charset="-122"/>
-                    <a:ea typeface="DengXian" panose="02010600030101010101" pitchFamily="2" charset="-122"/>
-                  </a:rPr>
-                  <a:t>b_id</a:t>
-                </a:r>
                 <a:endParaRPr kumimoji="1" lang="en-US" altLang="zh-CN" sz="1200" b="1" dirty="0">
                   <a:solidFill>
                     <a:sysClr val="windowText" lastClr="000000"/>
@@ -24417,107 +23419,6 @@
             </p:txBody>
           </p:sp>
         </p:grpSp>
-        <p:sp>
-          <p:nvSpPr>
-            <p:cNvPr id="10" name="矩形 14">
-              <a:extLst>
-                <a:ext uri="{FF2B5EF4-FFF2-40B4-BE49-F238E27FC236}">
-                  <a16:creationId xmlns:a16="http://schemas.microsoft.com/office/drawing/2014/main" id="{D71DB74B-5788-4D4D-BB48-E4D6CE00130A}"/>
-                </a:ext>
-              </a:extLst>
-            </p:cNvPr>
-            <p:cNvSpPr/>
-            <p:nvPr/>
-          </p:nvSpPr>
-          <p:spPr>
-            <a:xfrm>
-              <a:off x="1117600" y="1839245"/>
-              <a:ext cx="1248923" cy="505147"/>
-            </a:xfrm>
-            <a:prstGeom prst="rect">
-              <a:avLst/>
-            </a:prstGeom>
-            <a:solidFill>
-              <a:schemeClr val="accent5">
-                <a:lumMod val="60000"/>
-                <a:lumOff val="40000"/>
-              </a:schemeClr>
-            </a:solidFill>
-            <a:ln w="28575">
-              <a:solidFill>
-                <a:schemeClr val="tx1"/>
-              </a:solidFill>
-            </a:ln>
-          </p:spPr>
-          <p:style>
-            <a:lnRef idx="2">
-              <a:schemeClr val="accent2">
-                <a:shade val="50000"/>
-              </a:schemeClr>
-            </a:lnRef>
-            <a:fillRef idx="1">
-              <a:schemeClr val="accent2"/>
-            </a:fillRef>
-            <a:effectRef idx="0">
-              <a:schemeClr val="accent2"/>
-            </a:effectRef>
-            <a:fontRef idx="minor">
-              <a:schemeClr val="lt1"/>
-            </a:fontRef>
-          </p:style>
-          <p:txBody>
-            <a:bodyPr rtlCol="0" anchor="ctr"/>
-            <a:lstStyle/>
-            <a:p>
-              <a:pPr algn="ctr"/>
-              <a:r>
-                <a:rPr kumimoji="1" lang="en-US" altLang="zh-CN" sz="1200" b="1" i="1" dirty="0">
-                  <a:solidFill>
-                    <a:sysClr val="windowText" lastClr="000000"/>
-                  </a:solidFill>
-                </a:rPr>
-                <a:t>a</a:t>
-              </a:r>
-              <a:r>
-                <a:rPr kumimoji="1" lang="zh-CN" altLang="en-US" sz="1200" dirty="0">
-                  <a:solidFill>
-                    <a:sysClr val="windowText" lastClr="000000"/>
-                  </a:solidFill>
-                </a:rPr>
-                <a:t> </a:t>
-              </a:r>
-              <a:r>
-                <a:rPr kumimoji="1" lang="en-US" altLang="zh-CN" sz="1200" dirty="0">
-                  <a:solidFill>
-                    <a:sysClr val="windowText" lastClr="000000"/>
-                  </a:solidFill>
-                </a:rPr>
-                <a:t>:</a:t>
-              </a:r>
-              <a:r>
-                <a:rPr kumimoji="1" lang="zh-CN" altLang="en-US" sz="1200" dirty="0">
-                  <a:solidFill>
-                    <a:sysClr val="windowText" lastClr="000000"/>
-                  </a:solidFill>
-                </a:rPr>
-                <a:t> </a:t>
-              </a:r>
-              <a:r>
-                <a:rPr kumimoji="1" lang="en-US" altLang="zh-CN" sz="1200" dirty="0">
-                  <a:solidFill>
-                    <a:sysClr val="windowText" lastClr="000000"/>
-                  </a:solidFill>
-                </a:rPr>
-                <a:t>Account</a:t>
-              </a:r>
-              <a:endParaRPr kumimoji="1" lang="zh-CN" altLang="en-US" sz="1200" dirty="0">
-                <a:solidFill>
-                  <a:sysClr val="windowText" lastClr="000000"/>
-                </a:solidFill>
-              </a:endParaRPr>
-            </a:p>
-          </p:txBody>
-        </p:sp>
         <p:sp>
           <p:nvSpPr>
             <p:cNvPr id="11" name="矩形 14">
@@ -24735,107 +23636,6 @@
           <p:spPr>
             <a:xfrm>
               <a:off x="1117600" y="4250438"/>
-              <a:ext cx="1248923" cy="505147"/>
-            </a:xfrm>
-            <a:prstGeom prst="rect">
-              <a:avLst/>
-            </a:prstGeom>
-            <a:solidFill>
-              <a:schemeClr val="accent5">
-                <a:lumMod val="60000"/>
-                <a:lumOff val="40000"/>
-              </a:schemeClr>
-            </a:solidFill>
-            <a:ln w="28575">
-              <a:solidFill>
-                <a:schemeClr val="tx1"/>
-              </a:solidFill>
-            </a:ln>
-          </p:spPr>
-          <p:style>
-            <a:lnRef idx="2">
-              <a:schemeClr val="accent2">
-                <a:shade val="50000"/>
-              </a:schemeClr>
-            </a:lnRef>
-            <a:fillRef idx="1">
-              <a:schemeClr val="accent2"/>
-            </a:fillRef>
-            <a:effectRef idx="0">
-              <a:schemeClr val="accent2"/>
-            </a:effectRef>
-            <a:fontRef idx="minor">
-              <a:schemeClr val="lt1"/>
-            </a:fontRef>
-          </p:style>
-          <p:txBody>
-            <a:bodyPr rtlCol="0" anchor="ctr"/>
-            <a:lstStyle/>
-            <a:p>
-              <a:pPr algn="ctr"/>
-              <a:r>
-                <a:rPr kumimoji="1" lang="en-US" altLang="zh-CN" sz="1200" b="1" i="1" dirty="0">
-                  <a:solidFill>
-                    <a:sysClr val="windowText" lastClr="000000"/>
-                  </a:solidFill>
-                </a:rPr>
-                <a:t>a</a:t>
-              </a:r>
-              <a:r>
-                <a:rPr kumimoji="1" lang="zh-CN" altLang="en-US" sz="1200" dirty="0">
-                  <a:solidFill>
-                    <a:sysClr val="windowText" lastClr="000000"/>
-                  </a:solidFill>
-                </a:rPr>
-                <a:t> </a:t>
-              </a:r>
-              <a:r>
-                <a:rPr kumimoji="1" lang="en-US" altLang="zh-CN" sz="1200" dirty="0">
-                  <a:solidFill>
-                    <a:sysClr val="windowText" lastClr="000000"/>
-                  </a:solidFill>
-                </a:rPr>
-                <a:t>:</a:t>
-              </a:r>
-              <a:r>
-                <a:rPr kumimoji="1" lang="zh-CN" altLang="en-US" sz="1200" dirty="0">
-                  <a:solidFill>
-                    <a:sysClr val="windowText" lastClr="000000"/>
-                  </a:solidFill>
-                </a:rPr>
-                <a:t> </a:t>
-              </a:r>
-              <a:r>
-                <a:rPr kumimoji="1" lang="en-US" altLang="zh-CN" sz="1200" dirty="0">
-                  <a:solidFill>
-                    <a:sysClr val="windowText" lastClr="000000"/>
-                  </a:solidFill>
-                </a:rPr>
-                <a:t>Account</a:t>
-              </a:r>
-              <a:endParaRPr kumimoji="1" lang="zh-CN" altLang="en-US" sz="1200" dirty="0">
-                <a:solidFill>
-                  <a:sysClr val="windowText" lastClr="000000"/>
-                </a:solidFill>
-              </a:endParaRPr>
-            </a:p>
-          </p:txBody>
-        </p:sp>
-        <p:sp>
-          <p:nvSpPr>
-            <p:cNvPr id="14" name="矩形 14">
-              <a:extLst>
-                <a:ext uri="{FF2B5EF4-FFF2-40B4-BE49-F238E27FC236}">
-                  <a16:creationId xmlns:a16="http://schemas.microsoft.com/office/drawing/2014/main" id="{1DD9DAA9-0442-E340-812E-A2ECF0B023FA}"/>
-                </a:ext>
-              </a:extLst>
-            </p:cNvPr>
-            <p:cNvSpPr/>
-            <p:nvPr/>
-          </p:nvSpPr>
-          <p:spPr>
-            <a:xfrm>
-              <a:off x="1117600" y="5054169"/>
               <a:ext cx="1248923" cy="505147"/>
             </a:xfrm>
             <a:prstGeom prst="rect">
@@ -25060,52 +23860,6 @@
             </a:fontRef>
           </p:style>
         </p:cxnSp>
-        <p:cxnSp>
-          <p:nvCxnSpPr>
-            <p:cNvPr id="19" name="直线箭头连接符 11" descr="jytjh">
-              <a:extLst>
-                <a:ext uri="{FF2B5EF4-FFF2-40B4-BE49-F238E27FC236}">
-                  <a16:creationId xmlns:a16="http://schemas.microsoft.com/office/drawing/2014/main" id="{9318AA4F-A16C-5F4C-9C3C-28C83D847CD5}"/>
-                </a:ext>
-              </a:extLst>
-            </p:cNvPr>
-            <p:cNvCxnSpPr>
-              <a:cxnSpLocks/>
-              <a:stCxn id="14" idx="3"/>
-            </p:cNvCxnSpPr>
-            <p:nvPr/>
-          </p:nvCxnSpPr>
-          <p:spPr>
-            <a:xfrm flipV="1">
-              <a:off x="2366523" y="3731768"/>
-              <a:ext cx="3087392" cy="1574975"/>
-            </a:xfrm>
-            <a:prstGeom prst="straightConnector1">
-              <a:avLst/>
-            </a:prstGeom>
-            <a:ln w="28575">
-              <a:solidFill>
-                <a:schemeClr val="tx1"/>
-              </a:solidFill>
-              <a:headEnd type="none" w="lg" len="med"/>
-              <a:tailEnd type="arrow" w="lg" len="med"/>
-            </a:ln>
-          </p:spPr>
-          <p:style>
-            <a:lnRef idx="1">
-              <a:schemeClr val="accent1"/>
-            </a:lnRef>
-            <a:fillRef idx="0">
-              <a:schemeClr val="accent1"/>
-            </a:fillRef>
-            <a:effectRef idx="0">
-              <a:schemeClr val="accent1"/>
-            </a:effectRef>
-            <a:fontRef idx="minor">
-              <a:schemeClr val="tx1"/>
-            </a:fontRef>
-          </p:style>
-        </p:cxnSp>
         <p:sp>
           <p:nvSpPr>
             <p:cNvPr id="21" name="文本框 12">
@@ -25120,7 +23874,7 @@
           </p:nvSpPr>
           <p:spPr>
             <a:xfrm>
-              <a:off x="7127305" y="3208955"/>
+              <a:off x="7186940" y="2745173"/>
               <a:ext cx="2901857" cy="954107"/>
             </a:xfrm>
             <a:prstGeom prst="rect">
@@ -25327,7 +24081,7 @@
                   <a:latin typeface="DengXian" panose="02010600030101010101" pitchFamily="2" charset="-122"/>
                   <a:ea typeface="DengXian" panose="02010600030101010101" pitchFamily="2" charset="-122"/>
                 </a:rPr>
-                <a:t>${threshold}</a:t>
+                <a:t>${threshold2}</a:t>
               </a:r>
             </a:p>
           </p:txBody>
@@ -25541,6 +24295,79 @@
                   </a:rPr>
                   <a:t>card</a:t>
                 </a:r>
+              </a:p>
+              <a:p>
+                <a:pPr algn="ctr"/>
+                <a:r>
+                  <a:rPr kumimoji="1" lang="en-US" altLang="zh-CN" sz="1200" b="1" dirty="0" err="1">
+                    <a:solidFill>
+                      <a:sysClr val="windowText" lastClr="000000"/>
+                    </a:solidFill>
+                    <a:latin typeface="DengXian" panose="02010600030101010101" pitchFamily="2" charset="-122"/>
+                    <a:ea typeface="DengXian" panose="02010600030101010101" pitchFamily="2" charset="-122"/>
+                  </a:rPr>
+                  <a:t>c</a:t>
+                </a:r>
+                <a:r>
+                  <a:rPr kumimoji="1" lang="en-US" altLang="zh-CN" sz="1200" dirty="0" err="1">
+                    <a:solidFill>
+                      <a:sysClr val="windowText" lastClr="000000"/>
+                    </a:solidFill>
+                    <a:latin typeface="DengXian" panose="02010600030101010101" pitchFamily="2" charset="-122"/>
+                    <a:ea typeface="DengXian" panose="02010600030101010101" pitchFamily="2" charset="-122"/>
+                  </a:rPr>
+                  <a:t>.</a:t>
+                </a:r>
+                <a:r>
+                  <a:rPr kumimoji="1" lang="en-US" altLang="zh-CN" sz="1200" b="1" dirty="0" err="1">
+                    <a:solidFill>
+                      <a:sysClr val="windowText" lastClr="000000"/>
+                    </a:solidFill>
+                    <a:latin typeface="DengXian" panose="02010600030101010101" pitchFamily="2" charset="-122"/>
+                    <a:ea typeface="DengXian" panose="02010600030101010101" pitchFamily="2" charset="-122"/>
+                  </a:rPr>
+                  <a:t>id</a:t>
+                </a:r>
+                <a:r>
+                  <a:rPr kumimoji="1" lang="zh-CN" altLang="en-US" sz="1200" dirty="0">
+                    <a:solidFill>
+                      <a:sysClr val="windowText" lastClr="000000"/>
+                    </a:solidFill>
+                    <a:latin typeface="DengXian" panose="02010600030101010101" pitchFamily="2" charset="-122"/>
+                    <a:ea typeface="DengXian" panose="02010600030101010101" pitchFamily="2" charset="-122"/>
+                  </a:rPr>
+                  <a:t> </a:t>
+                </a:r>
+                <a:r>
+                  <a:rPr kumimoji="1" lang="en-US" altLang="zh-CN" sz="1200" dirty="0">
+                    <a:solidFill>
+                      <a:sysClr val="windowText" lastClr="000000"/>
+                    </a:solidFill>
+                    <a:latin typeface="DengXian" panose="02010600030101010101" pitchFamily="2" charset="-122"/>
+                    <a:ea typeface="DengXian" panose="02010600030101010101" pitchFamily="2" charset="-122"/>
+                  </a:rPr>
+                  <a:t>=</a:t>
+                </a:r>
+                <a:r>
+                  <a:rPr kumimoji="1" lang="zh-CN" altLang="en-US" sz="1200" dirty="0">
+                    <a:solidFill>
+                      <a:sysClr val="windowText" lastClr="000000"/>
+                    </a:solidFill>
+                    <a:latin typeface="DengXian" panose="02010600030101010101" pitchFamily="2" charset="-122"/>
+                    <a:ea typeface="DengXian" panose="02010600030101010101" pitchFamily="2" charset="-122"/>
+                  </a:rPr>
+                  <a:t> </a:t>
+                </a:r>
+                <a:r>
+                  <a:rPr kumimoji="1" lang="en-US" altLang="zh-CN" sz="1200" dirty="0">
+                    <a:solidFill>
+                      <a:sysClr val="windowText" lastClr="000000"/>
+                    </a:solidFill>
+                    <a:latin typeface="DengXian" panose="02010600030101010101" pitchFamily="2" charset="-122"/>
+                    <a:ea typeface="DengXian" panose="02010600030101010101" pitchFamily="2" charset="-122"/>
+                  </a:rPr>
+                  <a:t>${id}</a:t>
+                </a:r>
                 <a:endParaRPr kumimoji="1" lang="zh-CN" altLang="en-US" sz="1200" dirty="0">
                   <a:solidFill>
                     <a:sysClr val="windowText" lastClr="000000"/>
@@ -25563,13 +24390,14 @@
             </p:cNvPr>
             <p:cNvCxnSpPr>
               <a:cxnSpLocks/>
+              <a:stCxn id="22" idx="3"/>
             </p:cNvCxnSpPr>
             <p:nvPr/>
           </p:nvCxnSpPr>
           <p:spPr>
-            <a:xfrm>
-              <a:off x="7068339" y="3709878"/>
-              <a:ext cx="2850361" cy="0"/>
+            <a:xfrm flipV="1">
+              <a:off x="7068340" y="3709878"/>
+              <a:ext cx="2850360" cy="20311"/>
             </a:xfrm>
             <a:prstGeom prst="straightConnector1">
               <a:avLst/>
@@ -25612,2053 +24440,6 @@
 </file>
 
 <file path=ppt/slides/slide7.xml><?xml version="1.0" encoding="utf-8"?>
-<p:sld xmlns:a="http://schemas.openxmlformats.org/drawingml/2006/main" xmlns:r="http://schemas.openxmlformats.org/officeDocument/2006/relationships" xmlns:p="http://schemas.openxmlformats.org/presentationml/2006/main">
-  <p:cSld>
-    <p:spTree>
-      <p:nvGrpSpPr>
-        <p:cNvPr id="1" name=""/>
-        <p:cNvGrpSpPr/>
-        <p:nvPr/>
-      </p:nvGrpSpPr>
-      <p:grpSpPr>
-        <a:xfrm>
-          <a:off x="0" y="0"/>
-          <a:ext cx="0" cy="0"/>
-          <a:chOff x="0" y="0"/>
-          <a:chExt cx="0" cy="0"/>
-        </a:xfrm>
-      </p:grpSpPr>
-      <p:grpSp>
-        <p:nvGrpSpPr>
-          <p:cNvPr id="29" name="Group 28">
-            <a:extLst>
-              <a:ext uri="{FF2B5EF4-FFF2-40B4-BE49-F238E27FC236}">
-                <a16:creationId xmlns:a16="http://schemas.microsoft.com/office/drawing/2014/main" id="{211CA283-CCBE-AF4B-8973-5B17320D5539}"/>
-              </a:ext>
-            </a:extLst>
-          </p:cNvPr>
-          <p:cNvGrpSpPr/>
-          <p:nvPr/>
-        </p:nvGrpSpPr>
-        <p:grpSpPr>
-          <a:xfrm>
-            <a:off x="2222320" y="1748017"/>
-            <a:ext cx="8518556" cy="3943567"/>
-            <a:chOff x="2222320" y="1748017"/>
-            <a:chExt cx="8518556" cy="3943567"/>
-          </a:xfrm>
-        </p:grpSpPr>
-        <p:grpSp>
-          <p:nvGrpSpPr>
-            <p:cNvPr id="8" name="Group 7">
-              <a:extLst>
-                <a:ext uri="{FF2B5EF4-FFF2-40B4-BE49-F238E27FC236}">
-                  <a16:creationId xmlns:a16="http://schemas.microsoft.com/office/drawing/2014/main" id="{EEE1D87E-508E-3B42-8E84-04708949F2F6}"/>
-                </a:ext>
-              </a:extLst>
-            </p:cNvPr>
-            <p:cNvGrpSpPr/>
-            <p:nvPr/>
-          </p:nvGrpSpPr>
-          <p:grpSpPr>
-            <a:xfrm>
-              <a:off x="2222320" y="3156869"/>
-              <a:ext cx="1456257" cy="1010294"/>
-              <a:chOff x="1058491" y="2051323"/>
-              <a:chExt cx="2116478" cy="1010294"/>
-            </a:xfrm>
-          </p:grpSpPr>
-          <p:sp>
-            <p:nvSpPr>
-              <p:cNvPr id="25" name="矩形 9">
-                <a:extLst>
-                  <a:ext uri="{FF2B5EF4-FFF2-40B4-BE49-F238E27FC236}">
-                    <a16:creationId xmlns:a16="http://schemas.microsoft.com/office/drawing/2014/main" id="{C7460A87-30CF-D546-B75B-5F5DBC80EC77}"/>
-                  </a:ext>
-                </a:extLst>
-              </p:cNvPr>
-              <p:cNvSpPr/>
-              <p:nvPr/>
-            </p:nvSpPr>
-            <p:spPr>
-              <a:xfrm>
-                <a:off x="1058491" y="2051323"/>
-                <a:ext cx="2116478" cy="505147"/>
-              </a:xfrm>
-              <a:prstGeom prst="rect">
-                <a:avLst/>
-              </a:prstGeom>
-              <a:solidFill>
-                <a:schemeClr val="accent5">
-                  <a:lumMod val="60000"/>
-                  <a:lumOff val="40000"/>
-                </a:schemeClr>
-              </a:solidFill>
-              <a:ln w="28575">
-                <a:solidFill>
-                  <a:schemeClr val="tx1"/>
-                </a:solidFill>
-              </a:ln>
-            </p:spPr>
-            <p:style>
-              <a:lnRef idx="2">
-                <a:schemeClr val="accent2">
-                  <a:shade val="50000"/>
-                </a:schemeClr>
-              </a:lnRef>
-              <a:fillRef idx="1">
-                <a:schemeClr val="accent2"/>
-              </a:fillRef>
-              <a:effectRef idx="0">
-                <a:schemeClr val="accent2"/>
-              </a:effectRef>
-              <a:fontRef idx="minor">
-                <a:schemeClr val="lt1"/>
-              </a:fontRef>
-            </p:style>
-            <p:txBody>
-              <a:bodyPr rtlCol="0" anchor="ctr"/>
-              <a:lstStyle/>
-              <a:p>
-                <a:pPr algn="ctr"/>
-                <a:r>
-                  <a:rPr kumimoji="1" lang="en-US" altLang="zh-CN" sz="1200" b="1" i="1" dirty="0">
-                    <a:solidFill>
-                      <a:sysClr val="windowText" lastClr="000000"/>
-                    </a:solidFill>
-                  </a:rPr>
-                  <a:t>a</a:t>
-                </a:r>
-                <a:r>
-                  <a:rPr kumimoji="1" lang="zh-CN" altLang="en-US" sz="1200" dirty="0">
-                    <a:solidFill>
-                      <a:sysClr val="windowText" lastClr="000000"/>
-                    </a:solidFill>
-                  </a:rPr>
-                  <a:t> </a:t>
-                </a:r>
-                <a:r>
-                  <a:rPr kumimoji="1" lang="en-US" altLang="zh-CN" sz="1200" dirty="0">
-                    <a:solidFill>
-                      <a:sysClr val="windowText" lastClr="000000"/>
-                    </a:solidFill>
-                  </a:rPr>
-                  <a:t>:</a:t>
-                </a:r>
-                <a:r>
-                  <a:rPr kumimoji="1" lang="zh-CN" altLang="en-US" sz="1200" dirty="0">
-                    <a:solidFill>
-                      <a:sysClr val="windowText" lastClr="000000"/>
-                    </a:solidFill>
-                  </a:rPr>
-                  <a:t> </a:t>
-                </a:r>
-                <a:r>
-                  <a:rPr kumimoji="1" lang="en-US" altLang="zh-CN" sz="1200" dirty="0">
-                    <a:solidFill>
-                      <a:sysClr val="windowText" lastClr="000000"/>
-                    </a:solidFill>
-                  </a:rPr>
-                  <a:t>Account</a:t>
-                </a:r>
-                <a:endParaRPr kumimoji="1" lang="zh-CN" altLang="en-US" sz="1200" dirty="0">
-                  <a:solidFill>
-                    <a:sysClr val="windowText" lastClr="000000"/>
-                  </a:solidFill>
-                </a:endParaRPr>
-              </a:p>
-            </p:txBody>
-          </p:sp>
-          <p:sp>
-            <p:nvSpPr>
-              <p:cNvPr id="33" name="矩形 10">
-                <a:extLst>
-                  <a:ext uri="{FF2B5EF4-FFF2-40B4-BE49-F238E27FC236}">
-                    <a16:creationId xmlns:a16="http://schemas.microsoft.com/office/drawing/2014/main" id="{D6606C0A-E1D8-5248-9834-B2095296BE75}"/>
-                  </a:ext>
-                </a:extLst>
-              </p:cNvPr>
-              <p:cNvSpPr/>
-              <p:nvPr/>
-            </p:nvSpPr>
-            <p:spPr>
-              <a:xfrm>
-                <a:off x="1058491" y="2556470"/>
-                <a:ext cx="2116477" cy="505147"/>
-              </a:xfrm>
-              <a:prstGeom prst="rect">
-                <a:avLst/>
-              </a:prstGeom>
-              <a:noFill/>
-              <a:ln w="28575">
-                <a:solidFill>
-                  <a:schemeClr val="tx1"/>
-                </a:solidFill>
-              </a:ln>
-            </p:spPr>
-            <p:style>
-              <a:lnRef idx="2">
-                <a:schemeClr val="accent2">
-                  <a:shade val="50000"/>
-                </a:schemeClr>
-              </a:lnRef>
-              <a:fillRef idx="1">
-                <a:schemeClr val="accent2"/>
-              </a:fillRef>
-              <a:effectRef idx="0">
-                <a:schemeClr val="accent2"/>
-              </a:effectRef>
-              <a:fontRef idx="minor">
-                <a:schemeClr val="lt1"/>
-              </a:fontRef>
-            </p:style>
-            <p:txBody>
-              <a:bodyPr rtlCol="0" anchor="ctr"/>
-              <a:lstStyle/>
-              <a:p>
-                <a:pPr algn="ctr"/>
-                <a:r>
-                  <a:rPr kumimoji="1" lang="en-US" altLang="zh-CN" sz="1200" b="1" i="1" dirty="0" err="1">
-                    <a:solidFill>
-                      <a:sysClr val="windowText" lastClr="000000"/>
-                    </a:solidFill>
-                  </a:rPr>
-                  <a:t>a</a:t>
-                </a:r>
-                <a:r>
-                  <a:rPr kumimoji="1" lang="en-US" altLang="zh-CN" sz="1200" dirty="0" err="1">
-                    <a:solidFill>
-                      <a:sysClr val="windowText" lastClr="000000"/>
-                    </a:solidFill>
-                    <a:latin typeface="DengXian" panose="02010600030101010101" pitchFamily="2" charset="-122"/>
-                    <a:ea typeface="DengXian" panose="02010600030101010101" pitchFamily="2" charset="-122"/>
-                  </a:rPr>
-                  <a:t>.id</a:t>
-                </a:r>
-                <a:r>
-                  <a:rPr kumimoji="1" lang="zh-CN" altLang="en-US" sz="1200" dirty="0">
-                    <a:solidFill>
-                      <a:sysClr val="windowText" lastClr="000000"/>
-                    </a:solidFill>
-                    <a:latin typeface="DengXian" panose="02010600030101010101" pitchFamily="2" charset="-122"/>
-                    <a:ea typeface="DengXian" panose="02010600030101010101" pitchFamily="2" charset="-122"/>
-                  </a:rPr>
-                  <a:t> </a:t>
-                </a:r>
-                <a:r>
-                  <a:rPr kumimoji="1" lang="en-US" altLang="zh-CN" sz="1200" dirty="0">
-                    <a:solidFill>
-                      <a:sysClr val="windowText" lastClr="000000"/>
-                    </a:solidFill>
-                    <a:latin typeface="DengXian" panose="02010600030101010101" pitchFamily="2" charset="-122"/>
-                    <a:ea typeface="DengXian" panose="02010600030101010101" pitchFamily="2" charset="-122"/>
-                  </a:rPr>
-                  <a:t>=</a:t>
-                </a:r>
-                <a:r>
-                  <a:rPr kumimoji="1" lang="zh-CN" altLang="en-US" sz="1200" dirty="0">
-                    <a:solidFill>
-                      <a:sysClr val="windowText" lastClr="000000"/>
-                    </a:solidFill>
-                    <a:latin typeface="DengXian" panose="02010600030101010101" pitchFamily="2" charset="-122"/>
-                    <a:ea typeface="DengXian" panose="02010600030101010101" pitchFamily="2" charset="-122"/>
-                  </a:rPr>
-                  <a:t> </a:t>
-                </a:r>
-                <a:r>
-                  <a:rPr kumimoji="1" lang="en-US" altLang="zh-CN" sz="1200" dirty="0">
-                    <a:solidFill>
-                      <a:sysClr val="windowText" lastClr="000000"/>
-                    </a:solidFill>
-                    <a:latin typeface="DengXian" panose="02010600030101010101" pitchFamily="2" charset="-122"/>
-                    <a:ea typeface="DengXian" panose="02010600030101010101" pitchFamily="2" charset="-122"/>
-                  </a:rPr>
-                  <a:t>${id}</a:t>
-                </a:r>
-                <a:endParaRPr kumimoji="1" lang="zh-CN" altLang="en-US" sz="1200" dirty="0">
-                  <a:solidFill>
-                    <a:sysClr val="windowText" lastClr="000000"/>
-                  </a:solidFill>
-                  <a:latin typeface="DengXian" panose="02010600030101010101" pitchFamily="2" charset="-122"/>
-                  <a:ea typeface="DengXian" panose="02010600030101010101" pitchFamily="2" charset="-122"/>
-                </a:endParaRPr>
-              </a:p>
-            </p:txBody>
-          </p:sp>
-        </p:grpSp>
-        <p:sp>
-          <p:nvSpPr>
-            <p:cNvPr id="35" name="文本框 12">
-              <a:extLst>
-                <a:ext uri="{FF2B5EF4-FFF2-40B4-BE49-F238E27FC236}">
-                  <a16:creationId xmlns:a16="http://schemas.microsoft.com/office/drawing/2014/main" id="{97E608C4-3721-A54C-8A0C-204C199603F3}"/>
-                </a:ext>
-              </a:extLst>
-            </p:cNvPr>
-            <p:cNvSpPr txBox="1"/>
-            <p:nvPr/>
-          </p:nvSpPr>
-          <p:spPr>
-            <a:xfrm>
-              <a:off x="3349487" y="1771227"/>
-              <a:ext cx="2510056" cy="523220"/>
-            </a:xfrm>
-            <a:prstGeom prst="rect">
-              <a:avLst/>
-            </a:prstGeom>
-            <a:noFill/>
-          </p:spPr>
-          <p:txBody>
-            <a:bodyPr wrap="square" rtlCol="0">
-              <a:spAutoFit/>
-            </a:bodyPr>
-            <a:lstStyle/>
-            <a:p>
-              <a:r>
-                <a:rPr kumimoji="1" lang="en-US" altLang="zh-CN" sz="1400" b="1" i="1" dirty="0">
-                  <a:latin typeface="DengXian" panose="02010600030101010101" pitchFamily="2" charset="-122"/>
-                  <a:ea typeface="DengXian" panose="02010600030101010101" pitchFamily="2" charset="-122"/>
-                </a:rPr>
-                <a:t>edge1</a:t>
-              </a:r>
-              <a:r>
-                <a:rPr kumimoji="1" lang="zh-CN" altLang="en-US" sz="1400" dirty="0">
-                  <a:latin typeface="DengXian" panose="02010600030101010101" pitchFamily="2" charset="-122"/>
-                  <a:ea typeface="DengXian" panose="02010600030101010101" pitchFamily="2" charset="-122"/>
-                </a:rPr>
-                <a:t> </a:t>
-              </a:r>
-              <a:r>
-                <a:rPr kumimoji="1" lang="en-US" altLang="zh-CN" sz="1400" dirty="0">
-                  <a:latin typeface="DengXian" panose="02010600030101010101" pitchFamily="2" charset="-122"/>
-                  <a:ea typeface="DengXian" panose="02010600030101010101" pitchFamily="2" charset="-122"/>
-                </a:rPr>
-                <a:t>:</a:t>
-              </a:r>
-              <a:r>
-                <a:rPr kumimoji="1" lang="zh-CN" altLang="en-US" sz="1400" dirty="0">
-                  <a:latin typeface="DengXian" panose="02010600030101010101" pitchFamily="2" charset="-122"/>
-                  <a:ea typeface="DengXian" panose="02010600030101010101" pitchFamily="2" charset="-122"/>
-                </a:rPr>
-                <a:t> </a:t>
-              </a:r>
-              <a:r>
-                <a:rPr kumimoji="1" lang="en-US" altLang="zh-CN" sz="1400" dirty="0">
-                  <a:latin typeface="DengXian" panose="02010600030101010101" pitchFamily="2" charset="-122"/>
-                  <a:ea typeface="DengXian" panose="02010600030101010101" pitchFamily="2" charset="-122"/>
-                </a:rPr>
-                <a:t>transfer</a:t>
-              </a:r>
-            </a:p>
-            <a:p>
-              <a:r>
-                <a:rPr kumimoji="1" lang="en-US" altLang="zh-CN" sz="1400" b="1" i="1" dirty="0">
-                  <a:latin typeface="DengXian" panose="02010600030101010101" pitchFamily="2" charset="-122"/>
-                  <a:ea typeface="DengXian" panose="02010600030101010101" pitchFamily="2" charset="-122"/>
-                </a:rPr>
-                <a:t>edge1</a:t>
-              </a:r>
-              <a:r>
-                <a:rPr kumimoji="1" lang="en-US" altLang="zh-CN" sz="1400" dirty="0">
-                  <a:latin typeface="DengXian" panose="02010600030101010101" pitchFamily="2" charset="-122"/>
-                  <a:ea typeface="DengXian" panose="02010600030101010101" pitchFamily="2" charset="-122"/>
-                </a:rPr>
-                <a:t>.amount</a:t>
-              </a:r>
-              <a:r>
-                <a:rPr kumimoji="1" lang="zh-CN" altLang="en-US" sz="1400" dirty="0">
-                  <a:latin typeface="DengXian" panose="02010600030101010101" pitchFamily="2" charset="-122"/>
-                  <a:ea typeface="DengXian" panose="02010600030101010101" pitchFamily="2" charset="-122"/>
-                </a:rPr>
-                <a:t> </a:t>
-              </a:r>
-              <a:r>
-                <a:rPr kumimoji="1" lang="en-US" altLang="zh-CN" sz="1400" dirty="0">
-                  <a:latin typeface="DengXian" panose="02010600030101010101" pitchFamily="2" charset="-122"/>
-                  <a:ea typeface="DengXian" panose="02010600030101010101" pitchFamily="2" charset="-122"/>
-                </a:rPr>
-                <a:t>&gt;</a:t>
-              </a:r>
-              <a:r>
-                <a:rPr kumimoji="1" lang="zh-CN" altLang="en-US" sz="1400" dirty="0">
-                  <a:latin typeface="DengXian" panose="02010600030101010101" pitchFamily="2" charset="-122"/>
-                  <a:ea typeface="DengXian" panose="02010600030101010101" pitchFamily="2" charset="-122"/>
-                </a:rPr>
-                <a:t> </a:t>
-              </a:r>
-              <a:r>
-                <a:rPr kumimoji="1" lang="en-US" altLang="zh-CN" sz="1400" dirty="0">
-                  <a:latin typeface="DengXian" panose="02010600030101010101" pitchFamily="2" charset="-122"/>
-                  <a:ea typeface="DengXian" panose="02010600030101010101" pitchFamily="2" charset="-122"/>
-                </a:rPr>
-                <a:t>${threshold}</a:t>
-              </a:r>
-            </a:p>
-          </p:txBody>
-        </p:sp>
-        <p:sp>
-          <p:nvSpPr>
-            <p:cNvPr id="36" name="矩形 13">
-              <a:extLst>
-                <a:ext uri="{FF2B5EF4-FFF2-40B4-BE49-F238E27FC236}">
-                  <a16:creationId xmlns:a16="http://schemas.microsoft.com/office/drawing/2014/main" id="{E9E1A31E-B043-E941-9922-30C0644863FD}"/>
-                </a:ext>
-              </a:extLst>
-            </p:cNvPr>
-            <p:cNvSpPr/>
-            <p:nvPr/>
-          </p:nvSpPr>
-          <p:spPr>
-            <a:xfrm>
-              <a:off x="3233856" y="4946664"/>
-              <a:ext cx="1900972" cy="744920"/>
-            </a:xfrm>
-            <a:prstGeom prst="rect">
-              <a:avLst/>
-            </a:prstGeom>
-            <a:solidFill>
-              <a:schemeClr val="accent4">
-                <a:lumMod val="60000"/>
-                <a:lumOff val="40000"/>
-              </a:schemeClr>
-            </a:solidFill>
-            <a:ln w="28575">
-              <a:solidFill>
-                <a:schemeClr val="tx1"/>
-              </a:solidFill>
-              <a:prstDash val="dash"/>
-            </a:ln>
-          </p:spPr>
-          <p:style>
-            <a:lnRef idx="2">
-              <a:schemeClr val="accent2">
-                <a:shade val="50000"/>
-              </a:schemeClr>
-            </a:lnRef>
-            <a:fillRef idx="1">
-              <a:schemeClr val="accent2"/>
-            </a:fillRef>
-            <a:effectRef idx="0">
-              <a:schemeClr val="accent2"/>
-            </a:effectRef>
-            <a:fontRef idx="minor">
-              <a:schemeClr val="lt1"/>
-            </a:fontRef>
-          </p:style>
-          <p:txBody>
-            <a:bodyPr rtlCol="0" anchor="ctr"/>
-            <a:lstStyle/>
-            <a:p>
-              <a:pPr algn="ctr"/>
-              <a:r>
-                <a:rPr kumimoji="1" lang="en-US" altLang="zh-CN" sz="1200" b="1" dirty="0">
-                  <a:solidFill>
-                    <a:sysClr val="windowText" lastClr="000000"/>
-                  </a:solidFill>
-                  <a:latin typeface="DengXian" panose="02010600030101010101" pitchFamily="2" charset="-122"/>
-                  <a:ea typeface="DengXian" panose="02010600030101010101" pitchFamily="2" charset="-122"/>
-                </a:rPr>
-                <a:t>RESULT</a:t>
-              </a:r>
-            </a:p>
-            <a:p>
-              <a:pPr algn="ctr"/>
-              <a:r>
-                <a:rPr kumimoji="1" lang="en-US" altLang="zh-CN" sz="1200" b="1" dirty="0">
-                  <a:solidFill>
-                    <a:sysClr val="windowText" lastClr="000000"/>
-                  </a:solidFill>
-                  <a:latin typeface="DengXian" panose="02010600030101010101" pitchFamily="2" charset="-122"/>
-                  <a:ea typeface="DengXian" panose="02010600030101010101" pitchFamily="2" charset="-122"/>
-                </a:rPr>
-                <a:t>ratio1</a:t>
-              </a:r>
-              <a:r>
-                <a:rPr kumimoji="1" lang="zh-CN" altLang="en-US" sz="1200" b="1" dirty="0">
-                  <a:solidFill>
-                    <a:sysClr val="windowText" lastClr="000000"/>
-                  </a:solidFill>
-                  <a:latin typeface="DengXian" panose="02010600030101010101" pitchFamily="2" charset="-122"/>
-                  <a:ea typeface="DengXian" panose="02010600030101010101" pitchFamily="2" charset="-122"/>
-                </a:rPr>
-                <a:t> </a:t>
-              </a:r>
-              <a:r>
-                <a:rPr kumimoji="1" lang="en-US" altLang="zh-CN" sz="1200" b="1" dirty="0">
-                  <a:solidFill>
-                    <a:sysClr val="windowText" lastClr="000000"/>
-                  </a:solidFill>
-                  <a:latin typeface="DengXian" panose="02010600030101010101" pitchFamily="2" charset="-122"/>
-                  <a:ea typeface="DengXian" panose="02010600030101010101" pitchFamily="2" charset="-122"/>
-                </a:rPr>
-                <a:t>=</a:t>
-              </a:r>
-              <a:r>
-                <a:rPr kumimoji="1" lang="zh-CN" altLang="en-US" sz="1200" b="1" dirty="0">
-                  <a:solidFill>
-                    <a:sysClr val="windowText" lastClr="000000"/>
-                  </a:solidFill>
-                  <a:latin typeface="DengXian" panose="02010600030101010101" pitchFamily="2" charset="-122"/>
-                  <a:ea typeface="DengXian" panose="02010600030101010101" pitchFamily="2" charset="-122"/>
-                </a:rPr>
-                <a:t> </a:t>
-              </a:r>
-              <a:r>
-                <a:rPr kumimoji="1" lang="en-US" altLang="zh-CN" sz="1200" b="1" dirty="0">
-                  <a:solidFill>
-                    <a:sysClr val="windowText" lastClr="000000"/>
-                  </a:solidFill>
-                  <a:latin typeface="DengXian" panose="02010600030101010101" pitchFamily="2" charset="-122"/>
-                  <a:ea typeface="DengXian" panose="02010600030101010101" pitchFamily="2" charset="-122"/>
-                </a:rPr>
-                <a:t>edge1.amount</a:t>
-              </a:r>
-              <a:r>
-                <a:rPr kumimoji="1" lang="zh-CN" altLang="en-US" sz="1200" b="1" dirty="0">
-                  <a:solidFill>
-                    <a:sysClr val="windowText" lastClr="000000"/>
-                  </a:solidFill>
-                  <a:latin typeface="DengXian" panose="02010600030101010101" pitchFamily="2" charset="-122"/>
-                  <a:ea typeface="DengXian" panose="02010600030101010101" pitchFamily="2" charset="-122"/>
-                </a:rPr>
-                <a:t> </a:t>
-              </a:r>
-              <a:r>
-                <a:rPr kumimoji="1" lang="en-US" altLang="zh-CN" sz="1200" b="1" dirty="0">
-                  <a:solidFill>
-                    <a:sysClr val="windowText" lastClr="000000"/>
-                  </a:solidFill>
-                  <a:latin typeface="DengXian" panose="02010600030101010101" pitchFamily="2" charset="-122"/>
-                  <a:ea typeface="DengXian" panose="02010600030101010101" pitchFamily="2" charset="-122"/>
-                </a:rPr>
-                <a:t>/</a:t>
-              </a:r>
-              <a:r>
-                <a:rPr kumimoji="1" lang="zh-CN" altLang="en-US" sz="1200" b="1" dirty="0">
-                  <a:solidFill>
-                    <a:sysClr val="windowText" lastClr="000000"/>
-                  </a:solidFill>
-                  <a:latin typeface="DengXian" panose="02010600030101010101" pitchFamily="2" charset="-122"/>
-                  <a:ea typeface="DengXian" panose="02010600030101010101" pitchFamily="2" charset="-122"/>
-                </a:rPr>
-                <a:t> </a:t>
-              </a:r>
-              <a:r>
-                <a:rPr kumimoji="1" lang="en-US" altLang="zh-CN" sz="1200" b="1" dirty="0">
-                  <a:solidFill>
-                    <a:sysClr val="windowText" lastClr="000000"/>
-                  </a:solidFill>
-                  <a:latin typeface="DengXian" panose="02010600030101010101" pitchFamily="2" charset="-122"/>
-                  <a:ea typeface="DengXian" panose="02010600030101010101" pitchFamily="2" charset="-122"/>
-                </a:rPr>
-                <a:t>SUM(edge1.amount)</a:t>
-              </a:r>
-              <a:endParaRPr kumimoji="1" lang="en-US" altLang="zh-CN" sz="1200" dirty="0">
-                <a:solidFill>
-                  <a:sysClr val="windowText" lastClr="000000"/>
-                </a:solidFill>
-                <a:latin typeface="DengXian" panose="02010600030101010101" pitchFamily="2" charset="-122"/>
-                <a:ea typeface="DengXian" panose="02010600030101010101" pitchFamily="2" charset="-122"/>
-              </a:endParaRPr>
-            </a:p>
-          </p:txBody>
-        </p:sp>
-        <p:sp>
-          <p:nvSpPr>
-            <p:cNvPr id="48" name="矩形 14">
-              <a:extLst>
-                <a:ext uri="{FF2B5EF4-FFF2-40B4-BE49-F238E27FC236}">
-                  <a16:creationId xmlns:a16="http://schemas.microsoft.com/office/drawing/2014/main" id="{57CB4C56-C6D1-3646-BE42-AE944291077A}"/>
-                </a:ext>
-              </a:extLst>
-            </p:cNvPr>
-            <p:cNvSpPr/>
-            <p:nvPr/>
-          </p:nvSpPr>
-          <p:spPr>
-            <a:xfrm>
-              <a:off x="5579549" y="2294328"/>
-              <a:ext cx="1456252" cy="505147"/>
-            </a:xfrm>
-            <a:prstGeom prst="rect">
-              <a:avLst/>
-            </a:prstGeom>
-            <a:solidFill>
-              <a:schemeClr val="accent5">
-                <a:lumMod val="60000"/>
-                <a:lumOff val="40000"/>
-              </a:schemeClr>
-            </a:solidFill>
-            <a:ln w="28575">
-              <a:solidFill>
-                <a:schemeClr val="tx1"/>
-              </a:solidFill>
-            </a:ln>
-          </p:spPr>
-          <p:style>
-            <a:lnRef idx="2">
-              <a:schemeClr val="accent2">
-                <a:shade val="50000"/>
-              </a:schemeClr>
-            </a:lnRef>
-            <a:fillRef idx="1">
-              <a:schemeClr val="accent2"/>
-            </a:fillRef>
-            <a:effectRef idx="0">
-              <a:schemeClr val="accent2"/>
-            </a:effectRef>
-            <a:fontRef idx="minor">
-              <a:schemeClr val="lt1"/>
-            </a:fontRef>
-          </p:style>
-          <p:txBody>
-            <a:bodyPr rtlCol="0" anchor="ctr"/>
-            <a:lstStyle/>
-            <a:p>
-              <a:pPr algn="ctr"/>
-              <a:r>
-                <a:rPr kumimoji="1" lang="en-US" altLang="zh-CN" sz="1200" b="1" i="1" dirty="0">
-                  <a:solidFill>
-                    <a:sysClr val="windowText" lastClr="000000"/>
-                  </a:solidFill>
-                </a:rPr>
-                <a:t>b</a:t>
-              </a:r>
-              <a:r>
-                <a:rPr kumimoji="1" lang="zh-CN" altLang="en-US" sz="1200" dirty="0">
-                  <a:solidFill>
-                    <a:sysClr val="windowText" lastClr="000000"/>
-                  </a:solidFill>
-                </a:rPr>
-                <a:t> </a:t>
-              </a:r>
-              <a:r>
-                <a:rPr kumimoji="1" lang="en-US" altLang="zh-CN" sz="1200" dirty="0">
-                  <a:solidFill>
-                    <a:sysClr val="windowText" lastClr="000000"/>
-                  </a:solidFill>
-                </a:rPr>
-                <a:t>:</a:t>
-              </a:r>
-              <a:r>
-                <a:rPr kumimoji="1" lang="zh-CN" altLang="en-US" sz="1200" dirty="0">
-                  <a:solidFill>
-                    <a:sysClr val="windowText" lastClr="000000"/>
-                  </a:solidFill>
-                </a:rPr>
-                <a:t> </a:t>
-              </a:r>
-              <a:r>
-                <a:rPr kumimoji="1" lang="en-US" altLang="zh-CN" sz="1200" dirty="0">
-                  <a:solidFill>
-                    <a:sysClr val="windowText" lastClr="000000"/>
-                  </a:solidFill>
-                </a:rPr>
-                <a:t>Account</a:t>
-              </a:r>
-              <a:endParaRPr kumimoji="1" lang="zh-CN" altLang="en-US" sz="1200" dirty="0">
-                <a:solidFill>
-                  <a:sysClr val="windowText" lastClr="000000"/>
-                </a:solidFill>
-              </a:endParaRPr>
-            </a:p>
-          </p:txBody>
-        </p:sp>
-        <p:sp>
-          <p:nvSpPr>
-            <p:cNvPr id="49" name="矩形 14">
-              <a:extLst>
-                <a:ext uri="{FF2B5EF4-FFF2-40B4-BE49-F238E27FC236}">
-                  <a16:creationId xmlns:a16="http://schemas.microsoft.com/office/drawing/2014/main" id="{03266A0F-85A4-4848-9930-5183DB1376C0}"/>
-                </a:ext>
-              </a:extLst>
-            </p:cNvPr>
-            <p:cNvSpPr/>
-            <p:nvPr/>
-          </p:nvSpPr>
-          <p:spPr>
-            <a:xfrm>
-              <a:off x="5579549" y="3098059"/>
-              <a:ext cx="1456252" cy="505147"/>
-            </a:xfrm>
-            <a:prstGeom prst="rect">
-              <a:avLst/>
-            </a:prstGeom>
-            <a:solidFill>
-              <a:schemeClr val="accent5">
-                <a:lumMod val="60000"/>
-                <a:lumOff val="40000"/>
-              </a:schemeClr>
-            </a:solidFill>
-            <a:ln w="28575">
-              <a:solidFill>
-                <a:schemeClr val="tx1"/>
-              </a:solidFill>
-            </a:ln>
-          </p:spPr>
-          <p:style>
-            <a:lnRef idx="2">
-              <a:schemeClr val="accent2">
-                <a:shade val="50000"/>
-              </a:schemeClr>
-            </a:lnRef>
-            <a:fillRef idx="1">
-              <a:schemeClr val="accent2"/>
-            </a:fillRef>
-            <a:effectRef idx="0">
-              <a:schemeClr val="accent2"/>
-            </a:effectRef>
-            <a:fontRef idx="minor">
-              <a:schemeClr val="lt1"/>
-            </a:fontRef>
-          </p:style>
-          <p:txBody>
-            <a:bodyPr rtlCol="0" anchor="ctr"/>
-            <a:lstStyle/>
-            <a:p>
-              <a:pPr algn="ctr"/>
-              <a:r>
-                <a:rPr kumimoji="1" lang="en-US" altLang="zh-CN" sz="1200" b="1" i="1" dirty="0">
-                  <a:solidFill>
-                    <a:sysClr val="windowText" lastClr="000000"/>
-                  </a:solidFill>
-                </a:rPr>
-                <a:t>b</a:t>
-              </a:r>
-              <a:r>
-                <a:rPr kumimoji="1" lang="zh-CN" altLang="en-US" sz="1200" dirty="0">
-                  <a:solidFill>
-                    <a:sysClr val="windowText" lastClr="000000"/>
-                  </a:solidFill>
-                </a:rPr>
-                <a:t> </a:t>
-              </a:r>
-              <a:r>
-                <a:rPr kumimoji="1" lang="en-US" altLang="zh-CN" sz="1200" dirty="0">
-                  <a:solidFill>
-                    <a:sysClr val="windowText" lastClr="000000"/>
-                  </a:solidFill>
-                </a:rPr>
-                <a:t>:</a:t>
-              </a:r>
-              <a:r>
-                <a:rPr kumimoji="1" lang="zh-CN" altLang="en-US" sz="1200" dirty="0">
-                  <a:solidFill>
-                    <a:sysClr val="windowText" lastClr="000000"/>
-                  </a:solidFill>
-                </a:rPr>
-                <a:t> </a:t>
-              </a:r>
-              <a:r>
-                <a:rPr kumimoji="1" lang="en-US" altLang="zh-CN" sz="1200" dirty="0">
-                  <a:solidFill>
-                    <a:sysClr val="windowText" lastClr="000000"/>
-                  </a:solidFill>
-                </a:rPr>
-                <a:t>Account</a:t>
-              </a:r>
-              <a:endParaRPr kumimoji="1" lang="zh-CN" altLang="en-US" sz="1200" dirty="0">
-                <a:solidFill>
-                  <a:sysClr val="windowText" lastClr="000000"/>
-                </a:solidFill>
-              </a:endParaRPr>
-            </a:p>
-          </p:txBody>
-        </p:sp>
-        <p:sp>
-          <p:nvSpPr>
-            <p:cNvPr id="50" name="矩形 14">
-              <a:extLst>
-                <a:ext uri="{FF2B5EF4-FFF2-40B4-BE49-F238E27FC236}">
-                  <a16:creationId xmlns:a16="http://schemas.microsoft.com/office/drawing/2014/main" id="{776669A2-DF01-5D44-98F2-71A5996AD21C}"/>
-                </a:ext>
-              </a:extLst>
-            </p:cNvPr>
-            <p:cNvSpPr/>
-            <p:nvPr/>
-          </p:nvSpPr>
-          <p:spPr>
-            <a:xfrm>
-              <a:off x="5579549" y="3901790"/>
-              <a:ext cx="1456252" cy="505147"/>
-            </a:xfrm>
-            <a:prstGeom prst="rect">
-              <a:avLst/>
-            </a:prstGeom>
-            <a:solidFill>
-              <a:schemeClr val="accent5">
-                <a:lumMod val="60000"/>
-                <a:lumOff val="40000"/>
-              </a:schemeClr>
-            </a:solidFill>
-            <a:ln w="28575">
-              <a:solidFill>
-                <a:schemeClr val="tx1"/>
-              </a:solidFill>
-            </a:ln>
-          </p:spPr>
-          <p:style>
-            <a:lnRef idx="2">
-              <a:schemeClr val="accent2">
-                <a:shade val="50000"/>
-              </a:schemeClr>
-            </a:lnRef>
-            <a:fillRef idx="1">
-              <a:schemeClr val="accent2"/>
-            </a:fillRef>
-            <a:effectRef idx="0">
-              <a:schemeClr val="accent2"/>
-            </a:effectRef>
-            <a:fontRef idx="minor">
-              <a:schemeClr val="lt1"/>
-            </a:fontRef>
-          </p:style>
-          <p:txBody>
-            <a:bodyPr rtlCol="0" anchor="ctr"/>
-            <a:lstStyle/>
-            <a:p>
-              <a:pPr algn="ctr"/>
-              <a:r>
-                <a:rPr kumimoji="1" lang="en-US" altLang="zh-CN" sz="1200" b="1" i="1" dirty="0">
-                  <a:solidFill>
-                    <a:sysClr val="windowText" lastClr="000000"/>
-                  </a:solidFill>
-                </a:rPr>
-                <a:t>b</a:t>
-              </a:r>
-              <a:r>
-                <a:rPr kumimoji="1" lang="zh-CN" altLang="en-US" sz="1200" b="1" i="1" dirty="0">
-                  <a:solidFill>
-                    <a:sysClr val="windowText" lastClr="000000"/>
-                  </a:solidFill>
-                </a:rPr>
-                <a:t> </a:t>
-              </a:r>
-              <a:r>
-                <a:rPr kumimoji="1" lang="en-US" altLang="zh-CN" sz="1200" dirty="0">
-                  <a:solidFill>
-                    <a:sysClr val="windowText" lastClr="000000"/>
-                  </a:solidFill>
-                </a:rPr>
-                <a:t>:</a:t>
-              </a:r>
-              <a:r>
-                <a:rPr kumimoji="1" lang="zh-CN" altLang="en-US" sz="1200" dirty="0">
-                  <a:solidFill>
-                    <a:sysClr val="windowText" lastClr="000000"/>
-                  </a:solidFill>
-                </a:rPr>
-                <a:t> </a:t>
-              </a:r>
-              <a:r>
-                <a:rPr kumimoji="1" lang="en-US" altLang="zh-CN" sz="1200" dirty="0">
-                  <a:solidFill>
-                    <a:sysClr val="windowText" lastClr="000000"/>
-                  </a:solidFill>
-                </a:rPr>
-                <a:t>Account</a:t>
-              </a:r>
-              <a:endParaRPr kumimoji="1" lang="zh-CN" altLang="en-US" sz="1200" dirty="0">
-                <a:solidFill>
-                  <a:sysClr val="windowText" lastClr="000000"/>
-                </a:solidFill>
-              </a:endParaRPr>
-            </a:p>
-          </p:txBody>
-        </p:sp>
-        <p:sp>
-          <p:nvSpPr>
-            <p:cNvPr id="51" name="矩形 14">
-              <a:extLst>
-                <a:ext uri="{FF2B5EF4-FFF2-40B4-BE49-F238E27FC236}">
-                  <a16:creationId xmlns:a16="http://schemas.microsoft.com/office/drawing/2014/main" id="{AD0D5B56-53EA-1E48-9FEF-7631D3E97D26}"/>
-                </a:ext>
-              </a:extLst>
-            </p:cNvPr>
-            <p:cNvSpPr/>
-            <p:nvPr/>
-          </p:nvSpPr>
-          <p:spPr>
-            <a:xfrm>
-              <a:off x="5579549" y="4705521"/>
-              <a:ext cx="1456252" cy="505147"/>
-            </a:xfrm>
-            <a:prstGeom prst="rect">
-              <a:avLst/>
-            </a:prstGeom>
-            <a:solidFill>
-              <a:schemeClr val="accent5">
-                <a:lumMod val="60000"/>
-                <a:lumOff val="40000"/>
-              </a:schemeClr>
-            </a:solidFill>
-            <a:ln w="28575">
-              <a:solidFill>
-                <a:schemeClr val="tx1"/>
-              </a:solidFill>
-            </a:ln>
-          </p:spPr>
-          <p:style>
-            <a:lnRef idx="2">
-              <a:schemeClr val="accent2">
-                <a:shade val="50000"/>
-              </a:schemeClr>
-            </a:lnRef>
-            <a:fillRef idx="1">
-              <a:schemeClr val="accent2"/>
-            </a:fillRef>
-            <a:effectRef idx="0">
-              <a:schemeClr val="accent2"/>
-            </a:effectRef>
-            <a:fontRef idx="minor">
-              <a:schemeClr val="lt1"/>
-            </a:fontRef>
-          </p:style>
-          <p:txBody>
-            <a:bodyPr rtlCol="0" anchor="ctr"/>
-            <a:lstStyle/>
-            <a:p>
-              <a:pPr algn="ctr"/>
-              <a:r>
-                <a:rPr kumimoji="1" lang="en-US" altLang="zh-CN" sz="1200" b="1" i="1" dirty="0">
-                  <a:solidFill>
-                    <a:sysClr val="windowText" lastClr="000000"/>
-                  </a:solidFill>
-                </a:rPr>
-                <a:t>b</a:t>
-              </a:r>
-              <a:r>
-                <a:rPr kumimoji="1" lang="zh-CN" altLang="en-US" sz="1200" dirty="0">
-                  <a:solidFill>
-                    <a:sysClr val="windowText" lastClr="000000"/>
-                  </a:solidFill>
-                </a:rPr>
-                <a:t> </a:t>
-              </a:r>
-              <a:r>
-                <a:rPr kumimoji="1" lang="en-US" altLang="zh-CN" sz="1200" dirty="0">
-                  <a:solidFill>
-                    <a:sysClr val="windowText" lastClr="000000"/>
-                  </a:solidFill>
-                </a:rPr>
-                <a:t>:</a:t>
-              </a:r>
-              <a:r>
-                <a:rPr kumimoji="1" lang="zh-CN" altLang="en-US" sz="1200" dirty="0">
-                  <a:solidFill>
-                    <a:sysClr val="windowText" lastClr="000000"/>
-                  </a:solidFill>
-                </a:rPr>
-                <a:t> </a:t>
-              </a:r>
-              <a:r>
-                <a:rPr kumimoji="1" lang="en-US" altLang="zh-CN" sz="1200" dirty="0">
-                  <a:solidFill>
-                    <a:sysClr val="windowText" lastClr="000000"/>
-                  </a:solidFill>
-                </a:rPr>
-                <a:t>Account</a:t>
-              </a:r>
-              <a:endParaRPr kumimoji="1" lang="zh-CN" altLang="en-US" sz="1200" dirty="0">
-                <a:solidFill>
-                  <a:sysClr val="windowText" lastClr="000000"/>
-                </a:solidFill>
-              </a:endParaRPr>
-            </a:p>
-          </p:txBody>
-        </p:sp>
-        <p:cxnSp>
-          <p:nvCxnSpPr>
-            <p:cNvPr id="54" name="直线箭头连接符 11" descr="jytjh">
-              <a:extLst>
-                <a:ext uri="{FF2B5EF4-FFF2-40B4-BE49-F238E27FC236}">
-                  <a16:creationId xmlns:a16="http://schemas.microsoft.com/office/drawing/2014/main" id="{E54B3B7F-1A07-E946-9A57-A174B5BF79CC}"/>
-                </a:ext>
-              </a:extLst>
-            </p:cNvPr>
-            <p:cNvCxnSpPr>
-              <a:cxnSpLocks/>
-              <a:stCxn id="25" idx="3"/>
-              <a:endCxn id="48" idx="1"/>
-            </p:cNvCxnSpPr>
-            <p:nvPr/>
-          </p:nvCxnSpPr>
-          <p:spPr>
-            <a:xfrm flipV="1">
-              <a:off x="3678577" y="2546902"/>
-              <a:ext cx="1900972" cy="862541"/>
-            </a:xfrm>
-            <a:prstGeom prst="straightConnector1">
-              <a:avLst/>
-            </a:prstGeom>
-            <a:ln w="28575">
-              <a:solidFill>
-                <a:schemeClr val="tx1"/>
-              </a:solidFill>
-              <a:headEnd type="none" w="lg" len="med"/>
-              <a:tailEnd type="arrow" w="lg" len="med"/>
-            </a:ln>
-          </p:spPr>
-          <p:style>
-            <a:lnRef idx="1">
-              <a:schemeClr val="accent1"/>
-            </a:lnRef>
-            <a:fillRef idx="0">
-              <a:schemeClr val="accent1"/>
-            </a:fillRef>
-            <a:effectRef idx="0">
-              <a:schemeClr val="accent1"/>
-            </a:effectRef>
-            <a:fontRef idx="minor">
-              <a:schemeClr val="tx1"/>
-            </a:fontRef>
-          </p:style>
-        </p:cxnSp>
-        <p:cxnSp>
-          <p:nvCxnSpPr>
-            <p:cNvPr id="55" name="直线箭头连接符 11" descr="jytjh">
-              <a:extLst>
-                <a:ext uri="{FF2B5EF4-FFF2-40B4-BE49-F238E27FC236}">
-                  <a16:creationId xmlns:a16="http://schemas.microsoft.com/office/drawing/2014/main" id="{9E646DE1-FB5E-AA4E-983D-5017D71E2F43}"/>
-                </a:ext>
-              </a:extLst>
-            </p:cNvPr>
-            <p:cNvCxnSpPr>
-              <a:cxnSpLocks/>
-              <a:stCxn id="25" idx="3"/>
-              <a:endCxn id="49" idx="1"/>
-            </p:cNvCxnSpPr>
-            <p:nvPr/>
-          </p:nvCxnSpPr>
-          <p:spPr>
-            <a:xfrm flipV="1">
-              <a:off x="3678577" y="3350633"/>
-              <a:ext cx="1900972" cy="58810"/>
-            </a:xfrm>
-            <a:prstGeom prst="straightConnector1">
-              <a:avLst/>
-            </a:prstGeom>
-            <a:ln w="28575">
-              <a:solidFill>
-                <a:schemeClr val="tx1"/>
-              </a:solidFill>
-              <a:headEnd type="none" w="lg" len="med"/>
-              <a:tailEnd type="arrow" w="lg" len="med"/>
-            </a:ln>
-          </p:spPr>
-          <p:style>
-            <a:lnRef idx="1">
-              <a:schemeClr val="accent1"/>
-            </a:lnRef>
-            <a:fillRef idx="0">
-              <a:schemeClr val="accent1"/>
-            </a:fillRef>
-            <a:effectRef idx="0">
-              <a:schemeClr val="accent1"/>
-            </a:effectRef>
-            <a:fontRef idx="minor">
-              <a:schemeClr val="tx1"/>
-            </a:fontRef>
-          </p:style>
-        </p:cxnSp>
-        <p:cxnSp>
-          <p:nvCxnSpPr>
-            <p:cNvPr id="56" name="直线箭头连接符 11" descr="jytjh">
-              <a:extLst>
-                <a:ext uri="{FF2B5EF4-FFF2-40B4-BE49-F238E27FC236}">
-                  <a16:creationId xmlns:a16="http://schemas.microsoft.com/office/drawing/2014/main" id="{82052E76-6372-C94F-A67E-97787A191F82}"/>
-                </a:ext>
-              </a:extLst>
-            </p:cNvPr>
-            <p:cNvCxnSpPr>
-              <a:cxnSpLocks/>
-              <a:stCxn id="25" idx="3"/>
-              <a:endCxn id="50" idx="1"/>
-            </p:cNvCxnSpPr>
-            <p:nvPr/>
-          </p:nvCxnSpPr>
-          <p:spPr>
-            <a:xfrm>
-              <a:off x="3678577" y="3409443"/>
-              <a:ext cx="1900972" cy="744921"/>
-            </a:xfrm>
-            <a:prstGeom prst="straightConnector1">
-              <a:avLst/>
-            </a:prstGeom>
-            <a:ln w="28575">
-              <a:solidFill>
-                <a:schemeClr val="tx1"/>
-              </a:solidFill>
-              <a:headEnd type="none" w="lg" len="med"/>
-              <a:tailEnd type="arrow" w="lg" len="med"/>
-            </a:ln>
-          </p:spPr>
-          <p:style>
-            <a:lnRef idx="1">
-              <a:schemeClr val="accent1"/>
-            </a:lnRef>
-            <a:fillRef idx="0">
-              <a:schemeClr val="accent1"/>
-            </a:fillRef>
-            <a:effectRef idx="0">
-              <a:schemeClr val="accent1"/>
-            </a:effectRef>
-            <a:fontRef idx="minor">
-              <a:schemeClr val="tx1"/>
-            </a:fontRef>
-          </p:style>
-        </p:cxnSp>
-        <p:cxnSp>
-          <p:nvCxnSpPr>
-            <p:cNvPr id="59" name="直线箭头连接符 11" descr="jytjh">
-              <a:extLst>
-                <a:ext uri="{FF2B5EF4-FFF2-40B4-BE49-F238E27FC236}">
-                  <a16:creationId xmlns:a16="http://schemas.microsoft.com/office/drawing/2014/main" id="{3CF4B058-DA70-914B-B43D-426BA2A65CD0}"/>
-                </a:ext>
-              </a:extLst>
-            </p:cNvPr>
-            <p:cNvCxnSpPr>
-              <a:cxnSpLocks/>
-              <a:stCxn id="25" idx="3"/>
-              <a:endCxn id="51" idx="1"/>
-            </p:cNvCxnSpPr>
-            <p:nvPr/>
-          </p:nvCxnSpPr>
-          <p:spPr>
-            <a:xfrm>
-              <a:off x="3678577" y="3409443"/>
-              <a:ext cx="1900972" cy="1548652"/>
-            </a:xfrm>
-            <a:prstGeom prst="straightConnector1">
-              <a:avLst/>
-            </a:prstGeom>
-            <a:ln w="28575">
-              <a:solidFill>
-                <a:schemeClr val="tx1"/>
-              </a:solidFill>
-              <a:headEnd type="none" w="lg" len="med"/>
-              <a:tailEnd type="arrow" w="lg" len="med"/>
-            </a:ln>
-          </p:spPr>
-          <p:style>
-            <a:lnRef idx="1">
-              <a:schemeClr val="accent1"/>
-            </a:lnRef>
-            <a:fillRef idx="0">
-              <a:schemeClr val="accent1"/>
-            </a:fillRef>
-            <a:effectRef idx="0">
-              <a:schemeClr val="accent1"/>
-            </a:effectRef>
-            <a:fontRef idx="minor">
-              <a:schemeClr val="tx1"/>
-            </a:fontRef>
-          </p:style>
-        </p:cxnSp>
-        <p:sp>
-          <p:nvSpPr>
-            <p:cNvPr id="32" name="矩形 14">
-              <a:extLst>
-                <a:ext uri="{FF2B5EF4-FFF2-40B4-BE49-F238E27FC236}">
-                  <a16:creationId xmlns:a16="http://schemas.microsoft.com/office/drawing/2014/main" id="{7C1DD6B9-2AE7-6141-A5F3-79390CBD0327}"/>
-                </a:ext>
-              </a:extLst>
-            </p:cNvPr>
-            <p:cNvSpPr/>
-            <p:nvPr/>
-          </p:nvSpPr>
-          <p:spPr>
-            <a:xfrm>
-              <a:off x="9284624" y="2294328"/>
-              <a:ext cx="1456252" cy="505147"/>
-            </a:xfrm>
-            <a:prstGeom prst="rect">
-              <a:avLst/>
-            </a:prstGeom>
-            <a:solidFill>
-              <a:schemeClr val="accent5">
-                <a:lumMod val="60000"/>
-                <a:lumOff val="40000"/>
-              </a:schemeClr>
-            </a:solidFill>
-            <a:ln w="28575">
-              <a:solidFill>
-                <a:schemeClr val="tx1"/>
-              </a:solidFill>
-            </a:ln>
-          </p:spPr>
-          <p:style>
-            <a:lnRef idx="2">
-              <a:schemeClr val="accent2">
-                <a:shade val="50000"/>
-              </a:schemeClr>
-            </a:lnRef>
-            <a:fillRef idx="1">
-              <a:schemeClr val="accent2"/>
-            </a:fillRef>
-            <a:effectRef idx="0">
-              <a:schemeClr val="accent2"/>
-            </a:effectRef>
-            <a:fontRef idx="minor">
-              <a:schemeClr val="lt1"/>
-            </a:fontRef>
-          </p:style>
-          <p:txBody>
-            <a:bodyPr rtlCol="0" anchor="ctr"/>
-            <a:lstStyle/>
-            <a:p>
-              <a:pPr algn="ctr"/>
-              <a:r>
-                <a:rPr kumimoji="1" lang="en-US" altLang="zh-CN" sz="1200" b="1" i="1" dirty="0">
-                  <a:solidFill>
-                    <a:sysClr val="windowText" lastClr="000000"/>
-                  </a:solidFill>
-                </a:rPr>
-                <a:t>c</a:t>
-              </a:r>
-              <a:r>
-                <a:rPr kumimoji="1" lang="zh-CN" altLang="en-US" sz="1200" dirty="0">
-                  <a:solidFill>
-                    <a:sysClr val="windowText" lastClr="000000"/>
-                  </a:solidFill>
-                </a:rPr>
-                <a:t> </a:t>
-              </a:r>
-              <a:r>
-                <a:rPr kumimoji="1" lang="en-US" altLang="zh-CN" sz="1200" dirty="0">
-                  <a:solidFill>
-                    <a:sysClr val="windowText" lastClr="000000"/>
-                  </a:solidFill>
-                </a:rPr>
-                <a:t>:</a:t>
-              </a:r>
-              <a:r>
-                <a:rPr kumimoji="1" lang="zh-CN" altLang="en-US" sz="1200" dirty="0">
-                  <a:solidFill>
-                    <a:sysClr val="windowText" lastClr="000000"/>
-                  </a:solidFill>
-                </a:rPr>
-                <a:t> </a:t>
-              </a:r>
-              <a:r>
-                <a:rPr kumimoji="1" lang="en-US" altLang="zh-CN" sz="1200" dirty="0">
-                  <a:solidFill>
-                    <a:sysClr val="windowText" lastClr="000000"/>
-                  </a:solidFill>
-                </a:rPr>
-                <a:t>Account</a:t>
-              </a:r>
-              <a:endParaRPr kumimoji="1" lang="zh-CN" altLang="en-US" sz="1200" dirty="0">
-                <a:solidFill>
-                  <a:sysClr val="windowText" lastClr="000000"/>
-                </a:solidFill>
-              </a:endParaRPr>
-            </a:p>
-          </p:txBody>
-        </p:sp>
-        <p:sp>
-          <p:nvSpPr>
-            <p:cNvPr id="38" name="矩形 14">
-              <a:extLst>
-                <a:ext uri="{FF2B5EF4-FFF2-40B4-BE49-F238E27FC236}">
-                  <a16:creationId xmlns:a16="http://schemas.microsoft.com/office/drawing/2014/main" id="{CF904CFC-E058-D541-89E3-3723954F30AE}"/>
-                </a:ext>
-              </a:extLst>
-            </p:cNvPr>
-            <p:cNvSpPr/>
-            <p:nvPr/>
-          </p:nvSpPr>
-          <p:spPr>
-            <a:xfrm>
-              <a:off x="9284624" y="3098059"/>
-              <a:ext cx="1456252" cy="505147"/>
-            </a:xfrm>
-            <a:prstGeom prst="rect">
-              <a:avLst/>
-            </a:prstGeom>
-            <a:solidFill>
-              <a:schemeClr val="accent5">
-                <a:lumMod val="60000"/>
-                <a:lumOff val="40000"/>
-              </a:schemeClr>
-            </a:solidFill>
-            <a:ln w="28575">
-              <a:solidFill>
-                <a:schemeClr val="tx1"/>
-              </a:solidFill>
-            </a:ln>
-          </p:spPr>
-          <p:style>
-            <a:lnRef idx="2">
-              <a:schemeClr val="accent2">
-                <a:shade val="50000"/>
-              </a:schemeClr>
-            </a:lnRef>
-            <a:fillRef idx="1">
-              <a:schemeClr val="accent2"/>
-            </a:fillRef>
-            <a:effectRef idx="0">
-              <a:schemeClr val="accent2"/>
-            </a:effectRef>
-            <a:fontRef idx="minor">
-              <a:schemeClr val="lt1"/>
-            </a:fontRef>
-          </p:style>
-          <p:txBody>
-            <a:bodyPr rtlCol="0" anchor="ctr"/>
-            <a:lstStyle/>
-            <a:p>
-              <a:pPr algn="ctr"/>
-              <a:r>
-                <a:rPr kumimoji="1" lang="en-US" altLang="zh-CN" sz="1200" b="1" i="1" dirty="0">
-                  <a:solidFill>
-                    <a:sysClr val="windowText" lastClr="000000"/>
-                  </a:solidFill>
-                </a:rPr>
-                <a:t>c</a:t>
-              </a:r>
-              <a:r>
-                <a:rPr kumimoji="1" lang="zh-CN" altLang="en-US" sz="1200" dirty="0">
-                  <a:solidFill>
-                    <a:sysClr val="windowText" lastClr="000000"/>
-                  </a:solidFill>
-                </a:rPr>
-                <a:t> </a:t>
-              </a:r>
-              <a:r>
-                <a:rPr kumimoji="1" lang="en-US" altLang="zh-CN" sz="1200" dirty="0">
-                  <a:solidFill>
-                    <a:sysClr val="windowText" lastClr="000000"/>
-                  </a:solidFill>
-                </a:rPr>
-                <a:t>:</a:t>
-              </a:r>
-              <a:r>
-                <a:rPr kumimoji="1" lang="zh-CN" altLang="en-US" sz="1200" dirty="0">
-                  <a:solidFill>
-                    <a:sysClr val="windowText" lastClr="000000"/>
-                  </a:solidFill>
-                </a:rPr>
-                <a:t> </a:t>
-              </a:r>
-              <a:r>
-                <a:rPr kumimoji="1" lang="en-US" altLang="zh-CN" sz="1200" dirty="0">
-                  <a:solidFill>
-                    <a:sysClr val="windowText" lastClr="000000"/>
-                  </a:solidFill>
-                </a:rPr>
-                <a:t>Account</a:t>
-              </a:r>
-              <a:endParaRPr kumimoji="1" lang="zh-CN" altLang="en-US" sz="1200" dirty="0">
-                <a:solidFill>
-                  <a:sysClr val="windowText" lastClr="000000"/>
-                </a:solidFill>
-              </a:endParaRPr>
-            </a:p>
-          </p:txBody>
-        </p:sp>
-        <p:sp>
-          <p:nvSpPr>
-            <p:cNvPr id="39" name="矩形 14">
-              <a:extLst>
-                <a:ext uri="{FF2B5EF4-FFF2-40B4-BE49-F238E27FC236}">
-                  <a16:creationId xmlns:a16="http://schemas.microsoft.com/office/drawing/2014/main" id="{E76F4095-1DED-4F44-B549-C42BBDA3D7CB}"/>
-                </a:ext>
-              </a:extLst>
-            </p:cNvPr>
-            <p:cNvSpPr/>
-            <p:nvPr/>
-          </p:nvSpPr>
-          <p:spPr>
-            <a:xfrm>
-              <a:off x="9284624" y="3901790"/>
-              <a:ext cx="1456252" cy="505147"/>
-            </a:xfrm>
-            <a:prstGeom prst="rect">
-              <a:avLst/>
-            </a:prstGeom>
-            <a:solidFill>
-              <a:schemeClr val="accent5">
-                <a:lumMod val="60000"/>
-                <a:lumOff val="40000"/>
-              </a:schemeClr>
-            </a:solidFill>
-            <a:ln w="28575">
-              <a:solidFill>
-                <a:schemeClr val="tx1"/>
-              </a:solidFill>
-            </a:ln>
-          </p:spPr>
-          <p:style>
-            <a:lnRef idx="2">
-              <a:schemeClr val="accent2">
-                <a:shade val="50000"/>
-              </a:schemeClr>
-            </a:lnRef>
-            <a:fillRef idx="1">
-              <a:schemeClr val="accent2"/>
-            </a:fillRef>
-            <a:effectRef idx="0">
-              <a:schemeClr val="accent2"/>
-            </a:effectRef>
-            <a:fontRef idx="minor">
-              <a:schemeClr val="lt1"/>
-            </a:fontRef>
-          </p:style>
-          <p:txBody>
-            <a:bodyPr rtlCol="0" anchor="ctr"/>
-            <a:lstStyle/>
-            <a:p>
-              <a:pPr algn="ctr"/>
-              <a:r>
-                <a:rPr kumimoji="1" lang="en-US" altLang="zh-CN" sz="1200" b="1" i="1" dirty="0">
-                  <a:solidFill>
-                    <a:sysClr val="windowText" lastClr="000000"/>
-                  </a:solidFill>
-                </a:rPr>
-                <a:t>c</a:t>
-              </a:r>
-              <a:r>
-                <a:rPr kumimoji="1" lang="zh-CN" altLang="en-US" sz="1200" dirty="0">
-                  <a:solidFill>
-                    <a:sysClr val="windowText" lastClr="000000"/>
-                  </a:solidFill>
-                </a:rPr>
-                <a:t> </a:t>
-              </a:r>
-              <a:r>
-                <a:rPr kumimoji="1" lang="en-US" altLang="zh-CN" sz="1200" dirty="0">
-                  <a:solidFill>
-                    <a:sysClr val="windowText" lastClr="000000"/>
-                  </a:solidFill>
-                </a:rPr>
-                <a:t>:</a:t>
-              </a:r>
-              <a:r>
-                <a:rPr kumimoji="1" lang="zh-CN" altLang="en-US" sz="1200" dirty="0">
-                  <a:solidFill>
-                    <a:sysClr val="windowText" lastClr="000000"/>
-                  </a:solidFill>
-                </a:rPr>
-                <a:t> </a:t>
-              </a:r>
-              <a:r>
-                <a:rPr kumimoji="1" lang="en-US" altLang="zh-CN" sz="1200" dirty="0">
-                  <a:solidFill>
-                    <a:sysClr val="windowText" lastClr="000000"/>
-                  </a:solidFill>
-                </a:rPr>
-                <a:t>Account</a:t>
-              </a:r>
-              <a:endParaRPr kumimoji="1" lang="zh-CN" altLang="en-US" sz="1200" dirty="0">
-                <a:solidFill>
-                  <a:sysClr val="windowText" lastClr="000000"/>
-                </a:solidFill>
-              </a:endParaRPr>
-            </a:p>
-          </p:txBody>
-        </p:sp>
-        <p:sp>
-          <p:nvSpPr>
-            <p:cNvPr id="40" name="矩形 14">
-              <a:extLst>
-                <a:ext uri="{FF2B5EF4-FFF2-40B4-BE49-F238E27FC236}">
-                  <a16:creationId xmlns:a16="http://schemas.microsoft.com/office/drawing/2014/main" id="{69B6187D-A26A-C74E-B85B-60B5F42A79EF}"/>
-                </a:ext>
-              </a:extLst>
-            </p:cNvPr>
-            <p:cNvSpPr/>
-            <p:nvPr/>
-          </p:nvSpPr>
-          <p:spPr>
-            <a:xfrm>
-              <a:off x="9284624" y="4705521"/>
-              <a:ext cx="1456252" cy="505147"/>
-            </a:xfrm>
-            <a:prstGeom prst="rect">
-              <a:avLst/>
-            </a:prstGeom>
-            <a:solidFill>
-              <a:schemeClr val="accent5">
-                <a:lumMod val="60000"/>
-                <a:lumOff val="40000"/>
-              </a:schemeClr>
-            </a:solidFill>
-            <a:ln w="28575">
-              <a:solidFill>
-                <a:schemeClr val="tx1"/>
-              </a:solidFill>
-            </a:ln>
-          </p:spPr>
-          <p:style>
-            <a:lnRef idx="2">
-              <a:schemeClr val="accent2">
-                <a:shade val="50000"/>
-              </a:schemeClr>
-            </a:lnRef>
-            <a:fillRef idx="1">
-              <a:schemeClr val="accent2"/>
-            </a:fillRef>
-            <a:effectRef idx="0">
-              <a:schemeClr val="accent2"/>
-            </a:effectRef>
-            <a:fontRef idx="minor">
-              <a:schemeClr val="lt1"/>
-            </a:fontRef>
-          </p:style>
-          <p:txBody>
-            <a:bodyPr rtlCol="0" anchor="ctr"/>
-            <a:lstStyle/>
-            <a:p>
-              <a:pPr algn="ctr"/>
-              <a:r>
-                <a:rPr kumimoji="1" lang="en-US" altLang="zh-CN" sz="1200" b="1" i="1" dirty="0">
-                  <a:solidFill>
-                    <a:sysClr val="windowText" lastClr="000000"/>
-                  </a:solidFill>
-                </a:rPr>
-                <a:t>c</a:t>
-              </a:r>
-              <a:r>
-                <a:rPr kumimoji="1" lang="zh-CN" altLang="en-US" sz="1200" dirty="0">
-                  <a:solidFill>
-                    <a:sysClr val="windowText" lastClr="000000"/>
-                  </a:solidFill>
-                </a:rPr>
-                <a:t> </a:t>
-              </a:r>
-              <a:r>
-                <a:rPr kumimoji="1" lang="en-US" altLang="zh-CN" sz="1200" dirty="0">
-                  <a:solidFill>
-                    <a:sysClr val="windowText" lastClr="000000"/>
-                  </a:solidFill>
-                </a:rPr>
-                <a:t>:</a:t>
-              </a:r>
-              <a:r>
-                <a:rPr kumimoji="1" lang="zh-CN" altLang="en-US" sz="1200" dirty="0">
-                  <a:solidFill>
-                    <a:sysClr val="windowText" lastClr="000000"/>
-                  </a:solidFill>
-                </a:rPr>
-                <a:t> </a:t>
-              </a:r>
-              <a:r>
-                <a:rPr kumimoji="1" lang="en-US" altLang="zh-CN" sz="1200" dirty="0">
-                  <a:solidFill>
-                    <a:sysClr val="windowText" lastClr="000000"/>
-                  </a:solidFill>
-                </a:rPr>
-                <a:t>Account</a:t>
-              </a:r>
-              <a:endParaRPr kumimoji="1" lang="zh-CN" altLang="en-US" sz="1200" dirty="0">
-                <a:solidFill>
-                  <a:sysClr val="windowText" lastClr="000000"/>
-                </a:solidFill>
-              </a:endParaRPr>
-            </a:p>
-          </p:txBody>
-        </p:sp>
-        <p:cxnSp>
-          <p:nvCxnSpPr>
-            <p:cNvPr id="41" name="直线箭头连接符 11" descr="jytjh">
-              <a:extLst>
-                <a:ext uri="{FF2B5EF4-FFF2-40B4-BE49-F238E27FC236}">
-                  <a16:creationId xmlns:a16="http://schemas.microsoft.com/office/drawing/2014/main" id="{C284E9B6-9EB9-374C-BD3B-63AB3ECDC745}"/>
-                </a:ext>
-              </a:extLst>
-            </p:cNvPr>
-            <p:cNvCxnSpPr>
-              <a:cxnSpLocks/>
-              <a:stCxn id="49" idx="3"/>
-              <a:endCxn id="38" idx="1"/>
-            </p:cNvCxnSpPr>
-            <p:nvPr/>
-          </p:nvCxnSpPr>
-          <p:spPr>
-            <a:xfrm>
-              <a:off x="7035801" y="3350633"/>
-              <a:ext cx="2248823" cy="0"/>
-            </a:xfrm>
-            <a:prstGeom prst="straightConnector1">
-              <a:avLst/>
-            </a:prstGeom>
-            <a:ln w="28575">
-              <a:solidFill>
-                <a:schemeClr val="tx1"/>
-              </a:solidFill>
-              <a:headEnd type="none" w="lg" len="med"/>
-              <a:tailEnd type="arrow" w="lg" len="med"/>
-            </a:ln>
-          </p:spPr>
-          <p:style>
-            <a:lnRef idx="1">
-              <a:schemeClr val="accent1"/>
-            </a:lnRef>
-            <a:fillRef idx="0">
-              <a:schemeClr val="accent1"/>
-            </a:fillRef>
-            <a:effectRef idx="0">
-              <a:schemeClr val="accent1"/>
-            </a:effectRef>
-            <a:fontRef idx="minor">
-              <a:schemeClr val="tx1"/>
-            </a:fontRef>
-          </p:style>
-        </p:cxnSp>
-        <p:cxnSp>
-          <p:nvCxnSpPr>
-            <p:cNvPr id="42" name="直线箭头连接符 11" descr="jytjh">
-              <a:extLst>
-                <a:ext uri="{FF2B5EF4-FFF2-40B4-BE49-F238E27FC236}">
-                  <a16:creationId xmlns:a16="http://schemas.microsoft.com/office/drawing/2014/main" id="{AC5739F1-B55F-0448-9CFC-0F8597B798C2}"/>
-                </a:ext>
-              </a:extLst>
-            </p:cNvPr>
-            <p:cNvCxnSpPr>
-              <a:cxnSpLocks/>
-              <a:stCxn id="49" idx="3"/>
-              <a:endCxn id="32" idx="1"/>
-            </p:cNvCxnSpPr>
-            <p:nvPr/>
-          </p:nvCxnSpPr>
-          <p:spPr>
-            <a:xfrm flipV="1">
-              <a:off x="7035801" y="2546902"/>
-              <a:ext cx="2248823" cy="803731"/>
-            </a:xfrm>
-            <a:prstGeom prst="straightConnector1">
-              <a:avLst/>
-            </a:prstGeom>
-            <a:ln w="28575">
-              <a:solidFill>
-                <a:schemeClr val="tx1"/>
-              </a:solidFill>
-              <a:headEnd type="none" w="lg" len="med"/>
-              <a:tailEnd type="arrow" w="lg" len="med"/>
-            </a:ln>
-          </p:spPr>
-          <p:style>
-            <a:lnRef idx="1">
-              <a:schemeClr val="accent1"/>
-            </a:lnRef>
-            <a:fillRef idx="0">
-              <a:schemeClr val="accent1"/>
-            </a:fillRef>
-            <a:effectRef idx="0">
-              <a:schemeClr val="accent1"/>
-            </a:effectRef>
-            <a:fontRef idx="minor">
-              <a:schemeClr val="tx1"/>
-            </a:fontRef>
-          </p:style>
-        </p:cxnSp>
-        <p:cxnSp>
-          <p:nvCxnSpPr>
-            <p:cNvPr id="43" name="直线箭头连接符 11" descr="jytjh">
-              <a:extLst>
-                <a:ext uri="{FF2B5EF4-FFF2-40B4-BE49-F238E27FC236}">
-                  <a16:creationId xmlns:a16="http://schemas.microsoft.com/office/drawing/2014/main" id="{BB6D7D66-8EB8-F246-99D0-E8FFF59F2C60}"/>
-                </a:ext>
-              </a:extLst>
-            </p:cNvPr>
-            <p:cNvCxnSpPr>
-              <a:cxnSpLocks/>
-              <a:stCxn id="49" idx="3"/>
-              <a:endCxn id="40" idx="1"/>
-            </p:cNvCxnSpPr>
-            <p:nvPr/>
-          </p:nvCxnSpPr>
-          <p:spPr>
-            <a:xfrm>
-              <a:off x="7035801" y="3350633"/>
-              <a:ext cx="2248823" cy="1607462"/>
-            </a:xfrm>
-            <a:prstGeom prst="straightConnector1">
-              <a:avLst/>
-            </a:prstGeom>
-            <a:ln w="28575">
-              <a:solidFill>
-                <a:schemeClr val="tx1"/>
-              </a:solidFill>
-              <a:headEnd type="none" w="lg" len="med"/>
-              <a:tailEnd type="arrow" w="lg" len="med"/>
-            </a:ln>
-          </p:spPr>
-          <p:style>
-            <a:lnRef idx="1">
-              <a:schemeClr val="accent1"/>
-            </a:lnRef>
-            <a:fillRef idx="0">
-              <a:schemeClr val="accent1"/>
-            </a:fillRef>
-            <a:effectRef idx="0">
-              <a:schemeClr val="accent1"/>
-            </a:effectRef>
-            <a:fontRef idx="minor">
-              <a:schemeClr val="tx1"/>
-            </a:fontRef>
-          </p:style>
-        </p:cxnSp>
-        <p:cxnSp>
-          <p:nvCxnSpPr>
-            <p:cNvPr id="45" name="直线箭头连接符 11" descr="jytjh">
-              <a:extLst>
-                <a:ext uri="{FF2B5EF4-FFF2-40B4-BE49-F238E27FC236}">
-                  <a16:creationId xmlns:a16="http://schemas.microsoft.com/office/drawing/2014/main" id="{1935E3C5-6162-CD48-A3FA-BC7CDB77AD67}"/>
-                </a:ext>
-              </a:extLst>
-            </p:cNvPr>
-            <p:cNvCxnSpPr>
-              <a:cxnSpLocks/>
-              <a:stCxn id="49" idx="3"/>
-              <a:endCxn id="39" idx="1"/>
-            </p:cNvCxnSpPr>
-            <p:nvPr/>
-          </p:nvCxnSpPr>
-          <p:spPr>
-            <a:xfrm>
-              <a:off x="7035801" y="3350633"/>
-              <a:ext cx="2248823" cy="803731"/>
-            </a:xfrm>
-            <a:prstGeom prst="straightConnector1">
-              <a:avLst/>
-            </a:prstGeom>
-            <a:ln w="28575">
-              <a:solidFill>
-                <a:schemeClr val="tx1"/>
-              </a:solidFill>
-              <a:headEnd type="none" w="lg" len="med"/>
-              <a:tailEnd type="arrow" w="lg" len="med"/>
-            </a:ln>
-          </p:spPr>
-          <p:style>
-            <a:lnRef idx="1">
-              <a:schemeClr val="accent1"/>
-            </a:lnRef>
-            <a:fillRef idx="0">
-              <a:schemeClr val="accent1"/>
-            </a:fillRef>
-            <a:effectRef idx="0">
-              <a:schemeClr val="accent1"/>
-            </a:effectRef>
-            <a:fontRef idx="minor">
-              <a:schemeClr val="tx1"/>
-            </a:fontRef>
-          </p:style>
-        </p:cxnSp>
-        <p:sp>
-          <p:nvSpPr>
-            <p:cNvPr id="57" name="文本框 12">
-              <a:extLst>
-                <a:ext uri="{FF2B5EF4-FFF2-40B4-BE49-F238E27FC236}">
-                  <a16:creationId xmlns:a16="http://schemas.microsoft.com/office/drawing/2014/main" id="{6669BB51-5740-6C47-847E-21EE9758C3D1}"/>
-                </a:ext>
-              </a:extLst>
-            </p:cNvPr>
-            <p:cNvSpPr txBox="1"/>
-            <p:nvPr/>
-          </p:nvSpPr>
-          <p:spPr>
-            <a:xfrm>
-              <a:off x="7035800" y="1748017"/>
-              <a:ext cx="2510055" cy="523220"/>
-            </a:xfrm>
-            <a:prstGeom prst="rect">
-              <a:avLst/>
-            </a:prstGeom>
-            <a:noFill/>
-          </p:spPr>
-          <p:txBody>
-            <a:bodyPr wrap="square" rtlCol="0">
-              <a:spAutoFit/>
-            </a:bodyPr>
-            <a:lstStyle/>
-            <a:p>
-              <a:r>
-                <a:rPr kumimoji="1" lang="en-US" altLang="zh-CN" sz="1400" b="1" i="1" dirty="0">
-                  <a:latin typeface="DengXian" panose="02010600030101010101" pitchFamily="2" charset="-122"/>
-                  <a:ea typeface="DengXian" panose="02010600030101010101" pitchFamily="2" charset="-122"/>
-                </a:rPr>
-                <a:t>edge2</a:t>
-              </a:r>
-              <a:r>
-                <a:rPr kumimoji="1" lang="zh-CN" altLang="en-US" sz="1400" dirty="0">
-                  <a:latin typeface="DengXian" panose="02010600030101010101" pitchFamily="2" charset="-122"/>
-                  <a:ea typeface="DengXian" panose="02010600030101010101" pitchFamily="2" charset="-122"/>
-                </a:rPr>
-                <a:t> </a:t>
-              </a:r>
-              <a:r>
-                <a:rPr kumimoji="1" lang="en-US" altLang="zh-CN" sz="1400" dirty="0">
-                  <a:latin typeface="DengXian" panose="02010600030101010101" pitchFamily="2" charset="-122"/>
-                  <a:ea typeface="DengXian" panose="02010600030101010101" pitchFamily="2" charset="-122"/>
-                </a:rPr>
-                <a:t>:</a:t>
-              </a:r>
-              <a:r>
-                <a:rPr kumimoji="1" lang="zh-CN" altLang="en-US" sz="1400" dirty="0">
-                  <a:latin typeface="DengXian" panose="02010600030101010101" pitchFamily="2" charset="-122"/>
-                  <a:ea typeface="DengXian" panose="02010600030101010101" pitchFamily="2" charset="-122"/>
-                </a:rPr>
-                <a:t> </a:t>
-              </a:r>
-              <a:r>
-                <a:rPr kumimoji="1" lang="en-US" altLang="zh-CN" sz="1400" dirty="0">
-                  <a:latin typeface="DengXian" panose="02010600030101010101" pitchFamily="2" charset="-122"/>
-                  <a:ea typeface="DengXian" panose="02010600030101010101" pitchFamily="2" charset="-122"/>
-                </a:rPr>
-                <a:t>transfer</a:t>
-              </a:r>
-            </a:p>
-            <a:p>
-              <a:r>
-                <a:rPr kumimoji="1" lang="en-US" altLang="zh-CN" sz="1400" b="1" i="1" dirty="0">
-                  <a:latin typeface="DengXian" panose="02010600030101010101" pitchFamily="2" charset="-122"/>
-                  <a:ea typeface="DengXian" panose="02010600030101010101" pitchFamily="2" charset="-122"/>
-                </a:rPr>
-                <a:t>edge2</a:t>
-              </a:r>
-              <a:r>
-                <a:rPr kumimoji="1" lang="en-US" altLang="zh-CN" sz="1400" dirty="0">
-                  <a:latin typeface="DengXian" panose="02010600030101010101" pitchFamily="2" charset="-122"/>
-                  <a:ea typeface="DengXian" panose="02010600030101010101" pitchFamily="2" charset="-122"/>
-                </a:rPr>
-                <a:t>.amount</a:t>
-              </a:r>
-              <a:r>
-                <a:rPr kumimoji="1" lang="zh-CN" altLang="en-US" sz="1400" dirty="0">
-                  <a:latin typeface="DengXian" panose="02010600030101010101" pitchFamily="2" charset="-122"/>
-                  <a:ea typeface="DengXian" panose="02010600030101010101" pitchFamily="2" charset="-122"/>
-                </a:rPr>
-                <a:t> </a:t>
-              </a:r>
-              <a:r>
-                <a:rPr kumimoji="1" lang="en-US" altLang="zh-CN" sz="1400" dirty="0">
-                  <a:latin typeface="DengXian" panose="02010600030101010101" pitchFamily="2" charset="-122"/>
-                  <a:ea typeface="DengXian" panose="02010600030101010101" pitchFamily="2" charset="-122"/>
-                </a:rPr>
-                <a:t>&gt;</a:t>
-              </a:r>
-              <a:r>
-                <a:rPr kumimoji="1" lang="zh-CN" altLang="en-US" sz="1400" dirty="0">
-                  <a:latin typeface="DengXian" panose="02010600030101010101" pitchFamily="2" charset="-122"/>
-                  <a:ea typeface="DengXian" panose="02010600030101010101" pitchFamily="2" charset="-122"/>
-                </a:rPr>
-                <a:t> </a:t>
-              </a:r>
-              <a:r>
-                <a:rPr kumimoji="1" lang="en-US" altLang="zh-CN" sz="1400" dirty="0">
-                  <a:latin typeface="DengXian" panose="02010600030101010101" pitchFamily="2" charset="-122"/>
-                  <a:ea typeface="DengXian" panose="02010600030101010101" pitchFamily="2" charset="-122"/>
-                </a:rPr>
-                <a:t>${threshold}</a:t>
-              </a:r>
-            </a:p>
-          </p:txBody>
-        </p:sp>
-        <p:sp>
-          <p:nvSpPr>
-            <p:cNvPr id="58" name="矩形 13">
-              <a:extLst>
-                <a:ext uri="{FF2B5EF4-FFF2-40B4-BE49-F238E27FC236}">
-                  <a16:creationId xmlns:a16="http://schemas.microsoft.com/office/drawing/2014/main" id="{38BA3793-A82E-AD41-BF64-0BA17F1D3F18}"/>
-                </a:ext>
-              </a:extLst>
-            </p:cNvPr>
-            <p:cNvSpPr/>
-            <p:nvPr/>
-          </p:nvSpPr>
-          <p:spPr>
-            <a:xfrm>
-              <a:off x="7143850" y="4958095"/>
-              <a:ext cx="1900973" cy="733489"/>
-            </a:xfrm>
-            <a:prstGeom prst="rect">
-              <a:avLst/>
-            </a:prstGeom>
-            <a:solidFill>
-              <a:schemeClr val="accent4">
-                <a:lumMod val="60000"/>
-                <a:lumOff val="40000"/>
-              </a:schemeClr>
-            </a:solidFill>
-            <a:ln w="28575">
-              <a:solidFill>
-                <a:schemeClr val="tx1"/>
-              </a:solidFill>
-              <a:prstDash val="dash"/>
-            </a:ln>
-          </p:spPr>
-          <p:style>
-            <a:lnRef idx="2">
-              <a:schemeClr val="accent2">
-                <a:shade val="50000"/>
-              </a:schemeClr>
-            </a:lnRef>
-            <a:fillRef idx="1">
-              <a:schemeClr val="accent2"/>
-            </a:fillRef>
-            <a:effectRef idx="0">
-              <a:schemeClr val="accent2"/>
-            </a:effectRef>
-            <a:fontRef idx="minor">
-              <a:schemeClr val="lt1"/>
-            </a:fontRef>
-          </p:style>
-          <p:txBody>
-            <a:bodyPr rtlCol="0" anchor="ctr"/>
-            <a:lstStyle/>
-            <a:p>
-              <a:pPr algn="ctr"/>
-              <a:r>
-                <a:rPr kumimoji="1" lang="en-US" altLang="zh-CN" sz="1200" b="1" dirty="0">
-                  <a:solidFill>
-                    <a:sysClr val="windowText" lastClr="000000"/>
-                  </a:solidFill>
-                  <a:latin typeface="DengXian" panose="02010600030101010101" pitchFamily="2" charset="-122"/>
-                  <a:ea typeface="DengXian" panose="02010600030101010101" pitchFamily="2" charset="-122"/>
-                </a:rPr>
-                <a:t>RESULT</a:t>
-              </a:r>
-            </a:p>
-            <a:p>
-              <a:pPr algn="ctr"/>
-              <a:r>
-                <a:rPr kumimoji="1" lang="en-US" altLang="zh-CN" sz="1200" b="1" dirty="0">
-                  <a:solidFill>
-                    <a:sysClr val="windowText" lastClr="000000"/>
-                  </a:solidFill>
-                  <a:latin typeface="DengXian" panose="02010600030101010101" pitchFamily="2" charset="-122"/>
-                  <a:ea typeface="DengXian" panose="02010600030101010101" pitchFamily="2" charset="-122"/>
-                </a:rPr>
-                <a:t>ratio2</a:t>
-              </a:r>
-              <a:r>
-                <a:rPr kumimoji="1" lang="zh-CN" altLang="en-US" sz="1200" b="1" dirty="0">
-                  <a:solidFill>
-                    <a:sysClr val="windowText" lastClr="000000"/>
-                  </a:solidFill>
-                  <a:latin typeface="DengXian" panose="02010600030101010101" pitchFamily="2" charset="-122"/>
-                  <a:ea typeface="DengXian" panose="02010600030101010101" pitchFamily="2" charset="-122"/>
-                </a:rPr>
-                <a:t> </a:t>
-              </a:r>
-              <a:r>
-                <a:rPr kumimoji="1" lang="en-US" altLang="zh-CN" sz="1200" b="1" dirty="0">
-                  <a:solidFill>
-                    <a:sysClr val="windowText" lastClr="000000"/>
-                  </a:solidFill>
-                  <a:latin typeface="DengXian" panose="02010600030101010101" pitchFamily="2" charset="-122"/>
-                  <a:ea typeface="DengXian" panose="02010600030101010101" pitchFamily="2" charset="-122"/>
-                </a:rPr>
-                <a:t>=</a:t>
-              </a:r>
-              <a:r>
-                <a:rPr kumimoji="1" lang="zh-CN" altLang="en-US" sz="1200" b="1" dirty="0">
-                  <a:solidFill>
-                    <a:sysClr val="windowText" lastClr="000000"/>
-                  </a:solidFill>
-                  <a:latin typeface="DengXian" panose="02010600030101010101" pitchFamily="2" charset="-122"/>
-                  <a:ea typeface="DengXian" panose="02010600030101010101" pitchFamily="2" charset="-122"/>
-                </a:rPr>
-                <a:t> </a:t>
-              </a:r>
-              <a:r>
-                <a:rPr kumimoji="1" lang="en-US" altLang="zh-CN" sz="1200" b="1" dirty="0">
-                  <a:solidFill>
-                    <a:sysClr val="windowText" lastClr="000000"/>
-                  </a:solidFill>
-                  <a:latin typeface="DengXian" panose="02010600030101010101" pitchFamily="2" charset="-122"/>
-                  <a:ea typeface="DengXian" panose="02010600030101010101" pitchFamily="2" charset="-122"/>
-                </a:rPr>
-                <a:t>edge2.amount</a:t>
-              </a:r>
-              <a:r>
-                <a:rPr kumimoji="1" lang="zh-CN" altLang="en-US" sz="1200" b="1" dirty="0">
-                  <a:solidFill>
-                    <a:sysClr val="windowText" lastClr="000000"/>
-                  </a:solidFill>
-                  <a:latin typeface="DengXian" panose="02010600030101010101" pitchFamily="2" charset="-122"/>
-                  <a:ea typeface="DengXian" panose="02010600030101010101" pitchFamily="2" charset="-122"/>
-                </a:rPr>
-                <a:t> </a:t>
-              </a:r>
-              <a:r>
-                <a:rPr kumimoji="1" lang="en-US" altLang="zh-CN" sz="1200" b="1" dirty="0">
-                  <a:solidFill>
-                    <a:sysClr val="windowText" lastClr="000000"/>
-                  </a:solidFill>
-                  <a:latin typeface="DengXian" panose="02010600030101010101" pitchFamily="2" charset="-122"/>
-                  <a:ea typeface="DengXian" panose="02010600030101010101" pitchFamily="2" charset="-122"/>
-                </a:rPr>
-                <a:t>/</a:t>
-              </a:r>
-              <a:r>
-                <a:rPr kumimoji="1" lang="zh-CN" altLang="en-US" sz="1200" b="1" dirty="0">
-                  <a:solidFill>
-                    <a:sysClr val="windowText" lastClr="000000"/>
-                  </a:solidFill>
-                  <a:latin typeface="DengXian" panose="02010600030101010101" pitchFamily="2" charset="-122"/>
-                  <a:ea typeface="DengXian" panose="02010600030101010101" pitchFamily="2" charset="-122"/>
-                </a:rPr>
-                <a:t> </a:t>
-              </a:r>
-              <a:r>
-                <a:rPr kumimoji="1" lang="en-US" altLang="zh-CN" sz="1200" b="1" dirty="0">
-                  <a:solidFill>
-                    <a:sysClr val="windowText" lastClr="000000"/>
-                  </a:solidFill>
-                  <a:latin typeface="DengXian" panose="02010600030101010101" pitchFamily="2" charset="-122"/>
-                  <a:ea typeface="DengXian" panose="02010600030101010101" pitchFamily="2" charset="-122"/>
-                </a:rPr>
-                <a:t>SUM(upstream</a:t>
-              </a:r>
-              <a:r>
-                <a:rPr kumimoji="1" lang="zh-CN" altLang="en-US" sz="1200" b="1" dirty="0">
-                  <a:solidFill>
-                    <a:sysClr val="windowText" lastClr="000000"/>
-                  </a:solidFill>
-                  <a:latin typeface="DengXian" panose="02010600030101010101" pitchFamily="2" charset="-122"/>
-                  <a:ea typeface="DengXian" panose="02010600030101010101" pitchFamily="2" charset="-122"/>
-                </a:rPr>
-                <a:t> </a:t>
-              </a:r>
-              <a:r>
-                <a:rPr kumimoji="1" lang="en-US" altLang="zh-CN" sz="1200" b="1" dirty="0">
-                  <a:solidFill>
-                    <a:sysClr val="windowText" lastClr="000000"/>
-                  </a:solidFill>
-                  <a:latin typeface="DengXian" panose="02010600030101010101" pitchFamily="2" charset="-122"/>
-                  <a:ea typeface="DengXian" panose="02010600030101010101" pitchFamily="2" charset="-122"/>
-                </a:rPr>
-                <a:t>edge1)</a:t>
-              </a:r>
-              <a:endParaRPr kumimoji="1" lang="en-US" altLang="zh-CN" sz="1200" dirty="0">
-                <a:solidFill>
-                  <a:sysClr val="windowText" lastClr="000000"/>
-                </a:solidFill>
-                <a:latin typeface="DengXian" panose="02010600030101010101" pitchFamily="2" charset="-122"/>
-                <a:ea typeface="DengXian" panose="02010600030101010101" pitchFamily="2" charset="-122"/>
-              </a:endParaRPr>
-            </a:p>
-          </p:txBody>
-        </p:sp>
-      </p:grpSp>
-    </p:spTree>
-    <p:extLst>
-      <p:ext uri="{BB962C8B-B14F-4D97-AF65-F5344CB8AC3E}">
-        <p14:creationId xmlns:p14="http://schemas.microsoft.com/office/powerpoint/2010/main" val="3706640717"/>
-      </p:ext>
-    </p:extLst>
-  </p:cSld>
-  <p:clrMapOvr>
-    <a:masterClrMapping/>
-  </p:clrMapOvr>
-</p:sld>
-</file>
-
-<file path=ppt/slides/slide8.xml><?xml version="1.0" encoding="utf-8"?>
 <p:sld xmlns:a="http://schemas.openxmlformats.org/drawingml/2006/main" xmlns:r="http://schemas.openxmlformats.org/officeDocument/2006/relationships" xmlns:p="http://schemas.openxmlformats.org/presentationml/2006/main">
   <p:cSld>
     <p:spTree>
@@ -29808,7 +26589,7 @@
 </p:sld>
 </file>
 
-<file path=ppt/slides/slide9.xml><?xml version="1.0" encoding="utf-8"?>
+<file path=ppt/slides/slide8.xml><?xml version="1.0" encoding="utf-8"?>
 <p:sld xmlns:a="http://schemas.openxmlformats.org/drawingml/2006/main" xmlns:r="http://schemas.openxmlformats.org/officeDocument/2006/relationships" xmlns:p="http://schemas.openxmlformats.org/presentationml/2006/main">
   <p:cSld>
     <p:spTree>
@@ -29827,10 +26608,10 @@
       </p:grpSpPr>
       <p:grpSp>
         <p:nvGrpSpPr>
-          <p:cNvPr id="69" name="Group 68">
+          <p:cNvPr id="20" name="Group 19">
             <a:extLst>
               <a:ext uri="{FF2B5EF4-FFF2-40B4-BE49-F238E27FC236}">
-                <a16:creationId xmlns:a16="http://schemas.microsoft.com/office/drawing/2014/main" id="{DFF9F136-10E5-7948-84D2-89BD6BA6CE4F}"/>
+                <a16:creationId xmlns:a16="http://schemas.microsoft.com/office/drawing/2014/main" id="{A43CE5CB-55A7-EE00-BD5A-B725FBDC7019}"/>
               </a:ext>
             </a:extLst>
           </p:cNvPr>
@@ -29839,10 +26620,10 @@
         </p:nvGrpSpPr>
         <p:grpSpPr>
           <a:xfrm>
-            <a:off x="513263" y="1417981"/>
-            <a:ext cx="10726237" cy="4497530"/>
-            <a:chOff x="513263" y="1417981"/>
-            <a:chExt cx="10726237" cy="4497530"/>
+            <a:off x="209170" y="1417321"/>
+            <a:ext cx="11726065" cy="5014297"/>
+            <a:chOff x="-49244" y="1417321"/>
+            <a:chExt cx="11726065" cy="5014297"/>
           </a:xfrm>
         </p:grpSpPr>
         <p:sp>
@@ -29859,8 +26640,8 @@
           </p:nvSpPr>
           <p:spPr>
             <a:xfrm>
-              <a:off x="2628900" y="2953669"/>
-              <a:ext cx="1049677" cy="505147"/>
+              <a:off x="1587296" y="3510257"/>
+              <a:ext cx="1300237" cy="505147"/>
             </a:xfrm>
             <a:prstGeom prst="rect">
               <a:avLst/>
@@ -29960,8 +26741,8 @@
           </p:nvSpPr>
           <p:spPr>
             <a:xfrm>
-              <a:off x="1791898" y="3950268"/>
-              <a:ext cx="2439151" cy="738664"/>
+              <a:off x="749331" y="4427602"/>
+              <a:ext cx="2604052" cy="830997"/>
             </a:xfrm>
             <a:prstGeom prst="rect">
               <a:avLst/>
@@ -29975,42 +26756,49 @@
             <a:lstStyle/>
             <a:p>
               <a:r>
-                <a:rPr kumimoji="1" lang="en-US" altLang="zh-CN" sz="1400" b="1" i="1" dirty="0">
+                <a:rPr kumimoji="1" lang="en-US" altLang="zh-CN" sz="1200" b="1" i="1" dirty="0">
                   <a:latin typeface="DengXian" panose="02010600030101010101" pitchFamily="2" charset="-122"/>
                   <a:ea typeface="DengXian" panose="02010600030101010101" pitchFamily="2" charset="-122"/>
                 </a:rPr>
                 <a:t>edge2</a:t>
               </a:r>
               <a:r>
-                <a:rPr kumimoji="1" lang="en-US" altLang="zh-CN" sz="1400" dirty="0">
+                <a:rPr kumimoji="1" lang="zh-CN" altLang="en-US" sz="1200" b="1" i="1" dirty="0">
+                  <a:latin typeface="DengXian" panose="02010600030101010101" pitchFamily="2" charset="-122"/>
+                  <a:ea typeface="DengXian" panose="02010600030101010101" pitchFamily="2" charset="-122"/>
+                </a:rPr>
+                <a:t> </a:t>
+              </a:r>
+              <a:r>
+                <a:rPr kumimoji="1" lang="en-US" altLang="zh-CN" sz="1200" dirty="0">
                   <a:latin typeface="DengXian" panose="02010600030101010101" pitchFamily="2" charset="-122"/>
                   <a:ea typeface="DengXian" panose="02010600030101010101" pitchFamily="2" charset="-122"/>
                 </a:rPr>
                 <a:t>:</a:t>
               </a:r>
               <a:r>
-                <a:rPr kumimoji="1" lang="zh-CN" altLang="en-US" sz="1400" dirty="0">
-                  <a:latin typeface="DengXian" panose="02010600030101010101" pitchFamily="2" charset="-122"/>
-                  <a:ea typeface="DengXian" panose="02010600030101010101" pitchFamily="2" charset="-122"/>
-                </a:rPr>
-                <a:t> </a:t>
-              </a:r>
-              <a:r>
-                <a:rPr kumimoji="1" lang="en-US" altLang="zh-CN" sz="1400" dirty="0">
+                <a:rPr kumimoji="1" lang="zh-CN" altLang="en-US" sz="1200" dirty="0">
+                  <a:latin typeface="DengXian" panose="02010600030101010101" pitchFamily="2" charset="-122"/>
+                  <a:ea typeface="DengXian" panose="02010600030101010101" pitchFamily="2" charset="-122"/>
+                </a:rPr>
+                <a:t> </a:t>
+              </a:r>
+              <a:r>
+                <a:rPr kumimoji="1" lang="en-US" altLang="zh-CN" sz="1200" dirty="0">
                   <a:latin typeface="DengXian" panose="02010600030101010101" pitchFamily="2" charset="-122"/>
                   <a:ea typeface="DengXian" panose="02010600030101010101" pitchFamily="2" charset="-122"/>
                 </a:rPr>
                 <a:t>[transfer,</a:t>
               </a:r>
               <a:r>
-                <a:rPr kumimoji="1" lang="zh-CN" altLang="en-US" sz="1400" dirty="0">
-                  <a:latin typeface="DengXian" panose="02010600030101010101" pitchFamily="2" charset="-122"/>
-                  <a:ea typeface="DengXian" panose="02010600030101010101" pitchFamily="2" charset="-122"/>
-                </a:rPr>
-                <a:t> </a:t>
-              </a:r>
-              <a:r>
-                <a:rPr kumimoji="1" lang="en-US" altLang="zh-CN" sz="1400" dirty="0">
+                <a:rPr kumimoji="1" lang="zh-CN" altLang="en-US" sz="1200" dirty="0">
+                  <a:latin typeface="DengXian" panose="02010600030101010101" pitchFamily="2" charset="-122"/>
+                  <a:ea typeface="DengXian" panose="02010600030101010101" pitchFamily="2" charset="-122"/>
+                </a:rPr>
+                <a:t> </a:t>
+              </a:r>
+              <a:r>
+                <a:rPr kumimoji="1" lang="en-US" altLang="zh-CN" sz="1200" dirty="0">
                   <a:latin typeface="DengXian" panose="02010600030101010101" pitchFamily="2" charset="-122"/>
                   <a:ea typeface="DengXian" panose="02010600030101010101" pitchFamily="2" charset="-122"/>
                 </a:rPr>
@@ -30019,161 +26807,177 @@
             </a:p>
             <a:p>
               <a:r>
-                <a:rPr kumimoji="1" lang="en-US" altLang="zh-CN" sz="1400" b="1" i="1" dirty="0">
+                <a:rPr kumimoji="1" lang="en-US" altLang="zh-CN" sz="1200" b="1" i="1" dirty="0">
                   <a:latin typeface="DengXian" panose="02010600030101010101" pitchFamily="2" charset="-122"/>
                   <a:ea typeface="DengXian" panose="02010600030101010101" pitchFamily="2" charset="-122"/>
                 </a:rPr>
                 <a:t>edge2</a:t>
               </a:r>
               <a:r>
-                <a:rPr kumimoji="1" lang="en-US" altLang="zh-CN" sz="1400" dirty="0">
+                <a:rPr kumimoji="1" lang="en-US" altLang="zh-CN" sz="1200" dirty="0">
                   <a:latin typeface="DengXian" panose="02010600030101010101" pitchFamily="2" charset="-122"/>
                   <a:ea typeface="DengXian" panose="02010600030101010101" pitchFamily="2" charset="-122"/>
                 </a:rPr>
                 <a:t>.amount</a:t>
               </a:r>
               <a:r>
-                <a:rPr kumimoji="1" lang="zh-CN" altLang="en-US" sz="1400" dirty="0">
-                  <a:latin typeface="DengXian" panose="02010600030101010101" pitchFamily="2" charset="-122"/>
-                  <a:ea typeface="DengXian" panose="02010600030101010101" pitchFamily="2" charset="-122"/>
-                </a:rPr>
-                <a:t> </a:t>
-              </a:r>
-              <a:r>
-                <a:rPr kumimoji="1" lang="en-US" altLang="zh-CN" sz="1400" dirty="0">
+                <a:rPr kumimoji="1" lang="zh-CN" altLang="en-US" sz="1200" dirty="0">
+                  <a:latin typeface="DengXian" panose="02010600030101010101" pitchFamily="2" charset="-122"/>
+                  <a:ea typeface="DengXian" panose="02010600030101010101" pitchFamily="2" charset="-122"/>
+                </a:rPr>
+                <a:t> </a:t>
+              </a:r>
+              <a:r>
+                <a:rPr kumimoji="1" lang="en-US" altLang="zh-CN" sz="1200" dirty="0">
                   <a:latin typeface="DengXian" panose="02010600030101010101" pitchFamily="2" charset="-122"/>
                   <a:ea typeface="DengXian" panose="02010600030101010101" pitchFamily="2" charset="-122"/>
                 </a:rPr>
                 <a:t>&gt;</a:t>
               </a:r>
               <a:r>
-                <a:rPr kumimoji="1" lang="zh-CN" altLang="en-US" sz="1400" dirty="0">
-                  <a:latin typeface="DengXian" panose="02010600030101010101" pitchFamily="2" charset="-122"/>
-                  <a:ea typeface="DengXian" panose="02010600030101010101" pitchFamily="2" charset="-122"/>
-                </a:rPr>
-                <a:t> </a:t>
-              </a:r>
-              <a:endParaRPr kumimoji="1" lang="en-US" altLang="zh-CN" sz="1400" dirty="0">
-                <a:latin typeface="DengXian" panose="02010600030101010101" pitchFamily="2" charset="-122"/>
-                <a:ea typeface="DengXian" panose="02010600030101010101" pitchFamily="2" charset="-122"/>
-              </a:endParaRPr>
+                <a:rPr kumimoji="1" lang="zh-CN" altLang="en-US" sz="1200" dirty="0">
+                  <a:latin typeface="DengXian" panose="02010600030101010101" pitchFamily="2" charset="-122"/>
+                  <a:ea typeface="DengXian" panose="02010600030101010101" pitchFamily="2" charset="-122"/>
+                </a:rPr>
+                <a:t> </a:t>
+              </a:r>
+              <a:r>
+                <a:rPr kumimoji="1" lang="en-US" altLang="zh-CN" sz="1200" dirty="0">
+                  <a:latin typeface="DengXian" panose="02010600030101010101" pitchFamily="2" charset="-122"/>
+                  <a:ea typeface="DengXian" panose="02010600030101010101" pitchFamily="2" charset="-122"/>
+                </a:rPr>
+                <a:t>upstream</a:t>
+              </a:r>
+              <a:r>
+                <a:rPr kumimoji="1" lang="zh-CN" altLang="en-US" sz="1200" dirty="0">
+                  <a:latin typeface="DengXian" panose="02010600030101010101" pitchFamily="2" charset="-122"/>
+                  <a:ea typeface="DengXian" panose="02010600030101010101" pitchFamily="2" charset="-122"/>
+                </a:rPr>
+                <a:t> * </a:t>
+              </a:r>
+              <a:r>
+                <a:rPr kumimoji="1" lang="en-US" altLang="zh-CN" sz="1200" dirty="0">
+                  <a:latin typeface="DengXian" panose="02010600030101010101" pitchFamily="2" charset="-122"/>
+                  <a:ea typeface="DengXian" panose="02010600030101010101" pitchFamily="2" charset="-122"/>
+                </a:rPr>
+                <a:t>${ratio}</a:t>
+              </a:r>
             </a:p>
             <a:p>
               <a:r>
-                <a:rPr kumimoji="1" lang="en-US" altLang="zh-CN" sz="1400" dirty="0">
-                  <a:latin typeface="DengXian" panose="02010600030101010101" pitchFamily="2" charset="-122"/>
-                  <a:ea typeface="DengXian" panose="02010600030101010101" pitchFamily="2" charset="-122"/>
-                </a:rPr>
-                <a:t>edge1.amount</a:t>
-              </a:r>
-              <a:r>
-                <a:rPr kumimoji="1" lang="zh-CN" altLang="en-US" sz="1400" dirty="0">
-                  <a:latin typeface="DengXian" panose="02010600030101010101" pitchFamily="2" charset="-122"/>
-                  <a:ea typeface="DengXian" panose="02010600030101010101" pitchFamily="2" charset="-122"/>
-                </a:rPr>
-                <a:t> * </a:t>
-              </a:r>
-              <a:r>
-                <a:rPr kumimoji="1" lang="en-US" altLang="zh-CN" sz="1400" dirty="0">
-                  <a:latin typeface="DengXian" panose="02010600030101010101" pitchFamily="2" charset="-122"/>
-                  <a:ea typeface="DengXian" panose="02010600030101010101" pitchFamily="2" charset="-122"/>
-                </a:rPr>
-                <a:t>${threshold}</a:t>
+                <a:rPr kumimoji="1" lang="en-US" altLang="zh-CN" sz="1200" b="1" i="1" dirty="0">
+                  <a:latin typeface="DengXian" panose="02010600030101010101" pitchFamily="2" charset="-122"/>
+                  <a:ea typeface="DengXian" panose="02010600030101010101" pitchFamily="2" charset="-122"/>
+                </a:rPr>
+                <a:t>edge2</a:t>
+              </a:r>
+              <a:r>
+                <a:rPr kumimoji="1" lang="en-US" altLang="zh-CN" sz="1200" dirty="0">
+                  <a:latin typeface="DengXian" panose="02010600030101010101" pitchFamily="2" charset="-122"/>
+                  <a:ea typeface="DengXian" panose="02010600030101010101" pitchFamily="2" charset="-122"/>
+                </a:rPr>
+                <a:t>.timestamp</a:t>
+              </a:r>
+              <a:r>
+                <a:rPr kumimoji="1" lang="zh-CN" altLang="en-US" sz="1200" dirty="0">
+                  <a:latin typeface="DengXian" panose="02010600030101010101" pitchFamily="2" charset="-122"/>
+                  <a:ea typeface="DengXian" panose="02010600030101010101" pitchFamily="2" charset="-122"/>
+                </a:rPr>
+                <a:t> </a:t>
+              </a:r>
+              <a:r>
+                <a:rPr kumimoji="1" lang="en-US" altLang="zh-CN" sz="1200" dirty="0">
+                  <a:latin typeface="DengXian" panose="02010600030101010101" pitchFamily="2" charset="-122"/>
+                  <a:ea typeface="DengXian" panose="02010600030101010101" pitchFamily="2" charset="-122"/>
+                </a:rPr>
+                <a:t>&gt;</a:t>
+              </a:r>
+              <a:r>
+                <a:rPr kumimoji="1" lang="zh-CN" altLang="en-US" sz="1200" dirty="0">
+                  <a:latin typeface="DengXian" panose="02010600030101010101" pitchFamily="2" charset="-122"/>
+                  <a:ea typeface="DengXian" panose="02010600030101010101" pitchFamily="2" charset="-122"/>
+                </a:rPr>
+                <a:t> </a:t>
+              </a:r>
+              <a:r>
+                <a:rPr kumimoji="1" lang="en-US" altLang="zh-CN" sz="1200" dirty="0">
+                  <a:latin typeface="DengXian" panose="02010600030101010101" pitchFamily="2" charset="-122"/>
+                  <a:ea typeface="DengXian" panose="02010600030101010101" pitchFamily="2" charset="-122"/>
+                </a:rPr>
+                <a:t>${</a:t>
+              </a:r>
+              <a:r>
+                <a:rPr kumimoji="1" lang="en-US" altLang="zh-CN" sz="1200" dirty="0" err="1">
+                  <a:latin typeface="DengXian" panose="02010600030101010101" pitchFamily="2" charset="-122"/>
+                  <a:ea typeface="DengXian" panose="02010600030101010101" pitchFamily="2" charset="-122"/>
+                </a:rPr>
+                <a:t>start_time</a:t>
+              </a:r>
+              <a:r>
+                <a:rPr kumimoji="1" lang="en-US" altLang="zh-CN" sz="1200" dirty="0">
+                  <a:latin typeface="DengXian" panose="02010600030101010101" pitchFamily="2" charset="-122"/>
+                  <a:ea typeface="DengXian" panose="02010600030101010101" pitchFamily="2" charset="-122"/>
+                </a:rPr>
+                <a:t>}</a:t>
               </a:r>
             </a:p>
-          </p:txBody>
-        </p:sp>
-        <p:sp>
-          <p:nvSpPr>
-            <p:cNvPr id="36" name="矩形 13">
-              <a:extLst>
-                <a:ext uri="{FF2B5EF4-FFF2-40B4-BE49-F238E27FC236}">
-                  <a16:creationId xmlns:a16="http://schemas.microsoft.com/office/drawing/2014/main" id="{E9E1A31E-B043-E941-9922-30C0644863FD}"/>
-                </a:ext>
-              </a:extLst>
-            </p:cNvPr>
-            <p:cNvSpPr/>
-            <p:nvPr/>
-          </p:nvSpPr>
-          <p:spPr>
-            <a:xfrm>
-              <a:off x="4271448" y="5398933"/>
-              <a:ext cx="1672350" cy="516578"/>
-            </a:xfrm>
-            <a:prstGeom prst="rect">
-              <a:avLst/>
-            </a:prstGeom>
-            <a:solidFill>
-              <a:schemeClr val="accent4">
-                <a:lumMod val="60000"/>
-                <a:lumOff val="40000"/>
-              </a:schemeClr>
-            </a:solidFill>
-            <a:ln w="28575">
-              <a:solidFill>
-                <a:schemeClr val="tx1"/>
-              </a:solidFill>
-              <a:prstDash val="dash"/>
-            </a:ln>
-          </p:spPr>
-          <p:style>
-            <a:lnRef idx="2">
-              <a:schemeClr val="accent2">
-                <a:shade val="50000"/>
-              </a:schemeClr>
-            </a:lnRef>
-            <a:fillRef idx="1">
-              <a:schemeClr val="accent2"/>
-            </a:fillRef>
-            <a:effectRef idx="0">
-              <a:schemeClr val="accent2"/>
-            </a:effectRef>
-            <a:fontRef idx="minor">
-              <a:schemeClr val="lt1"/>
-            </a:fontRef>
-          </p:style>
-          <p:txBody>
-            <a:bodyPr rtlCol="0" anchor="ctr"/>
-            <a:lstStyle/>
             <a:p>
-              <a:pPr algn="ctr"/>
-              <a:r>
-                <a:rPr kumimoji="1" lang="en-US" altLang="zh-CN" sz="1200" b="1" dirty="0">
-                  <a:solidFill>
-                    <a:sysClr val="windowText" lastClr="000000"/>
-                  </a:solidFill>
-                  <a:latin typeface="DengXian" panose="02010600030101010101" pitchFamily="2" charset="-122"/>
-                  <a:ea typeface="DengXian" panose="02010600030101010101" pitchFamily="2" charset="-122"/>
-                </a:rPr>
-                <a:t>RESULT</a:t>
-              </a:r>
-              <a:r>
-                <a:rPr kumimoji="1" lang="zh-CN" altLang="en-US" sz="1200" b="1" dirty="0">
-                  <a:solidFill>
-                    <a:sysClr val="windowText" lastClr="000000"/>
-                  </a:solidFill>
-                  <a:latin typeface="DengXian" panose="02010600030101010101" pitchFamily="2" charset="-122"/>
-                  <a:ea typeface="DengXian" panose="02010600030101010101" pitchFamily="2" charset="-122"/>
-                </a:rPr>
-                <a:t> </a:t>
-              </a:r>
-              <a:r>
-                <a:rPr kumimoji="1" lang="en-US" altLang="zh-CN" sz="1200" b="1" dirty="0">
-                  <a:solidFill>
-                    <a:sysClr val="windowText" lastClr="000000"/>
-                  </a:solidFill>
-                  <a:latin typeface="DengXian" panose="02010600030101010101" pitchFamily="2" charset="-122"/>
-                  <a:ea typeface="DengXian" panose="02010600030101010101" pitchFamily="2" charset="-122"/>
-                </a:rPr>
-                <a:t>o1Accounts</a:t>
-              </a:r>
-              <a:endParaRPr kumimoji="1" lang="en-US" altLang="zh-CN" sz="1200" dirty="0">
-                <a:solidFill>
-                  <a:sysClr val="windowText" lastClr="000000"/>
-                </a:solidFill>
-                <a:latin typeface="DengXian" panose="02010600030101010101" pitchFamily="2" charset="-122"/>
-                <a:ea typeface="DengXian" panose="02010600030101010101" pitchFamily="2" charset="-122"/>
-              </a:endParaRPr>
+              <a:r>
+                <a:rPr kumimoji="1" lang="en-US" altLang="zh-CN" sz="1200" b="1" i="1" dirty="0">
+                  <a:latin typeface="DengXian" panose="02010600030101010101" pitchFamily="2" charset="-122"/>
+                  <a:ea typeface="DengXian" panose="02010600030101010101" pitchFamily="2" charset="-122"/>
+                </a:rPr>
+                <a:t>edge2</a:t>
+              </a:r>
+              <a:r>
+                <a:rPr kumimoji="1" lang="en-US" altLang="zh-CN" sz="1200" dirty="0">
+                  <a:latin typeface="DengXian" panose="02010600030101010101" pitchFamily="2" charset="-122"/>
+                  <a:ea typeface="DengXian" panose="02010600030101010101" pitchFamily="2" charset="-122"/>
+                </a:rPr>
+                <a:t>.timestamp</a:t>
+              </a:r>
+              <a:r>
+                <a:rPr kumimoji="1" lang="zh-CN" altLang="en-US" sz="1200" dirty="0">
+                  <a:latin typeface="DengXian" panose="02010600030101010101" pitchFamily="2" charset="-122"/>
+                  <a:ea typeface="DengXian" panose="02010600030101010101" pitchFamily="2" charset="-122"/>
+                </a:rPr>
+                <a:t> </a:t>
+              </a:r>
+              <a:r>
+                <a:rPr kumimoji="1" lang="en-US" altLang="zh-CN" sz="1200" dirty="0">
+                  <a:latin typeface="DengXian" panose="02010600030101010101" pitchFamily="2" charset="-122"/>
+                  <a:ea typeface="DengXian" panose="02010600030101010101" pitchFamily="2" charset="-122"/>
+                </a:rPr>
+                <a:t>&lt;</a:t>
+              </a:r>
+              <a:r>
+                <a:rPr kumimoji="1" lang="zh-CN" altLang="en-US" sz="1200" dirty="0">
+                  <a:latin typeface="DengXian" panose="02010600030101010101" pitchFamily="2" charset="-122"/>
+                  <a:ea typeface="DengXian" panose="02010600030101010101" pitchFamily="2" charset="-122"/>
+                </a:rPr>
+                <a:t> </a:t>
+              </a:r>
+              <a:r>
+                <a:rPr kumimoji="1" lang="en-US" altLang="zh-CN" sz="1200" dirty="0">
+                  <a:latin typeface="DengXian" panose="02010600030101010101" pitchFamily="2" charset="-122"/>
+                  <a:ea typeface="DengXian" panose="02010600030101010101" pitchFamily="2" charset="-122"/>
+                </a:rPr>
+                <a:t>${</a:t>
+              </a:r>
+              <a:r>
+                <a:rPr kumimoji="1" lang="en-US" altLang="zh-CN" sz="1200" dirty="0" err="1">
+                  <a:latin typeface="DengXian" panose="02010600030101010101" pitchFamily="2" charset="-122"/>
+                  <a:ea typeface="DengXian" panose="02010600030101010101" pitchFamily="2" charset="-122"/>
+                </a:rPr>
+                <a:t>end_time</a:t>
+              </a:r>
+              <a:r>
+                <a:rPr kumimoji="1" lang="en-US" altLang="zh-CN" sz="1200" dirty="0">
+                  <a:latin typeface="DengXian" panose="02010600030101010101" pitchFamily="2" charset="-122"/>
+                  <a:ea typeface="DengXian" panose="02010600030101010101" pitchFamily="2" charset="-122"/>
+                </a:rPr>
+                <a:t>}</a:t>
+              </a:r>
             </a:p>
           </p:txBody>
         </p:sp>
@@ -30191,7 +26995,7 @@
           </p:nvSpPr>
           <p:spPr>
             <a:xfrm>
-              <a:off x="4271449" y="2294328"/>
+              <a:off x="3526016" y="2294328"/>
               <a:ext cx="1672352" cy="505147"/>
             </a:xfrm>
             <a:prstGeom prst="rect">
@@ -30292,7 +27096,7 @@
           </p:nvSpPr>
           <p:spPr>
             <a:xfrm>
-              <a:off x="4271449" y="3098059"/>
+              <a:off x="3526016" y="3098059"/>
               <a:ext cx="1672352" cy="505147"/>
             </a:xfrm>
             <a:prstGeom prst="rect">
@@ -30393,7 +27197,7 @@
           </p:nvSpPr>
           <p:spPr>
             <a:xfrm>
-              <a:off x="4271449" y="3901790"/>
+              <a:off x="3526016" y="3901790"/>
               <a:ext cx="1672352" cy="505147"/>
             </a:xfrm>
             <a:prstGeom prst="rect">
@@ -30494,7 +27298,7 @@
           </p:nvSpPr>
           <p:spPr>
             <a:xfrm>
-              <a:off x="4271448" y="4705521"/>
+              <a:off x="3526015" y="4705521"/>
               <a:ext cx="1672351" cy="505147"/>
             </a:xfrm>
             <a:prstGeom prst="rect">
@@ -30599,8 +27403,8 @@
           </p:nvCxnSpPr>
           <p:spPr>
             <a:xfrm flipV="1">
-              <a:off x="3678577" y="2546902"/>
-              <a:ext cx="592872" cy="659341"/>
+              <a:off x="2887533" y="2546902"/>
+              <a:ext cx="638483" cy="1215929"/>
             </a:xfrm>
             <a:prstGeom prst="straightConnector1">
               <a:avLst/>
@@ -30645,9 +27449,9 @@
             <p:nvPr/>
           </p:nvCxnSpPr>
           <p:spPr>
-            <a:xfrm>
-              <a:off x="3678577" y="3206243"/>
-              <a:ext cx="592872" cy="144390"/>
+            <a:xfrm flipV="1">
+              <a:off x="2887533" y="3350633"/>
+              <a:ext cx="638483" cy="412198"/>
             </a:xfrm>
             <a:prstGeom prst="straightConnector1">
               <a:avLst/>
@@ -30693,8 +27497,8 @@
           </p:nvCxnSpPr>
           <p:spPr>
             <a:xfrm>
-              <a:off x="3678577" y="3206243"/>
-              <a:ext cx="592872" cy="948121"/>
+              <a:off x="2887533" y="3762831"/>
+              <a:ext cx="638483" cy="391533"/>
             </a:xfrm>
             <a:prstGeom prst="straightConnector1">
               <a:avLst/>
@@ -30740,8 +27544,8 @@
           </p:nvCxnSpPr>
           <p:spPr>
             <a:xfrm>
-              <a:off x="3678577" y="3206243"/>
-              <a:ext cx="592871" cy="1751852"/>
+              <a:off x="2887533" y="3762831"/>
+              <a:ext cx="638482" cy="1195264"/>
             </a:xfrm>
             <a:prstGeom prst="straightConnector1">
               <a:avLst/>
@@ -30783,7 +27587,7 @@
           </p:nvSpPr>
           <p:spPr>
             <a:xfrm>
-              <a:off x="6845300" y="2294328"/>
+              <a:off x="6775727" y="2294328"/>
               <a:ext cx="1782406" cy="505147"/>
             </a:xfrm>
             <a:prstGeom prst="rect">
@@ -30884,7 +27688,7 @@
           </p:nvSpPr>
           <p:spPr>
             <a:xfrm>
-              <a:off x="6845300" y="3098059"/>
+              <a:off x="6775727" y="3098059"/>
               <a:ext cx="1782406" cy="505147"/>
             </a:xfrm>
             <a:prstGeom prst="rect">
@@ -30985,7 +27789,7 @@
           </p:nvSpPr>
           <p:spPr>
             <a:xfrm>
-              <a:off x="6845300" y="3901790"/>
+              <a:off x="6775727" y="3901790"/>
               <a:ext cx="1782406" cy="505147"/>
             </a:xfrm>
             <a:prstGeom prst="rect">
@@ -31086,7 +27890,7 @@
           </p:nvSpPr>
           <p:spPr>
             <a:xfrm>
-              <a:off x="6845300" y="4705521"/>
+              <a:off x="6775727" y="4705521"/>
               <a:ext cx="1782406" cy="505147"/>
             </a:xfrm>
             <a:prstGeom prst="rect">
@@ -31191,8 +27995,8 @@
           </p:nvCxnSpPr>
           <p:spPr>
             <a:xfrm>
-              <a:off x="5943801" y="3350633"/>
-              <a:ext cx="901499" cy="0"/>
+              <a:off x="5198368" y="3350633"/>
+              <a:ext cx="1577359" cy="0"/>
             </a:xfrm>
             <a:prstGeom prst="straightConnector1">
               <a:avLst/>
@@ -31238,8 +28042,8 @@
           </p:nvCxnSpPr>
           <p:spPr>
             <a:xfrm flipV="1">
-              <a:off x="5943801" y="2546902"/>
-              <a:ext cx="901499" cy="803731"/>
+              <a:off x="5198368" y="2546902"/>
+              <a:ext cx="1577359" cy="803731"/>
             </a:xfrm>
             <a:prstGeom prst="straightConnector1">
               <a:avLst/>
@@ -31285,8 +28089,8 @@
           </p:nvCxnSpPr>
           <p:spPr>
             <a:xfrm>
-              <a:off x="5943801" y="3350633"/>
-              <a:ext cx="901499" cy="1607462"/>
+              <a:off x="5198368" y="3350633"/>
+              <a:ext cx="1577359" cy="1607462"/>
             </a:xfrm>
             <a:prstGeom prst="straightConnector1">
               <a:avLst/>
@@ -31332,8 +28136,8 @@
           </p:nvCxnSpPr>
           <p:spPr>
             <a:xfrm>
-              <a:off x="5943801" y="3350633"/>
-              <a:ext cx="901499" cy="803731"/>
+              <a:off x="5198368" y="3350633"/>
+              <a:ext cx="1577359" cy="803731"/>
             </a:xfrm>
             <a:prstGeom prst="straightConnector1">
               <a:avLst/>
@@ -31375,8 +28179,8 @@
           </p:nvGrpSpPr>
           <p:grpSpPr>
             <a:xfrm>
-              <a:off x="513263" y="2948767"/>
-              <a:ext cx="1300238" cy="1001501"/>
+              <a:off x="1587296" y="2208936"/>
+              <a:ext cx="1300238" cy="659341"/>
               <a:chOff x="271963" y="3156868"/>
               <a:chExt cx="1300238" cy="1001501"/>
             </a:xfrm>
@@ -31610,15 +28414,15 @@
             </p:cNvPr>
             <p:cNvCxnSpPr>
               <a:cxnSpLocks/>
-              <a:stCxn id="28" idx="3"/>
-              <a:endCxn id="25" idx="1"/>
+              <a:stCxn id="33" idx="2"/>
+              <a:endCxn id="25" idx="0"/>
             </p:cNvCxnSpPr>
             <p:nvPr/>
           </p:nvCxnSpPr>
           <p:spPr>
             <a:xfrm>
-              <a:off x="1813501" y="3201341"/>
-              <a:ext cx="815399" cy="4902"/>
+              <a:off x="2237415" y="2868277"/>
+              <a:ext cx="0" cy="641980"/>
             </a:xfrm>
             <a:prstGeom prst="straightConnector1">
               <a:avLst/>
@@ -31660,8 +28464,8 @@
           </p:nvSpPr>
           <p:spPr>
             <a:xfrm>
-              <a:off x="1778000" y="2614962"/>
-              <a:ext cx="821094" cy="523220"/>
+              <a:off x="-49244" y="2826213"/>
+              <a:ext cx="2295488" cy="646331"/>
             </a:xfrm>
             <a:prstGeom prst="rect">
               <a:avLst/>
@@ -31676,30 +28480,142 @@
             <a:p>
               <a:pPr algn="ctr"/>
               <a:r>
-                <a:rPr kumimoji="1" lang="en-US" altLang="zh-CN" sz="1400" b="1" i="1" dirty="0">
+                <a:rPr kumimoji="1" lang="en-US" altLang="zh-CN" sz="1200" b="1" i="1" dirty="0">
                   <a:latin typeface="DengXian" panose="02010600030101010101" pitchFamily="2" charset="-122"/>
                   <a:ea typeface="DengXian" panose="02010600030101010101" pitchFamily="2" charset="-122"/>
                 </a:rPr>
                 <a:t>edge1:</a:t>
               </a:r>
               <a:r>
-                <a:rPr kumimoji="1" lang="zh-CN" altLang="en-US" sz="1400" b="1" i="1" dirty="0">
-                  <a:latin typeface="DengXian" panose="02010600030101010101" pitchFamily="2" charset="-122"/>
-                  <a:ea typeface="DengXian" panose="02010600030101010101" pitchFamily="2" charset="-122"/>
-                </a:rPr>
-                <a:t> </a:t>
-              </a:r>
-              <a:r>
-                <a:rPr kumimoji="1" lang="en-US" altLang="zh-CN" sz="1400" i="1" dirty="0">
+                <a:rPr kumimoji="1" lang="zh-CN" altLang="en-US" sz="1200" b="1" i="1" dirty="0">
+                  <a:latin typeface="DengXian" panose="02010600030101010101" pitchFamily="2" charset="-122"/>
+                  <a:ea typeface="DengXian" panose="02010600030101010101" pitchFamily="2" charset="-122"/>
+                </a:rPr>
+                <a:t> </a:t>
+              </a:r>
+              <a:r>
+                <a:rPr kumimoji="1" lang="en-US" altLang="zh-CN" sz="1200" i="1" dirty="0">
                   <a:latin typeface="DengXian" panose="02010600030101010101" pitchFamily="2" charset="-122"/>
                   <a:ea typeface="DengXian" panose="02010600030101010101" pitchFamily="2" charset="-122"/>
                 </a:rPr>
                 <a:t>deposit</a:t>
               </a:r>
-              <a:endParaRPr kumimoji="1" lang="en-US" altLang="zh-CN" sz="1400" dirty="0">
-                <a:latin typeface="DengXian" panose="02010600030101010101" pitchFamily="2" charset="-122"/>
-                <a:ea typeface="DengXian" panose="02010600030101010101" pitchFamily="2" charset="-122"/>
-              </a:endParaRPr>
+            </a:p>
+            <a:p>
+              <a:r>
+                <a:rPr kumimoji="1" lang="en-US" altLang="zh-CN" sz="1200" b="1" i="1" dirty="0">
+                  <a:latin typeface="DengXian" panose="02010600030101010101" pitchFamily="2" charset="-122"/>
+                  <a:ea typeface="DengXian" panose="02010600030101010101" pitchFamily="2" charset="-122"/>
+                </a:rPr>
+                <a:t>edge1</a:t>
+              </a:r>
+              <a:r>
+                <a:rPr kumimoji="1" lang="en-US" altLang="zh-CN" sz="1200" dirty="0">
+                  <a:latin typeface="DengXian" panose="02010600030101010101" pitchFamily="2" charset="-122"/>
+                  <a:ea typeface="DengXian" panose="02010600030101010101" pitchFamily="2" charset="-122"/>
+                </a:rPr>
+                <a:t>.timestamp</a:t>
+              </a:r>
+              <a:r>
+                <a:rPr kumimoji="1" lang="zh-CN" altLang="en-US" sz="1200" dirty="0">
+                  <a:latin typeface="DengXian" panose="02010600030101010101" pitchFamily="2" charset="-122"/>
+                  <a:ea typeface="DengXian" panose="02010600030101010101" pitchFamily="2" charset="-122"/>
+                </a:rPr>
+                <a:t> </a:t>
+              </a:r>
+              <a:r>
+                <a:rPr kumimoji="1" lang="en-US" altLang="zh-CN" sz="1200" dirty="0">
+                  <a:latin typeface="DengXian" panose="02010600030101010101" pitchFamily="2" charset="-122"/>
+                  <a:ea typeface="DengXian" panose="02010600030101010101" pitchFamily="2" charset="-122"/>
+                </a:rPr>
+                <a:t>&gt;</a:t>
+              </a:r>
+              <a:r>
+                <a:rPr kumimoji="1" lang="zh-CN" altLang="en-US" sz="1200" dirty="0">
+                  <a:latin typeface="DengXian" panose="02010600030101010101" pitchFamily="2" charset="-122"/>
+                  <a:ea typeface="DengXian" panose="02010600030101010101" pitchFamily="2" charset="-122"/>
+                </a:rPr>
+                <a:t> </a:t>
+              </a:r>
+              <a:r>
+                <a:rPr kumimoji="1" lang="en-US" altLang="zh-CN" sz="1200" dirty="0">
+                  <a:latin typeface="DengXian" panose="02010600030101010101" pitchFamily="2" charset="-122"/>
+                  <a:ea typeface="DengXian" panose="02010600030101010101" pitchFamily="2" charset="-122"/>
+                </a:rPr>
+                <a:t>${</a:t>
+              </a:r>
+              <a:r>
+                <a:rPr kumimoji="1" lang="en-US" altLang="zh-CN" sz="1200" dirty="0" err="1">
+                  <a:latin typeface="DengXian" panose="02010600030101010101" pitchFamily="2" charset="-122"/>
+                  <a:ea typeface="DengXian" panose="02010600030101010101" pitchFamily="2" charset="-122"/>
+                </a:rPr>
+                <a:t>start_time</a:t>
+              </a:r>
+              <a:r>
+                <a:rPr kumimoji="1" lang="en-US" altLang="zh-CN" sz="1200" dirty="0">
+                  <a:latin typeface="DengXian" panose="02010600030101010101" pitchFamily="2" charset="-122"/>
+                  <a:ea typeface="DengXian" panose="02010600030101010101" pitchFamily="2" charset="-122"/>
+                </a:rPr>
+                <a:t>}</a:t>
+              </a:r>
+            </a:p>
+            <a:p>
+              <a:r>
+                <a:rPr kumimoji="1" lang="en-US" altLang="zh-CN" sz="1200" b="1" i="1" dirty="0">
+                  <a:latin typeface="DengXian" panose="02010600030101010101" pitchFamily="2" charset="-122"/>
+                  <a:ea typeface="DengXian" panose="02010600030101010101" pitchFamily="2" charset="-122"/>
+                </a:rPr>
+                <a:t>edge1</a:t>
+              </a:r>
+              <a:r>
+                <a:rPr kumimoji="1" lang="en-US" altLang="zh-CN" sz="1200" dirty="0">
+                  <a:latin typeface="DengXian" panose="02010600030101010101" pitchFamily="2" charset="-122"/>
+                  <a:ea typeface="DengXian" panose="02010600030101010101" pitchFamily="2" charset="-122"/>
+                </a:rPr>
+                <a:t>.timestamp</a:t>
+              </a:r>
+              <a:r>
+                <a:rPr kumimoji="1" lang="zh-CN" altLang="en-US" sz="1200" dirty="0">
+                  <a:latin typeface="DengXian" panose="02010600030101010101" pitchFamily="2" charset="-122"/>
+                  <a:ea typeface="DengXian" panose="02010600030101010101" pitchFamily="2" charset="-122"/>
+                </a:rPr>
+                <a:t> </a:t>
+              </a:r>
+              <a:r>
+                <a:rPr kumimoji="1" lang="en-US" altLang="zh-CN" sz="1200" dirty="0">
+                  <a:latin typeface="DengXian" panose="02010600030101010101" pitchFamily="2" charset="-122"/>
+                  <a:ea typeface="DengXian" panose="02010600030101010101" pitchFamily="2" charset="-122"/>
+                </a:rPr>
+                <a:t>&lt;</a:t>
+              </a:r>
+              <a:r>
+                <a:rPr kumimoji="1" lang="zh-CN" altLang="en-US" sz="1200" dirty="0">
+                  <a:latin typeface="DengXian" panose="02010600030101010101" pitchFamily="2" charset="-122"/>
+                  <a:ea typeface="DengXian" panose="02010600030101010101" pitchFamily="2" charset="-122"/>
+                </a:rPr>
+                <a:t> </a:t>
+              </a:r>
+              <a:r>
+                <a:rPr kumimoji="1" lang="en-US" altLang="zh-CN" sz="1200" dirty="0">
+                  <a:latin typeface="DengXian" panose="02010600030101010101" pitchFamily="2" charset="-122"/>
+                  <a:ea typeface="DengXian" panose="02010600030101010101" pitchFamily="2" charset="-122"/>
+                </a:rPr>
+                <a:t>${</a:t>
+              </a:r>
+              <a:r>
+                <a:rPr kumimoji="1" lang="en-US" altLang="zh-CN" sz="1200" dirty="0" err="1">
+                  <a:latin typeface="DengXian" panose="02010600030101010101" pitchFamily="2" charset="-122"/>
+                  <a:ea typeface="DengXian" panose="02010600030101010101" pitchFamily="2" charset="-122"/>
+                </a:rPr>
+                <a:t>end_time</a:t>
+              </a:r>
+              <a:r>
+                <a:rPr kumimoji="1" lang="en-US" altLang="zh-CN" sz="1200" dirty="0">
+                  <a:latin typeface="DengXian" panose="02010600030101010101" pitchFamily="2" charset="-122"/>
+                  <a:ea typeface="DengXian" panose="02010600030101010101" pitchFamily="2" charset="-122"/>
+                </a:rPr>
+                <a:t>}</a:t>
+              </a:r>
             </a:p>
           </p:txBody>
         </p:sp>
@@ -31717,8 +28633,8 @@
           </p:nvSpPr>
           <p:spPr>
             <a:xfrm>
-              <a:off x="5509134" y="1417981"/>
-              <a:ext cx="2439151" cy="738664"/>
+              <a:off x="4818823" y="1417321"/>
+              <a:ext cx="2554354" cy="830997"/>
             </a:xfrm>
             <a:prstGeom prst="rect">
               <a:avLst/>
@@ -31732,42 +28648,49 @@
             <a:lstStyle/>
             <a:p>
               <a:r>
-                <a:rPr kumimoji="1" lang="en-US" altLang="zh-CN" sz="1400" b="1" i="1" dirty="0">
+                <a:rPr kumimoji="1" lang="en-US" altLang="zh-CN" sz="1200" b="1" i="1" dirty="0">
                   <a:latin typeface="DengXian" panose="02010600030101010101" pitchFamily="2" charset="-122"/>
                   <a:ea typeface="DengXian" panose="02010600030101010101" pitchFamily="2" charset="-122"/>
                 </a:rPr>
                 <a:t>edge3</a:t>
               </a:r>
               <a:r>
-                <a:rPr kumimoji="1" lang="en-US" altLang="zh-CN" sz="1400" dirty="0">
+                <a:rPr kumimoji="1" lang="zh-CN" altLang="en-US" sz="1200" b="1" i="1" dirty="0">
+                  <a:latin typeface="DengXian" panose="02010600030101010101" pitchFamily="2" charset="-122"/>
+                  <a:ea typeface="DengXian" panose="02010600030101010101" pitchFamily="2" charset="-122"/>
+                </a:rPr>
+                <a:t> </a:t>
+              </a:r>
+              <a:r>
+                <a:rPr kumimoji="1" lang="en-US" altLang="zh-CN" sz="1200" dirty="0">
                   <a:latin typeface="DengXian" panose="02010600030101010101" pitchFamily="2" charset="-122"/>
                   <a:ea typeface="DengXian" panose="02010600030101010101" pitchFamily="2" charset="-122"/>
                 </a:rPr>
                 <a:t>:</a:t>
               </a:r>
               <a:r>
-                <a:rPr kumimoji="1" lang="zh-CN" altLang="en-US" sz="1400" dirty="0">
-                  <a:latin typeface="DengXian" panose="02010600030101010101" pitchFamily="2" charset="-122"/>
-                  <a:ea typeface="DengXian" panose="02010600030101010101" pitchFamily="2" charset="-122"/>
-                </a:rPr>
-                <a:t> </a:t>
-              </a:r>
-              <a:r>
-                <a:rPr kumimoji="1" lang="en-US" altLang="zh-CN" sz="1400" dirty="0">
+                <a:rPr kumimoji="1" lang="zh-CN" altLang="en-US" sz="1200" dirty="0">
+                  <a:latin typeface="DengXian" panose="02010600030101010101" pitchFamily="2" charset="-122"/>
+                  <a:ea typeface="DengXian" panose="02010600030101010101" pitchFamily="2" charset="-122"/>
+                </a:rPr>
+                <a:t> </a:t>
+              </a:r>
+              <a:r>
+                <a:rPr kumimoji="1" lang="en-US" altLang="zh-CN" sz="1200" dirty="0">
                   <a:latin typeface="DengXian" panose="02010600030101010101" pitchFamily="2" charset="-122"/>
                   <a:ea typeface="DengXian" panose="02010600030101010101" pitchFamily="2" charset="-122"/>
                 </a:rPr>
                 <a:t>[transfer,</a:t>
               </a:r>
               <a:r>
-                <a:rPr kumimoji="1" lang="zh-CN" altLang="en-US" sz="1400" dirty="0">
-                  <a:latin typeface="DengXian" panose="02010600030101010101" pitchFamily="2" charset="-122"/>
-                  <a:ea typeface="DengXian" panose="02010600030101010101" pitchFamily="2" charset="-122"/>
-                </a:rPr>
-                <a:t> </a:t>
-              </a:r>
-              <a:r>
-                <a:rPr kumimoji="1" lang="en-US" altLang="zh-CN" sz="1400" dirty="0">
+                <a:rPr kumimoji="1" lang="zh-CN" altLang="en-US" sz="1200" dirty="0">
+                  <a:latin typeface="DengXian" panose="02010600030101010101" pitchFamily="2" charset="-122"/>
+                  <a:ea typeface="DengXian" panose="02010600030101010101" pitchFamily="2" charset="-122"/>
+                </a:rPr>
+                <a:t> </a:t>
+              </a:r>
+              <a:r>
+                <a:rPr kumimoji="1" lang="en-US" altLang="zh-CN" sz="1200" dirty="0">
                   <a:latin typeface="DengXian" panose="02010600030101010101" pitchFamily="2" charset="-122"/>
                   <a:ea typeface="DengXian" panose="02010600030101010101" pitchFamily="2" charset="-122"/>
                 </a:rPr>
@@ -31776,66 +28699,176 @@
             </a:p>
             <a:p>
               <a:r>
-                <a:rPr kumimoji="1" lang="en-US" altLang="zh-CN" sz="1400" b="1" i="1" dirty="0">
+                <a:rPr kumimoji="1" lang="en-US" altLang="zh-CN" sz="1200" b="1" i="1" dirty="0">
                   <a:latin typeface="DengXian" panose="02010600030101010101" pitchFamily="2" charset="-122"/>
                   <a:ea typeface="DengXian" panose="02010600030101010101" pitchFamily="2" charset="-122"/>
                 </a:rPr>
                 <a:t>edge3</a:t>
               </a:r>
               <a:r>
-                <a:rPr kumimoji="1" lang="en-US" altLang="zh-CN" sz="1400" dirty="0">
+                <a:rPr kumimoji="1" lang="en-US" altLang="zh-CN" sz="1200" dirty="0">
                   <a:latin typeface="DengXian" panose="02010600030101010101" pitchFamily="2" charset="-122"/>
                   <a:ea typeface="DengXian" panose="02010600030101010101" pitchFamily="2" charset="-122"/>
                 </a:rPr>
                 <a:t>.amount</a:t>
               </a:r>
               <a:r>
-                <a:rPr kumimoji="1" lang="zh-CN" altLang="en-US" sz="1400" dirty="0">
-                  <a:latin typeface="DengXian" panose="02010600030101010101" pitchFamily="2" charset="-122"/>
-                  <a:ea typeface="DengXian" panose="02010600030101010101" pitchFamily="2" charset="-122"/>
-                </a:rPr>
-                <a:t> </a:t>
-              </a:r>
-              <a:r>
-                <a:rPr kumimoji="1" lang="en-US" altLang="zh-CN" sz="1400" dirty="0">
+                <a:rPr kumimoji="1" lang="zh-CN" altLang="en-US" sz="1200" dirty="0">
+                  <a:latin typeface="DengXian" panose="02010600030101010101" pitchFamily="2" charset="-122"/>
+                  <a:ea typeface="DengXian" panose="02010600030101010101" pitchFamily="2" charset="-122"/>
+                </a:rPr>
+                <a:t> </a:t>
+              </a:r>
+              <a:r>
+                <a:rPr kumimoji="1" lang="en-US" altLang="zh-CN" sz="1200" dirty="0">
                   <a:latin typeface="DengXian" panose="02010600030101010101" pitchFamily="2" charset="-122"/>
                   <a:ea typeface="DengXian" panose="02010600030101010101" pitchFamily="2" charset="-122"/>
                 </a:rPr>
                 <a:t>&gt;</a:t>
               </a:r>
               <a:r>
-                <a:rPr kumimoji="1" lang="zh-CN" altLang="en-US" sz="1400" dirty="0">
-                  <a:latin typeface="DengXian" panose="02010600030101010101" pitchFamily="2" charset="-122"/>
-                  <a:ea typeface="DengXian" panose="02010600030101010101" pitchFamily="2" charset="-122"/>
-                </a:rPr>
-                <a:t> </a:t>
-              </a:r>
-              <a:endParaRPr kumimoji="1" lang="en-US" altLang="zh-CN" sz="1400" dirty="0">
-                <a:latin typeface="DengXian" panose="02010600030101010101" pitchFamily="2" charset="-122"/>
-                <a:ea typeface="DengXian" panose="02010600030101010101" pitchFamily="2" charset="-122"/>
-              </a:endParaRPr>
+                <a:rPr kumimoji="1" lang="zh-CN" altLang="en-US" sz="1200" dirty="0">
+                  <a:latin typeface="DengXian" panose="02010600030101010101" pitchFamily="2" charset="-122"/>
+                  <a:ea typeface="DengXian" panose="02010600030101010101" pitchFamily="2" charset="-122"/>
+                </a:rPr>
+                <a:t> </a:t>
+              </a:r>
+              <a:r>
+                <a:rPr kumimoji="1" lang="en-US" altLang="zh-CN" sz="1200" dirty="0">
+                  <a:latin typeface="DengXian" panose="02010600030101010101" pitchFamily="2" charset="-122"/>
+                  <a:ea typeface="DengXian" panose="02010600030101010101" pitchFamily="2" charset="-122"/>
+                </a:rPr>
+                <a:t>upstream</a:t>
+              </a:r>
+              <a:r>
+                <a:rPr kumimoji="1" lang="zh-CN" altLang="en-US" sz="1200" dirty="0">
+                  <a:latin typeface="DengXian" panose="02010600030101010101" pitchFamily="2" charset="-122"/>
+                  <a:ea typeface="DengXian" panose="02010600030101010101" pitchFamily="2" charset="-122"/>
+                </a:rPr>
+                <a:t> * </a:t>
+              </a:r>
+              <a:r>
+                <a:rPr kumimoji="1" lang="en-US" altLang="zh-CN" sz="1200" dirty="0">
+                  <a:latin typeface="DengXian" panose="02010600030101010101" pitchFamily="2" charset="-122"/>
+                  <a:ea typeface="DengXian" panose="02010600030101010101" pitchFamily="2" charset="-122"/>
+                </a:rPr>
+                <a:t>${ratio}</a:t>
+              </a:r>
             </a:p>
             <a:p>
               <a:r>
-                <a:rPr kumimoji="1" lang="en-US" altLang="zh-CN" sz="1400" dirty="0">
-                  <a:latin typeface="DengXian" panose="02010600030101010101" pitchFamily="2" charset="-122"/>
-                  <a:ea typeface="DengXian" panose="02010600030101010101" pitchFamily="2" charset="-122"/>
-                </a:rPr>
-                <a:t>edge2.amount</a:t>
-              </a:r>
-              <a:r>
-                <a:rPr kumimoji="1" lang="zh-CN" altLang="en-US" sz="1400" dirty="0">
-                  <a:latin typeface="DengXian" panose="02010600030101010101" pitchFamily="2" charset="-122"/>
-                  <a:ea typeface="DengXian" panose="02010600030101010101" pitchFamily="2" charset="-122"/>
-                </a:rPr>
-                <a:t> * </a:t>
-              </a:r>
-              <a:r>
-                <a:rPr kumimoji="1" lang="en-US" altLang="zh-CN" sz="1400" dirty="0">
-                  <a:latin typeface="DengXian" panose="02010600030101010101" pitchFamily="2" charset="-122"/>
-                  <a:ea typeface="DengXian" panose="02010600030101010101" pitchFamily="2" charset="-122"/>
-                </a:rPr>
-                <a:t>${threshold}</a:t>
+                <a:rPr kumimoji="1" lang="en-US" altLang="zh-CN" sz="1200" b="1" i="1" dirty="0">
+                  <a:latin typeface="DengXian" panose="02010600030101010101" pitchFamily="2" charset="-122"/>
+                  <a:ea typeface="DengXian" panose="02010600030101010101" pitchFamily="2" charset="-122"/>
+                </a:rPr>
+                <a:t>edge3</a:t>
+              </a:r>
+              <a:r>
+                <a:rPr kumimoji="1" lang="en-US" altLang="zh-CN" sz="1200" dirty="0">
+                  <a:latin typeface="DengXian" panose="02010600030101010101" pitchFamily="2" charset="-122"/>
+                  <a:ea typeface="DengXian" panose="02010600030101010101" pitchFamily="2" charset="-122"/>
+                </a:rPr>
+                <a:t>.timestamp</a:t>
+              </a:r>
+              <a:r>
+                <a:rPr kumimoji="1" lang="zh-CN" altLang="en-US" sz="1200" dirty="0">
+                  <a:latin typeface="DengXian" panose="02010600030101010101" pitchFamily="2" charset="-122"/>
+                  <a:ea typeface="DengXian" panose="02010600030101010101" pitchFamily="2" charset="-122"/>
+                </a:rPr>
+                <a:t> </a:t>
+              </a:r>
+              <a:r>
+                <a:rPr kumimoji="1" lang="en-US" altLang="zh-CN" sz="1200" dirty="0">
+                  <a:latin typeface="DengXian" panose="02010600030101010101" pitchFamily="2" charset="-122"/>
+                  <a:ea typeface="DengXian" panose="02010600030101010101" pitchFamily="2" charset="-122"/>
+                </a:rPr>
+                <a:t>&gt;</a:t>
+              </a:r>
+              <a:r>
+                <a:rPr kumimoji="1" lang="zh-CN" altLang="en-US" sz="1200" dirty="0">
+                  <a:latin typeface="DengXian" panose="02010600030101010101" pitchFamily="2" charset="-122"/>
+                  <a:ea typeface="DengXian" panose="02010600030101010101" pitchFamily="2" charset="-122"/>
+                </a:rPr>
+                <a:t> </a:t>
+              </a:r>
+              <a:r>
+                <a:rPr kumimoji="1" lang="en-US" altLang="zh-CN" sz="1200" dirty="0">
+                  <a:latin typeface="DengXian" panose="02010600030101010101" pitchFamily="2" charset="-122"/>
+                  <a:ea typeface="DengXian" panose="02010600030101010101" pitchFamily="2" charset="-122"/>
+                </a:rPr>
+                <a:t>${</a:t>
+              </a:r>
+              <a:r>
+                <a:rPr kumimoji="1" lang="en-US" altLang="zh-CN" sz="1200" dirty="0" err="1">
+                  <a:latin typeface="DengXian" panose="02010600030101010101" pitchFamily="2" charset="-122"/>
+                  <a:ea typeface="DengXian" panose="02010600030101010101" pitchFamily="2" charset="-122"/>
+                </a:rPr>
+                <a:t>start_time</a:t>
+              </a:r>
+              <a:r>
+                <a:rPr kumimoji="1" lang="en-US" altLang="zh-CN" sz="1200" dirty="0">
+                  <a:latin typeface="DengXian" panose="02010600030101010101" pitchFamily="2" charset="-122"/>
+                  <a:ea typeface="DengXian" panose="02010600030101010101" pitchFamily="2" charset="-122"/>
+                </a:rPr>
+                <a:t>}</a:t>
+              </a:r>
+            </a:p>
+            <a:p>
+              <a:r>
+                <a:rPr kumimoji="1" lang="en-US" altLang="zh-CN" sz="1200" b="1" i="1" dirty="0">
+                  <a:latin typeface="DengXian" panose="02010600030101010101" pitchFamily="2" charset="-122"/>
+                  <a:ea typeface="DengXian" panose="02010600030101010101" pitchFamily="2" charset="-122"/>
+                </a:rPr>
+                <a:t>edge3</a:t>
+              </a:r>
+              <a:r>
+                <a:rPr kumimoji="1" lang="en-US" altLang="zh-CN" sz="1200" dirty="0">
+                  <a:latin typeface="DengXian" panose="02010600030101010101" pitchFamily="2" charset="-122"/>
+                  <a:ea typeface="DengXian" panose="02010600030101010101" pitchFamily="2" charset="-122"/>
+                </a:rPr>
+                <a:t>.timestamp</a:t>
+              </a:r>
+              <a:r>
+                <a:rPr kumimoji="1" lang="zh-CN" altLang="en-US" sz="1200" dirty="0">
+                  <a:latin typeface="DengXian" panose="02010600030101010101" pitchFamily="2" charset="-122"/>
+                  <a:ea typeface="DengXian" panose="02010600030101010101" pitchFamily="2" charset="-122"/>
+                </a:rPr>
+                <a:t> </a:t>
+              </a:r>
+              <a:r>
+                <a:rPr kumimoji="1" lang="en-US" altLang="zh-CN" sz="1200" dirty="0">
+                  <a:latin typeface="DengXian" panose="02010600030101010101" pitchFamily="2" charset="-122"/>
+                  <a:ea typeface="DengXian" panose="02010600030101010101" pitchFamily="2" charset="-122"/>
+                </a:rPr>
+                <a:t>&lt;</a:t>
+              </a:r>
+              <a:r>
+                <a:rPr kumimoji="1" lang="zh-CN" altLang="en-US" sz="1200" dirty="0">
+                  <a:latin typeface="DengXian" panose="02010600030101010101" pitchFamily="2" charset="-122"/>
+                  <a:ea typeface="DengXian" panose="02010600030101010101" pitchFamily="2" charset="-122"/>
+                </a:rPr>
+                <a:t> </a:t>
+              </a:r>
+              <a:r>
+                <a:rPr kumimoji="1" lang="en-US" altLang="zh-CN" sz="1200" dirty="0">
+                  <a:latin typeface="DengXian" panose="02010600030101010101" pitchFamily="2" charset="-122"/>
+                  <a:ea typeface="DengXian" panose="02010600030101010101" pitchFamily="2" charset="-122"/>
+                </a:rPr>
+                <a:t>${</a:t>
+              </a:r>
+              <a:r>
+                <a:rPr kumimoji="1" lang="en-US" altLang="zh-CN" sz="1200" dirty="0" err="1">
+                  <a:latin typeface="DengXian" panose="02010600030101010101" pitchFamily="2" charset="-122"/>
+                  <a:ea typeface="DengXian" panose="02010600030101010101" pitchFamily="2" charset="-122"/>
+                </a:rPr>
+                <a:t>end_time</a:t>
+              </a:r>
+              <a:r>
+                <a:rPr kumimoji="1" lang="en-US" altLang="zh-CN" sz="1200" dirty="0">
+                  <a:latin typeface="DengXian" panose="02010600030101010101" pitchFamily="2" charset="-122"/>
+                  <a:ea typeface="DengXian" panose="02010600030101010101" pitchFamily="2" charset="-122"/>
+                </a:rPr>
+                <a:t>}</a:t>
               </a:r>
             </a:p>
           </p:txBody>
@@ -31854,7 +28887,7 @@
           </p:nvSpPr>
           <p:spPr>
             <a:xfrm>
-              <a:off x="9457094" y="2294328"/>
+              <a:off x="9894415" y="2294328"/>
               <a:ext cx="1782406" cy="505147"/>
             </a:xfrm>
             <a:prstGeom prst="rect">
@@ -31955,7 +28988,7 @@
           </p:nvSpPr>
           <p:spPr>
             <a:xfrm>
-              <a:off x="9457094" y="3098059"/>
+              <a:off x="9894415" y="3098059"/>
               <a:ext cx="1782406" cy="505147"/>
             </a:xfrm>
             <a:prstGeom prst="rect">
@@ -32056,7 +29089,7 @@
           </p:nvSpPr>
           <p:spPr>
             <a:xfrm>
-              <a:off x="9457094" y="3901790"/>
+              <a:off x="9894415" y="3901790"/>
               <a:ext cx="1782406" cy="505147"/>
             </a:xfrm>
             <a:prstGeom prst="rect">
@@ -32157,7 +29190,7 @@
           </p:nvSpPr>
           <p:spPr>
             <a:xfrm>
-              <a:off x="9457094" y="4705521"/>
+              <a:off x="9894415" y="4705521"/>
               <a:ext cx="1782406" cy="505147"/>
             </a:xfrm>
             <a:prstGeom prst="rect">
@@ -32262,8 +29295,8 @@
           </p:nvCxnSpPr>
           <p:spPr>
             <a:xfrm>
-              <a:off x="8627706" y="3350633"/>
-              <a:ext cx="829388" cy="0"/>
+              <a:off x="8558133" y="3350633"/>
+              <a:ext cx="1336282" cy="0"/>
             </a:xfrm>
             <a:prstGeom prst="straightConnector1">
               <a:avLst/>
@@ -32309,8 +29342,8 @@
           </p:nvCxnSpPr>
           <p:spPr>
             <a:xfrm flipV="1">
-              <a:off x="8627706" y="2546902"/>
-              <a:ext cx="829388" cy="803731"/>
+              <a:off x="8558133" y="2546902"/>
+              <a:ext cx="1336282" cy="803731"/>
             </a:xfrm>
             <a:prstGeom prst="straightConnector1">
               <a:avLst/>
@@ -32356,8 +29389,8 @@
           </p:nvCxnSpPr>
           <p:spPr>
             <a:xfrm>
-              <a:off x="8627706" y="3350633"/>
-              <a:ext cx="829388" cy="1607462"/>
+              <a:off x="8558133" y="3350633"/>
+              <a:ext cx="1336282" cy="1607462"/>
             </a:xfrm>
             <a:prstGeom prst="straightConnector1">
               <a:avLst/>
@@ -32403,8 +29436,8 @@
           </p:nvCxnSpPr>
           <p:spPr>
             <a:xfrm>
-              <a:off x="8627706" y="3350633"/>
-              <a:ext cx="829388" cy="803731"/>
+              <a:off x="8558133" y="3350633"/>
+              <a:ext cx="1336282" cy="803731"/>
             </a:xfrm>
             <a:prstGeom prst="straightConnector1">
               <a:avLst/>
@@ -32434,10 +29467,264 @@
         </p:cxnSp>
         <p:sp>
           <p:nvSpPr>
-            <p:cNvPr id="66" name="矩形 13">
+            <p:cNvPr id="68" name="文本框 12">
               <a:extLst>
                 <a:ext uri="{FF2B5EF4-FFF2-40B4-BE49-F238E27FC236}">
-                  <a16:creationId xmlns:a16="http://schemas.microsoft.com/office/drawing/2014/main" id="{C060D65B-8801-1045-BF2D-8642DB6BF9E6}"/>
+                  <a16:creationId xmlns:a16="http://schemas.microsoft.com/office/drawing/2014/main" id="{97124672-02E3-024E-BB4E-A7A7BB4088EC}"/>
+                </a:ext>
+              </a:extLst>
+            </p:cNvPr>
+            <p:cNvSpPr txBox="1"/>
+            <p:nvPr/>
+          </p:nvSpPr>
+          <p:spPr>
+            <a:xfrm>
+              <a:off x="7876209" y="1423285"/>
+              <a:ext cx="2700130" cy="830997"/>
+            </a:xfrm>
+            <a:prstGeom prst="rect">
+              <a:avLst/>
+            </a:prstGeom>
+            <a:noFill/>
+          </p:spPr>
+          <p:txBody>
+            <a:bodyPr wrap="square" rtlCol="0">
+              <a:spAutoFit/>
+            </a:bodyPr>
+            <a:lstStyle/>
+            <a:p>
+              <a:r>
+                <a:rPr kumimoji="1" lang="en-US" altLang="zh-CN" sz="1200" b="1" i="1" dirty="0">
+                  <a:latin typeface="DengXian" panose="02010600030101010101" pitchFamily="2" charset="-122"/>
+                  <a:ea typeface="DengXian" panose="02010600030101010101" pitchFamily="2" charset="-122"/>
+                </a:rPr>
+                <a:t>edge4</a:t>
+              </a:r>
+              <a:r>
+                <a:rPr kumimoji="1" lang="zh-CN" altLang="en-US" sz="1200" b="1" i="1" dirty="0">
+                  <a:latin typeface="DengXian" panose="02010600030101010101" pitchFamily="2" charset="-122"/>
+                  <a:ea typeface="DengXian" panose="02010600030101010101" pitchFamily="2" charset="-122"/>
+                </a:rPr>
+                <a:t> </a:t>
+              </a:r>
+              <a:r>
+                <a:rPr kumimoji="1" lang="en-US" altLang="zh-CN" sz="1200" dirty="0">
+                  <a:latin typeface="DengXian" panose="02010600030101010101" pitchFamily="2" charset="-122"/>
+                  <a:ea typeface="DengXian" panose="02010600030101010101" pitchFamily="2" charset="-122"/>
+                </a:rPr>
+                <a:t>:</a:t>
+              </a:r>
+              <a:r>
+                <a:rPr kumimoji="1" lang="zh-CN" altLang="en-US" sz="1200" dirty="0">
+                  <a:latin typeface="DengXian" panose="02010600030101010101" pitchFamily="2" charset="-122"/>
+                  <a:ea typeface="DengXian" panose="02010600030101010101" pitchFamily="2" charset="-122"/>
+                </a:rPr>
+                <a:t> </a:t>
+              </a:r>
+              <a:r>
+                <a:rPr kumimoji="1" lang="en-US" altLang="zh-CN" sz="1200" dirty="0">
+                  <a:latin typeface="DengXian" panose="02010600030101010101" pitchFamily="2" charset="-122"/>
+                  <a:ea typeface="DengXian" panose="02010600030101010101" pitchFamily="2" charset="-122"/>
+                </a:rPr>
+                <a:t>[transfer,</a:t>
+              </a:r>
+              <a:r>
+                <a:rPr kumimoji="1" lang="zh-CN" altLang="en-US" sz="1200" dirty="0">
+                  <a:latin typeface="DengXian" panose="02010600030101010101" pitchFamily="2" charset="-122"/>
+                  <a:ea typeface="DengXian" panose="02010600030101010101" pitchFamily="2" charset="-122"/>
+                </a:rPr>
+                <a:t> </a:t>
+              </a:r>
+              <a:r>
+                <a:rPr kumimoji="1" lang="en-US" altLang="zh-CN" sz="1200" dirty="0">
+                  <a:latin typeface="DengXian" panose="02010600030101010101" pitchFamily="2" charset="-122"/>
+                  <a:ea typeface="DengXian" panose="02010600030101010101" pitchFamily="2" charset="-122"/>
+                </a:rPr>
+                <a:t>withdraw]</a:t>
+              </a:r>
+            </a:p>
+            <a:p>
+              <a:r>
+                <a:rPr kumimoji="1" lang="en-US" altLang="zh-CN" sz="1200" b="1" i="1" dirty="0">
+                  <a:latin typeface="DengXian" panose="02010600030101010101" pitchFamily="2" charset="-122"/>
+                  <a:ea typeface="DengXian" panose="02010600030101010101" pitchFamily="2" charset="-122"/>
+                </a:rPr>
+                <a:t>edge4</a:t>
+              </a:r>
+              <a:r>
+                <a:rPr kumimoji="1" lang="en-US" altLang="zh-CN" sz="1200" dirty="0">
+                  <a:latin typeface="DengXian" panose="02010600030101010101" pitchFamily="2" charset="-122"/>
+                  <a:ea typeface="DengXian" panose="02010600030101010101" pitchFamily="2" charset="-122"/>
+                </a:rPr>
+                <a:t>.amount</a:t>
+              </a:r>
+              <a:r>
+                <a:rPr kumimoji="1" lang="zh-CN" altLang="en-US" sz="1200" dirty="0">
+                  <a:latin typeface="DengXian" panose="02010600030101010101" pitchFamily="2" charset="-122"/>
+                  <a:ea typeface="DengXian" panose="02010600030101010101" pitchFamily="2" charset="-122"/>
+                </a:rPr>
+                <a:t> </a:t>
+              </a:r>
+              <a:r>
+                <a:rPr kumimoji="1" lang="en-US" altLang="zh-CN" sz="1200" dirty="0">
+                  <a:latin typeface="DengXian" panose="02010600030101010101" pitchFamily="2" charset="-122"/>
+                  <a:ea typeface="DengXian" panose="02010600030101010101" pitchFamily="2" charset="-122"/>
+                </a:rPr>
+                <a:t>&gt;</a:t>
+              </a:r>
+              <a:r>
+                <a:rPr kumimoji="1" lang="zh-CN" altLang="en-US" sz="1200" dirty="0">
+                  <a:latin typeface="DengXian" panose="02010600030101010101" pitchFamily="2" charset="-122"/>
+                  <a:ea typeface="DengXian" panose="02010600030101010101" pitchFamily="2" charset="-122"/>
+                </a:rPr>
+                <a:t> </a:t>
+              </a:r>
+              <a:r>
+                <a:rPr kumimoji="1" lang="en-US" altLang="zh-CN" sz="1200" dirty="0">
+                  <a:latin typeface="DengXian" panose="02010600030101010101" pitchFamily="2" charset="-122"/>
+                  <a:ea typeface="DengXian" panose="02010600030101010101" pitchFamily="2" charset="-122"/>
+                </a:rPr>
+                <a:t>upstream</a:t>
+              </a:r>
+              <a:r>
+                <a:rPr kumimoji="1" lang="zh-CN" altLang="en-US" sz="1200" dirty="0">
+                  <a:latin typeface="DengXian" panose="02010600030101010101" pitchFamily="2" charset="-122"/>
+                  <a:ea typeface="DengXian" panose="02010600030101010101" pitchFamily="2" charset="-122"/>
+                </a:rPr>
+                <a:t> * </a:t>
+              </a:r>
+              <a:r>
+                <a:rPr kumimoji="1" lang="en-US" altLang="zh-CN" sz="1200" dirty="0">
+                  <a:latin typeface="DengXian" panose="02010600030101010101" pitchFamily="2" charset="-122"/>
+                  <a:ea typeface="DengXian" panose="02010600030101010101" pitchFamily="2" charset="-122"/>
+                </a:rPr>
+                <a:t>${ratio}</a:t>
+              </a:r>
+            </a:p>
+            <a:p>
+              <a:r>
+                <a:rPr kumimoji="1" lang="en-US" altLang="zh-CN" sz="1200" b="1" i="1" dirty="0">
+                  <a:latin typeface="DengXian" panose="02010600030101010101" pitchFamily="2" charset="-122"/>
+                  <a:ea typeface="DengXian" panose="02010600030101010101" pitchFamily="2" charset="-122"/>
+                </a:rPr>
+                <a:t>edge4</a:t>
+              </a:r>
+              <a:r>
+                <a:rPr kumimoji="1" lang="en-US" altLang="zh-CN" sz="1200" dirty="0">
+                  <a:latin typeface="DengXian" panose="02010600030101010101" pitchFamily="2" charset="-122"/>
+                  <a:ea typeface="DengXian" panose="02010600030101010101" pitchFamily="2" charset="-122"/>
+                </a:rPr>
+                <a:t>.timestamp</a:t>
+              </a:r>
+              <a:r>
+                <a:rPr kumimoji="1" lang="zh-CN" altLang="en-US" sz="1200" dirty="0">
+                  <a:latin typeface="DengXian" panose="02010600030101010101" pitchFamily="2" charset="-122"/>
+                  <a:ea typeface="DengXian" panose="02010600030101010101" pitchFamily="2" charset="-122"/>
+                </a:rPr>
+                <a:t> </a:t>
+              </a:r>
+              <a:r>
+                <a:rPr kumimoji="1" lang="en-US" altLang="zh-CN" sz="1200" dirty="0">
+                  <a:latin typeface="DengXian" panose="02010600030101010101" pitchFamily="2" charset="-122"/>
+                  <a:ea typeface="DengXian" panose="02010600030101010101" pitchFamily="2" charset="-122"/>
+                </a:rPr>
+                <a:t>&gt;</a:t>
+              </a:r>
+              <a:r>
+                <a:rPr kumimoji="1" lang="zh-CN" altLang="en-US" sz="1200" dirty="0">
+                  <a:latin typeface="DengXian" panose="02010600030101010101" pitchFamily="2" charset="-122"/>
+                  <a:ea typeface="DengXian" panose="02010600030101010101" pitchFamily="2" charset="-122"/>
+                </a:rPr>
+                <a:t> </a:t>
+              </a:r>
+              <a:r>
+                <a:rPr kumimoji="1" lang="en-US" altLang="zh-CN" sz="1200" dirty="0">
+                  <a:latin typeface="DengXian" panose="02010600030101010101" pitchFamily="2" charset="-122"/>
+                  <a:ea typeface="DengXian" panose="02010600030101010101" pitchFamily="2" charset="-122"/>
+                </a:rPr>
+                <a:t>${</a:t>
+              </a:r>
+              <a:r>
+                <a:rPr kumimoji="1" lang="en-US" altLang="zh-CN" sz="1200" dirty="0" err="1">
+                  <a:latin typeface="DengXian" panose="02010600030101010101" pitchFamily="2" charset="-122"/>
+                  <a:ea typeface="DengXian" panose="02010600030101010101" pitchFamily="2" charset="-122"/>
+                </a:rPr>
+                <a:t>start_time</a:t>
+              </a:r>
+              <a:r>
+                <a:rPr kumimoji="1" lang="en-US" altLang="zh-CN" sz="1200" dirty="0">
+                  <a:latin typeface="DengXian" panose="02010600030101010101" pitchFamily="2" charset="-122"/>
+                  <a:ea typeface="DengXian" panose="02010600030101010101" pitchFamily="2" charset="-122"/>
+                </a:rPr>
+                <a:t>}</a:t>
+              </a:r>
+            </a:p>
+            <a:p>
+              <a:r>
+                <a:rPr kumimoji="1" lang="en-US" altLang="zh-CN" sz="1200" b="1" i="1" dirty="0">
+                  <a:latin typeface="DengXian" panose="02010600030101010101" pitchFamily="2" charset="-122"/>
+                  <a:ea typeface="DengXian" panose="02010600030101010101" pitchFamily="2" charset="-122"/>
+                </a:rPr>
+                <a:t>edge4</a:t>
+              </a:r>
+              <a:r>
+                <a:rPr kumimoji="1" lang="en-US" altLang="zh-CN" sz="1200" dirty="0">
+                  <a:latin typeface="DengXian" panose="02010600030101010101" pitchFamily="2" charset="-122"/>
+                  <a:ea typeface="DengXian" panose="02010600030101010101" pitchFamily="2" charset="-122"/>
+                </a:rPr>
+                <a:t>.timestamp</a:t>
+              </a:r>
+              <a:r>
+                <a:rPr kumimoji="1" lang="zh-CN" altLang="en-US" sz="1200" dirty="0">
+                  <a:latin typeface="DengXian" panose="02010600030101010101" pitchFamily="2" charset="-122"/>
+                  <a:ea typeface="DengXian" panose="02010600030101010101" pitchFamily="2" charset="-122"/>
+                </a:rPr>
+                <a:t> </a:t>
+              </a:r>
+              <a:r>
+                <a:rPr kumimoji="1" lang="en-US" altLang="zh-CN" sz="1200" dirty="0">
+                  <a:latin typeface="DengXian" panose="02010600030101010101" pitchFamily="2" charset="-122"/>
+                  <a:ea typeface="DengXian" panose="02010600030101010101" pitchFamily="2" charset="-122"/>
+                </a:rPr>
+                <a:t>&lt;</a:t>
+              </a:r>
+              <a:r>
+                <a:rPr kumimoji="1" lang="zh-CN" altLang="en-US" sz="1200" dirty="0">
+                  <a:latin typeface="DengXian" panose="02010600030101010101" pitchFamily="2" charset="-122"/>
+                  <a:ea typeface="DengXian" panose="02010600030101010101" pitchFamily="2" charset="-122"/>
+                </a:rPr>
+                <a:t> </a:t>
+              </a:r>
+              <a:r>
+                <a:rPr kumimoji="1" lang="en-US" altLang="zh-CN" sz="1200" dirty="0">
+                  <a:latin typeface="DengXian" panose="02010600030101010101" pitchFamily="2" charset="-122"/>
+                  <a:ea typeface="DengXian" panose="02010600030101010101" pitchFamily="2" charset="-122"/>
+                </a:rPr>
+                <a:t>${</a:t>
+              </a:r>
+              <a:r>
+                <a:rPr kumimoji="1" lang="en-US" altLang="zh-CN" sz="1200" dirty="0" err="1">
+                  <a:latin typeface="DengXian" panose="02010600030101010101" pitchFamily="2" charset="-122"/>
+                  <a:ea typeface="DengXian" panose="02010600030101010101" pitchFamily="2" charset="-122"/>
+                </a:rPr>
+                <a:t>end_time</a:t>
+              </a:r>
+              <a:r>
+                <a:rPr kumimoji="1" lang="en-US" altLang="zh-CN" sz="1200" dirty="0">
+                  <a:latin typeface="DengXian" panose="02010600030101010101" pitchFamily="2" charset="-122"/>
+                  <a:ea typeface="DengXian" panose="02010600030101010101" pitchFamily="2" charset="-122"/>
+                </a:rPr>
+                <a:t>}</a:t>
+              </a:r>
+            </a:p>
+          </p:txBody>
+        </p:sp>
+        <p:sp>
+          <p:nvSpPr>
+            <p:cNvPr id="2" name="矩形 13">
+              <a:extLst>
+                <a:ext uri="{FF2B5EF4-FFF2-40B4-BE49-F238E27FC236}">
+                  <a16:creationId xmlns:a16="http://schemas.microsoft.com/office/drawing/2014/main" id="{8B290237-2D41-2911-9DFB-EA2671DFF317}"/>
                 </a:ext>
               </a:extLst>
             </p:cNvPr>
@@ -32446,8 +29733,8 @@
           </p:nvSpPr>
           <p:spPr>
             <a:xfrm>
-              <a:off x="6845300" y="5398933"/>
-              <a:ext cx="1782406" cy="516578"/>
+              <a:off x="3449830" y="5440679"/>
+              <a:ext cx="1824720" cy="990939"/>
             </a:xfrm>
             <a:prstGeom prst="rect">
               <a:avLst/>
@@ -32485,7 +29772,7 @@
             <a:bodyPr rtlCol="0" anchor="ctr"/>
             <a:lstStyle/>
             <a:p>
-              <a:pPr algn="ctr"/>
+              <a:pPr algn="just"/>
               <a:r>
                 <a:rPr kumimoji="1" lang="en-US" altLang="zh-CN" sz="1200" b="1" dirty="0">
                   <a:solidFill>
@@ -32496,6 +29783,19 @@
                 </a:rPr>
                 <a:t>RESULT</a:t>
               </a:r>
+            </a:p>
+            <a:p>
+              <a:pPr algn="just"/>
+              <a:r>
+                <a:rPr kumimoji="1" lang="en-US" altLang="zh-CN" sz="1200" b="1" dirty="0">
+                  <a:solidFill>
+                    <a:sysClr val="windowText" lastClr="000000"/>
+                  </a:solidFill>
+                  <a:latin typeface="DengXian" panose="02010600030101010101" pitchFamily="2" charset="-122"/>
+                  <a:ea typeface="DengXian" panose="02010600030101010101" pitchFamily="2" charset="-122"/>
+                </a:rPr>
+                <a:t>ratio1</a:t>
+              </a:r>
               <a:r>
                 <a:rPr kumimoji="1" lang="zh-CN" altLang="en-US" sz="1200" b="1" dirty="0">
                   <a:solidFill>
@@ -32514,7 +29814,100 @@
                   <a:latin typeface="DengXian" panose="02010600030101010101" pitchFamily="2" charset="-122"/>
                   <a:ea typeface="DengXian" panose="02010600030101010101" pitchFamily="2" charset="-122"/>
                 </a:rPr>
-                <a:t>o2Accounts</a:t>
+                <a:t>=</a:t>
+              </a:r>
+              <a:r>
+                <a:rPr kumimoji="1" lang="zh-CN" altLang="en-US" sz="1200" b="1" dirty="0">
+                  <a:solidFill>
+                    <a:sysClr val="windowText" lastClr="000000"/>
+                  </a:solidFill>
+                  <a:latin typeface="DengXian" panose="02010600030101010101" pitchFamily="2" charset="-122"/>
+                  <a:ea typeface="DengXian" panose="02010600030101010101" pitchFamily="2" charset="-122"/>
+                </a:rPr>
+                <a:t> </a:t>
+              </a:r>
+              <a:r>
+                <a:rPr kumimoji="1" lang="en-US" altLang="zh-CN" sz="1200" b="1" dirty="0">
+                  <a:solidFill>
+                    <a:sysClr val="windowText" lastClr="000000"/>
+                  </a:solidFill>
+                  <a:latin typeface="DengXian" panose="02010600030101010101" pitchFamily="2" charset="-122"/>
+                  <a:ea typeface="DengXian" panose="02010600030101010101" pitchFamily="2" charset="-122"/>
+                </a:rPr>
+                <a:t>edge2.amount</a:t>
+              </a:r>
+              <a:r>
+                <a:rPr kumimoji="1" lang="zh-CN" altLang="en-US" sz="1200" b="1" dirty="0">
+                  <a:solidFill>
+                    <a:sysClr val="windowText" lastClr="000000"/>
+                  </a:solidFill>
+                  <a:latin typeface="DengXian" panose="02010600030101010101" pitchFamily="2" charset="-122"/>
+                  <a:ea typeface="DengXian" panose="02010600030101010101" pitchFamily="2" charset="-122"/>
+                </a:rPr>
+                <a:t> </a:t>
+              </a:r>
+              <a:r>
+                <a:rPr kumimoji="1" lang="en-US" altLang="zh-CN" sz="1200" b="1" dirty="0">
+                  <a:solidFill>
+                    <a:sysClr val="windowText" lastClr="000000"/>
+                  </a:solidFill>
+                  <a:latin typeface="DengXian" panose="02010600030101010101" pitchFamily="2" charset="-122"/>
+                  <a:ea typeface="DengXian" panose="02010600030101010101" pitchFamily="2" charset="-122"/>
+                </a:rPr>
+                <a:t>/</a:t>
+              </a:r>
+              <a:r>
+                <a:rPr kumimoji="1" lang="zh-CN" altLang="en-US" sz="1200" b="1" dirty="0">
+                  <a:solidFill>
+                    <a:sysClr val="windowText" lastClr="000000"/>
+                  </a:solidFill>
+                  <a:latin typeface="DengXian" panose="02010600030101010101" pitchFamily="2" charset="-122"/>
+                  <a:ea typeface="DengXian" panose="02010600030101010101" pitchFamily="2" charset="-122"/>
+                </a:rPr>
+                <a:t> </a:t>
+              </a:r>
+              <a:r>
+                <a:rPr kumimoji="1" lang="en-US" altLang="zh-CN" sz="1200" b="1" dirty="0">
+                  <a:solidFill>
+                    <a:sysClr val="windowText" lastClr="000000"/>
+                  </a:solidFill>
+                  <a:latin typeface="DengXian" panose="02010600030101010101" pitchFamily="2" charset="-122"/>
+                  <a:ea typeface="DengXian" panose="02010600030101010101" pitchFamily="2" charset="-122"/>
+                </a:rPr>
+                <a:t>SUM(edge1.amount)</a:t>
+              </a:r>
+            </a:p>
+            <a:p>
+              <a:pPr algn="just"/>
+              <a:r>
+                <a:rPr kumimoji="1" lang="en-US" altLang="zh-CN" sz="1200" b="1" dirty="0" err="1">
+                  <a:solidFill>
+                    <a:sysClr val="windowText" lastClr="000000"/>
+                  </a:solidFill>
+                  <a:latin typeface="DengXian" panose="02010600030101010101" pitchFamily="2" charset="-122"/>
+                  <a:ea typeface="DengXian" panose="02010600030101010101" pitchFamily="2" charset="-122"/>
+                </a:rPr>
+                <a:t>GroupBy</a:t>
+              </a:r>
+              <a:r>
+                <a:rPr kumimoji="1" lang="zh-CN" altLang="en-US" sz="1200" b="1" dirty="0">
+                  <a:solidFill>
+                    <a:sysClr val="windowText" lastClr="000000"/>
+                  </a:solidFill>
+                  <a:latin typeface="DengXian" panose="02010600030101010101" pitchFamily="2" charset="-122"/>
+                  <a:ea typeface="DengXian" panose="02010600030101010101" pitchFamily="2" charset="-122"/>
+                </a:rPr>
+                <a:t> </a:t>
+              </a:r>
+              <a:r>
+                <a:rPr kumimoji="1" lang="en-US" altLang="zh-CN" sz="1200" b="1" dirty="0">
+                  <a:solidFill>
+                    <a:sysClr val="windowText" lastClr="000000"/>
+                  </a:solidFill>
+                  <a:latin typeface="DengXian" panose="02010600030101010101" pitchFamily="2" charset="-122"/>
+                  <a:ea typeface="DengXian" panose="02010600030101010101" pitchFamily="2" charset="-122"/>
+                </a:rPr>
+                <a:t>o1Account.id</a:t>
               </a:r>
               <a:endParaRPr kumimoji="1" lang="en-US" altLang="zh-CN" sz="1200" dirty="0">
                 <a:solidFill>
@@ -32528,10 +29921,10 @@
         </p:sp>
         <p:sp>
           <p:nvSpPr>
-            <p:cNvPr id="67" name="矩形 13">
+            <p:cNvPr id="16" name="矩形 13">
               <a:extLst>
                 <a:ext uri="{FF2B5EF4-FFF2-40B4-BE49-F238E27FC236}">
-                  <a16:creationId xmlns:a16="http://schemas.microsoft.com/office/drawing/2014/main" id="{38F68B48-C230-3341-AC3F-3219BAEAB982}"/>
+                  <a16:creationId xmlns:a16="http://schemas.microsoft.com/office/drawing/2014/main" id="{C6FBDD63-20BB-81CC-CB43-D4B8765FF6F9}"/>
                 </a:ext>
               </a:extLst>
             </p:cNvPr>
@@ -32540,8 +29933,8 @@
           </p:nvSpPr>
           <p:spPr>
             <a:xfrm>
-              <a:off x="9457094" y="5398933"/>
-              <a:ext cx="1782406" cy="516578"/>
+              <a:off x="6754570" y="5440679"/>
+              <a:ext cx="1824720" cy="990939"/>
             </a:xfrm>
             <a:prstGeom prst="rect">
               <a:avLst/>
@@ -32579,7 +29972,7 @@
             <a:bodyPr rtlCol="0" anchor="ctr"/>
             <a:lstStyle/>
             <a:p>
-              <a:pPr algn="ctr"/>
+              <a:pPr algn="just"/>
               <a:r>
                 <a:rPr kumimoji="1" lang="en-US" altLang="zh-CN" sz="1200" b="1" dirty="0">
                   <a:solidFill>
@@ -32590,6 +29983,19 @@
                 </a:rPr>
                 <a:t>RESULT</a:t>
               </a:r>
+            </a:p>
+            <a:p>
+              <a:pPr algn="just"/>
+              <a:r>
+                <a:rPr kumimoji="1" lang="en-US" altLang="zh-CN" sz="1200" b="1" dirty="0">
+                  <a:solidFill>
+                    <a:sysClr val="windowText" lastClr="000000"/>
+                  </a:solidFill>
+                  <a:latin typeface="DengXian" panose="02010600030101010101" pitchFamily="2" charset="-122"/>
+                  <a:ea typeface="DengXian" panose="02010600030101010101" pitchFamily="2" charset="-122"/>
+                </a:rPr>
+                <a:t>ratio2</a:t>
+              </a:r>
               <a:r>
                 <a:rPr kumimoji="1" lang="zh-CN" altLang="en-US" sz="1200" b="1" dirty="0">
                   <a:solidFill>
@@ -32608,7 +30014,120 @@
                   <a:latin typeface="DengXian" panose="02010600030101010101" pitchFamily="2" charset="-122"/>
                   <a:ea typeface="DengXian" panose="02010600030101010101" pitchFamily="2" charset="-122"/>
                 </a:rPr>
-                <a:t>o2Accounts</a:t>
+                <a:t>=</a:t>
+              </a:r>
+              <a:r>
+                <a:rPr kumimoji="1" lang="zh-CN" altLang="en-US" sz="1200" b="1" dirty="0">
+                  <a:solidFill>
+                    <a:sysClr val="windowText" lastClr="000000"/>
+                  </a:solidFill>
+                  <a:latin typeface="DengXian" panose="02010600030101010101" pitchFamily="2" charset="-122"/>
+                  <a:ea typeface="DengXian" panose="02010600030101010101" pitchFamily="2" charset="-122"/>
+                </a:rPr>
+                <a:t> </a:t>
+              </a:r>
+              <a:r>
+                <a:rPr kumimoji="1" lang="en-US" altLang="zh-CN" sz="1200" b="1" dirty="0">
+                  <a:solidFill>
+                    <a:sysClr val="windowText" lastClr="000000"/>
+                  </a:solidFill>
+                  <a:latin typeface="DengXian" panose="02010600030101010101" pitchFamily="2" charset="-122"/>
+                  <a:ea typeface="DengXian" panose="02010600030101010101" pitchFamily="2" charset="-122"/>
+                </a:rPr>
+                <a:t>edge3.amount</a:t>
+              </a:r>
+              <a:r>
+                <a:rPr kumimoji="1" lang="zh-CN" altLang="en-US" sz="1200" b="1" dirty="0">
+                  <a:solidFill>
+                    <a:sysClr val="windowText" lastClr="000000"/>
+                  </a:solidFill>
+                  <a:latin typeface="DengXian" panose="02010600030101010101" pitchFamily="2" charset="-122"/>
+                  <a:ea typeface="DengXian" panose="02010600030101010101" pitchFamily="2" charset="-122"/>
+                </a:rPr>
+                <a:t> </a:t>
+              </a:r>
+              <a:r>
+                <a:rPr kumimoji="1" lang="en-US" altLang="zh-CN" sz="1200" b="1" dirty="0">
+                  <a:solidFill>
+                    <a:sysClr val="windowText" lastClr="000000"/>
+                  </a:solidFill>
+                  <a:latin typeface="DengXian" panose="02010600030101010101" pitchFamily="2" charset="-122"/>
+                  <a:ea typeface="DengXian" panose="02010600030101010101" pitchFamily="2" charset="-122"/>
+                </a:rPr>
+                <a:t>/</a:t>
+              </a:r>
+              <a:r>
+                <a:rPr kumimoji="1" lang="zh-CN" altLang="en-US" sz="1200" b="1" dirty="0">
+                  <a:solidFill>
+                    <a:sysClr val="windowText" lastClr="000000"/>
+                  </a:solidFill>
+                  <a:latin typeface="DengXian" panose="02010600030101010101" pitchFamily="2" charset="-122"/>
+                  <a:ea typeface="DengXian" panose="02010600030101010101" pitchFamily="2" charset="-122"/>
+                </a:rPr>
+                <a:t> </a:t>
+              </a:r>
+              <a:r>
+                <a:rPr kumimoji="1" lang="en-US" altLang="zh-CN" sz="1200" b="1" dirty="0">
+                  <a:solidFill>
+                    <a:sysClr val="windowText" lastClr="000000"/>
+                  </a:solidFill>
+                  <a:latin typeface="DengXian" panose="02010600030101010101" pitchFamily="2" charset="-122"/>
+                  <a:ea typeface="DengXian" panose="02010600030101010101" pitchFamily="2" charset="-122"/>
+                </a:rPr>
+                <a:t>(UPSTREAM</a:t>
+              </a:r>
+              <a:r>
+                <a:rPr kumimoji="1" lang="zh-CN" altLang="en-US" sz="1200" b="1" dirty="0">
+                  <a:solidFill>
+                    <a:sysClr val="windowText" lastClr="000000"/>
+                  </a:solidFill>
+                  <a:latin typeface="DengXian" panose="02010600030101010101" pitchFamily="2" charset="-122"/>
+                  <a:ea typeface="DengXian" panose="02010600030101010101" pitchFamily="2" charset="-122"/>
+                </a:rPr>
+                <a:t> </a:t>
+              </a:r>
+              <a:r>
+                <a:rPr kumimoji="1" lang="en-US" altLang="zh-CN" sz="1200" b="1" dirty="0">
+                  <a:solidFill>
+                    <a:sysClr val="windowText" lastClr="000000"/>
+                  </a:solidFill>
+                  <a:latin typeface="DengXian" panose="02010600030101010101" pitchFamily="2" charset="-122"/>
+                  <a:ea typeface="DengXian" panose="02010600030101010101" pitchFamily="2" charset="-122"/>
+                </a:rPr>
+                <a:t>edge2)</a:t>
+              </a:r>
+            </a:p>
+            <a:p>
+              <a:pPr algn="just"/>
+              <a:r>
+                <a:rPr kumimoji="1" lang="en-US" altLang="zh-CN" sz="1200" b="1" dirty="0" err="1">
+                  <a:solidFill>
+                    <a:sysClr val="windowText" lastClr="000000"/>
+                  </a:solidFill>
+                  <a:latin typeface="DengXian" panose="02010600030101010101" pitchFamily="2" charset="-122"/>
+                  <a:ea typeface="DengXian" panose="02010600030101010101" pitchFamily="2" charset="-122"/>
+                </a:rPr>
+                <a:t>GroupBy</a:t>
+              </a:r>
+              <a:r>
+                <a:rPr kumimoji="1" lang="zh-CN" altLang="en-US" sz="1200" b="1" dirty="0">
+                  <a:solidFill>
+                    <a:sysClr val="windowText" lastClr="000000"/>
+                  </a:solidFill>
+                  <a:latin typeface="DengXian" panose="02010600030101010101" pitchFamily="2" charset="-122"/>
+                  <a:ea typeface="DengXian" panose="02010600030101010101" pitchFamily="2" charset="-122"/>
+                </a:rPr>
+                <a:t> </a:t>
+              </a:r>
+              <a:r>
+                <a:rPr kumimoji="1" lang="en-US" altLang="zh-CN" sz="1200" b="1" dirty="0">
+                  <a:solidFill>
+                    <a:sysClr val="windowText" lastClr="000000"/>
+                  </a:solidFill>
+                  <a:latin typeface="DengXian" panose="02010600030101010101" pitchFamily="2" charset="-122"/>
+                  <a:ea typeface="DengXian" panose="02010600030101010101" pitchFamily="2" charset="-122"/>
+                </a:rPr>
+                <a:t>o2Account.id</a:t>
               </a:r>
               <a:endParaRPr kumimoji="1" lang="en-US" altLang="zh-CN" sz="1200" dirty="0">
                 <a:solidFill>
@@ -32622,10 +30141,10 @@
         </p:sp>
         <p:sp>
           <p:nvSpPr>
-            <p:cNvPr id="68" name="文本框 12">
+            <p:cNvPr id="17" name="文本框 12">
               <a:extLst>
                 <a:ext uri="{FF2B5EF4-FFF2-40B4-BE49-F238E27FC236}">
-                  <a16:creationId xmlns:a16="http://schemas.microsoft.com/office/drawing/2014/main" id="{97124672-02E3-024E-BB4E-A7A7BB4088EC}"/>
+                  <a16:creationId xmlns:a16="http://schemas.microsoft.com/office/drawing/2014/main" id="{C9729CD9-928F-B03E-6230-972E51A784AE}"/>
                 </a:ext>
               </a:extLst>
             </p:cNvPr>
@@ -32634,8 +30153,8 @@
           </p:nvSpPr>
           <p:spPr>
             <a:xfrm>
-              <a:off x="8153400" y="1429377"/>
-              <a:ext cx="2439151" cy="738664"/>
+              <a:off x="5308421" y="4382023"/>
+              <a:ext cx="1096778" cy="276999"/>
             </a:xfrm>
             <a:prstGeom prst="rect">
               <a:avLst/>
@@ -32648,112 +30167,281 @@
             </a:bodyPr>
             <a:lstStyle/>
             <a:p>
-              <a:r>
-                <a:rPr kumimoji="1" lang="en-US" altLang="zh-CN" sz="1400" b="1" i="1" dirty="0">
-                  <a:latin typeface="DengXian" panose="02010600030101010101" pitchFamily="2" charset="-122"/>
-                  <a:ea typeface="DengXian" panose="02010600030101010101" pitchFamily="2" charset="-122"/>
-                </a:rPr>
-                <a:t>edge4</a:t>
-              </a:r>
-              <a:r>
-                <a:rPr kumimoji="1" lang="en-US" altLang="zh-CN" sz="1400" dirty="0">
-                  <a:latin typeface="DengXian" panose="02010600030101010101" pitchFamily="2" charset="-122"/>
-                  <a:ea typeface="DengXian" panose="02010600030101010101" pitchFamily="2" charset="-122"/>
-                </a:rPr>
-                <a:t>:</a:t>
-              </a:r>
-              <a:r>
-                <a:rPr kumimoji="1" lang="zh-CN" altLang="en-US" sz="1400" dirty="0">
-                  <a:latin typeface="DengXian" panose="02010600030101010101" pitchFamily="2" charset="-122"/>
-                  <a:ea typeface="DengXian" panose="02010600030101010101" pitchFamily="2" charset="-122"/>
-                </a:rPr>
-                <a:t> </a:t>
-              </a:r>
-              <a:r>
-                <a:rPr kumimoji="1" lang="en-US" altLang="zh-CN" sz="1400" dirty="0">
-                  <a:latin typeface="DengXian" panose="02010600030101010101" pitchFamily="2" charset="-122"/>
-                  <a:ea typeface="DengXian" panose="02010600030101010101" pitchFamily="2" charset="-122"/>
-                </a:rPr>
-                <a:t>[transfer,</a:t>
-              </a:r>
-              <a:r>
-                <a:rPr kumimoji="1" lang="zh-CN" altLang="en-US" sz="1400" dirty="0">
-                  <a:latin typeface="DengXian" panose="02010600030101010101" pitchFamily="2" charset="-122"/>
-                  <a:ea typeface="DengXian" panose="02010600030101010101" pitchFamily="2" charset="-122"/>
-                </a:rPr>
-                <a:t> </a:t>
-              </a:r>
-              <a:r>
-                <a:rPr kumimoji="1" lang="en-US" altLang="zh-CN" sz="1400" dirty="0">
-                  <a:latin typeface="DengXian" panose="02010600030101010101" pitchFamily="2" charset="-122"/>
-                  <a:ea typeface="DengXian" panose="02010600030101010101" pitchFamily="2" charset="-122"/>
-                </a:rPr>
-                <a:t>withdraw]</a:t>
-              </a:r>
-            </a:p>
-            <a:p>
-              <a:r>
-                <a:rPr kumimoji="1" lang="en-US" altLang="zh-CN" sz="1400" b="1" i="1" dirty="0">
-                  <a:latin typeface="DengXian" panose="02010600030101010101" pitchFamily="2" charset="-122"/>
-                  <a:ea typeface="DengXian" panose="02010600030101010101" pitchFamily="2" charset="-122"/>
-                </a:rPr>
-                <a:t>edge4</a:t>
-              </a:r>
-              <a:r>
-                <a:rPr kumimoji="1" lang="en-US" altLang="zh-CN" sz="1400" dirty="0">
-                  <a:latin typeface="DengXian" panose="02010600030101010101" pitchFamily="2" charset="-122"/>
-                  <a:ea typeface="DengXian" panose="02010600030101010101" pitchFamily="2" charset="-122"/>
-                </a:rPr>
-                <a:t>.amount</a:t>
-              </a:r>
-              <a:r>
-                <a:rPr kumimoji="1" lang="zh-CN" altLang="en-US" sz="1400" dirty="0">
-                  <a:latin typeface="DengXian" panose="02010600030101010101" pitchFamily="2" charset="-122"/>
-                  <a:ea typeface="DengXian" panose="02010600030101010101" pitchFamily="2" charset="-122"/>
-                </a:rPr>
-                <a:t> </a:t>
-              </a:r>
-              <a:r>
-                <a:rPr kumimoji="1" lang="en-US" altLang="zh-CN" sz="1400" dirty="0">
-                  <a:latin typeface="DengXian" panose="02010600030101010101" pitchFamily="2" charset="-122"/>
-                  <a:ea typeface="DengXian" panose="02010600030101010101" pitchFamily="2" charset="-122"/>
-                </a:rPr>
-                <a:t>&gt;</a:t>
-              </a:r>
-              <a:r>
-                <a:rPr kumimoji="1" lang="zh-CN" altLang="en-US" sz="1400" dirty="0">
-                  <a:latin typeface="DengXian" panose="02010600030101010101" pitchFamily="2" charset="-122"/>
-                  <a:ea typeface="DengXian" panose="02010600030101010101" pitchFamily="2" charset="-122"/>
-                </a:rPr>
-                <a:t> </a:t>
-              </a:r>
-              <a:endParaRPr kumimoji="1" lang="en-US" altLang="zh-CN" sz="1400" dirty="0">
+              <a:pPr algn="ctr"/>
+              <a:r>
+                <a:rPr kumimoji="1" lang="en-US" altLang="zh-CN" sz="1200" b="1" i="1" dirty="0">
+                  <a:latin typeface="DengXian" panose="02010600030101010101" pitchFamily="2" charset="-122"/>
+                  <a:ea typeface="DengXian" panose="02010600030101010101" pitchFamily="2" charset="-122"/>
+                </a:rPr>
+                <a:t>edge3</a:t>
+              </a:r>
+              <a:endParaRPr kumimoji="1" lang="en-US" altLang="zh-CN" sz="1200" dirty="0">
                 <a:latin typeface="DengXian" panose="02010600030101010101" pitchFamily="2" charset="-122"/>
                 <a:ea typeface="DengXian" panose="02010600030101010101" pitchFamily="2" charset="-122"/>
               </a:endParaRPr>
             </a:p>
+          </p:txBody>
+        </p:sp>
+        <p:sp>
+          <p:nvSpPr>
+            <p:cNvPr id="18" name="文本框 12">
+              <a:extLst>
+                <a:ext uri="{FF2B5EF4-FFF2-40B4-BE49-F238E27FC236}">
+                  <a16:creationId xmlns:a16="http://schemas.microsoft.com/office/drawing/2014/main" id="{C0BF3D17-C337-4FC5-8AB2-0490314A6329}"/>
+                </a:ext>
+              </a:extLst>
+            </p:cNvPr>
+            <p:cNvSpPr txBox="1"/>
+            <p:nvPr/>
+          </p:nvSpPr>
+          <p:spPr>
+            <a:xfrm>
+              <a:off x="8558133" y="4382023"/>
+              <a:ext cx="1096778" cy="276999"/>
+            </a:xfrm>
+            <a:prstGeom prst="rect">
+              <a:avLst/>
+            </a:prstGeom>
+            <a:noFill/>
+          </p:spPr>
+          <p:txBody>
+            <a:bodyPr wrap="square" rtlCol="0">
+              <a:spAutoFit/>
+            </a:bodyPr>
+            <a:lstStyle/>
             <a:p>
-              <a:r>
-                <a:rPr kumimoji="1" lang="en-US" altLang="zh-CN" sz="1400" dirty="0">
-                  <a:latin typeface="DengXian" panose="02010600030101010101" pitchFamily="2" charset="-122"/>
-                  <a:ea typeface="DengXian" panose="02010600030101010101" pitchFamily="2" charset="-122"/>
-                </a:rPr>
-                <a:t>edge3.amount</a:t>
-              </a:r>
-              <a:r>
-                <a:rPr kumimoji="1" lang="zh-CN" altLang="en-US" sz="1400" dirty="0">
-                  <a:latin typeface="DengXian" panose="02010600030101010101" pitchFamily="2" charset="-122"/>
-                  <a:ea typeface="DengXian" panose="02010600030101010101" pitchFamily="2" charset="-122"/>
-                </a:rPr>
-                <a:t> * </a:t>
-              </a:r>
-              <a:r>
-                <a:rPr kumimoji="1" lang="en-US" altLang="zh-CN" sz="1400" dirty="0">
-                  <a:latin typeface="DengXian" panose="02010600030101010101" pitchFamily="2" charset="-122"/>
-                  <a:ea typeface="DengXian" panose="02010600030101010101" pitchFamily="2" charset="-122"/>
-                </a:rPr>
-                <a:t>${threshold}</a:t>
-              </a:r>
+              <a:pPr algn="ctr"/>
+              <a:r>
+                <a:rPr kumimoji="1" lang="en-US" altLang="zh-CN" sz="1200" b="1" i="1" dirty="0">
+                  <a:latin typeface="DengXian" panose="02010600030101010101" pitchFamily="2" charset="-122"/>
+                  <a:ea typeface="DengXian" panose="02010600030101010101" pitchFamily="2" charset="-122"/>
+                </a:rPr>
+                <a:t>edge4</a:t>
+              </a:r>
+              <a:endParaRPr kumimoji="1" lang="en-US" altLang="zh-CN" sz="1200" dirty="0">
+                <a:latin typeface="DengXian" panose="02010600030101010101" pitchFamily="2" charset="-122"/>
+                <a:ea typeface="DengXian" panose="02010600030101010101" pitchFamily="2" charset="-122"/>
+              </a:endParaRPr>
+            </a:p>
+          </p:txBody>
+        </p:sp>
+        <p:sp>
+          <p:nvSpPr>
+            <p:cNvPr id="19" name="矩形 13">
+              <a:extLst>
+                <a:ext uri="{FF2B5EF4-FFF2-40B4-BE49-F238E27FC236}">
+                  <a16:creationId xmlns:a16="http://schemas.microsoft.com/office/drawing/2014/main" id="{7306178F-78B5-8847-CFD4-C1FBE1F4B4E5}"/>
+                </a:ext>
+              </a:extLst>
+            </p:cNvPr>
+            <p:cNvSpPr/>
+            <p:nvPr/>
+          </p:nvSpPr>
+          <p:spPr>
+            <a:xfrm>
+              <a:off x="9852101" y="5440679"/>
+              <a:ext cx="1824720" cy="990939"/>
+            </a:xfrm>
+            <a:prstGeom prst="rect">
+              <a:avLst/>
+            </a:prstGeom>
+            <a:solidFill>
+              <a:schemeClr val="accent4">
+                <a:lumMod val="60000"/>
+                <a:lumOff val="40000"/>
+              </a:schemeClr>
+            </a:solidFill>
+            <a:ln w="28575">
+              <a:solidFill>
+                <a:schemeClr val="tx1"/>
+              </a:solidFill>
+              <a:prstDash val="dash"/>
+            </a:ln>
+          </p:spPr>
+          <p:style>
+            <a:lnRef idx="2">
+              <a:schemeClr val="accent2">
+                <a:shade val="50000"/>
+              </a:schemeClr>
+            </a:lnRef>
+            <a:fillRef idx="1">
+              <a:schemeClr val="accent2"/>
+            </a:fillRef>
+            <a:effectRef idx="0">
+              <a:schemeClr val="accent2"/>
+            </a:effectRef>
+            <a:fontRef idx="minor">
+              <a:schemeClr val="lt1"/>
+            </a:fontRef>
+          </p:style>
+          <p:txBody>
+            <a:bodyPr rtlCol="0" anchor="ctr"/>
+            <a:lstStyle/>
+            <a:p>
+              <a:pPr algn="just"/>
+              <a:r>
+                <a:rPr kumimoji="1" lang="en-US" altLang="zh-CN" sz="1200" b="1" dirty="0">
+                  <a:solidFill>
+                    <a:sysClr val="windowText" lastClr="000000"/>
+                  </a:solidFill>
+                  <a:latin typeface="DengXian" panose="02010600030101010101" pitchFamily="2" charset="-122"/>
+                  <a:ea typeface="DengXian" panose="02010600030101010101" pitchFamily="2" charset="-122"/>
+                </a:rPr>
+                <a:t>RESULT</a:t>
+              </a:r>
+            </a:p>
+            <a:p>
+              <a:pPr algn="just"/>
+              <a:r>
+                <a:rPr kumimoji="1" lang="en-US" altLang="zh-CN" sz="1200" b="1" dirty="0">
+                  <a:solidFill>
+                    <a:sysClr val="windowText" lastClr="000000"/>
+                  </a:solidFill>
+                  <a:latin typeface="DengXian" panose="02010600030101010101" pitchFamily="2" charset="-122"/>
+                  <a:ea typeface="DengXian" panose="02010600030101010101" pitchFamily="2" charset="-122"/>
+                </a:rPr>
+                <a:t>ratio3</a:t>
+              </a:r>
+              <a:r>
+                <a:rPr kumimoji="1" lang="zh-CN" altLang="en-US" sz="1200" b="1" dirty="0">
+                  <a:solidFill>
+                    <a:sysClr val="windowText" lastClr="000000"/>
+                  </a:solidFill>
+                  <a:latin typeface="DengXian" panose="02010600030101010101" pitchFamily="2" charset="-122"/>
+                  <a:ea typeface="DengXian" panose="02010600030101010101" pitchFamily="2" charset="-122"/>
+                </a:rPr>
+                <a:t> </a:t>
+              </a:r>
+              <a:r>
+                <a:rPr kumimoji="1" lang="en-US" altLang="zh-CN" sz="1200" b="1" dirty="0">
+                  <a:solidFill>
+                    <a:sysClr val="windowText" lastClr="000000"/>
+                  </a:solidFill>
+                  <a:latin typeface="DengXian" panose="02010600030101010101" pitchFamily="2" charset="-122"/>
+                  <a:ea typeface="DengXian" panose="02010600030101010101" pitchFamily="2" charset="-122"/>
+                </a:rPr>
+                <a:t>=</a:t>
+              </a:r>
+              <a:r>
+                <a:rPr kumimoji="1" lang="zh-CN" altLang="en-US" sz="1200" b="1" dirty="0">
+                  <a:solidFill>
+                    <a:sysClr val="windowText" lastClr="000000"/>
+                  </a:solidFill>
+                  <a:latin typeface="DengXian" panose="02010600030101010101" pitchFamily="2" charset="-122"/>
+                  <a:ea typeface="DengXian" panose="02010600030101010101" pitchFamily="2" charset="-122"/>
+                </a:rPr>
+                <a:t> </a:t>
+              </a:r>
+              <a:r>
+                <a:rPr kumimoji="1" lang="en-US" altLang="zh-CN" sz="1200" b="1" dirty="0">
+                  <a:solidFill>
+                    <a:sysClr val="windowText" lastClr="000000"/>
+                  </a:solidFill>
+                  <a:latin typeface="DengXian" panose="02010600030101010101" pitchFamily="2" charset="-122"/>
+                  <a:ea typeface="DengXian" panose="02010600030101010101" pitchFamily="2" charset="-122"/>
+                </a:rPr>
+                <a:t>edge4.amount</a:t>
+              </a:r>
+              <a:r>
+                <a:rPr kumimoji="1" lang="zh-CN" altLang="en-US" sz="1200" b="1" dirty="0">
+                  <a:solidFill>
+                    <a:sysClr val="windowText" lastClr="000000"/>
+                  </a:solidFill>
+                  <a:latin typeface="DengXian" panose="02010600030101010101" pitchFamily="2" charset="-122"/>
+                  <a:ea typeface="DengXian" panose="02010600030101010101" pitchFamily="2" charset="-122"/>
+                </a:rPr>
+                <a:t> </a:t>
+              </a:r>
+              <a:r>
+                <a:rPr kumimoji="1" lang="en-US" altLang="zh-CN" sz="1200" b="1" dirty="0">
+                  <a:solidFill>
+                    <a:sysClr val="windowText" lastClr="000000"/>
+                  </a:solidFill>
+                  <a:latin typeface="DengXian" panose="02010600030101010101" pitchFamily="2" charset="-122"/>
+                  <a:ea typeface="DengXian" panose="02010600030101010101" pitchFamily="2" charset="-122"/>
+                </a:rPr>
+                <a:t>/</a:t>
+              </a:r>
+              <a:r>
+                <a:rPr kumimoji="1" lang="zh-CN" altLang="en-US" sz="1200" b="1" dirty="0">
+                  <a:solidFill>
+                    <a:sysClr val="windowText" lastClr="000000"/>
+                  </a:solidFill>
+                  <a:latin typeface="DengXian" panose="02010600030101010101" pitchFamily="2" charset="-122"/>
+                  <a:ea typeface="DengXian" panose="02010600030101010101" pitchFamily="2" charset="-122"/>
+                </a:rPr>
+                <a:t> </a:t>
+              </a:r>
+              <a:r>
+                <a:rPr kumimoji="1" lang="en-US" altLang="zh-CN" sz="1200" b="1" dirty="0">
+                  <a:solidFill>
+                    <a:sysClr val="windowText" lastClr="000000"/>
+                  </a:solidFill>
+                  <a:latin typeface="DengXian" panose="02010600030101010101" pitchFamily="2" charset="-122"/>
+                  <a:ea typeface="DengXian" panose="02010600030101010101" pitchFamily="2" charset="-122"/>
+                </a:rPr>
+                <a:t>(UPSTREAM</a:t>
+              </a:r>
+              <a:r>
+                <a:rPr kumimoji="1" lang="zh-CN" altLang="en-US" sz="1200" b="1" dirty="0">
+                  <a:solidFill>
+                    <a:sysClr val="windowText" lastClr="000000"/>
+                  </a:solidFill>
+                  <a:latin typeface="DengXian" panose="02010600030101010101" pitchFamily="2" charset="-122"/>
+                  <a:ea typeface="DengXian" panose="02010600030101010101" pitchFamily="2" charset="-122"/>
+                </a:rPr>
+                <a:t> </a:t>
+              </a:r>
+              <a:r>
+                <a:rPr kumimoji="1" lang="en-US" altLang="zh-CN" sz="1200" b="1" dirty="0">
+                  <a:solidFill>
+                    <a:sysClr val="windowText" lastClr="000000"/>
+                  </a:solidFill>
+                  <a:latin typeface="DengXian" panose="02010600030101010101" pitchFamily="2" charset="-122"/>
+                  <a:ea typeface="DengXian" panose="02010600030101010101" pitchFamily="2" charset="-122"/>
+                </a:rPr>
+                <a:t>edge3)</a:t>
+              </a:r>
+            </a:p>
+            <a:p>
+              <a:pPr algn="just"/>
+              <a:r>
+                <a:rPr kumimoji="1" lang="en-US" altLang="zh-CN" sz="1200" b="1" dirty="0" err="1">
+                  <a:solidFill>
+                    <a:sysClr val="windowText" lastClr="000000"/>
+                  </a:solidFill>
+                  <a:latin typeface="DengXian" panose="02010600030101010101" pitchFamily="2" charset="-122"/>
+                  <a:ea typeface="DengXian" panose="02010600030101010101" pitchFamily="2" charset="-122"/>
+                </a:rPr>
+                <a:t>GroupBy</a:t>
+              </a:r>
+              <a:r>
+                <a:rPr kumimoji="1" lang="zh-CN" altLang="en-US" sz="1200" b="1" dirty="0">
+                  <a:solidFill>
+                    <a:sysClr val="windowText" lastClr="000000"/>
+                  </a:solidFill>
+                  <a:latin typeface="DengXian" panose="02010600030101010101" pitchFamily="2" charset="-122"/>
+                  <a:ea typeface="DengXian" panose="02010600030101010101" pitchFamily="2" charset="-122"/>
+                </a:rPr>
+                <a:t> </a:t>
+              </a:r>
+              <a:r>
+                <a:rPr kumimoji="1" lang="en-US" altLang="zh-CN" sz="1200" b="1" dirty="0">
+                  <a:solidFill>
+                    <a:sysClr val="windowText" lastClr="000000"/>
+                  </a:solidFill>
+                  <a:latin typeface="DengXian" panose="02010600030101010101" pitchFamily="2" charset="-122"/>
+                  <a:ea typeface="DengXian" panose="02010600030101010101" pitchFamily="2" charset="-122"/>
+                </a:rPr>
+                <a:t>o3Account.id</a:t>
+              </a:r>
+              <a:endParaRPr kumimoji="1" lang="en-US" altLang="zh-CN" sz="1200" dirty="0">
+                <a:solidFill>
+                  <a:sysClr val="windowText" lastClr="000000"/>
+                </a:solidFill>
+                <a:latin typeface="DengXian" panose="02010600030101010101" pitchFamily="2" charset="-122"/>
+                <a:ea typeface="DengXian" panose="02010600030101010101" pitchFamily="2" charset="-122"/>
+              </a:endParaRPr>
             </a:p>
           </p:txBody>
         </p:sp>
@@ -32762,6 +30450,959 @@
     <p:extLst>
       <p:ext uri="{BB962C8B-B14F-4D97-AF65-F5344CB8AC3E}">
         <p14:creationId xmlns:p14="http://schemas.microsoft.com/office/powerpoint/2010/main" val="1429692045"/>
+      </p:ext>
+    </p:extLst>
+  </p:cSld>
+  <p:clrMapOvr>
+    <a:masterClrMapping/>
+  </p:clrMapOvr>
+</p:sld>
+</file>
+
+<file path=ppt/slides/slide9.xml><?xml version="1.0" encoding="utf-8"?>
+<p:sld xmlns:a="http://schemas.openxmlformats.org/drawingml/2006/main" xmlns:r="http://schemas.openxmlformats.org/officeDocument/2006/relationships" xmlns:p="http://schemas.openxmlformats.org/presentationml/2006/main">
+  <p:cSld>
+    <p:spTree>
+      <p:nvGrpSpPr>
+        <p:cNvPr id="1" name=""/>
+        <p:cNvGrpSpPr/>
+        <p:nvPr/>
+      </p:nvGrpSpPr>
+      <p:grpSpPr>
+        <a:xfrm>
+          <a:off x="0" y="0"/>
+          <a:ext cx="0" cy="0"/>
+          <a:chOff x="0" y="0"/>
+          <a:chExt cx="0" cy="0"/>
+        </a:xfrm>
+      </p:grpSpPr>
+      <p:grpSp>
+        <p:nvGrpSpPr>
+          <p:cNvPr id="23" name="Group 22">
+            <a:extLst>
+              <a:ext uri="{FF2B5EF4-FFF2-40B4-BE49-F238E27FC236}">
+                <a16:creationId xmlns:a16="http://schemas.microsoft.com/office/drawing/2014/main" id="{E5C1717B-54DC-7B43-A483-6AD73A76FA75}"/>
+              </a:ext>
+            </a:extLst>
+          </p:cNvPr>
+          <p:cNvGrpSpPr/>
+          <p:nvPr/>
+        </p:nvGrpSpPr>
+        <p:grpSpPr>
+          <a:xfrm>
+            <a:off x="3040563" y="2074350"/>
+            <a:ext cx="4831843" cy="3078930"/>
+            <a:chOff x="3040563" y="2074350"/>
+            <a:chExt cx="4831843" cy="3078930"/>
+          </a:xfrm>
+        </p:grpSpPr>
+        <p:sp>
+          <p:nvSpPr>
+            <p:cNvPr id="25" name="矩形 9">
+              <a:extLst>
+                <a:ext uri="{FF2B5EF4-FFF2-40B4-BE49-F238E27FC236}">
+                  <a16:creationId xmlns:a16="http://schemas.microsoft.com/office/drawing/2014/main" id="{C7460A87-30CF-D546-B75B-5F5DBC80EC77}"/>
+                </a:ext>
+              </a:extLst>
+            </p:cNvPr>
+            <p:cNvSpPr/>
+            <p:nvPr/>
+          </p:nvSpPr>
+          <p:spPr>
+            <a:xfrm>
+              <a:off x="5727700" y="3310218"/>
+              <a:ext cx="1300238" cy="505147"/>
+            </a:xfrm>
+            <a:prstGeom prst="rect">
+              <a:avLst/>
+            </a:prstGeom>
+            <a:solidFill>
+              <a:schemeClr val="accent5">
+                <a:lumMod val="60000"/>
+                <a:lumOff val="40000"/>
+              </a:schemeClr>
+            </a:solidFill>
+            <a:ln w="28575">
+              <a:solidFill>
+                <a:schemeClr val="tx1"/>
+              </a:solidFill>
+            </a:ln>
+          </p:spPr>
+          <p:style>
+            <a:lnRef idx="2">
+              <a:schemeClr val="accent2">
+                <a:shade val="50000"/>
+              </a:schemeClr>
+            </a:lnRef>
+            <a:fillRef idx="1">
+              <a:schemeClr val="accent2"/>
+            </a:fillRef>
+            <a:effectRef idx="0">
+              <a:schemeClr val="accent2"/>
+            </a:effectRef>
+            <a:fontRef idx="minor">
+              <a:schemeClr val="lt1"/>
+            </a:fontRef>
+          </p:style>
+          <p:txBody>
+            <a:bodyPr rtlCol="0" anchor="ctr"/>
+            <a:lstStyle/>
+            <a:p>
+              <a:pPr algn="ctr"/>
+              <a:r>
+                <a:rPr kumimoji="1" lang="en-US" altLang="zh-CN" sz="1200" b="1" i="1" dirty="0">
+                  <a:solidFill>
+                    <a:sysClr val="windowText" lastClr="000000"/>
+                  </a:solidFill>
+                </a:rPr>
+                <a:t>mid</a:t>
+              </a:r>
+              <a:r>
+                <a:rPr kumimoji="1" lang="zh-CN" altLang="en-US" sz="1200" dirty="0">
+                  <a:solidFill>
+                    <a:sysClr val="windowText" lastClr="000000"/>
+                  </a:solidFill>
+                </a:rPr>
+                <a:t> </a:t>
+              </a:r>
+              <a:r>
+                <a:rPr kumimoji="1" lang="en-US" altLang="zh-CN" sz="1200" dirty="0">
+                  <a:solidFill>
+                    <a:sysClr val="windowText" lastClr="000000"/>
+                  </a:solidFill>
+                </a:rPr>
+                <a:t>:</a:t>
+              </a:r>
+              <a:r>
+                <a:rPr kumimoji="1" lang="zh-CN" altLang="en-US" sz="1200" dirty="0">
+                  <a:solidFill>
+                    <a:sysClr val="windowText" lastClr="000000"/>
+                  </a:solidFill>
+                </a:rPr>
+                <a:t> </a:t>
+              </a:r>
+              <a:r>
+                <a:rPr kumimoji="1" lang="en-US" altLang="zh-CN" sz="1200" dirty="0">
+                  <a:solidFill>
+                    <a:sysClr val="windowText" lastClr="000000"/>
+                  </a:solidFill>
+                </a:rPr>
+                <a:t>Account</a:t>
+              </a:r>
+              <a:endParaRPr kumimoji="1" lang="zh-CN" altLang="en-US" sz="1200" dirty="0">
+                <a:solidFill>
+                  <a:sysClr val="windowText" lastClr="000000"/>
+                </a:solidFill>
+              </a:endParaRPr>
+            </a:p>
+          </p:txBody>
+        </p:sp>
+        <p:sp>
+          <p:nvSpPr>
+            <p:cNvPr id="36" name="矩形 13">
+              <a:extLst>
+                <a:ext uri="{FF2B5EF4-FFF2-40B4-BE49-F238E27FC236}">
+                  <a16:creationId xmlns:a16="http://schemas.microsoft.com/office/drawing/2014/main" id="{E9E1A31E-B043-E941-9922-30C0644863FD}"/>
+                </a:ext>
+              </a:extLst>
+            </p:cNvPr>
+            <p:cNvSpPr/>
+            <p:nvPr/>
+          </p:nvSpPr>
+          <p:spPr>
+            <a:xfrm>
+              <a:off x="5541644" y="2074350"/>
+              <a:ext cx="2309557" cy="3078930"/>
+            </a:xfrm>
+            <a:prstGeom prst="rect">
+              <a:avLst/>
+            </a:prstGeom>
+            <a:noFill/>
+            <a:ln w="28575">
+              <a:solidFill>
+                <a:schemeClr val="tx1"/>
+              </a:solidFill>
+              <a:prstDash val="dash"/>
+            </a:ln>
+          </p:spPr>
+          <p:style>
+            <a:lnRef idx="2">
+              <a:schemeClr val="accent2">
+                <a:shade val="50000"/>
+              </a:schemeClr>
+            </a:lnRef>
+            <a:fillRef idx="1">
+              <a:schemeClr val="accent2"/>
+            </a:fillRef>
+            <a:effectRef idx="0">
+              <a:schemeClr val="accent2"/>
+            </a:effectRef>
+            <a:fontRef idx="minor">
+              <a:schemeClr val="lt1"/>
+            </a:fontRef>
+          </p:style>
+          <p:txBody>
+            <a:bodyPr rtlCol="0" anchor="t"/>
+            <a:lstStyle/>
+            <a:p>
+              <a:pPr algn="r"/>
+              <a:r>
+                <a:rPr kumimoji="1" lang="en-US" altLang="zh-CN" sz="1200" b="1" dirty="0">
+                  <a:solidFill>
+                    <a:schemeClr val="tx1"/>
+                  </a:solidFill>
+                  <a:latin typeface="DengXian" panose="02010600030101010101" pitchFamily="2" charset="-122"/>
+                  <a:ea typeface="DengXian" panose="02010600030101010101" pitchFamily="2" charset="-122"/>
+                </a:rPr>
+                <a:t>RESULT</a:t>
+              </a:r>
+              <a:r>
+                <a:rPr kumimoji="1" lang="zh-CN" altLang="en-US" sz="1200" b="1" dirty="0">
+                  <a:solidFill>
+                    <a:schemeClr val="tx1"/>
+                  </a:solidFill>
+                  <a:latin typeface="DengXian" panose="02010600030101010101" pitchFamily="2" charset="-122"/>
+                  <a:ea typeface="DengXian" panose="02010600030101010101" pitchFamily="2" charset="-122"/>
+                </a:rPr>
+                <a:t> </a:t>
+              </a:r>
+              <a:r>
+                <a:rPr kumimoji="1" lang="en-US" altLang="zh-CN" sz="1200" b="1" dirty="0">
+                  <a:solidFill>
+                    <a:schemeClr val="tx1"/>
+                  </a:solidFill>
+                  <a:latin typeface="DengXian" panose="02010600030101010101" pitchFamily="2" charset="-122"/>
+                  <a:ea typeface="DengXian" panose="02010600030101010101" pitchFamily="2" charset="-122"/>
+                </a:rPr>
+                <a:t>path</a:t>
+              </a:r>
+              <a:endParaRPr kumimoji="1" lang="en-US" altLang="zh-CN" sz="1200" dirty="0">
+                <a:solidFill>
+                  <a:schemeClr val="tx1"/>
+                </a:solidFill>
+                <a:latin typeface="DengXian" panose="02010600030101010101" pitchFamily="2" charset="-122"/>
+                <a:ea typeface="DengXian" panose="02010600030101010101" pitchFamily="2" charset="-122"/>
+              </a:endParaRPr>
+            </a:p>
+          </p:txBody>
+        </p:sp>
+        <p:sp>
+          <p:nvSpPr>
+            <p:cNvPr id="48" name="矩形 14">
+              <a:extLst>
+                <a:ext uri="{FF2B5EF4-FFF2-40B4-BE49-F238E27FC236}">
+                  <a16:creationId xmlns:a16="http://schemas.microsoft.com/office/drawing/2014/main" id="{57CB4C56-C6D1-3646-BE42-AE944291077A}"/>
+                </a:ext>
+              </a:extLst>
+            </p:cNvPr>
+            <p:cNvSpPr/>
+            <p:nvPr/>
+          </p:nvSpPr>
+          <p:spPr>
+            <a:xfrm>
+              <a:off x="5712796" y="2371062"/>
+              <a:ext cx="1315142" cy="505147"/>
+            </a:xfrm>
+            <a:prstGeom prst="rect">
+              <a:avLst/>
+            </a:prstGeom>
+            <a:solidFill>
+              <a:schemeClr val="accent5">
+                <a:lumMod val="60000"/>
+                <a:lumOff val="40000"/>
+              </a:schemeClr>
+            </a:solidFill>
+            <a:ln w="28575">
+              <a:solidFill>
+                <a:schemeClr val="tx1"/>
+              </a:solidFill>
+            </a:ln>
+          </p:spPr>
+          <p:style>
+            <a:lnRef idx="2">
+              <a:schemeClr val="accent2">
+                <a:shade val="50000"/>
+              </a:schemeClr>
+            </a:lnRef>
+            <a:fillRef idx="1">
+              <a:schemeClr val="accent2"/>
+            </a:fillRef>
+            <a:effectRef idx="0">
+              <a:schemeClr val="accent2"/>
+            </a:effectRef>
+            <a:fontRef idx="minor">
+              <a:schemeClr val="lt1"/>
+            </a:fontRef>
+          </p:style>
+          <p:txBody>
+            <a:bodyPr rtlCol="0" anchor="ctr"/>
+            <a:lstStyle/>
+            <a:p>
+              <a:pPr algn="ctr"/>
+              <a:r>
+                <a:rPr kumimoji="1" lang="en-US" altLang="zh-CN" sz="1200" b="1" dirty="0">
+                  <a:solidFill>
+                    <a:sysClr val="windowText" lastClr="000000"/>
+                  </a:solidFill>
+                </a:rPr>
+                <a:t>up</a:t>
+              </a:r>
+              <a:r>
+                <a:rPr kumimoji="1" lang="zh-CN" altLang="en-US" sz="1200" dirty="0">
+                  <a:solidFill>
+                    <a:sysClr val="windowText" lastClr="000000"/>
+                  </a:solidFill>
+                </a:rPr>
+                <a:t> </a:t>
+              </a:r>
+              <a:r>
+                <a:rPr kumimoji="1" lang="en-US" altLang="zh-CN" sz="1200" dirty="0">
+                  <a:solidFill>
+                    <a:sysClr val="windowText" lastClr="000000"/>
+                  </a:solidFill>
+                </a:rPr>
+                <a:t>:</a:t>
+              </a:r>
+              <a:r>
+                <a:rPr kumimoji="1" lang="zh-CN" altLang="en-US" sz="1200" dirty="0">
+                  <a:solidFill>
+                    <a:sysClr val="windowText" lastClr="000000"/>
+                  </a:solidFill>
+                </a:rPr>
+                <a:t> </a:t>
+              </a:r>
+              <a:r>
+                <a:rPr kumimoji="1" lang="en-US" altLang="zh-CN" sz="1200" dirty="0">
+                  <a:solidFill>
+                    <a:sysClr val="windowText" lastClr="000000"/>
+                  </a:solidFill>
+                </a:rPr>
+                <a:t>Account</a:t>
+              </a:r>
+              <a:endParaRPr kumimoji="1" lang="zh-CN" altLang="en-US" sz="1200" dirty="0">
+                <a:solidFill>
+                  <a:sysClr val="windowText" lastClr="000000"/>
+                </a:solidFill>
+              </a:endParaRPr>
+            </a:p>
+          </p:txBody>
+        </p:sp>
+        <p:sp>
+          <p:nvSpPr>
+            <p:cNvPr id="51" name="矩形 14">
+              <a:extLst>
+                <a:ext uri="{FF2B5EF4-FFF2-40B4-BE49-F238E27FC236}">
+                  <a16:creationId xmlns:a16="http://schemas.microsoft.com/office/drawing/2014/main" id="{AD0D5B56-53EA-1E48-9FEF-7631D3E97D26}"/>
+                </a:ext>
+              </a:extLst>
+            </p:cNvPr>
+            <p:cNvSpPr/>
+            <p:nvPr/>
+          </p:nvSpPr>
+          <p:spPr>
+            <a:xfrm>
+              <a:off x="5712796" y="4547111"/>
+              <a:ext cx="1335704" cy="505147"/>
+            </a:xfrm>
+            <a:prstGeom prst="rect">
+              <a:avLst/>
+            </a:prstGeom>
+            <a:solidFill>
+              <a:schemeClr val="accent5">
+                <a:lumMod val="60000"/>
+                <a:lumOff val="40000"/>
+              </a:schemeClr>
+            </a:solidFill>
+            <a:ln w="28575">
+              <a:solidFill>
+                <a:schemeClr val="tx1"/>
+              </a:solidFill>
+            </a:ln>
+          </p:spPr>
+          <p:style>
+            <a:lnRef idx="2">
+              <a:schemeClr val="accent2">
+                <a:shade val="50000"/>
+              </a:schemeClr>
+            </a:lnRef>
+            <a:fillRef idx="1">
+              <a:schemeClr val="accent2"/>
+            </a:fillRef>
+            <a:effectRef idx="0">
+              <a:schemeClr val="accent2"/>
+            </a:effectRef>
+            <a:fontRef idx="minor">
+              <a:schemeClr val="lt1"/>
+            </a:fontRef>
+          </p:style>
+          <p:txBody>
+            <a:bodyPr rtlCol="0" anchor="ctr"/>
+            <a:lstStyle/>
+            <a:p>
+              <a:pPr algn="ctr"/>
+              <a:r>
+                <a:rPr kumimoji="1" lang="en-US" altLang="zh-CN" sz="1200" b="1" dirty="0">
+                  <a:solidFill>
+                    <a:sysClr val="windowText" lastClr="000000"/>
+                  </a:solidFill>
+                </a:rPr>
+                <a:t>down</a:t>
+              </a:r>
+              <a:r>
+                <a:rPr kumimoji="1" lang="zh-CN" altLang="en-US" sz="1200" dirty="0">
+                  <a:solidFill>
+                    <a:sysClr val="windowText" lastClr="000000"/>
+                  </a:solidFill>
+                </a:rPr>
+                <a:t> </a:t>
+              </a:r>
+              <a:r>
+                <a:rPr kumimoji="1" lang="en-US" altLang="zh-CN" sz="1200" dirty="0">
+                  <a:solidFill>
+                    <a:sysClr val="windowText" lastClr="000000"/>
+                  </a:solidFill>
+                </a:rPr>
+                <a:t>:</a:t>
+              </a:r>
+              <a:r>
+                <a:rPr kumimoji="1" lang="zh-CN" altLang="en-US" sz="1200" dirty="0">
+                  <a:solidFill>
+                    <a:sysClr val="windowText" lastClr="000000"/>
+                  </a:solidFill>
+                </a:rPr>
+                <a:t> </a:t>
+              </a:r>
+              <a:r>
+                <a:rPr kumimoji="1" lang="en-US" altLang="zh-CN" sz="1200" dirty="0">
+                  <a:solidFill>
+                    <a:sysClr val="windowText" lastClr="000000"/>
+                  </a:solidFill>
+                </a:rPr>
+                <a:t>Account</a:t>
+              </a:r>
+              <a:endParaRPr kumimoji="1" lang="zh-CN" altLang="en-US" sz="1200" dirty="0">
+                <a:solidFill>
+                  <a:sysClr val="windowText" lastClr="000000"/>
+                </a:solidFill>
+              </a:endParaRPr>
+            </a:p>
+          </p:txBody>
+        </p:sp>
+        <p:cxnSp>
+          <p:nvCxnSpPr>
+            <p:cNvPr id="54" name="直线箭头连接符 11" descr="jytjh">
+              <a:extLst>
+                <a:ext uri="{FF2B5EF4-FFF2-40B4-BE49-F238E27FC236}">
+                  <a16:creationId xmlns:a16="http://schemas.microsoft.com/office/drawing/2014/main" id="{E54B3B7F-1A07-E946-9A57-A174B5BF79CC}"/>
+                </a:ext>
+              </a:extLst>
+            </p:cNvPr>
+            <p:cNvCxnSpPr>
+              <a:cxnSpLocks/>
+              <a:stCxn id="48" idx="2"/>
+              <a:endCxn id="25" idx="0"/>
+            </p:cNvCxnSpPr>
+            <p:nvPr/>
+          </p:nvCxnSpPr>
+          <p:spPr>
+            <a:xfrm>
+              <a:off x="6370367" y="2876209"/>
+              <a:ext cx="7452" cy="434009"/>
+            </a:xfrm>
+            <a:prstGeom prst="straightConnector1">
+              <a:avLst/>
+            </a:prstGeom>
+            <a:ln w="28575">
+              <a:solidFill>
+                <a:schemeClr val="tx1"/>
+              </a:solidFill>
+              <a:headEnd type="none" w="lg" len="med"/>
+              <a:tailEnd type="arrow" w="lg" len="med"/>
+            </a:ln>
+          </p:spPr>
+          <p:style>
+            <a:lnRef idx="1">
+              <a:schemeClr val="accent1"/>
+            </a:lnRef>
+            <a:fillRef idx="0">
+              <a:schemeClr val="accent1"/>
+            </a:fillRef>
+            <a:effectRef idx="0">
+              <a:schemeClr val="accent1"/>
+            </a:effectRef>
+            <a:fontRef idx="minor">
+              <a:schemeClr val="tx1"/>
+            </a:fontRef>
+          </p:style>
+        </p:cxnSp>
+        <p:cxnSp>
+          <p:nvCxnSpPr>
+            <p:cNvPr id="59" name="直线箭头连接符 11" descr="jytjh">
+              <a:extLst>
+                <a:ext uri="{FF2B5EF4-FFF2-40B4-BE49-F238E27FC236}">
+                  <a16:creationId xmlns:a16="http://schemas.microsoft.com/office/drawing/2014/main" id="{3CF4B058-DA70-914B-B43D-426BA2A65CD0}"/>
+                </a:ext>
+              </a:extLst>
+            </p:cNvPr>
+            <p:cNvCxnSpPr>
+              <a:cxnSpLocks/>
+              <a:stCxn id="25" idx="2"/>
+              <a:endCxn id="51" idx="0"/>
+            </p:cNvCxnSpPr>
+            <p:nvPr/>
+          </p:nvCxnSpPr>
+          <p:spPr>
+            <a:xfrm>
+              <a:off x="6377819" y="3815365"/>
+              <a:ext cx="2829" cy="731746"/>
+            </a:xfrm>
+            <a:prstGeom prst="straightConnector1">
+              <a:avLst/>
+            </a:prstGeom>
+            <a:ln w="28575">
+              <a:solidFill>
+                <a:schemeClr val="tx1"/>
+              </a:solidFill>
+              <a:headEnd type="none" w="lg" len="med"/>
+              <a:tailEnd type="arrow" w="lg" len="med"/>
+            </a:ln>
+          </p:spPr>
+          <p:style>
+            <a:lnRef idx="1">
+              <a:schemeClr val="accent1"/>
+            </a:lnRef>
+            <a:fillRef idx="0">
+              <a:schemeClr val="accent1"/>
+            </a:fillRef>
+            <a:effectRef idx="0">
+              <a:schemeClr val="accent1"/>
+            </a:effectRef>
+            <a:fontRef idx="minor">
+              <a:schemeClr val="tx1"/>
+            </a:fontRef>
+          </p:style>
+        </p:cxnSp>
+        <p:sp>
+          <p:nvSpPr>
+            <p:cNvPr id="28" name="矩形 13">
+              <a:extLst>
+                <a:ext uri="{FF2B5EF4-FFF2-40B4-BE49-F238E27FC236}">
+                  <a16:creationId xmlns:a16="http://schemas.microsoft.com/office/drawing/2014/main" id="{1E3659B7-2F02-C149-A6C5-A0559EDC088A}"/>
+                </a:ext>
+              </a:extLst>
+            </p:cNvPr>
+            <p:cNvSpPr/>
+            <p:nvPr/>
+          </p:nvSpPr>
+          <p:spPr>
+            <a:xfrm>
+              <a:off x="3040563" y="3305316"/>
+              <a:ext cx="1300238" cy="478223"/>
+            </a:xfrm>
+            <a:prstGeom prst="rect">
+              <a:avLst/>
+            </a:prstGeom>
+            <a:solidFill>
+              <a:schemeClr val="accent6">
+                <a:lumMod val="60000"/>
+                <a:lumOff val="40000"/>
+              </a:schemeClr>
+            </a:solidFill>
+            <a:ln w="28575">
+              <a:solidFill>
+                <a:schemeClr val="tx1"/>
+              </a:solidFill>
+            </a:ln>
+          </p:spPr>
+          <p:style>
+            <a:lnRef idx="2">
+              <a:schemeClr val="accent2">
+                <a:shade val="50000"/>
+              </a:schemeClr>
+            </a:lnRef>
+            <a:fillRef idx="1">
+              <a:schemeClr val="accent2"/>
+            </a:fillRef>
+            <a:effectRef idx="0">
+              <a:schemeClr val="accent2"/>
+            </a:effectRef>
+            <a:fontRef idx="minor">
+              <a:schemeClr val="lt1"/>
+            </a:fontRef>
+          </p:style>
+          <p:txBody>
+            <a:bodyPr rtlCol="0" anchor="ctr"/>
+            <a:lstStyle/>
+            <a:p>
+              <a:pPr algn="ctr"/>
+              <a:r>
+                <a:rPr kumimoji="1" lang="en-US" altLang="zh-CN" sz="1200" b="1" i="1" dirty="0">
+                  <a:solidFill>
+                    <a:sysClr val="windowText" lastClr="000000"/>
+                  </a:solidFill>
+                </a:rPr>
+                <a:t>loan</a:t>
+              </a:r>
+              <a:r>
+                <a:rPr kumimoji="1" lang="zh-CN" altLang="en-US" sz="1200" dirty="0">
+                  <a:solidFill>
+                    <a:sysClr val="windowText" lastClr="000000"/>
+                  </a:solidFill>
+                </a:rPr>
+                <a:t> </a:t>
+              </a:r>
+              <a:r>
+                <a:rPr kumimoji="1" lang="en-US" altLang="zh-CN" sz="1200" dirty="0">
+                  <a:solidFill>
+                    <a:sysClr val="windowText" lastClr="000000"/>
+                  </a:solidFill>
+                </a:rPr>
+                <a:t>:</a:t>
+              </a:r>
+              <a:r>
+                <a:rPr kumimoji="1" lang="zh-CN" altLang="en-US" sz="1200" dirty="0">
+                  <a:solidFill>
+                    <a:sysClr val="windowText" lastClr="000000"/>
+                  </a:solidFill>
+                </a:rPr>
+                <a:t> </a:t>
+              </a:r>
+              <a:r>
+                <a:rPr kumimoji="1" lang="en-US" altLang="zh-CN" sz="1200" dirty="0">
+                  <a:solidFill>
+                    <a:sysClr val="windowText" lastClr="000000"/>
+                  </a:solidFill>
+                </a:rPr>
+                <a:t>Loan</a:t>
+              </a:r>
+              <a:endParaRPr kumimoji="1" lang="zh-CN" altLang="en-US" sz="1200" dirty="0">
+                <a:solidFill>
+                  <a:sysClr val="windowText" lastClr="000000"/>
+                </a:solidFill>
+              </a:endParaRPr>
+            </a:p>
+          </p:txBody>
+        </p:sp>
+        <p:cxnSp>
+          <p:nvCxnSpPr>
+            <p:cNvPr id="30" name="直线箭头连接符 11" descr="jytjh">
+              <a:extLst>
+                <a:ext uri="{FF2B5EF4-FFF2-40B4-BE49-F238E27FC236}">
+                  <a16:creationId xmlns:a16="http://schemas.microsoft.com/office/drawing/2014/main" id="{39C4E16D-14E1-A843-9194-FA4B45B19AAA}"/>
+                </a:ext>
+              </a:extLst>
+            </p:cNvPr>
+            <p:cNvCxnSpPr>
+              <a:cxnSpLocks/>
+              <a:stCxn id="28" idx="3"/>
+              <a:endCxn id="25" idx="1"/>
+            </p:cNvCxnSpPr>
+            <p:nvPr/>
+          </p:nvCxnSpPr>
+          <p:spPr>
+            <a:xfrm>
+              <a:off x="4340801" y="3544428"/>
+              <a:ext cx="1386899" cy="18364"/>
+            </a:xfrm>
+            <a:prstGeom prst="straightConnector1">
+              <a:avLst/>
+            </a:prstGeom>
+            <a:ln w="28575">
+              <a:solidFill>
+                <a:schemeClr val="tx1"/>
+              </a:solidFill>
+              <a:headEnd type="none" w="lg" len="med"/>
+              <a:tailEnd type="arrow" w="lg" len="med"/>
+            </a:ln>
+          </p:spPr>
+          <p:style>
+            <a:lnRef idx="1">
+              <a:schemeClr val="accent1"/>
+            </a:lnRef>
+            <a:fillRef idx="0">
+              <a:schemeClr val="accent1"/>
+            </a:fillRef>
+            <a:effectRef idx="0">
+              <a:schemeClr val="accent1"/>
+            </a:effectRef>
+            <a:fontRef idx="minor">
+              <a:schemeClr val="tx1"/>
+            </a:fontRef>
+          </p:style>
+        </p:cxnSp>
+        <p:sp>
+          <p:nvSpPr>
+            <p:cNvPr id="44" name="文本框 12">
+              <a:extLst>
+                <a:ext uri="{FF2B5EF4-FFF2-40B4-BE49-F238E27FC236}">
+                  <a16:creationId xmlns:a16="http://schemas.microsoft.com/office/drawing/2014/main" id="{F124BC1A-12AA-5244-A9C6-A8780C090A54}"/>
+                </a:ext>
+              </a:extLst>
+            </p:cNvPr>
+            <p:cNvSpPr txBox="1"/>
+            <p:nvPr/>
+          </p:nvSpPr>
+          <p:spPr>
+            <a:xfrm>
+              <a:off x="4355703" y="3214426"/>
+              <a:ext cx="1357093" cy="307777"/>
+            </a:xfrm>
+            <a:prstGeom prst="rect">
+              <a:avLst/>
+            </a:prstGeom>
+            <a:noFill/>
+          </p:spPr>
+          <p:txBody>
+            <a:bodyPr wrap="square" rtlCol="0">
+              <a:spAutoFit/>
+            </a:bodyPr>
+            <a:lstStyle/>
+            <a:p>
+              <a:pPr algn="ctr"/>
+              <a:r>
+                <a:rPr kumimoji="1" lang="en-US" altLang="zh-CN" sz="1400" b="1" i="1" dirty="0">
+                  <a:latin typeface="DengXian" panose="02010600030101010101" pitchFamily="2" charset="-122"/>
+                  <a:ea typeface="DengXian" panose="02010600030101010101" pitchFamily="2" charset="-122"/>
+                </a:rPr>
+                <a:t>edge2:</a:t>
+              </a:r>
+              <a:r>
+                <a:rPr kumimoji="1" lang="zh-CN" altLang="en-US" sz="1400" b="1" i="1" dirty="0">
+                  <a:latin typeface="DengXian" panose="02010600030101010101" pitchFamily="2" charset="-122"/>
+                  <a:ea typeface="DengXian" panose="02010600030101010101" pitchFamily="2" charset="-122"/>
+                </a:rPr>
+                <a:t> </a:t>
+              </a:r>
+              <a:r>
+                <a:rPr kumimoji="1" lang="en-US" altLang="zh-CN" sz="1400" i="1" dirty="0">
+                  <a:latin typeface="DengXian" panose="02010600030101010101" pitchFamily="2" charset="-122"/>
+                  <a:ea typeface="DengXian" panose="02010600030101010101" pitchFamily="2" charset="-122"/>
+                </a:rPr>
+                <a:t>deposit</a:t>
+              </a:r>
+              <a:endParaRPr kumimoji="1" lang="en-US" altLang="zh-CN" sz="1400" dirty="0">
+                <a:latin typeface="DengXian" panose="02010600030101010101" pitchFamily="2" charset="-122"/>
+                <a:ea typeface="DengXian" panose="02010600030101010101" pitchFamily="2" charset="-122"/>
+              </a:endParaRPr>
+            </a:p>
+          </p:txBody>
+        </p:sp>
+        <p:cxnSp>
+          <p:nvCxnSpPr>
+            <p:cNvPr id="6" name="Elbow Connector 5">
+              <a:extLst>
+                <a:ext uri="{FF2B5EF4-FFF2-40B4-BE49-F238E27FC236}">
+                  <a16:creationId xmlns:a16="http://schemas.microsoft.com/office/drawing/2014/main" id="{92C70FC3-B073-A247-8F2E-C40A88067225}"/>
+                </a:ext>
+              </a:extLst>
+            </p:cNvPr>
+            <p:cNvCxnSpPr>
+              <a:cxnSpLocks/>
+              <a:stCxn id="25" idx="2"/>
+              <a:endCxn id="28" idx="2"/>
+            </p:cNvCxnSpPr>
+            <p:nvPr/>
+          </p:nvCxnSpPr>
+          <p:spPr>
+            <a:xfrm rot="5400000" flipH="1">
+              <a:off x="5018338" y="2455884"/>
+              <a:ext cx="31826" cy="2687137"/>
+            </a:xfrm>
+            <a:prstGeom prst="bentConnector3">
+              <a:avLst>
+                <a:gd name="adj1" fmla="val -718281"/>
+              </a:avLst>
+            </a:prstGeom>
+            <a:ln w="28575">
+              <a:solidFill>
+                <a:schemeClr val="tx1"/>
+              </a:solidFill>
+              <a:tailEnd type="triangle"/>
+            </a:ln>
+          </p:spPr>
+          <p:style>
+            <a:lnRef idx="1">
+              <a:schemeClr val="accent1"/>
+            </a:lnRef>
+            <a:fillRef idx="0">
+              <a:schemeClr val="accent1"/>
+            </a:fillRef>
+            <a:effectRef idx="0">
+              <a:schemeClr val="accent1"/>
+            </a:effectRef>
+            <a:fontRef idx="minor">
+              <a:schemeClr val="tx1"/>
+            </a:fontRef>
+          </p:style>
+        </p:cxnSp>
+        <p:sp>
+          <p:nvSpPr>
+            <p:cNvPr id="46" name="文本框 12">
+              <a:extLst>
+                <a:ext uri="{FF2B5EF4-FFF2-40B4-BE49-F238E27FC236}">
+                  <a16:creationId xmlns:a16="http://schemas.microsoft.com/office/drawing/2014/main" id="{D3269A23-EFD9-8D42-8CEA-47700EF9F2D8}"/>
+                </a:ext>
+              </a:extLst>
+            </p:cNvPr>
+            <p:cNvSpPr txBox="1"/>
+            <p:nvPr/>
+          </p:nvSpPr>
+          <p:spPr>
+            <a:xfrm>
+              <a:off x="6349391" y="2927008"/>
+              <a:ext cx="1523015" cy="307777"/>
+            </a:xfrm>
+            <a:prstGeom prst="rect">
+              <a:avLst/>
+            </a:prstGeom>
+            <a:noFill/>
+          </p:spPr>
+          <p:txBody>
+            <a:bodyPr wrap="square" rtlCol="0">
+              <a:spAutoFit/>
+            </a:bodyPr>
+            <a:lstStyle/>
+            <a:p>
+              <a:pPr algn="ctr"/>
+              <a:r>
+                <a:rPr kumimoji="1" lang="en-US" altLang="zh-CN" sz="1400" b="1" i="1" dirty="0">
+                  <a:latin typeface="DengXian" panose="02010600030101010101" pitchFamily="2" charset="-122"/>
+                  <a:ea typeface="DengXian" panose="02010600030101010101" pitchFamily="2" charset="-122"/>
+                </a:rPr>
+                <a:t>edge3:</a:t>
+              </a:r>
+              <a:r>
+                <a:rPr kumimoji="1" lang="zh-CN" altLang="en-US" sz="1400" b="1" i="1" dirty="0">
+                  <a:latin typeface="DengXian" panose="02010600030101010101" pitchFamily="2" charset="-122"/>
+                  <a:ea typeface="DengXian" panose="02010600030101010101" pitchFamily="2" charset="-122"/>
+                </a:rPr>
+                <a:t> </a:t>
+              </a:r>
+              <a:r>
+                <a:rPr kumimoji="1" lang="en-US" altLang="zh-CN" sz="1400" dirty="0">
+                  <a:latin typeface="DengXian" panose="02010600030101010101" pitchFamily="2" charset="-122"/>
+                  <a:ea typeface="DengXian" panose="02010600030101010101" pitchFamily="2" charset="-122"/>
+                </a:rPr>
+                <a:t>transfer</a:t>
+              </a:r>
+            </a:p>
+          </p:txBody>
+        </p:sp>
+        <p:sp>
+          <p:nvSpPr>
+            <p:cNvPr id="70" name="文本框 12">
+              <a:extLst>
+                <a:ext uri="{FF2B5EF4-FFF2-40B4-BE49-F238E27FC236}">
+                  <a16:creationId xmlns:a16="http://schemas.microsoft.com/office/drawing/2014/main" id="{AB36CA97-DDE3-8743-9AAC-17DE50C42ED3}"/>
+                </a:ext>
+              </a:extLst>
+            </p:cNvPr>
+            <p:cNvSpPr txBox="1"/>
+            <p:nvPr/>
+          </p:nvSpPr>
+          <p:spPr>
+            <a:xfrm>
+              <a:off x="4327965" y="3661476"/>
+              <a:ext cx="1357093" cy="307777"/>
+            </a:xfrm>
+            <a:prstGeom prst="rect">
+              <a:avLst/>
+            </a:prstGeom>
+            <a:noFill/>
+          </p:spPr>
+          <p:txBody>
+            <a:bodyPr wrap="square" rtlCol="0">
+              <a:spAutoFit/>
+            </a:bodyPr>
+            <a:lstStyle/>
+            <a:p>
+              <a:pPr algn="ctr"/>
+              <a:r>
+                <a:rPr kumimoji="1" lang="en-US" altLang="zh-CN" sz="1400" b="1" i="1" dirty="0">
+                  <a:latin typeface="DengXian" panose="02010600030101010101" pitchFamily="2" charset="-122"/>
+                  <a:ea typeface="DengXian" panose="02010600030101010101" pitchFamily="2" charset="-122"/>
+                </a:rPr>
+                <a:t>edge1:</a:t>
+              </a:r>
+              <a:r>
+                <a:rPr kumimoji="1" lang="zh-CN" altLang="en-US" sz="1400" b="1" i="1" dirty="0">
+                  <a:latin typeface="DengXian" panose="02010600030101010101" pitchFamily="2" charset="-122"/>
+                  <a:ea typeface="DengXian" panose="02010600030101010101" pitchFamily="2" charset="-122"/>
+                </a:rPr>
+                <a:t> </a:t>
+              </a:r>
+              <a:r>
+                <a:rPr kumimoji="1" lang="en-US" altLang="zh-CN" sz="1400" i="1" dirty="0">
+                  <a:latin typeface="DengXian" panose="02010600030101010101" pitchFamily="2" charset="-122"/>
+                  <a:ea typeface="DengXian" panose="02010600030101010101" pitchFamily="2" charset="-122"/>
+                </a:rPr>
+                <a:t>repay</a:t>
+              </a:r>
+              <a:endParaRPr kumimoji="1" lang="en-US" altLang="zh-CN" sz="1400" dirty="0">
+                <a:latin typeface="DengXian" panose="02010600030101010101" pitchFamily="2" charset="-122"/>
+                <a:ea typeface="DengXian" panose="02010600030101010101" pitchFamily="2" charset="-122"/>
+              </a:endParaRPr>
+            </a:p>
+          </p:txBody>
+        </p:sp>
+        <p:sp>
+          <p:nvSpPr>
+            <p:cNvPr id="71" name="文本框 12">
+              <a:extLst>
+                <a:ext uri="{FF2B5EF4-FFF2-40B4-BE49-F238E27FC236}">
+                  <a16:creationId xmlns:a16="http://schemas.microsoft.com/office/drawing/2014/main" id="{56BBE84B-A991-B44B-B117-7D2F7F671A37}"/>
+                </a:ext>
+              </a:extLst>
+            </p:cNvPr>
+            <p:cNvSpPr txBox="1"/>
+            <p:nvPr/>
+          </p:nvSpPr>
+          <p:spPr>
+            <a:xfrm>
+              <a:off x="6349390" y="3991638"/>
+              <a:ext cx="1523015" cy="307777"/>
+            </a:xfrm>
+            <a:prstGeom prst="rect">
+              <a:avLst/>
+            </a:prstGeom>
+            <a:noFill/>
+          </p:spPr>
+          <p:txBody>
+            <a:bodyPr wrap="square" rtlCol="0">
+              <a:spAutoFit/>
+            </a:bodyPr>
+            <a:lstStyle/>
+            <a:p>
+              <a:pPr algn="ctr"/>
+              <a:r>
+                <a:rPr kumimoji="1" lang="en-US" altLang="zh-CN" sz="1400" b="1" i="1" dirty="0">
+                  <a:latin typeface="DengXian" panose="02010600030101010101" pitchFamily="2" charset="-122"/>
+                  <a:ea typeface="DengXian" panose="02010600030101010101" pitchFamily="2" charset="-122"/>
+                </a:rPr>
+                <a:t>edge4:</a:t>
+              </a:r>
+              <a:r>
+                <a:rPr kumimoji="1" lang="zh-CN" altLang="en-US" sz="1400" b="1" i="1" dirty="0">
+                  <a:latin typeface="DengXian" panose="02010600030101010101" pitchFamily="2" charset="-122"/>
+                  <a:ea typeface="DengXian" panose="02010600030101010101" pitchFamily="2" charset="-122"/>
+                </a:rPr>
+                <a:t> </a:t>
+              </a:r>
+              <a:r>
+                <a:rPr kumimoji="1" lang="en-US" altLang="zh-CN" sz="1400" dirty="0">
+                  <a:latin typeface="DengXian" panose="02010600030101010101" pitchFamily="2" charset="-122"/>
+                  <a:ea typeface="DengXian" panose="02010600030101010101" pitchFamily="2" charset="-122"/>
+                </a:rPr>
+                <a:t>transfer</a:t>
+              </a:r>
+            </a:p>
+          </p:txBody>
+        </p:sp>
+      </p:grpSp>
+    </p:spTree>
+    <p:extLst>
+      <p:ext uri="{BB962C8B-B14F-4D97-AF65-F5344CB8AC3E}">
+        <p14:creationId xmlns:p14="http://schemas.microsoft.com/office/powerpoint/2010/main" val="2301216252"/>
       </p:ext>
     </p:extLst>
   </p:cSld>
